--- a/readme/前后分离开发协作.pptx
+++ b/readme/前后分离开发协作.pptx
@@ -5,15 +5,17 @@
     <p:sldMasterId id="2147483648" r:id="rId1"/>
   </p:sldMasterIdLst>
   <p:notesMasterIdLst>
-    <p:notesMasterId r:id="rId5"/>
+    <p:notesMasterId r:id="rId7"/>
   </p:notesMasterIdLst>
   <p:handoutMasterIdLst>
-    <p:handoutMasterId r:id="rId6"/>
+    <p:handoutMasterId r:id="rId8"/>
   </p:handoutMasterIdLst>
   <p:sldIdLst>
     <p:sldId id="385" r:id="rId2"/>
-    <p:sldId id="388" r:id="rId3"/>
-    <p:sldId id="387" r:id="rId4"/>
+    <p:sldId id="390" r:id="rId3"/>
+    <p:sldId id="388" r:id="rId4"/>
+    <p:sldId id="389" r:id="rId5"/>
+    <p:sldId id="387" r:id="rId6"/>
   </p:sldIdLst>
   <p:sldSz cx="9144000" cy="5143500" type="screen16x9"/>
   <p:notesSz cx="6858000" cy="9144000"/>
@@ -664,6 +666,128 @@
     </a:lvl9pPr>
   </p:notesStyle>
 </p:notesMaster>
+</file>
+
+<file path=ppt/notesSlides/notesSlide1.xml><?xml version="1.0" encoding="utf-8"?>
+<p:notes xmlns:a="http://schemas.openxmlformats.org/drawingml/2006/main" xmlns:r="http://schemas.openxmlformats.org/officeDocument/2006/relationships" xmlns:p="http://schemas.openxmlformats.org/presentationml/2006/main">
+  <p:cSld>
+    <p:spTree>
+      <p:nvGrpSpPr>
+        <p:cNvPr id="1" name=""/>
+        <p:cNvGrpSpPr/>
+        <p:nvPr/>
+      </p:nvGrpSpPr>
+      <p:grpSpPr>
+        <a:xfrm>
+          <a:off x="0" y="0"/>
+          <a:ext cx="0" cy="0"/>
+          <a:chOff x="0" y="0"/>
+          <a:chExt cx="0" cy="0"/>
+        </a:xfrm>
+      </p:grpSpPr>
+      <p:sp>
+        <p:nvSpPr>
+          <p:cNvPr id="2" name="幻灯片图像占位符 1"/>
+          <p:cNvSpPr>
+            <a:spLocks noGrp="1" noRot="1" noChangeAspect="1"/>
+          </p:cNvSpPr>
+          <p:nvPr>
+            <p:ph type="sldImg"/>
+          </p:nvPr>
+        </p:nvSpPr>
+        <p:spPr/>
+      </p:sp>
+      <p:sp>
+        <p:nvSpPr>
+          <p:cNvPr id="3" name="备注占位符 2"/>
+          <p:cNvSpPr>
+            <a:spLocks noGrp="1"/>
+          </p:cNvSpPr>
+          <p:nvPr>
+            <p:ph type="body" idx="1"/>
+          </p:nvPr>
+        </p:nvSpPr>
+        <p:spPr/>
+        <p:txBody>
+          <a:bodyPr/>
+          <a:lstStyle/>
+          <a:p>
+            <a:r>
+              <a:rPr kumimoji="1" lang="en-US" altLang="zh-CN" dirty="0" smtClean="0"/>
+              <a:t>1</a:t>
+            </a:r>
+            <a:r>
+              <a:rPr kumimoji="1" lang="zh-CN" altLang="en-US" dirty="0" smtClean="0"/>
+              <a:t>、没有服务前，前端自己 挡板；</a:t>
+            </a:r>
+            <a:endParaRPr kumimoji="1" lang="en-US" altLang="zh-CN" dirty="0" smtClean="0"/>
+          </a:p>
+          <a:p>
+            <a:r>
+              <a:rPr kumimoji="1" lang="en-US" altLang="zh-CN" dirty="0" smtClean="0"/>
+              <a:t>2</a:t>
+            </a:r>
+            <a:r>
+              <a:rPr kumimoji="1" lang="zh-CN" altLang="en-US" dirty="0" smtClean="0"/>
+              <a:t>、服务开发好前，先提供一个测试版本；</a:t>
+            </a:r>
+            <a:r>
+              <a:rPr kumimoji="1" lang="en-US" altLang="zh-CN" dirty="0" smtClean="0"/>
+              <a:t>0.9</a:t>
+            </a:r>
+          </a:p>
+          <a:p>
+            <a:r>
+              <a:rPr kumimoji="1" lang="en-US" altLang="zh-CN" dirty="0" smtClean="0"/>
+              <a:t>3</a:t>
+            </a:r>
+            <a:r>
+              <a:rPr kumimoji="1" lang="zh-CN" altLang="en-US" dirty="0" smtClean="0"/>
+              <a:t>、服务交付后，前端调用正式版本；</a:t>
+            </a:r>
+            <a:r>
+              <a:rPr kumimoji="1" lang="en-US" altLang="zh-CN" dirty="0" smtClean="0"/>
+              <a:t>1.0</a:t>
+            </a:r>
+            <a:endParaRPr kumimoji="1" lang="zh-CN" altLang="en-US" dirty="0"/>
+          </a:p>
+        </p:txBody>
+      </p:sp>
+      <p:sp>
+        <p:nvSpPr>
+          <p:cNvPr id="4" name="幻灯片编号占位符 3"/>
+          <p:cNvSpPr>
+            <a:spLocks noGrp="1"/>
+          </p:cNvSpPr>
+          <p:nvPr>
+            <p:ph type="sldNum" sz="quarter" idx="10"/>
+          </p:nvPr>
+        </p:nvSpPr>
+        <p:spPr/>
+        <p:txBody>
+          <a:bodyPr/>
+          <a:lstStyle/>
+          <a:p>
+            <a:fld id="{1537D9F3-22A8-4B09-B716-F97D62E56ADC}" type="slidenum">
+              <a:rPr lang="zh-CN" altLang="en-US" smtClean="0"/>
+              <a:pPr/>
+              <a:t>5</a:t>
+            </a:fld>
+            <a:endParaRPr lang="zh-CN" altLang="en-US"/>
+          </a:p>
+        </p:txBody>
+      </p:sp>
+    </p:spTree>
+    <p:extLst>
+      <p:ext uri="{BB962C8B-B14F-4D97-AF65-F5344CB8AC3E}">
+        <p14:creationId xmlns:p14="http://schemas.microsoft.com/office/powerpoint/2010/main" val="8156630"/>
+      </p:ext>
+    </p:extLst>
+  </p:cSld>
+  <p:clrMapOvr>
+    <a:masterClrMapping/>
+  </p:clrMapOvr>
+</p:notes>
 </file>
 
 <file path=ppt/slideLayouts/slideLayout1.xml><?xml version="1.0" encoding="utf-8"?>
@@ -2226,15 +2350,7 @@
           <a:p>
             <a:r>
               <a:rPr kumimoji="1" lang="zh-CN" altLang="en-US" dirty="0" smtClean="0"/>
-              <a:t>前</a:t>
-            </a:r>
-            <a:r>
-              <a:rPr kumimoji="1" lang="en-US" altLang="zh-CN" dirty="0" smtClean="0"/>
-              <a:t>-</a:t>
-            </a:r>
-            <a:r>
-              <a:rPr kumimoji="1" lang="zh-CN" altLang="en-US" dirty="0" smtClean="0"/>
-              <a:t>后分离的技术体系</a:t>
+              <a:t>在此之前</a:t>
             </a:r>
             <a:endParaRPr kumimoji="1" lang="zh-CN" altLang="en-US" dirty="0"/>
           </a:p>
@@ -2242,67 +2358,26 @@
       </p:sp>
       <p:sp>
         <p:nvSpPr>
-          <p:cNvPr id="3" name="文本框 2"/>
-          <p:cNvSpPr txBox="1"/>
-          <p:nvPr/>
-        </p:nvSpPr>
-        <p:spPr>
-          <a:xfrm flipH="1">
-            <a:off x="4601693" y="295944"/>
-            <a:ext cx="3066650" cy="369332"/>
-          </a:xfrm>
-          <a:prstGeom prst="rect">
-            <a:avLst/>
-          </a:prstGeom>
-          <a:noFill/>
-        </p:spPr>
-        <p:txBody>
-          <a:bodyPr wrap="square" rtlCol="0">
-            <a:spAutoFit/>
-          </a:bodyPr>
-          <a:lstStyle/>
-          <a:p>
-            <a:r>
-              <a:rPr kumimoji="1" lang="zh-CN" altLang="en-US" dirty="0" smtClean="0">
-                <a:solidFill>
-                  <a:srgbClr val="C00000"/>
-                </a:solidFill>
-              </a:rPr>
-              <a:t>团队及</a:t>
-            </a:r>
-            <a:r>
-              <a:rPr kumimoji="1" lang="zh-CN" altLang="en-US" smtClean="0">
-                <a:solidFill>
-                  <a:srgbClr val="C00000"/>
-                </a:solidFill>
-              </a:rPr>
-              <a:t>架构，架构及未来！</a:t>
-            </a:r>
-            <a:endParaRPr kumimoji="1" lang="zh-CN" altLang="en-US">
-              <a:solidFill>
-                <a:srgbClr val="C00000"/>
-              </a:solidFill>
-            </a:endParaRPr>
-          </a:p>
-        </p:txBody>
-      </p:sp>
-      <p:sp>
-        <p:nvSpPr>
-          <p:cNvPr id="80" name="矩形 79"/>
+          <p:cNvPr id="28" name="云形 27"/>
           <p:cNvSpPr/>
           <p:nvPr/>
         </p:nvSpPr>
         <p:spPr>
           <a:xfrm>
-            <a:off x="539552" y="2406743"/>
-            <a:ext cx="3456384" cy="2521674"/>
-          </a:xfrm>
-          <a:prstGeom prst="rect">
+            <a:off x="107504" y="424405"/>
+            <a:ext cx="8496944" cy="4639444"/>
+          </a:xfrm>
+          <a:prstGeom prst="cloud">
             <a:avLst/>
           </a:prstGeom>
           <a:solidFill>
-            <a:srgbClr val="FFC000"/>
+            <a:schemeClr val="bg1"/>
           </a:solidFill>
+          <a:ln>
+            <a:solidFill>
+              <a:srgbClr val="C00000"/>
+            </a:solidFill>
+          </a:ln>
         </p:spPr>
         <p:style>
           <a:lnRef idx="2">
@@ -2321,19 +2396,11 @@
           </a:fontRef>
         </p:style>
         <p:txBody>
-          <a:bodyPr rtlCol="0" anchor="t"/>
+          <a:bodyPr rtlCol="0" anchor="ctr"/>
           <a:lstStyle/>
           <a:p>
             <a:pPr algn="ctr"/>
-            <a:r>
-              <a:rPr kumimoji="1" lang="zh-CN" altLang="en-US" sz="1400" dirty="0" smtClean="0">
-                <a:solidFill>
-                  <a:schemeClr val="tx1"/>
-                </a:solidFill>
-              </a:rPr>
-              <a:t>前端架构</a:t>
-            </a:r>
-            <a:endParaRPr kumimoji="1" lang="zh-CN" altLang="en-US" sz="1400" dirty="0">
+            <a:endParaRPr kumimoji="1" lang="zh-CN" altLang="en-US" smtClean="0">
               <a:solidFill>
                 <a:schemeClr val="tx1"/>
               </a:solidFill>
@@ -2343,21 +2410,28 @@
       </p:sp>
       <p:sp>
         <p:nvSpPr>
-          <p:cNvPr id="81" name="矩形 80"/>
+          <p:cNvPr id="29" name="圆角矩形 28"/>
           <p:cNvSpPr/>
           <p:nvPr/>
         </p:nvSpPr>
         <p:spPr>
           <a:xfrm>
-            <a:off x="4860032" y="2406743"/>
-            <a:ext cx="3816424" cy="2521674"/>
-          </a:xfrm>
-          <a:prstGeom prst="rect">
-            <a:avLst/>
+            <a:off x="3563888" y="743369"/>
+            <a:ext cx="891093" cy="720080"/>
+          </a:xfrm>
+          <a:prstGeom prst="roundRect">
+            <a:avLst>
+              <a:gd name="adj" fmla="val 5505"/>
+            </a:avLst>
           </a:prstGeom>
           <a:solidFill>
-            <a:srgbClr val="0070C0"/>
+            <a:srgbClr val="00B050"/>
           </a:solidFill>
+          <a:ln>
+            <a:solidFill>
+              <a:schemeClr val="tx1"/>
+            </a:solidFill>
+          </a:ln>
         </p:spPr>
         <p:style>
           <a:lnRef idx="2">
@@ -2376,37 +2450,34 @@
           </a:fontRef>
         </p:style>
         <p:txBody>
-          <a:bodyPr rtlCol="0" anchor="t"/>
+          <a:bodyPr rtlCol="0" anchor="ctr"/>
           <a:lstStyle/>
           <a:p>
             <a:pPr algn="ctr"/>
             <a:r>
-              <a:rPr kumimoji="1" lang="zh-CN" altLang="en-US" sz="1400" dirty="0" smtClean="0"/>
-              <a:t>后端架构</a:t>
-            </a:r>
-            <a:endParaRPr kumimoji="1" lang="zh-CN" altLang="en-US" sz="1400" dirty="0"/>
-          </a:p>
-        </p:txBody>
-      </p:sp>
-      <p:sp>
-        <p:nvSpPr>
-          <p:cNvPr id="82" name="矩形 81"/>
+              <a:rPr kumimoji="1" lang="zh-CN" altLang="en-US" smtClean="0"/>
+              <a:t>注册中心 </a:t>
+            </a:r>
+            <a:endParaRPr kumimoji="1" lang="zh-CN" altLang="en-US" dirty="0"/>
+          </a:p>
+        </p:txBody>
+      </p:sp>
+      <p:sp>
+        <p:nvSpPr>
+          <p:cNvPr id="30" name="圆角矩形 29"/>
           <p:cNvSpPr/>
           <p:nvPr/>
         </p:nvSpPr>
         <p:spPr>
           <a:xfrm>
-            <a:off x="2536996" y="3879701"/>
-            <a:ext cx="1305981" cy="490128"/>
-          </a:xfrm>
-          <a:prstGeom prst="rect">
-            <a:avLst/>
-          </a:prstGeom>
-          <a:solidFill>
-            <a:schemeClr val="bg1">
-              <a:lumMod val="95000"/>
-            </a:schemeClr>
-          </a:solidFill>
+            <a:off x="1331640" y="2327545"/>
+            <a:ext cx="1800200" cy="648072"/>
+          </a:xfrm>
+          <a:prstGeom prst="roundRect">
+            <a:avLst>
+              <a:gd name="adj" fmla="val 5505"/>
+            </a:avLst>
+          </a:prstGeom>
         </p:spPr>
         <p:style>
           <a:lnRef idx="2">
@@ -2430,56 +2501,28 @@
           <a:p>
             <a:pPr algn="ctr"/>
             <a:r>
-              <a:rPr kumimoji="1" lang="en-US" altLang="zh-CN" sz="1400" dirty="0" smtClean="0">
-                <a:solidFill>
-                  <a:schemeClr val="tx1"/>
-                </a:solidFill>
-              </a:rPr>
-              <a:t>Spring</a:t>
-            </a:r>
-            <a:r>
-              <a:rPr kumimoji="1" lang="zh-CN" altLang="en-US" sz="1400" dirty="0" smtClean="0">
-                <a:solidFill>
-                  <a:schemeClr val="tx1"/>
-                </a:solidFill>
-              </a:rPr>
-              <a:t> </a:t>
-            </a:r>
-            <a:r>
-              <a:rPr kumimoji="1" lang="en-US" altLang="zh-CN" sz="1400" dirty="0" smtClean="0">
-                <a:solidFill>
-                  <a:schemeClr val="tx1"/>
-                </a:solidFill>
-              </a:rPr>
-              <a:t>MVC</a:t>
-            </a:r>
-            <a:endParaRPr kumimoji="1" lang="zh-CN" altLang="en-US" sz="1400" dirty="0">
-              <a:solidFill>
-                <a:schemeClr val="tx1"/>
-              </a:solidFill>
-            </a:endParaRPr>
-          </a:p>
-        </p:txBody>
-      </p:sp>
-      <p:sp>
-        <p:nvSpPr>
-          <p:cNvPr id="83" name="矩形 82"/>
+              <a:rPr kumimoji="1" lang="zh-CN" altLang="en-US" dirty="0" smtClean="0"/>
+              <a:t>服务消费者</a:t>
+            </a:r>
+          </a:p>
+        </p:txBody>
+      </p:sp>
+      <p:sp>
+        <p:nvSpPr>
+          <p:cNvPr id="31" name="圆角矩形 30"/>
           <p:cNvSpPr/>
           <p:nvPr/>
         </p:nvSpPr>
         <p:spPr>
           <a:xfrm>
-            <a:off x="5089917" y="3070323"/>
-            <a:ext cx="864096" cy="432048"/>
-          </a:xfrm>
-          <a:prstGeom prst="rect">
-            <a:avLst/>
-          </a:prstGeom>
-          <a:solidFill>
-            <a:schemeClr val="bg1">
-              <a:lumMod val="95000"/>
-            </a:schemeClr>
-          </a:solidFill>
+            <a:off x="5940152" y="2327545"/>
+            <a:ext cx="1800200" cy="648072"/>
+          </a:xfrm>
+          <a:prstGeom prst="roundRect">
+            <a:avLst>
+              <a:gd name="adj" fmla="val 5505"/>
+            </a:avLst>
+          </a:prstGeom>
         </p:spPr>
         <p:style>
           <a:lnRef idx="2">
@@ -2503,40 +2546,181 @@
           <a:p>
             <a:pPr algn="ctr"/>
             <a:r>
-              <a:rPr kumimoji="1" lang="en-US" altLang="zh-CN" dirty="0" err="1" smtClean="0">
-                <a:solidFill>
-                  <a:schemeClr val="tx1"/>
-                </a:solidFill>
-              </a:rPr>
-              <a:t>Dubbo</a:t>
-            </a:r>
-            <a:endParaRPr kumimoji="1" lang="zh-CN" altLang="en-US" dirty="0">
-              <a:solidFill>
-                <a:schemeClr val="tx1"/>
-              </a:solidFill>
-            </a:endParaRPr>
-          </a:p>
-        </p:txBody>
-      </p:sp>
-      <p:sp>
-        <p:nvSpPr>
-          <p:cNvPr id="84" name="矩形 83"/>
+              <a:rPr kumimoji="1" lang="zh-CN" altLang="en-US" dirty="0" smtClean="0"/>
+              <a:t>服务提供者</a:t>
+            </a:r>
+          </a:p>
+        </p:txBody>
+      </p:sp>
+      <p:cxnSp>
+        <p:nvCxnSpPr>
+          <p:cNvPr id="32" name="直线箭头连接符 31"/>
+          <p:cNvCxnSpPr>
+            <a:stCxn id="48" idx="0"/>
+          </p:cNvCxnSpPr>
+          <p:nvPr/>
+        </p:nvCxnSpPr>
+        <p:spPr>
+          <a:xfrm flipV="1">
+            <a:off x="2231740" y="1441652"/>
+            <a:ext cx="1342075" cy="885893"/>
+          </a:xfrm>
+          <a:prstGeom prst="straightConnector1">
+            <a:avLst/>
+          </a:prstGeom>
+          <a:ln w="28575">
+            <a:prstDash val="dash"/>
+            <a:tailEnd type="triangle"/>
+          </a:ln>
+        </p:spPr>
+        <p:style>
+          <a:lnRef idx="1">
+            <a:schemeClr val="accent1"/>
+          </a:lnRef>
+          <a:fillRef idx="0">
+            <a:schemeClr val="accent1"/>
+          </a:fillRef>
+          <a:effectRef idx="0">
+            <a:schemeClr val="accent1"/>
+          </a:effectRef>
+          <a:fontRef idx="minor">
+            <a:schemeClr val="tx1"/>
+          </a:fontRef>
+        </p:style>
+      </p:cxnSp>
+      <p:cxnSp>
+        <p:nvCxnSpPr>
+          <p:cNvPr id="33" name="直线箭头连接符 32"/>
+          <p:cNvCxnSpPr>
+            <a:stCxn id="49" idx="0"/>
+            <a:endCxn id="47" idx="2"/>
+          </p:cNvCxnSpPr>
+          <p:nvPr/>
+        </p:nvCxnSpPr>
+        <p:spPr>
+          <a:xfrm flipH="1" flipV="1">
+            <a:off x="4009435" y="1463449"/>
+            <a:ext cx="2830817" cy="864096"/>
+          </a:xfrm>
+          <a:prstGeom prst="straightConnector1">
+            <a:avLst/>
+          </a:prstGeom>
+          <a:ln w="28575">
+            <a:prstDash val="dash"/>
+            <a:tailEnd type="triangle"/>
+          </a:ln>
+        </p:spPr>
+        <p:style>
+          <a:lnRef idx="1">
+            <a:schemeClr val="accent1"/>
+          </a:lnRef>
+          <a:fillRef idx="0">
+            <a:schemeClr val="accent1"/>
+          </a:fillRef>
+          <a:effectRef idx="0">
+            <a:schemeClr val="accent1"/>
+          </a:effectRef>
+          <a:fontRef idx="minor">
+            <a:schemeClr val="tx1"/>
+          </a:fontRef>
+        </p:style>
+      </p:cxnSp>
+      <p:cxnSp>
+        <p:nvCxnSpPr>
+          <p:cNvPr id="34" name="直线箭头连接符 33"/>
+          <p:cNvCxnSpPr>
+            <a:stCxn id="48" idx="3"/>
+            <a:endCxn id="49" idx="1"/>
+          </p:cNvCxnSpPr>
+          <p:nvPr/>
+        </p:nvCxnSpPr>
+        <p:spPr>
+          <a:xfrm>
+            <a:off x="3131840" y="2651581"/>
+            <a:ext cx="2808312" cy="0"/>
+          </a:xfrm>
+          <a:prstGeom prst="straightConnector1">
+            <a:avLst/>
+          </a:prstGeom>
+          <a:ln w="28575">
+            <a:tailEnd type="triangle"/>
+          </a:ln>
+        </p:spPr>
+        <p:style>
+          <a:lnRef idx="1">
+            <a:schemeClr val="accent1"/>
+          </a:lnRef>
+          <a:fillRef idx="0">
+            <a:schemeClr val="accent1"/>
+          </a:fillRef>
+          <a:effectRef idx="0">
+            <a:schemeClr val="accent1"/>
+          </a:effectRef>
+          <a:fontRef idx="minor">
+            <a:schemeClr val="tx1"/>
+          </a:fontRef>
+        </p:style>
+      </p:cxnSp>
+      <p:cxnSp>
+        <p:nvCxnSpPr>
+          <p:cNvPr id="35" name="直线箭头连接符 34"/>
+          <p:cNvCxnSpPr>
+            <a:stCxn id="47" idx="2"/>
+          </p:cNvCxnSpPr>
+          <p:nvPr/>
+        </p:nvCxnSpPr>
+        <p:spPr>
+          <a:xfrm flipH="1">
+            <a:off x="2663789" y="1463449"/>
+            <a:ext cx="1345646" cy="864096"/>
+          </a:xfrm>
+          <a:prstGeom prst="straightConnector1">
+            <a:avLst/>
+          </a:prstGeom>
+          <a:ln w="28575">
+            <a:prstDash val="dash"/>
+            <a:tailEnd type="triangle"/>
+          </a:ln>
+        </p:spPr>
+        <p:style>
+          <a:lnRef idx="1">
+            <a:schemeClr val="accent1"/>
+          </a:lnRef>
+          <a:fillRef idx="0">
+            <a:schemeClr val="accent1"/>
+          </a:fillRef>
+          <a:effectRef idx="0">
+            <a:schemeClr val="accent1"/>
+          </a:effectRef>
+          <a:fontRef idx="minor">
+            <a:schemeClr val="tx1"/>
+          </a:fontRef>
+        </p:style>
+      </p:cxnSp>
+      <p:sp>
+        <p:nvSpPr>
+          <p:cNvPr id="36" name="圆角矩形 35"/>
           <p:cNvSpPr/>
           <p:nvPr/>
         </p:nvSpPr>
         <p:spPr>
           <a:xfrm>
-            <a:off x="745739" y="2849448"/>
-            <a:ext cx="2052532" cy="403392"/>
-          </a:xfrm>
-          <a:prstGeom prst="rect">
-            <a:avLst/>
+            <a:off x="4878262" y="3816215"/>
+            <a:ext cx="845866" cy="720080"/>
+          </a:xfrm>
+          <a:prstGeom prst="roundRect">
+            <a:avLst>
+              <a:gd name="adj" fmla="val 5505"/>
+            </a:avLst>
           </a:prstGeom>
           <a:solidFill>
-            <a:schemeClr val="bg1">
-              <a:lumMod val="95000"/>
-            </a:schemeClr>
+            <a:srgbClr val="FFFF00"/>
           </a:solidFill>
+          <a:ln>
+            <a:solidFill>
+              <a:srgbClr val="00B050"/>
+            </a:solidFill>
+          </a:ln>
         </p:spPr>
         <p:style>
           <a:lnRef idx="2">
@@ -2560,14 +2744,14 @@
           <a:p>
             <a:pPr algn="ctr"/>
             <a:r>
-              <a:rPr kumimoji="1" lang="zh-CN" altLang="en-US" sz="1400" dirty="0" smtClean="0">
+              <a:rPr kumimoji="1" lang="zh-CN" altLang="en-US" dirty="0" smtClean="0">
                 <a:solidFill>
                   <a:schemeClr val="tx1"/>
                 </a:solidFill>
               </a:rPr>
-              <a:t>浏览器</a:t>
-            </a:r>
-            <a:endParaRPr kumimoji="1" lang="zh-CN" altLang="en-US" sz="1400" dirty="0">
+              <a:t>监控中心</a:t>
+            </a:r>
+            <a:endParaRPr kumimoji="1" lang="zh-CN" altLang="en-US" dirty="0">
               <a:solidFill>
                 <a:schemeClr val="tx1"/>
               </a:solidFill>
@@ -2575,25 +2759,448 @@
           </a:p>
         </p:txBody>
       </p:sp>
-      <p:sp>
-        <p:nvSpPr>
-          <p:cNvPr id="85" name="矩形 84"/>
+      <p:cxnSp>
+        <p:nvCxnSpPr>
+          <p:cNvPr id="37" name="直线箭头连接符 36"/>
+          <p:cNvCxnSpPr>
+            <a:stCxn id="49" idx="2"/>
+          </p:cNvCxnSpPr>
+          <p:nvPr/>
+        </p:nvCxnSpPr>
+        <p:spPr>
+          <a:xfrm flipH="1">
+            <a:off x="5724128" y="2975617"/>
+            <a:ext cx="1116124" cy="1200638"/>
+          </a:xfrm>
+          <a:prstGeom prst="straightConnector1">
+            <a:avLst/>
+          </a:prstGeom>
+          <a:ln w="28575">
+            <a:prstDash val="dash"/>
+            <a:tailEnd type="triangle"/>
+          </a:ln>
+        </p:spPr>
+        <p:style>
+          <a:lnRef idx="1">
+            <a:schemeClr val="accent1"/>
+          </a:lnRef>
+          <a:fillRef idx="0">
+            <a:schemeClr val="accent1"/>
+          </a:fillRef>
+          <a:effectRef idx="0">
+            <a:schemeClr val="accent1"/>
+          </a:effectRef>
+          <a:fontRef idx="minor">
+            <a:schemeClr val="tx1"/>
+          </a:fontRef>
+        </p:style>
+      </p:cxnSp>
+      <p:cxnSp>
+        <p:nvCxnSpPr>
+          <p:cNvPr id="38" name="直线箭头连接符 37"/>
+          <p:cNvCxnSpPr>
+            <a:stCxn id="48" idx="2"/>
+          </p:cNvCxnSpPr>
+          <p:nvPr/>
+        </p:nvCxnSpPr>
+        <p:spPr>
+          <a:xfrm>
+            <a:off x="2231740" y="2975617"/>
+            <a:ext cx="3069455" cy="840598"/>
+          </a:xfrm>
+          <a:prstGeom prst="straightConnector1">
+            <a:avLst/>
+          </a:prstGeom>
+          <a:ln w="28575">
+            <a:prstDash val="dash"/>
+            <a:tailEnd type="triangle"/>
+          </a:ln>
+        </p:spPr>
+        <p:style>
+          <a:lnRef idx="1">
+            <a:schemeClr val="accent1"/>
+          </a:lnRef>
+          <a:fillRef idx="0">
+            <a:schemeClr val="accent1"/>
+          </a:fillRef>
+          <a:effectRef idx="0">
+            <a:schemeClr val="accent1"/>
+          </a:effectRef>
+          <a:fontRef idx="minor">
+            <a:schemeClr val="tx1"/>
+          </a:fontRef>
+        </p:style>
+      </p:cxnSp>
+      <p:sp>
+        <p:nvSpPr>
+          <p:cNvPr id="39" name="文本框 38"/>
+          <p:cNvSpPr txBox="1"/>
+          <p:nvPr/>
+        </p:nvSpPr>
+        <p:spPr>
+          <a:xfrm>
+            <a:off x="5128008" y="1880319"/>
+            <a:ext cx="1034257" cy="307777"/>
+          </a:xfrm>
+          <a:prstGeom prst="rect">
+            <a:avLst/>
+          </a:prstGeom>
+          <a:noFill/>
+        </p:spPr>
+        <p:txBody>
+          <a:bodyPr wrap="none" rtlCol="0">
+            <a:spAutoFit/>
+          </a:bodyPr>
+          <a:lstStyle/>
+          <a:p>
+            <a:r>
+              <a:rPr kumimoji="1" lang="en-US" altLang="zh-CN" sz="1400" dirty="0" smtClean="0"/>
+              <a:t>1</a:t>
+            </a:r>
+            <a:r>
+              <a:rPr kumimoji="1" lang="zh-CN" altLang="en-US" sz="1400" dirty="0" smtClean="0"/>
+              <a:t> 发布服务</a:t>
+            </a:r>
+            <a:endParaRPr kumimoji="1" lang="zh-CN" altLang="en-US" sz="1400" dirty="0"/>
+          </a:p>
+        </p:txBody>
+      </p:sp>
+      <p:sp>
+        <p:nvSpPr>
+          <p:cNvPr id="40" name="文本框 39"/>
+          <p:cNvSpPr txBox="1"/>
+          <p:nvPr/>
+        </p:nvSpPr>
+        <p:spPr>
+          <a:xfrm>
+            <a:off x="1843999" y="1359637"/>
+            <a:ext cx="1034257" cy="307777"/>
+          </a:xfrm>
+          <a:prstGeom prst="rect">
+            <a:avLst/>
+          </a:prstGeom>
+          <a:noFill/>
+        </p:spPr>
+        <p:txBody>
+          <a:bodyPr wrap="none" rtlCol="0">
+            <a:spAutoFit/>
+          </a:bodyPr>
+          <a:lstStyle/>
+          <a:p>
+            <a:r>
+              <a:rPr kumimoji="1" lang="en-US" altLang="zh-CN" sz="1400" dirty="0" smtClean="0"/>
+              <a:t>2</a:t>
+            </a:r>
+            <a:r>
+              <a:rPr kumimoji="1" lang="zh-CN" altLang="en-US" sz="1400" dirty="0" smtClean="0"/>
+              <a:t> 订阅服务</a:t>
+            </a:r>
+            <a:endParaRPr kumimoji="1" lang="zh-CN" altLang="en-US" sz="1400" dirty="0"/>
+          </a:p>
+        </p:txBody>
+      </p:sp>
+      <p:sp>
+        <p:nvSpPr>
+          <p:cNvPr id="41" name="文本框 40"/>
+          <p:cNvSpPr txBox="1"/>
+          <p:nvPr/>
+        </p:nvSpPr>
+        <p:spPr>
+          <a:xfrm>
+            <a:off x="2669440" y="1890851"/>
+            <a:ext cx="1034257" cy="307777"/>
+          </a:xfrm>
+          <a:prstGeom prst="rect">
+            <a:avLst/>
+          </a:prstGeom>
+          <a:noFill/>
+        </p:spPr>
+        <p:txBody>
+          <a:bodyPr wrap="none" rtlCol="0">
+            <a:spAutoFit/>
+          </a:bodyPr>
+          <a:lstStyle/>
+          <a:p>
+            <a:r>
+              <a:rPr kumimoji="1" lang="en-US" altLang="zh-CN" sz="1400" dirty="0" smtClean="0"/>
+              <a:t>3</a:t>
+            </a:r>
+            <a:r>
+              <a:rPr kumimoji="1" lang="zh-CN" altLang="en-US" sz="1400" dirty="0" smtClean="0"/>
+              <a:t> 服务列表</a:t>
+            </a:r>
+            <a:endParaRPr kumimoji="1" lang="zh-CN" altLang="en-US" sz="1400" dirty="0"/>
+          </a:p>
+        </p:txBody>
+      </p:sp>
+      <p:sp>
+        <p:nvSpPr>
+          <p:cNvPr id="42" name="文本框 41"/>
+          <p:cNvSpPr txBox="1"/>
+          <p:nvPr/>
+        </p:nvSpPr>
+        <p:spPr>
+          <a:xfrm>
+            <a:off x="3635896" y="2304047"/>
+            <a:ext cx="1623265" cy="307777"/>
+          </a:xfrm>
+          <a:prstGeom prst="rect">
+            <a:avLst/>
+          </a:prstGeom>
+          <a:noFill/>
+        </p:spPr>
+        <p:txBody>
+          <a:bodyPr wrap="none" rtlCol="0">
+            <a:spAutoFit/>
+          </a:bodyPr>
+          <a:lstStyle/>
+          <a:p>
+            <a:r>
+              <a:rPr kumimoji="1" lang="en-US" altLang="zh-CN" sz="1400" dirty="0" smtClean="0"/>
+              <a:t>4</a:t>
+            </a:r>
+            <a:r>
+              <a:rPr kumimoji="1" lang="zh-CN" altLang="en-US" sz="1400" dirty="0" smtClean="0"/>
+              <a:t> 访问服务（</a:t>
+            </a:r>
+            <a:r>
+              <a:rPr kumimoji="1" lang="en-US" altLang="zh-CN" sz="1400" dirty="0" err="1" smtClean="0"/>
+              <a:t>rcp</a:t>
+            </a:r>
+            <a:r>
+              <a:rPr kumimoji="1" lang="zh-CN" altLang="en-US" sz="1400" dirty="0" smtClean="0"/>
+              <a:t>）</a:t>
+            </a:r>
+            <a:endParaRPr kumimoji="1" lang="zh-CN" altLang="en-US" sz="1400" dirty="0"/>
+          </a:p>
+        </p:txBody>
+      </p:sp>
+      <p:sp>
+        <p:nvSpPr>
+          <p:cNvPr id="43" name="文本框 42"/>
+          <p:cNvSpPr txBox="1"/>
+          <p:nvPr/>
+        </p:nvSpPr>
+        <p:spPr>
+          <a:xfrm>
+            <a:off x="2780679" y="3148398"/>
+            <a:ext cx="1034257" cy="307777"/>
+          </a:xfrm>
+          <a:prstGeom prst="rect">
+            <a:avLst/>
+          </a:prstGeom>
+          <a:noFill/>
+        </p:spPr>
+        <p:txBody>
+          <a:bodyPr wrap="none" rtlCol="0">
+            <a:spAutoFit/>
+          </a:bodyPr>
+          <a:lstStyle/>
+          <a:p>
+            <a:r>
+              <a:rPr kumimoji="1" lang="en-US" altLang="zh-CN" sz="1400" dirty="0" smtClean="0"/>
+              <a:t>5</a:t>
+            </a:r>
+            <a:r>
+              <a:rPr kumimoji="1" lang="zh-CN" altLang="en-US" sz="1400" dirty="0" smtClean="0"/>
+              <a:t> 监控信息</a:t>
+            </a:r>
+            <a:endParaRPr kumimoji="1" lang="zh-CN" altLang="en-US" sz="1400" dirty="0"/>
+          </a:p>
+        </p:txBody>
+      </p:sp>
+      <p:sp>
+        <p:nvSpPr>
+          <p:cNvPr id="44" name="文本框 43"/>
+          <p:cNvSpPr txBox="1"/>
+          <p:nvPr/>
+        </p:nvSpPr>
+        <p:spPr>
+          <a:xfrm>
+            <a:off x="5944102" y="3575936"/>
+            <a:ext cx="1034257" cy="307777"/>
+          </a:xfrm>
+          <a:prstGeom prst="rect">
+            <a:avLst/>
+          </a:prstGeom>
+          <a:noFill/>
+        </p:spPr>
+        <p:txBody>
+          <a:bodyPr wrap="none" rtlCol="0">
+            <a:spAutoFit/>
+          </a:bodyPr>
+          <a:lstStyle/>
+          <a:p>
+            <a:r>
+              <a:rPr kumimoji="1" lang="en-US" altLang="zh-CN" sz="1400" dirty="0" smtClean="0"/>
+              <a:t>5</a:t>
+            </a:r>
+            <a:r>
+              <a:rPr kumimoji="1" lang="zh-CN" altLang="en-US" sz="1400" dirty="0" smtClean="0"/>
+              <a:t> 监控信息</a:t>
+            </a:r>
+            <a:endParaRPr kumimoji="1" lang="zh-CN" altLang="en-US" sz="1400" dirty="0"/>
+          </a:p>
+        </p:txBody>
+      </p:sp>
+      <p:cxnSp>
+        <p:nvCxnSpPr>
+          <p:cNvPr id="46" name="直线箭头连接符 45"/>
+          <p:cNvCxnSpPr/>
+          <p:nvPr/>
+        </p:nvCxnSpPr>
+        <p:spPr>
+          <a:xfrm flipV="1">
+            <a:off x="7416980" y="4552666"/>
+            <a:ext cx="1032584" cy="10016"/>
+          </a:xfrm>
+          <a:prstGeom prst="straightConnector1">
+            <a:avLst/>
+          </a:prstGeom>
+          <a:ln w="28575">
+            <a:prstDash val="dash"/>
+            <a:tailEnd type="triangle"/>
+          </a:ln>
+        </p:spPr>
+        <p:style>
+          <a:lnRef idx="1">
+            <a:schemeClr val="accent1"/>
+          </a:lnRef>
+          <a:fillRef idx="0">
+            <a:schemeClr val="accent1"/>
+          </a:fillRef>
+          <a:effectRef idx="0">
+            <a:schemeClr val="accent1"/>
+          </a:effectRef>
+          <a:fontRef idx="minor">
+            <a:schemeClr val="tx1"/>
+          </a:fontRef>
+        </p:style>
+      </p:cxnSp>
+      <p:cxnSp>
+        <p:nvCxnSpPr>
+          <p:cNvPr id="47" name="直线箭头连接符 46"/>
+          <p:cNvCxnSpPr/>
+          <p:nvPr/>
+        </p:nvCxnSpPr>
+        <p:spPr>
+          <a:xfrm flipV="1">
+            <a:off x="7402370" y="5056722"/>
+            <a:ext cx="1032584" cy="10016"/>
+          </a:xfrm>
+          <a:prstGeom prst="straightConnector1">
+            <a:avLst/>
+          </a:prstGeom>
+          <a:ln w="28575">
+            <a:prstDash val="solid"/>
+            <a:tailEnd type="triangle"/>
+          </a:ln>
+        </p:spPr>
+        <p:style>
+          <a:lnRef idx="1">
+            <a:schemeClr val="accent1"/>
+          </a:lnRef>
+          <a:fillRef idx="0">
+            <a:schemeClr val="accent1"/>
+          </a:fillRef>
+          <a:effectRef idx="0">
+            <a:schemeClr val="accent1"/>
+          </a:effectRef>
+          <a:fontRef idx="minor">
+            <a:schemeClr val="tx1"/>
+          </a:fontRef>
+        </p:style>
+      </p:cxnSp>
+      <p:sp>
+        <p:nvSpPr>
+          <p:cNvPr id="48" name="文本框 47"/>
+          <p:cNvSpPr txBox="1"/>
+          <p:nvPr/>
+        </p:nvSpPr>
+        <p:spPr>
+          <a:xfrm>
+            <a:off x="7337086" y="4168821"/>
+            <a:ext cx="1569660" cy="276999"/>
+          </a:xfrm>
+          <a:prstGeom prst="rect">
+            <a:avLst/>
+          </a:prstGeom>
+          <a:noFill/>
+        </p:spPr>
+        <p:txBody>
+          <a:bodyPr wrap="none" rtlCol="0">
+            <a:spAutoFit/>
+          </a:bodyPr>
+          <a:lstStyle/>
+          <a:p>
+            <a:r>
+              <a:rPr kumimoji="1" lang="zh-CN" altLang="en-US" sz="1200" dirty="0" smtClean="0"/>
+              <a:t>异步调用，如：心跳</a:t>
+            </a:r>
+            <a:endParaRPr kumimoji="1" lang="zh-CN" altLang="en-US" sz="1200" dirty="0"/>
+          </a:p>
+        </p:txBody>
+      </p:sp>
+      <p:sp>
+        <p:nvSpPr>
+          <p:cNvPr id="49" name="文本框 48"/>
+          <p:cNvSpPr txBox="1"/>
+          <p:nvPr/>
+        </p:nvSpPr>
+        <p:spPr>
+          <a:xfrm>
+            <a:off x="7355847" y="4630365"/>
+            <a:ext cx="1877437" cy="461665"/>
+          </a:xfrm>
+          <a:prstGeom prst="rect">
+            <a:avLst/>
+          </a:prstGeom>
+          <a:noFill/>
+        </p:spPr>
+        <p:txBody>
+          <a:bodyPr wrap="none" rtlCol="0">
+            <a:spAutoFit/>
+          </a:bodyPr>
+          <a:lstStyle/>
+          <a:p>
+            <a:r>
+              <a:rPr kumimoji="1" lang="zh-CN" altLang="en-US" sz="1200" dirty="0" smtClean="0"/>
+              <a:t>同步调用，</a:t>
+            </a:r>
+          </a:p>
+          <a:p>
+            <a:r>
+              <a:rPr kumimoji="1" lang="zh-CN" altLang="en-US" sz="1200" dirty="0" smtClean="0"/>
+              <a:t>从注册中心获知访问地址</a:t>
+            </a:r>
+            <a:endParaRPr kumimoji="1" lang="zh-CN" altLang="en-US" sz="1200" dirty="0"/>
+          </a:p>
+        </p:txBody>
+      </p:sp>
+      <p:sp>
+        <p:nvSpPr>
+          <p:cNvPr id="50" name="圆角矩形 49"/>
           <p:cNvSpPr/>
           <p:nvPr/>
         </p:nvSpPr>
         <p:spPr>
           <a:xfrm>
-            <a:off x="2536996" y="4369829"/>
-            <a:ext cx="1305981" cy="361434"/>
-          </a:xfrm>
-          <a:prstGeom prst="rect">
-            <a:avLst/>
+            <a:off x="4597459" y="729163"/>
+            <a:ext cx="891093" cy="720080"/>
+          </a:xfrm>
+          <a:prstGeom prst="roundRect">
+            <a:avLst>
+              <a:gd name="adj" fmla="val 5505"/>
+            </a:avLst>
           </a:prstGeom>
           <a:solidFill>
-            <a:schemeClr val="bg1">
-              <a:lumMod val="95000"/>
-            </a:schemeClr>
+            <a:srgbClr val="7030A0"/>
           </a:solidFill>
+          <a:ln>
+            <a:solidFill>
+              <a:schemeClr val="tx1"/>
+            </a:solidFill>
+          </a:ln>
         </p:spPr>
         <p:style>
           <a:lnRef idx="2">
@@ -2617,40 +3224,145 @@
           <a:p>
             <a:pPr algn="ctr"/>
             <a:r>
-              <a:rPr kumimoji="1" lang="en-US" altLang="zh-CN" sz="1400" dirty="0" smtClean="0">
-                <a:solidFill>
-                  <a:schemeClr val="tx1"/>
-                </a:solidFill>
-              </a:rPr>
-              <a:t>Tomcat</a:t>
-            </a:r>
-            <a:endParaRPr kumimoji="1" lang="zh-CN" altLang="en-US" sz="1400" dirty="0">
-              <a:solidFill>
-                <a:schemeClr val="tx1"/>
-              </a:solidFill>
-            </a:endParaRPr>
-          </a:p>
-        </p:txBody>
-      </p:sp>
-      <p:sp>
-        <p:nvSpPr>
-          <p:cNvPr id="87" name="矩形 86"/>
+              <a:rPr kumimoji="1" lang="zh-CN" altLang="en-US" dirty="0" smtClean="0"/>
+              <a:t>配置中心 </a:t>
+            </a:r>
+            <a:endParaRPr kumimoji="1" lang="zh-CN" altLang="en-US" dirty="0"/>
+          </a:p>
+        </p:txBody>
+      </p:sp>
+      <p:cxnSp>
+        <p:nvCxnSpPr>
+          <p:cNvPr id="51" name="直线箭头连接符 50"/>
+          <p:cNvCxnSpPr/>
+          <p:nvPr/>
+        </p:nvCxnSpPr>
+        <p:spPr>
+          <a:xfrm flipH="1">
+            <a:off x="3168352" y="1449243"/>
+            <a:ext cx="1912120" cy="1099786"/>
+          </a:xfrm>
+          <a:prstGeom prst="straightConnector1">
+            <a:avLst/>
+          </a:prstGeom>
+          <a:ln w="28575">
+            <a:solidFill>
+              <a:srgbClr val="7030A0"/>
+            </a:solidFill>
+            <a:prstDash val="dash"/>
+            <a:tailEnd type="triangle"/>
+          </a:ln>
+        </p:spPr>
+        <p:style>
+          <a:lnRef idx="1">
+            <a:schemeClr val="accent1"/>
+          </a:lnRef>
+          <a:fillRef idx="0">
+            <a:schemeClr val="accent1"/>
+          </a:fillRef>
+          <a:effectRef idx="0">
+            <a:schemeClr val="accent1"/>
+          </a:effectRef>
+          <a:fontRef idx="minor">
+            <a:schemeClr val="tx1"/>
+          </a:fontRef>
+        </p:style>
+      </p:cxnSp>
+      <p:cxnSp>
+        <p:nvCxnSpPr>
+          <p:cNvPr id="52" name="直线箭头连接符 51"/>
+          <p:cNvCxnSpPr/>
+          <p:nvPr/>
+        </p:nvCxnSpPr>
+        <p:spPr>
+          <a:xfrm>
+            <a:off x="5089306" y="1463449"/>
+            <a:ext cx="2460925" cy="840598"/>
+          </a:xfrm>
+          <a:prstGeom prst="straightConnector1">
+            <a:avLst/>
+          </a:prstGeom>
+          <a:ln w="28575">
+            <a:solidFill>
+              <a:srgbClr val="7030A0"/>
+            </a:solidFill>
+            <a:prstDash val="dash"/>
+            <a:tailEnd type="triangle"/>
+          </a:ln>
+        </p:spPr>
+        <p:style>
+          <a:lnRef idx="1">
+            <a:schemeClr val="accent1"/>
+          </a:lnRef>
+          <a:fillRef idx="0">
+            <a:schemeClr val="accent1"/>
+          </a:fillRef>
+          <a:effectRef idx="0">
+            <a:schemeClr val="accent1"/>
+          </a:effectRef>
+          <a:fontRef idx="minor">
+            <a:schemeClr val="tx1"/>
+          </a:fontRef>
+        </p:style>
+      </p:cxnSp>
+      <p:sp>
+        <p:nvSpPr>
+          <p:cNvPr id="53" name="文本框 52"/>
+          <p:cNvSpPr txBox="1"/>
+          <p:nvPr/>
+        </p:nvSpPr>
+        <p:spPr>
+          <a:xfrm>
+            <a:off x="5432132" y="1415696"/>
+            <a:ext cx="1034257" cy="307777"/>
+          </a:xfrm>
+          <a:prstGeom prst="rect">
+            <a:avLst/>
+          </a:prstGeom>
+          <a:noFill/>
+        </p:spPr>
+        <p:txBody>
+          <a:bodyPr wrap="none" rtlCol="0">
+            <a:spAutoFit/>
+          </a:bodyPr>
+          <a:lstStyle/>
+          <a:p>
+            <a:r>
+              <a:rPr kumimoji="1" lang="en-US" altLang="zh-CN" sz="1400" dirty="0"/>
+              <a:t>0</a:t>
+            </a:r>
+            <a:r>
+              <a:rPr kumimoji="1" lang="zh-CN" altLang="en-US" sz="1400" dirty="0" smtClean="0"/>
+              <a:t> 配置管理</a:t>
+            </a:r>
+            <a:endParaRPr kumimoji="1" lang="zh-CN" altLang="en-US" sz="1400" dirty="0"/>
+          </a:p>
+        </p:txBody>
+      </p:sp>
+      <p:sp>
+        <p:nvSpPr>
+          <p:cNvPr id="54" name="圆角矩形 53"/>
           <p:cNvSpPr/>
           <p:nvPr/>
         </p:nvSpPr>
         <p:spPr>
           <a:xfrm>
-            <a:off x="5089917" y="4299942"/>
-            <a:ext cx="980390" cy="432048"/>
-          </a:xfrm>
-          <a:prstGeom prst="rect">
-            <a:avLst/>
+            <a:off x="3397302" y="3816215"/>
+            <a:ext cx="891093" cy="720080"/>
+          </a:xfrm>
+          <a:prstGeom prst="roundRect">
+            <a:avLst>
+              <a:gd name="adj" fmla="val 5505"/>
+            </a:avLst>
           </a:prstGeom>
           <a:solidFill>
-            <a:schemeClr val="bg1">
-              <a:lumMod val="95000"/>
-            </a:schemeClr>
+            <a:schemeClr val="tx1"/>
           </a:solidFill>
+          <a:ln>
+            <a:solidFill>
+              <a:schemeClr val="tx1"/>
+            </a:solidFill>
+          </a:ln>
         </p:spPr>
         <p:style>
           <a:lnRef idx="2">
@@ -2674,469 +3386,103 @@
           <a:p>
             <a:pPr algn="ctr"/>
             <a:r>
-              <a:rPr kumimoji="1" lang="en-US" altLang="zh-CN" dirty="0" err="1" smtClean="0">
-                <a:solidFill>
-                  <a:schemeClr val="tx1"/>
-                </a:solidFill>
-              </a:rPr>
-              <a:t>Disconf</a:t>
-            </a:r>
-            <a:endParaRPr kumimoji="1" lang="zh-CN" altLang="en-US" dirty="0">
-              <a:solidFill>
-                <a:schemeClr val="tx1"/>
-              </a:solidFill>
-            </a:endParaRPr>
-          </a:p>
-        </p:txBody>
-      </p:sp>
-      <p:sp>
-        <p:nvSpPr>
-          <p:cNvPr id="88" name="矩形 87"/>
-          <p:cNvSpPr/>
+              <a:rPr kumimoji="1" lang="en-US" altLang="zh-CN" dirty="0" smtClean="0"/>
+              <a:t>Maven</a:t>
+            </a:r>
+            <a:r>
+              <a:rPr kumimoji="1" lang="zh-CN" altLang="en-US" dirty="0" smtClean="0"/>
+              <a:t>私服 </a:t>
+            </a:r>
+            <a:endParaRPr kumimoji="1" lang="zh-CN" altLang="en-US" dirty="0"/>
+          </a:p>
+        </p:txBody>
+      </p:sp>
+      <p:cxnSp>
+        <p:nvCxnSpPr>
+          <p:cNvPr id="55" name="直线箭头连接符 54"/>
+          <p:cNvCxnSpPr>
+            <a:stCxn id="49" idx="2"/>
+          </p:cNvCxnSpPr>
           <p:nvPr/>
-        </p:nvSpPr>
-        <p:spPr>
-          <a:xfrm>
-            <a:off x="6294986" y="3673946"/>
-            <a:ext cx="1237997" cy="432048"/>
-          </a:xfrm>
-          <a:prstGeom prst="rect">
-            <a:avLst/>
-          </a:prstGeom>
-          <a:solidFill>
-            <a:schemeClr val="bg1">
-              <a:lumMod val="95000"/>
-            </a:schemeClr>
-          </a:solidFill>
+        </p:nvCxnSpPr>
+        <p:spPr>
+          <a:xfrm flipH="1">
+            <a:off x="3842849" y="2975617"/>
+            <a:ext cx="2997403" cy="840598"/>
+          </a:xfrm>
+          <a:prstGeom prst="straightConnector1">
+            <a:avLst/>
+          </a:prstGeom>
+          <a:ln w="28575">
+            <a:solidFill>
+              <a:schemeClr val="tx1"/>
+            </a:solidFill>
+            <a:tailEnd type="triangle"/>
+          </a:ln>
         </p:spPr>
         <p:style>
-          <a:lnRef idx="2">
-            <a:schemeClr val="accent1">
-              <a:shade val="50000"/>
-            </a:schemeClr>
+          <a:lnRef idx="1">
+            <a:schemeClr val="accent1"/>
           </a:lnRef>
-          <a:fillRef idx="1">
+          <a:fillRef idx="0">
             <a:schemeClr val="accent1"/>
           </a:fillRef>
           <a:effectRef idx="0">
             <a:schemeClr val="accent1"/>
           </a:effectRef>
           <a:fontRef idx="minor">
-            <a:schemeClr val="lt1"/>
+            <a:schemeClr val="tx1"/>
           </a:fontRef>
         </p:style>
-        <p:txBody>
-          <a:bodyPr rtlCol="0" anchor="ctr"/>
-          <a:lstStyle/>
-          <a:p>
-            <a:pPr algn="ctr"/>
-            <a:r>
-              <a:rPr kumimoji="1" lang="en-US" altLang="zh-CN" smtClean="0">
-                <a:solidFill>
-                  <a:schemeClr val="tx1"/>
-                </a:solidFill>
-              </a:rPr>
-              <a:t>Zookeeper</a:t>
-            </a:r>
-            <a:endParaRPr kumimoji="1" lang="zh-CN" altLang="en-US" dirty="0">
-              <a:solidFill>
-                <a:schemeClr val="tx1"/>
-              </a:solidFill>
-            </a:endParaRPr>
-          </a:p>
-        </p:txBody>
-      </p:sp>
-      <p:sp>
-        <p:nvSpPr>
-          <p:cNvPr id="5" name="罐形 4"/>
-          <p:cNvSpPr/>
+      </p:cxnSp>
+      <p:cxnSp>
+        <p:nvCxnSpPr>
+          <p:cNvPr id="56" name="直线箭头连接符 55"/>
+          <p:cNvCxnSpPr>
+            <a:endCxn id="48" idx="2"/>
+          </p:cNvCxnSpPr>
           <p:nvPr/>
-        </p:nvSpPr>
-        <p:spPr>
-          <a:xfrm>
-            <a:off x="7740352" y="4105994"/>
-            <a:ext cx="720080" cy="625996"/>
-          </a:xfrm>
-          <a:prstGeom prst="can">
-            <a:avLst/>
-          </a:prstGeom>
-          <a:solidFill>
-            <a:schemeClr val="bg1">
-              <a:lumMod val="95000"/>
-            </a:schemeClr>
-          </a:solidFill>
+        </p:nvCxnSpPr>
+        <p:spPr>
+          <a:xfrm flipH="1" flipV="1">
+            <a:off x="2231740" y="2975617"/>
+            <a:ext cx="1137929" cy="1162522"/>
+          </a:xfrm>
+          <a:prstGeom prst="straightConnector1">
+            <a:avLst/>
+          </a:prstGeom>
+          <a:ln w="28575">
+            <a:solidFill>
+              <a:schemeClr val="tx1"/>
+            </a:solidFill>
+            <a:tailEnd type="triangle"/>
+          </a:ln>
         </p:spPr>
         <p:style>
-          <a:lnRef idx="2">
-            <a:schemeClr val="accent1">
-              <a:shade val="50000"/>
-            </a:schemeClr>
+          <a:lnRef idx="1">
+            <a:schemeClr val="accent1"/>
           </a:lnRef>
-          <a:fillRef idx="1">
+          <a:fillRef idx="0">
             <a:schemeClr val="accent1"/>
           </a:fillRef>
           <a:effectRef idx="0">
             <a:schemeClr val="accent1"/>
           </a:effectRef>
           <a:fontRef idx="minor">
-            <a:schemeClr val="lt1"/>
+            <a:schemeClr val="tx1"/>
           </a:fontRef>
         </p:style>
-        <p:txBody>
-          <a:bodyPr rtlCol="0" anchor="ctr"/>
-          <a:lstStyle/>
-          <a:p>
-            <a:pPr algn="ctr"/>
-            <a:r>
-              <a:rPr kumimoji="1" lang="en-US" altLang="zh-CN" dirty="0" smtClean="0">
-                <a:solidFill>
-                  <a:schemeClr val="tx1"/>
-                </a:solidFill>
-              </a:rPr>
-              <a:t>DB</a:t>
-            </a:r>
-            <a:endParaRPr kumimoji="1" lang="zh-CN" altLang="en-US" dirty="0">
-              <a:solidFill>
-                <a:schemeClr val="tx1"/>
-              </a:solidFill>
-            </a:endParaRPr>
-          </a:p>
-        </p:txBody>
-      </p:sp>
-      <p:sp>
-        <p:nvSpPr>
-          <p:cNvPr id="6" name="立方体 5"/>
-          <p:cNvSpPr/>
-          <p:nvPr/>
-        </p:nvSpPr>
-        <p:spPr>
-          <a:xfrm>
-            <a:off x="7532983" y="2904925"/>
-            <a:ext cx="864096" cy="648072"/>
-          </a:xfrm>
-          <a:prstGeom prst="cube">
-            <a:avLst/>
-          </a:prstGeom>
-          <a:solidFill>
-            <a:schemeClr val="bg1">
-              <a:lumMod val="95000"/>
-            </a:schemeClr>
-          </a:solidFill>
-        </p:spPr>
-        <p:style>
-          <a:lnRef idx="2">
-            <a:schemeClr val="accent1">
-              <a:shade val="50000"/>
-            </a:schemeClr>
-          </a:lnRef>
-          <a:fillRef idx="1">
-            <a:schemeClr val="accent1"/>
-          </a:fillRef>
-          <a:effectRef idx="0">
-            <a:schemeClr val="accent1"/>
-          </a:effectRef>
-          <a:fontRef idx="minor">
-            <a:schemeClr val="lt1"/>
-          </a:fontRef>
-        </p:style>
-        <p:txBody>
-          <a:bodyPr rtlCol="0" anchor="ctr"/>
-          <a:lstStyle/>
-          <a:p>
-            <a:pPr algn="ctr"/>
-            <a:r>
-              <a:rPr kumimoji="1" lang="en-US" altLang="zh-CN" dirty="0" err="1" smtClean="0">
-                <a:solidFill>
-                  <a:schemeClr val="tx1"/>
-                </a:solidFill>
-              </a:rPr>
-              <a:t>Redis</a:t>
-            </a:r>
-            <a:endParaRPr kumimoji="1" lang="zh-CN" altLang="en-US" dirty="0">
-              <a:solidFill>
-                <a:schemeClr val="tx1"/>
-              </a:solidFill>
-            </a:endParaRPr>
-          </a:p>
-        </p:txBody>
-      </p:sp>
-      <p:sp>
-        <p:nvSpPr>
-          <p:cNvPr id="91" name="矩形 90"/>
-          <p:cNvSpPr/>
-          <p:nvPr/>
-        </p:nvSpPr>
-        <p:spPr>
-          <a:xfrm>
-            <a:off x="745739" y="3419439"/>
-            <a:ext cx="1007773" cy="304439"/>
-          </a:xfrm>
-          <a:prstGeom prst="rect">
-            <a:avLst/>
-          </a:prstGeom>
-          <a:solidFill>
-            <a:schemeClr val="bg1">
-              <a:lumMod val="95000"/>
-            </a:schemeClr>
-          </a:solidFill>
-        </p:spPr>
-        <p:style>
-          <a:lnRef idx="2">
-            <a:schemeClr val="accent1">
-              <a:shade val="50000"/>
-            </a:schemeClr>
-          </a:lnRef>
-          <a:fillRef idx="1">
-            <a:schemeClr val="accent1"/>
-          </a:fillRef>
-          <a:effectRef idx="0">
-            <a:schemeClr val="accent1"/>
-          </a:effectRef>
-          <a:fontRef idx="minor">
-            <a:schemeClr val="lt1"/>
-          </a:fontRef>
-        </p:style>
-        <p:txBody>
-          <a:bodyPr rtlCol="0" anchor="ctr"/>
-          <a:lstStyle/>
-          <a:p>
-            <a:pPr algn="ctr"/>
-            <a:r>
-              <a:rPr kumimoji="1" lang="en-US" altLang="zh-CN" sz="1200" smtClean="0">
-                <a:solidFill>
-                  <a:schemeClr val="tx1"/>
-                </a:solidFill>
-              </a:rPr>
-              <a:t>Angular</a:t>
-            </a:r>
-            <a:endParaRPr kumimoji="1" lang="zh-CN" altLang="en-US" sz="1200" dirty="0">
-              <a:solidFill>
-                <a:schemeClr val="tx1"/>
-              </a:solidFill>
-            </a:endParaRPr>
-          </a:p>
-        </p:txBody>
-      </p:sp>
-      <p:sp>
-        <p:nvSpPr>
-          <p:cNvPr id="92" name="矩形 91"/>
-          <p:cNvSpPr/>
-          <p:nvPr/>
-        </p:nvSpPr>
-        <p:spPr>
-          <a:xfrm>
-            <a:off x="1751754" y="3419439"/>
-            <a:ext cx="1046517" cy="304439"/>
-          </a:xfrm>
-          <a:prstGeom prst="rect">
-            <a:avLst/>
-          </a:prstGeom>
-          <a:solidFill>
-            <a:schemeClr val="bg1">
-              <a:lumMod val="95000"/>
-            </a:schemeClr>
-          </a:solidFill>
-        </p:spPr>
-        <p:style>
-          <a:lnRef idx="2">
-            <a:schemeClr val="accent1">
-              <a:shade val="50000"/>
-            </a:schemeClr>
-          </a:lnRef>
-          <a:fillRef idx="1">
-            <a:schemeClr val="accent1"/>
-          </a:fillRef>
-          <a:effectRef idx="0">
-            <a:schemeClr val="accent1"/>
-          </a:effectRef>
-          <a:fontRef idx="minor">
-            <a:schemeClr val="lt1"/>
-          </a:fontRef>
-        </p:style>
-        <p:txBody>
-          <a:bodyPr rtlCol="0" anchor="ctr"/>
-          <a:lstStyle/>
-          <a:p>
-            <a:pPr algn="ctr"/>
-            <a:r>
-              <a:rPr kumimoji="1" lang="en-US" altLang="zh-CN" sz="1200" dirty="0" smtClean="0">
-                <a:solidFill>
-                  <a:schemeClr val="tx1"/>
-                </a:solidFill>
-              </a:rPr>
-              <a:t>React</a:t>
-            </a:r>
-            <a:r>
-              <a:rPr kumimoji="1" lang="zh-CN" altLang="en-US" sz="1200" dirty="0" smtClean="0">
-                <a:solidFill>
-                  <a:schemeClr val="tx1"/>
-                </a:solidFill>
-              </a:rPr>
-              <a:t> </a:t>
-            </a:r>
-            <a:r>
-              <a:rPr kumimoji="1" lang="en-US" altLang="zh-CN" sz="1200" dirty="0" smtClean="0">
-                <a:solidFill>
-                  <a:schemeClr val="tx1"/>
-                </a:solidFill>
-              </a:rPr>
-              <a:t>Native</a:t>
-            </a:r>
-            <a:endParaRPr kumimoji="1" lang="zh-CN" altLang="en-US" sz="1200" dirty="0">
-              <a:solidFill>
-                <a:schemeClr val="tx1"/>
-              </a:solidFill>
-            </a:endParaRPr>
-          </a:p>
-        </p:txBody>
-      </p:sp>
-      <p:sp>
-        <p:nvSpPr>
-          <p:cNvPr id="95" name="矩形 94"/>
-          <p:cNvSpPr/>
-          <p:nvPr/>
-        </p:nvSpPr>
-        <p:spPr>
-          <a:xfrm>
-            <a:off x="2805403" y="3419439"/>
-            <a:ext cx="1046517" cy="304439"/>
-          </a:xfrm>
-          <a:prstGeom prst="rect">
-            <a:avLst/>
-          </a:prstGeom>
-          <a:solidFill>
-            <a:schemeClr val="bg1">
-              <a:lumMod val="95000"/>
-            </a:schemeClr>
-          </a:solidFill>
-        </p:spPr>
-        <p:style>
-          <a:lnRef idx="2">
-            <a:schemeClr val="accent1">
-              <a:shade val="50000"/>
-            </a:schemeClr>
-          </a:lnRef>
-          <a:fillRef idx="1">
-            <a:schemeClr val="accent1"/>
-          </a:fillRef>
-          <a:effectRef idx="0">
-            <a:schemeClr val="accent1"/>
-          </a:effectRef>
-          <a:fontRef idx="minor">
-            <a:schemeClr val="lt1"/>
-          </a:fontRef>
-        </p:style>
-        <p:txBody>
-          <a:bodyPr rtlCol="0" anchor="ctr"/>
-          <a:lstStyle/>
-          <a:p>
-            <a:pPr algn="ctr"/>
-            <a:r>
-              <a:rPr kumimoji="1" lang="en-US" altLang="zh-CN" sz="1200" dirty="0" smtClean="0">
-                <a:solidFill>
-                  <a:schemeClr val="tx1"/>
-                </a:solidFill>
-              </a:rPr>
-              <a:t>Android/IOS</a:t>
-            </a:r>
-            <a:endParaRPr kumimoji="1" lang="zh-CN" altLang="en-US" sz="1200" dirty="0">
-              <a:solidFill>
-                <a:schemeClr val="tx1"/>
-              </a:solidFill>
-            </a:endParaRPr>
-          </a:p>
-        </p:txBody>
-      </p:sp>
-      <p:sp>
-        <p:nvSpPr>
-          <p:cNvPr id="10" name="右箭头 9"/>
-          <p:cNvSpPr/>
-          <p:nvPr/>
-        </p:nvSpPr>
-        <p:spPr>
-          <a:xfrm>
-            <a:off x="4139952" y="2859782"/>
-            <a:ext cx="576064" cy="403392"/>
-          </a:xfrm>
-          <a:prstGeom prst="rightArrow">
-            <a:avLst/>
-          </a:prstGeom>
-        </p:spPr>
-        <p:style>
-          <a:lnRef idx="2">
-            <a:schemeClr val="accent1">
-              <a:shade val="50000"/>
-            </a:schemeClr>
-          </a:lnRef>
-          <a:fillRef idx="1">
-            <a:schemeClr val="accent1"/>
-          </a:fillRef>
-          <a:effectRef idx="0">
-            <a:schemeClr val="accent1"/>
-          </a:effectRef>
-          <a:fontRef idx="minor">
-            <a:schemeClr val="lt1"/>
-          </a:fontRef>
-        </p:style>
-        <p:txBody>
-          <a:bodyPr rtlCol="0" anchor="ctr"/>
-          <a:lstStyle/>
-          <a:p>
-            <a:pPr algn="ctr"/>
-            <a:endParaRPr kumimoji="1" lang="zh-CN" altLang="en-US"/>
-          </a:p>
-        </p:txBody>
-      </p:sp>
-      <p:sp>
-        <p:nvSpPr>
-          <p:cNvPr id="97" name="右箭头 96"/>
-          <p:cNvSpPr/>
-          <p:nvPr/>
-        </p:nvSpPr>
-        <p:spPr>
-          <a:xfrm>
-            <a:off x="4139952" y="3966437"/>
-            <a:ext cx="576064" cy="403392"/>
-          </a:xfrm>
-          <a:prstGeom prst="rightArrow">
-            <a:avLst/>
-          </a:prstGeom>
-        </p:spPr>
-        <p:style>
-          <a:lnRef idx="2">
-            <a:schemeClr val="accent1">
-              <a:shade val="50000"/>
-            </a:schemeClr>
-          </a:lnRef>
-          <a:fillRef idx="1">
-            <a:schemeClr val="accent1"/>
-          </a:fillRef>
-          <a:effectRef idx="0">
-            <a:schemeClr val="accent1"/>
-          </a:effectRef>
-          <a:fontRef idx="minor">
-            <a:schemeClr val="lt1"/>
-          </a:fontRef>
-        </p:style>
-        <p:txBody>
-          <a:bodyPr rtlCol="0" anchor="ctr"/>
-          <a:lstStyle/>
-          <a:p>
-            <a:pPr algn="ctr"/>
-            <a:endParaRPr kumimoji="1" lang="zh-CN" altLang="en-US"/>
-          </a:p>
-        </p:txBody>
-      </p:sp>
-      <p:sp>
-        <p:nvSpPr>
-          <p:cNvPr id="17" name="文本框 16"/>
+      </p:cxnSp>
+      <p:sp>
+        <p:nvSpPr>
+          <p:cNvPr id="57" name="文本框 56"/>
           <p:cNvSpPr txBox="1"/>
           <p:nvPr/>
         </p:nvSpPr>
         <p:spPr>
           <a:xfrm>
-            <a:off x="4139952" y="2571750"/>
-            <a:ext cx="510011" cy="338554"/>
+            <a:off x="2044175" y="3533990"/>
+            <a:ext cx="1393330" cy="307777"/>
           </a:xfrm>
           <a:prstGeom prst="rect">
             <a:avLst/>
@@ -3150,23 +3496,27 @@
           <a:lstStyle/>
           <a:p>
             <a:r>
-              <a:rPr kumimoji="1" lang="en-US" altLang="zh-CN" sz="1600" smtClean="0"/>
-              <a:t>RCP</a:t>
-            </a:r>
-            <a:endParaRPr kumimoji="1" lang="zh-CN" altLang="en-US" sz="1600" dirty="0"/>
-          </a:p>
-        </p:txBody>
-      </p:sp>
-      <p:sp>
-        <p:nvSpPr>
-          <p:cNvPr id="99" name="文本框 98"/>
+              <a:rPr kumimoji="1" lang="en-US" altLang="zh-CN" sz="1400" dirty="0" smtClean="0"/>
+              <a:t>7</a:t>
+            </a:r>
+            <a:r>
+              <a:rPr kumimoji="1" lang="zh-CN" altLang="en-US" sz="1400" dirty="0" smtClean="0"/>
+              <a:t> 下载依赖介质</a:t>
+            </a:r>
+            <a:endParaRPr kumimoji="1" lang="zh-CN" altLang="en-US" sz="1400" dirty="0"/>
+          </a:p>
+        </p:txBody>
+      </p:sp>
+      <p:sp>
+        <p:nvSpPr>
+          <p:cNvPr id="58" name="文本框 57"/>
           <p:cNvSpPr txBox="1"/>
           <p:nvPr/>
         </p:nvSpPr>
         <p:spPr>
           <a:xfrm>
-            <a:off x="4083499" y="3669113"/>
-            <a:ext cx="588751" cy="338554"/>
+            <a:off x="5057774" y="3104019"/>
+            <a:ext cx="1034257" cy="307777"/>
           </a:xfrm>
           <a:prstGeom prst="rect">
             <a:avLst/>
@@ -3180,281 +3530,12 @@
           <a:lstStyle/>
           <a:p>
             <a:r>
-              <a:rPr kumimoji="1" lang="en-US" altLang="zh-CN" sz="1600" smtClean="0"/>
-              <a:t>REST</a:t>
-            </a:r>
-            <a:endParaRPr kumimoji="1" lang="zh-CN" altLang="en-US" sz="1600" dirty="0"/>
-          </a:p>
-        </p:txBody>
-      </p:sp>
-      <p:sp>
-        <p:nvSpPr>
-          <p:cNvPr id="100" name="矩形 99"/>
-          <p:cNvSpPr/>
-          <p:nvPr/>
-        </p:nvSpPr>
-        <p:spPr>
-          <a:xfrm>
-            <a:off x="762912" y="3870895"/>
-            <a:ext cx="1305981" cy="490128"/>
-          </a:xfrm>
-          <a:prstGeom prst="rect">
-            <a:avLst/>
-          </a:prstGeom>
-          <a:solidFill>
-            <a:schemeClr val="bg1">
-              <a:lumMod val="95000"/>
-            </a:schemeClr>
-          </a:solidFill>
-        </p:spPr>
-        <p:style>
-          <a:lnRef idx="2">
-            <a:schemeClr val="accent1">
-              <a:shade val="50000"/>
-            </a:schemeClr>
-          </a:lnRef>
-          <a:fillRef idx="1">
-            <a:schemeClr val="accent1"/>
-          </a:fillRef>
-          <a:effectRef idx="0">
-            <a:schemeClr val="accent1"/>
-          </a:effectRef>
-          <a:fontRef idx="minor">
-            <a:schemeClr val="lt1"/>
-          </a:fontRef>
-        </p:style>
-        <p:txBody>
-          <a:bodyPr rtlCol="0" anchor="ctr"/>
-          <a:lstStyle/>
-          <a:p>
-            <a:pPr algn="ctr"/>
-            <a:r>
-              <a:rPr kumimoji="1" lang="en-US" altLang="zh-CN" sz="1400" dirty="0" err="1" smtClean="0">
-                <a:solidFill>
-                  <a:schemeClr val="tx1"/>
-                </a:solidFill>
-              </a:rPr>
-              <a:t>WebView</a:t>
-            </a:r>
-            <a:endParaRPr kumimoji="1" lang="zh-CN" altLang="en-US" sz="1400" dirty="0">
-              <a:solidFill>
-                <a:schemeClr val="tx1"/>
-              </a:solidFill>
-            </a:endParaRPr>
-          </a:p>
-        </p:txBody>
-      </p:sp>
-      <p:sp>
-        <p:nvSpPr>
-          <p:cNvPr id="102" name="矩形 101"/>
-          <p:cNvSpPr/>
-          <p:nvPr/>
-        </p:nvSpPr>
-        <p:spPr>
-          <a:xfrm>
-            <a:off x="762911" y="4369829"/>
-            <a:ext cx="1305981" cy="361434"/>
-          </a:xfrm>
-          <a:prstGeom prst="rect">
-            <a:avLst/>
-          </a:prstGeom>
-          <a:solidFill>
-            <a:schemeClr val="bg1">
-              <a:lumMod val="95000"/>
-            </a:schemeClr>
-          </a:solidFill>
-        </p:spPr>
-        <p:style>
-          <a:lnRef idx="2">
-            <a:schemeClr val="accent1">
-              <a:shade val="50000"/>
-            </a:schemeClr>
-          </a:lnRef>
-          <a:fillRef idx="1">
-            <a:schemeClr val="accent1"/>
-          </a:fillRef>
-          <a:effectRef idx="0">
-            <a:schemeClr val="accent1"/>
-          </a:effectRef>
-          <a:fontRef idx="minor">
-            <a:schemeClr val="lt1"/>
-          </a:fontRef>
-        </p:style>
-        <p:txBody>
-          <a:bodyPr rtlCol="0" anchor="ctr"/>
-          <a:lstStyle/>
-          <a:p>
-            <a:pPr algn="ctr"/>
-            <a:r>
-              <a:rPr kumimoji="1" lang="en-US" altLang="zh-CN" sz="1400" dirty="0" smtClean="0">
-                <a:solidFill>
-                  <a:schemeClr val="tx1"/>
-                </a:solidFill>
-              </a:rPr>
-              <a:t>Native</a:t>
-            </a:r>
-            <a:endParaRPr kumimoji="1" lang="zh-CN" altLang="en-US" sz="1400" dirty="0">
-              <a:solidFill>
-                <a:schemeClr val="tx1"/>
-              </a:solidFill>
-            </a:endParaRPr>
-          </a:p>
-        </p:txBody>
-      </p:sp>
-      <p:sp>
-        <p:nvSpPr>
-          <p:cNvPr id="103" name="矩形 102"/>
-          <p:cNvSpPr/>
-          <p:nvPr/>
-        </p:nvSpPr>
-        <p:spPr>
-          <a:xfrm>
-            <a:off x="2795142" y="2856309"/>
-            <a:ext cx="1056778" cy="403392"/>
-          </a:xfrm>
-          <a:prstGeom prst="rect">
-            <a:avLst/>
-          </a:prstGeom>
-          <a:solidFill>
-            <a:schemeClr val="bg1">
-              <a:lumMod val="95000"/>
-            </a:schemeClr>
-          </a:solidFill>
-        </p:spPr>
-        <p:style>
-          <a:lnRef idx="2">
-            <a:schemeClr val="accent1">
-              <a:shade val="50000"/>
-            </a:schemeClr>
-          </a:lnRef>
-          <a:fillRef idx="1">
-            <a:schemeClr val="accent1"/>
-          </a:fillRef>
-          <a:effectRef idx="0">
-            <a:schemeClr val="accent1"/>
-          </a:effectRef>
-          <a:fontRef idx="minor">
-            <a:schemeClr val="lt1"/>
-          </a:fontRef>
-        </p:style>
-        <p:txBody>
-          <a:bodyPr rtlCol="0" anchor="ctr"/>
-          <a:lstStyle/>
-          <a:p>
-            <a:pPr algn="ctr"/>
-            <a:r>
-              <a:rPr kumimoji="1" lang="zh-CN" altLang="en-US" sz="1400" dirty="0" smtClean="0">
-                <a:solidFill>
-                  <a:schemeClr val="tx1"/>
-                </a:solidFill>
-              </a:rPr>
-              <a:t>原生设备</a:t>
-            </a:r>
-            <a:endParaRPr kumimoji="1" lang="zh-CN" altLang="en-US" sz="1400" dirty="0">
-              <a:solidFill>
-                <a:schemeClr val="tx1"/>
-              </a:solidFill>
-            </a:endParaRPr>
-          </a:p>
-        </p:txBody>
-      </p:sp>
-      <p:sp>
-        <p:nvSpPr>
-          <p:cNvPr id="18" name="三角形 17"/>
-          <p:cNvSpPr/>
-          <p:nvPr/>
-        </p:nvSpPr>
-        <p:spPr>
-          <a:xfrm>
-            <a:off x="984476" y="1003485"/>
-            <a:ext cx="2581071" cy="1143915"/>
-          </a:xfrm>
-          <a:prstGeom prst="triangle">
-            <a:avLst/>
-          </a:prstGeom>
-          <a:solidFill>
-            <a:srgbClr val="FFC000"/>
-          </a:solidFill>
-        </p:spPr>
-        <p:style>
-          <a:lnRef idx="2">
-            <a:schemeClr val="accent1">
-              <a:shade val="50000"/>
-            </a:schemeClr>
-          </a:lnRef>
-          <a:fillRef idx="1">
-            <a:schemeClr val="accent1"/>
-          </a:fillRef>
-          <a:effectRef idx="0">
-            <a:schemeClr val="accent1"/>
-          </a:effectRef>
-          <a:fontRef idx="minor">
-            <a:schemeClr val="lt1"/>
-          </a:fontRef>
-        </p:style>
-        <p:txBody>
-          <a:bodyPr rtlCol="0" anchor="ctr"/>
-          <a:lstStyle/>
-          <a:p>
-            <a:pPr algn="ctr"/>
-            <a:r>
-              <a:rPr kumimoji="1" lang="zh-CN" altLang="en-US" sz="1400" dirty="0" smtClean="0">
-                <a:solidFill>
-                  <a:schemeClr val="tx1"/>
-                </a:solidFill>
-              </a:rPr>
-              <a:t>前端开发成员</a:t>
-            </a:r>
-            <a:endParaRPr kumimoji="1" lang="zh-CN" altLang="en-US" sz="1400" dirty="0">
-              <a:solidFill>
-                <a:schemeClr val="tx1"/>
-              </a:solidFill>
-            </a:endParaRPr>
-          </a:p>
-        </p:txBody>
-      </p:sp>
-      <p:sp>
-        <p:nvSpPr>
-          <p:cNvPr id="105" name="三角形 104"/>
-          <p:cNvSpPr/>
-          <p:nvPr/>
-        </p:nvSpPr>
-        <p:spPr>
-          <a:xfrm>
-            <a:off x="5477708" y="994932"/>
-            <a:ext cx="2581071" cy="1143915"/>
-          </a:xfrm>
-          <a:prstGeom prst="triangle">
-            <a:avLst/>
-          </a:prstGeom>
-          <a:solidFill>
-            <a:srgbClr val="0070C0"/>
-          </a:solidFill>
-        </p:spPr>
-        <p:style>
-          <a:lnRef idx="2">
-            <a:schemeClr val="accent1">
-              <a:shade val="50000"/>
-            </a:schemeClr>
-          </a:lnRef>
-          <a:fillRef idx="1">
-            <a:schemeClr val="accent1"/>
-          </a:fillRef>
-          <a:effectRef idx="0">
-            <a:schemeClr val="accent1"/>
-          </a:effectRef>
-          <a:fontRef idx="minor">
-            <a:schemeClr val="lt1"/>
-          </a:fontRef>
-        </p:style>
-        <p:txBody>
-          <a:bodyPr rtlCol="0" anchor="ctr"/>
-          <a:lstStyle/>
-          <a:p>
-            <a:pPr algn="ctr"/>
+              <a:rPr kumimoji="1" lang="en-US" altLang="zh-CN" sz="1400" dirty="0" smtClean="0"/>
+              <a:t>6</a:t>
+            </a:r>
             <a:r>
               <a:rPr kumimoji="1" lang="zh-CN" altLang="en-US" sz="1400" dirty="0" smtClean="0"/>
-              <a:t>后端开发成员</a:t>
+              <a:t> 发布介质</a:t>
             </a:r>
             <a:endParaRPr kumimoji="1" lang="zh-CN" altLang="en-US" sz="1400" dirty="0"/>
           </a:p>
@@ -3473,9 +3554,194 @@
   <p:timing>
     <p:tnLst>
       <p:par>
-        <p:cTn id="1" dur="indefinite" restart="never" nodeType="tmRoot"/>
+        <p:cTn id="1" dur="indefinite" restart="never" nodeType="tmRoot">
+          <p:childTnLst>
+            <p:seq concurrent="1" nextAc="seek">
+              <p:cTn id="2" dur="indefinite" nodeType="mainSeq">
+                <p:childTnLst>
+                  <p:par>
+                    <p:cTn id="3" fill="hold">
+                      <p:stCondLst>
+                        <p:cond delay="indefinite"/>
+                      </p:stCondLst>
+                      <p:childTnLst>
+                        <p:par>
+                          <p:cTn id="4" fill="hold">
+                            <p:stCondLst>
+                              <p:cond delay="0"/>
+                            </p:stCondLst>
+                            <p:childTnLst>
+                              <p:par>
+                                <p:cTn id="5" presetID="3" presetClass="entr" presetSubtype="10" fill="hold" grpId="0" nodeType="clickEffect">
+                                  <p:stCondLst>
+                                    <p:cond delay="0"/>
+                                  </p:stCondLst>
+                                  <p:childTnLst>
+                                    <p:set>
+                                      <p:cBhvr>
+                                        <p:cTn id="6" dur="1" fill="hold">
+                                          <p:stCondLst>
+                                            <p:cond delay="0"/>
+                                          </p:stCondLst>
+                                        </p:cTn>
+                                        <p:tgtEl>
+                                          <p:spTgt spid="57"/>
+                                        </p:tgtEl>
+                                        <p:attrNameLst>
+                                          <p:attrName>style.visibility</p:attrName>
+                                        </p:attrNameLst>
+                                      </p:cBhvr>
+                                      <p:to>
+                                        <p:strVal val="visible"/>
+                                      </p:to>
+                                    </p:set>
+                                    <p:animEffect transition="in" filter="blinds(horizontal)">
+                                      <p:cBhvr>
+                                        <p:cTn id="7" dur="500"/>
+                                        <p:tgtEl>
+                                          <p:spTgt spid="57"/>
+                                        </p:tgtEl>
+                                      </p:cBhvr>
+                                    </p:animEffect>
+                                  </p:childTnLst>
+                                </p:cTn>
+                              </p:par>
+                              <p:par>
+                                <p:cTn id="8" presetID="3" presetClass="entr" presetSubtype="10" fill="hold" nodeType="withEffect">
+                                  <p:stCondLst>
+                                    <p:cond delay="0"/>
+                                  </p:stCondLst>
+                                  <p:childTnLst>
+                                    <p:set>
+                                      <p:cBhvr>
+                                        <p:cTn id="9" dur="1" fill="hold">
+                                          <p:stCondLst>
+                                            <p:cond delay="0"/>
+                                          </p:stCondLst>
+                                        </p:cTn>
+                                        <p:tgtEl>
+                                          <p:spTgt spid="56"/>
+                                        </p:tgtEl>
+                                        <p:attrNameLst>
+                                          <p:attrName>style.visibility</p:attrName>
+                                        </p:attrNameLst>
+                                      </p:cBhvr>
+                                      <p:to>
+                                        <p:strVal val="visible"/>
+                                      </p:to>
+                                    </p:set>
+                                    <p:animEffect transition="in" filter="blinds(horizontal)">
+                                      <p:cBhvr>
+                                        <p:cTn id="10" dur="500"/>
+                                        <p:tgtEl>
+                                          <p:spTgt spid="56"/>
+                                        </p:tgtEl>
+                                      </p:cBhvr>
+                                    </p:animEffect>
+                                  </p:childTnLst>
+                                </p:cTn>
+                              </p:par>
+                              <p:par>
+                                <p:cTn id="11" presetID="3" presetClass="entr" presetSubtype="10" fill="hold" grpId="0" nodeType="withEffect">
+                                  <p:stCondLst>
+                                    <p:cond delay="0"/>
+                                  </p:stCondLst>
+                                  <p:childTnLst>
+                                    <p:set>
+                                      <p:cBhvr>
+                                        <p:cTn id="12" dur="1" fill="hold">
+                                          <p:stCondLst>
+                                            <p:cond delay="0"/>
+                                          </p:stCondLst>
+                                        </p:cTn>
+                                        <p:tgtEl>
+                                          <p:spTgt spid="54"/>
+                                        </p:tgtEl>
+                                        <p:attrNameLst>
+                                          <p:attrName>style.visibility</p:attrName>
+                                        </p:attrNameLst>
+                                      </p:cBhvr>
+                                      <p:to>
+                                        <p:strVal val="visible"/>
+                                      </p:to>
+                                    </p:set>
+                                    <p:animEffect transition="in" filter="blinds(horizontal)">
+                                      <p:cBhvr>
+                                        <p:cTn id="13" dur="500"/>
+                                        <p:tgtEl>
+                                          <p:spTgt spid="54"/>
+                                        </p:tgtEl>
+                                      </p:cBhvr>
+                                    </p:animEffect>
+                                  </p:childTnLst>
+                                </p:cTn>
+                              </p:par>
+                              <p:par>
+                                <p:cTn id="14" presetID="3" presetClass="entr" presetSubtype="10" fill="hold" nodeType="withEffect">
+                                  <p:stCondLst>
+                                    <p:cond delay="0"/>
+                                  </p:stCondLst>
+                                  <p:childTnLst>
+                                    <p:set>
+                                      <p:cBhvr>
+                                        <p:cTn id="15" dur="1" fill="hold">
+                                          <p:stCondLst>
+                                            <p:cond delay="0"/>
+                                          </p:stCondLst>
+                                        </p:cTn>
+                                        <p:tgtEl>
+                                          <p:spTgt spid="55"/>
+                                        </p:tgtEl>
+                                        <p:attrNameLst>
+                                          <p:attrName>style.visibility</p:attrName>
+                                        </p:attrNameLst>
+                                      </p:cBhvr>
+                                      <p:to>
+                                        <p:strVal val="visible"/>
+                                      </p:to>
+                                    </p:set>
+                                    <p:animEffect transition="in" filter="blinds(horizontal)">
+                                      <p:cBhvr>
+                                        <p:cTn id="16" dur="500"/>
+                                        <p:tgtEl>
+                                          <p:spTgt spid="55"/>
+                                        </p:tgtEl>
+                                      </p:cBhvr>
+                                    </p:animEffect>
+                                  </p:childTnLst>
+                                </p:cTn>
+                              </p:par>
+                            </p:childTnLst>
+                          </p:cTn>
+                        </p:par>
+                      </p:childTnLst>
+                    </p:cTn>
+                  </p:par>
+                </p:childTnLst>
+              </p:cTn>
+              <p:prevCondLst>
+                <p:cond evt="onPrev" delay="0">
+                  <p:tgtEl>
+                    <p:sldTgt/>
+                  </p:tgtEl>
+                </p:cond>
+              </p:prevCondLst>
+              <p:nextCondLst>
+                <p:cond evt="onNext" delay="0">
+                  <p:tgtEl>
+                    <p:sldTgt/>
+                  </p:tgtEl>
+                </p:cond>
+              </p:nextCondLst>
+            </p:seq>
+          </p:childTnLst>
+        </p:cTn>
       </p:par>
     </p:tnLst>
+    <p:bldLst>
+      <p:bldP spid="54" grpId="0" animBg="1"/>
+      <p:bldP spid="57" grpId="0"/>
+    </p:bldLst>
   </p:timing>
 </p:sld>
 </file>
@@ -3499,53 +3765,6 @@
       </p:grpSpPr>
       <p:sp>
         <p:nvSpPr>
-          <p:cNvPr id="43" name="矩形 42"/>
-          <p:cNvSpPr/>
-          <p:nvPr/>
-        </p:nvSpPr>
-        <p:spPr>
-          <a:xfrm>
-            <a:off x="3059832" y="969773"/>
-            <a:ext cx="2577599" cy="1818001"/>
-          </a:xfrm>
-          <a:prstGeom prst="rect">
-            <a:avLst/>
-          </a:prstGeom>
-          <a:solidFill>
-            <a:schemeClr val="tx1"/>
-          </a:solidFill>
-        </p:spPr>
-        <p:style>
-          <a:lnRef idx="2">
-            <a:schemeClr val="accent1">
-              <a:shade val="50000"/>
-            </a:schemeClr>
-          </a:lnRef>
-          <a:fillRef idx="1">
-            <a:schemeClr val="accent1"/>
-          </a:fillRef>
-          <a:effectRef idx="0">
-            <a:schemeClr val="accent1"/>
-          </a:effectRef>
-          <a:fontRef idx="minor">
-            <a:schemeClr val="lt1"/>
-          </a:fontRef>
-        </p:style>
-        <p:txBody>
-          <a:bodyPr rtlCol="0" anchor="t"/>
-          <a:lstStyle/>
-          <a:p>
-            <a:pPr algn="ctr"/>
-            <a:r>
-              <a:rPr kumimoji="1" lang="zh-CN" altLang="en-US" sz="1400" dirty="0" smtClean="0"/>
-              <a:t>公共工程</a:t>
-            </a:r>
-            <a:endParaRPr kumimoji="1" lang="zh-CN" altLang="en-US" sz="1400" dirty="0"/>
-          </a:p>
-        </p:txBody>
-      </p:sp>
-      <p:sp>
-        <p:nvSpPr>
           <p:cNvPr id="2" name="标题 1"/>
           <p:cNvSpPr>
             <a:spLocks noGrp="1"/>
@@ -3561,15 +3780,7 @@
           <a:p>
             <a:r>
               <a:rPr kumimoji="1" lang="zh-CN" altLang="en-US" dirty="0" smtClean="0"/>
-              <a:t>前</a:t>
-            </a:r>
-            <a:r>
-              <a:rPr kumimoji="1" lang="en-US" altLang="zh-CN" dirty="0" smtClean="0"/>
-              <a:t>-</a:t>
-            </a:r>
-            <a:r>
-              <a:rPr kumimoji="1" lang="zh-CN" altLang="en-US" dirty="0" smtClean="0"/>
-              <a:t>后分离的工程体系</a:t>
+              <a:t>前－后分离</a:t>
             </a:r>
             <a:endParaRPr kumimoji="1" lang="zh-CN" altLang="en-US" dirty="0"/>
           </a:p>
@@ -3582,9 +3793,9 @@
           <p:nvPr/>
         </p:nvSpPr>
         <p:spPr>
-          <a:xfrm flipH="1">
-            <a:off x="4601693" y="295944"/>
-            <a:ext cx="3066650" cy="369332"/>
+          <a:xfrm>
+            <a:off x="1115616" y="1275606"/>
+            <a:ext cx="5780750" cy="1754326"/>
           </a:xfrm>
           <a:prstGeom prst="rect">
             <a:avLst/>
@@ -3592,1083 +3803,82 @@
           <a:noFill/>
         </p:spPr>
         <p:txBody>
-          <a:bodyPr wrap="square" rtlCol="0">
+          <a:bodyPr wrap="none" rtlCol="0">
             <a:spAutoFit/>
           </a:bodyPr>
           <a:lstStyle/>
           <a:p>
-            <a:r>
-              <a:rPr kumimoji="1" lang="zh-CN" altLang="en-US" dirty="0" smtClean="0">
-                <a:solidFill>
-                  <a:srgbClr val="C00000"/>
-                </a:solidFill>
-              </a:rPr>
-              <a:t>团队及</a:t>
-            </a:r>
-            <a:r>
-              <a:rPr kumimoji="1" lang="zh-CN" altLang="en-US" smtClean="0">
-                <a:solidFill>
-                  <a:srgbClr val="C00000"/>
-                </a:solidFill>
-              </a:rPr>
-              <a:t>架构，架构及未来！</a:t>
-            </a:r>
-            <a:endParaRPr kumimoji="1" lang="zh-CN" altLang="en-US">
-              <a:solidFill>
-                <a:srgbClr val="C00000"/>
-              </a:solidFill>
-            </a:endParaRPr>
-          </a:p>
-        </p:txBody>
-      </p:sp>
-      <p:sp>
-        <p:nvSpPr>
-          <p:cNvPr id="80" name="矩形 79"/>
-          <p:cNvSpPr/>
-          <p:nvPr/>
-        </p:nvSpPr>
-        <p:spPr>
-          <a:xfrm>
-            <a:off x="755571" y="3291829"/>
-            <a:ext cx="2736309" cy="1636587"/>
-          </a:xfrm>
-          <a:prstGeom prst="rect">
-            <a:avLst/>
-          </a:prstGeom>
-          <a:solidFill>
-            <a:srgbClr val="FFC000"/>
-          </a:solidFill>
-        </p:spPr>
-        <p:style>
-          <a:lnRef idx="2">
-            <a:schemeClr val="accent1">
-              <a:shade val="50000"/>
-            </a:schemeClr>
-          </a:lnRef>
-          <a:fillRef idx="1">
-            <a:schemeClr val="accent1"/>
-          </a:fillRef>
-          <a:effectRef idx="0">
-            <a:schemeClr val="accent1"/>
-          </a:effectRef>
-          <a:fontRef idx="minor">
-            <a:schemeClr val="lt1"/>
-          </a:fontRef>
-        </p:style>
-        <p:txBody>
-          <a:bodyPr rtlCol="0" anchor="t"/>
-          <a:lstStyle/>
-          <a:p>
-            <a:pPr algn="ctr"/>
-            <a:r>
-              <a:rPr kumimoji="1" lang="zh-CN" altLang="en-US" sz="1400" dirty="0" smtClean="0">
-                <a:solidFill>
-                  <a:schemeClr val="tx1"/>
-                </a:solidFill>
-              </a:rPr>
-              <a:t>前端工程</a:t>
-            </a:r>
-            <a:endParaRPr kumimoji="1" lang="zh-CN" altLang="en-US" sz="1400" dirty="0">
-              <a:solidFill>
-                <a:schemeClr val="tx1"/>
-              </a:solidFill>
-            </a:endParaRPr>
-          </a:p>
-        </p:txBody>
-      </p:sp>
-      <p:sp>
-        <p:nvSpPr>
-          <p:cNvPr id="81" name="矩形 80"/>
-          <p:cNvSpPr/>
-          <p:nvPr/>
-        </p:nvSpPr>
-        <p:spPr>
-          <a:xfrm>
-            <a:off x="4958970" y="3291829"/>
-            <a:ext cx="2952328" cy="1636588"/>
-          </a:xfrm>
-          <a:prstGeom prst="rect">
-            <a:avLst/>
-          </a:prstGeom>
-          <a:solidFill>
-            <a:srgbClr val="0070C0"/>
-          </a:solidFill>
-        </p:spPr>
-        <p:style>
-          <a:lnRef idx="2">
-            <a:schemeClr val="accent1">
-              <a:shade val="50000"/>
-            </a:schemeClr>
-          </a:lnRef>
-          <a:fillRef idx="1">
-            <a:schemeClr val="accent1"/>
-          </a:fillRef>
-          <a:effectRef idx="0">
-            <a:schemeClr val="accent1"/>
-          </a:effectRef>
-          <a:fontRef idx="minor">
-            <a:schemeClr val="lt1"/>
-          </a:fontRef>
-        </p:style>
-        <p:txBody>
-          <a:bodyPr rtlCol="0" anchor="t"/>
-          <a:lstStyle/>
-          <a:p>
-            <a:pPr algn="ctr"/>
-            <a:r>
-              <a:rPr kumimoji="1" lang="zh-CN" altLang="en-US" sz="1400" dirty="0" smtClean="0"/>
-              <a:t>后端工程</a:t>
-            </a:r>
-            <a:endParaRPr kumimoji="1" lang="zh-CN" altLang="en-US" sz="1400" dirty="0"/>
-          </a:p>
-        </p:txBody>
-      </p:sp>
-      <p:sp>
-        <p:nvSpPr>
-          <p:cNvPr id="18" name="三角形 17"/>
-          <p:cNvSpPr/>
-          <p:nvPr/>
-        </p:nvSpPr>
-        <p:spPr>
-          <a:xfrm>
-            <a:off x="230709" y="2564155"/>
-            <a:ext cx="1571300" cy="1143915"/>
-          </a:xfrm>
-          <a:prstGeom prst="triangle">
-            <a:avLst/>
-          </a:prstGeom>
-          <a:solidFill>
-            <a:srgbClr val="FFC000"/>
-          </a:solidFill>
-        </p:spPr>
-        <p:style>
-          <a:lnRef idx="2">
-            <a:schemeClr val="accent1">
-              <a:shade val="50000"/>
-            </a:schemeClr>
-          </a:lnRef>
-          <a:fillRef idx="1">
-            <a:schemeClr val="accent1"/>
-          </a:fillRef>
-          <a:effectRef idx="0">
-            <a:schemeClr val="accent1"/>
-          </a:effectRef>
-          <a:fontRef idx="minor">
-            <a:schemeClr val="lt1"/>
-          </a:fontRef>
-        </p:style>
-        <p:txBody>
-          <a:bodyPr rtlCol="0" anchor="t"/>
-          <a:lstStyle/>
-          <a:p>
-            <a:pPr algn="ctr"/>
-            <a:r>
-              <a:rPr kumimoji="1" lang="zh-CN" altLang="en-US" sz="1400" dirty="0" smtClean="0">
-                <a:solidFill>
-                  <a:schemeClr val="tx1"/>
-                </a:solidFill>
-              </a:rPr>
-              <a:t>前端开发成员</a:t>
-            </a:r>
-            <a:endParaRPr kumimoji="1" lang="zh-CN" altLang="en-US" sz="1400" dirty="0">
-              <a:solidFill>
-                <a:schemeClr val="tx1"/>
-              </a:solidFill>
-            </a:endParaRPr>
-          </a:p>
-        </p:txBody>
-      </p:sp>
-      <p:sp>
-        <p:nvSpPr>
-          <p:cNvPr id="105" name="三角形 104"/>
-          <p:cNvSpPr/>
-          <p:nvPr/>
-        </p:nvSpPr>
-        <p:spPr>
-          <a:xfrm>
-            <a:off x="7016530" y="2665109"/>
-            <a:ext cx="1443902" cy="1143915"/>
-          </a:xfrm>
-          <a:prstGeom prst="triangle">
-            <a:avLst/>
-          </a:prstGeom>
-          <a:solidFill>
-            <a:srgbClr val="0070C0"/>
-          </a:solidFill>
-        </p:spPr>
-        <p:style>
-          <a:lnRef idx="2">
-            <a:schemeClr val="accent1">
-              <a:shade val="50000"/>
-            </a:schemeClr>
-          </a:lnRef>
-          <a:fillRef idx="1">
-            <a:schemeClr val="accent1"/>
-          </a:fillRef>
-          <a:effectRef idx="0">
-            <a:schemeClr val="accent1"/>
-          </a:effectRef>
-          <a:fontRef idx="minor">
-            <a:schemeClr val="lt1"/>
-          </a:fontRef>
-        </p:style>
-        <p:txBody>
-          <a:bodyPr rtlCol="0" anchor="t"/>
-          <a:lstStyle/>
-          <a:p>
-            <a:pPr algn="ctr"/>
-            <a:r>
-              <a:rPr kumimoji="1" lang="zh-CN" altLang="en-US" sz="1400" dirty="0" smtClean="0"/>
-              <a:t>后端开发成员</a:t>
-            </a:r>
-            <a:endParaRPr kumimoji="1" lang="zh-CN" altLang="en-US" sz="1400" dirty="0"/>
-          </a:p>
-        </p:txBody>
-      </p:sp>
-      <p:sp>
-        <p:nvSpPr>
-          <p:cNvPr id="26" name="矩形 25"/>
-          <p:cNvSpPr/>
-          <p:nvPr/>
-        </p:nvSpPr>
-        <p:spPr>
-          <a:xfrm>
-            <a:off x="3379455" y="1275606"/>
-            <a:ext cx="1522005" cy="226358"/>
-          </a:xfrm>
-          <a:prstGeom prst="rect">
-            <a:avLst/>
-          </a:prstGeom>
-          <a:solidFill>
-            <a:schemeClr val="bg1">
-              <a:lumMod val="95000"/>
-            </a:schemeClr>
-          </a:solidFill>
-        </p:spPr>
-        <p:style>
-          <a:lnRef idx="2">
-            <a:schemeClr val="accent1">
-              <a:shade val="50000"/>
-            </a:schemeClr>
-          </a:lnRef>
-          <a:fillRef idx="1">
-            <a:schemeClr val="accent1"/>
-          </a:fillRef>
-          <a:effectRef idx="0">
-            <a:schemeClr val="accent1"/>
-          </a:effectRef>
-          <a:fontRef idx="minor">
-            <a:schemeClr val="lt1"/>
-          </a:fontRef>
-        </p:style>
-        <p:txBody>
-          <a:bodyPr rtlCol="0" anchor="ctr"/>
-          <a:lstStyle/>
-          <a:p>
-            <a:pPr algn="ctr"/>
-            <a:r>
-              <a:rPr kumimoji="1" lang="en-US" altLang="zh-CN" sz="1200" dirty="0" smtClean="0">
-                <a:solidFill>
-                  <a:schemeClr val="tx1"/>
-                </a:solidFill>
-              </a:rPr>
-              <a:t>tools-common-*</a:t>
-            </a:r>
-            <a:endParaRPr kumimoji="1" lang="zh-CN" altLang="en-US" sz="1200" dirty="0">
-              <a:solidFill>
-                <a:schemeClr val="tx1"/>
-              </a:solidFill>
-            </a:endParaRPr>
-          </a:p>
-        </p:txBody>
-      </p:sp>
-      <p:sp>
-        <p:nvSpPr>
-          <p:cNvPr id="27" name="矩形 26"/>
-          <p:cNvSpPr/>
-          <p:nvPr/>
-        </p:nvSpPr>
-        <p:spPr>
-          <a:xfrm>
-            <a:off x="3379454" y="1560025"/>
-            <a:ext cx="1522005" cy="226358"/>
-          </a:xfrm>
-          <a:prstGeom prst="rect">
-            <a:avLst/>
-          </a:prstGeom>
-          <a:solidFill>
-            <a:schemeClr val="bg1">
-              <a:lumMod val="95000"/>
-            </a:schemeClr>
-          </a:solidFill>
-        </p:spPr>
-        <p:style>
-          <a:lnRef idx="2">
-            <a:schemeClr val="accent1">
-              <a:shade val="50000"/>
-            </a:schemeClr>
-          </a:lnRef>
-          <a:fillRef idx="1">
-            <a:schemeClr val="accent1"/>
-          </a:fillRef>
-          <a:effectRef idx="0">
-            <a:schemeClr val="accent1"/>
-          </a:effectRef>
-          <a:fontRef idx="minor">
-            <a:schemeClr val="lt1"/>
-          </a:fontRef>
-        </p:style>
-        <p:txBody>
-          <a:bodyPr rtlCol="0" anchor="ctr"/>
-          <a:lstStyle/>
-          <a:p>
-            <a:pPr algn="ctr"/>
-            <a:r>
-              <a:rPr kumimoji="1" lang="en-US" altLang="zh-CN" sz="1200" dirty="0" smtClean="0">
-                <a:solidFill>
-                  <a:schemeClr val="tx1"/>
-                </a:solidFill>
-              </a:rPr>
-              <a:t>tools-core-basic</a:t>
-            </a:r>
-            <a:endParaRPr kumimoji="1" lang="zh-CN" altLang="en-US" sz="1200" dirty="0">
-              <a:solidFill>
-                <a:schemeClr val="tx1"/>
-              </a:solidFill>
-            </a:endParaRPr>
-          </a:p>
-        </p:txBody>
-      </p:sp>
-      <p:sp>
-        <p:nvSpPr>
-          <p:cNvPr id="28" name="矩形 27"/>
-          <p:cNvSpPr/>
-          <p:nvPr/>
-        </p:nvSpPr>
-        <p:spPr>
-          <a:xfrm>
-            <a:off x="3217741" y="2132411"/>
-            <a:ext cx="1522005" cy="226358"/>
-          </a:xfrm>
-          <a:prstGeom prst="rect">
-            <a:avLst/>
-          </a:prstGeom>
-          <a:solidFill>
-            <a:srgbClr val="FFC000"/>
-          </a:solidFill>
-        </p:spPr>
-        <p:style>
-          <a:lnRef idx="2">
-            <a:schemeClr val="accent1">
-              <a:shade val="50000"/>
-            </a:schemeClr>
-          </a:lnRef>
-          <a:fillRef idx="1">
-            <a:schemeClr val="accent1"/>
-          </a:fillRef>
-          <a:effectRef idx="0">
-            <a:schemeClr val="accent1"/>
-          </a:effectRef>
-          <a:fontRef idx="minor">
-            <a:schemeClr val="lt1"/>
-          </a:fontRef>
-        </p:style>
-        <p:txBody>
-          <a:bodyPr rtlCol="0" anchor="ctr"/>
-          <a:lstStyle/>
-          <a:p>
-            <a:pPr algn="ctr"/>
-            <a:r>
-              <a:rPr kumimoji="1" lang="en-US" altLang="zh-CN" sz="1400" dirty="0" smtClean="0">
-                <a:solidFill>
-                  <a:schemeClr val="tx1"/>
-                </a:solidFill>
-              </a:rPr>
-              <a:t>tools-core-web</a:t>
-            </a:r>
-            <a:endParaRPr kumimoji="1" lang="zh-CN" altLang="en-US" sz="1400" dirty="0">
-              <a:solidFill>
-                <a:schemeClr val="tx1"/>
-              </a:solidFill>
-            </a:endParaRPr>
-          </a:p>
-        </p:txBody>
-      </p:sp>
-      <p:sp>
-        <p:nvSpPr>
-          <p:cNvPr id="29" name="矩形 28"/>
-          <p:cNvSpPr/>
-          <p:nvPr/>
-        </p:nvSpPr>
-        <p:spPr>
-          <a:xfrm>
-            <a:off x="961760" y="4124312"/>
-            <a:ext cx="1522005" cy="226358"/>
-          </a:xfrm>
-          <a:prstGeom prst="rect">
-            <a:avLst/>
-          </a:prstGeom>
-          <a:solidFill>
-            <a:schemeClr val="bg1">
-              <a:lumMod val="95000"/>
-            </a:schemeClr>
-          </a:solidFill>
-        </p:spPr>
-        <p:style>
-          <a:lnRef idx="2">
-            <a:schemeClr val="accent1">
-              <a:shade val="50000"/>
-            </a:schemeClr>
-          </a:lnRef>
-          <a:fillRef idx="1">
-            <a:schemeClr val="accent1"/>
-          </a:fillRef>
-          <a:effectRef idx="0">
-            <a:schemeClr val="accent1"/>
-          </a:effectRef>
-          <a:fontRef idx="minor">
-            <a:schemeClr val="lt1"/>
-          </a:fontRef>
-        </p:style>
-        <p:txBody>
-          <a:bodyPr rtlCol="0" anchor="ctr"/>
-          <a:lstStyle/>
-          <a:p>
-            <a:pPr algn="ctr"/>
-            <a:r>
-              <a:rPr kumimoji="1" lang="en-US" altLang="zh-CN" sz="1400" smtClean="0">
-                <a:solidFill>
-                  <a:schemeClr val="tx1"/>
-                </a:solidFill>
-              </a:rPr>
-              <a:t>tools-web-*</a:t>
-            </a:r>
-            <a:endParaRPr kumimoji="1" lang="zh-CN" altLang="en-US" sz="1400" dirty="0">
-              <a:solidFill>
-                <a:schemeClr val="tx1"/>
-              </a:solidFill>
-            </a:endParaRPr>
-          </a:p>
-        </p:txBody>
-      </p:sp>
-      <p:sp>
-        <p:nvSpPr>
-          <p:cNvPr id="30" name="矩形 29"/>
-          <p:cNvSpPr/>
-          <p:nvPr/>
-        </p:nvSpPr>
-        <p:spPr>
-          <a:xfrm>
-            <a:off x="961759" y="4433624"/>
-            <a:ext cx="1522005" cy="226358"/>
-          </a:xfrm>
-          <a:prstGeom prst="rect">
-            <a:avLst/>
-          </a:prstGeom>
-          <a:solidFill>
-            <a:schemeClr val="bg1">
-              <a:lumMod val="95000"/>
-            </a:schemeClr>
-          </a:solidFill>
-        </p:spPr>
-        <p:style>
-          <a:lnRef idx="2">
-            <a:schemeClr val="accent1">
-              <a:shade val="50000"/>
-            </a:schemeClr>
-          </a:lnRef>
-          <a:fillRef idx="1">
-            <a:schemeClr val="accent1"/>
-          </a:fillRef>
-          <a:effectRef idx="0">
-            <a:schemeClr val="accent1"/>
-          </a:effectRef>
-          <a:fontRef idx="minor">
-            <a:schemeClr val="lt1"/>
-          </a:fontRef>
-        </p:style>
-        <p:txBody>
-          <a:bodyPr rtlCol="0" anchor="ctr"/>
-          <a:lstStyle/>
-          <a:p>
-            <a:pPr algn="ctr"/>
-            <a:r>
-              <a:rPr kumimoji="1" lang="en-US" altLang="zh-CN" sz="1400" dirty="0" smtClean="0">
-                <a:solidFill>
-                  <a:schemeClr val="tx1"/>
-                </a:solidFill>
-              </a:rPr>
-              <a:t>tools-</a:t>
-            </a:r>
-            <a:r>
-              <a:rPr kumimoji="1" lang="en-US" altLang="zh-CN" sz="1400" dirty="0" err="1" smtClean="0">
-                <a:solidFill>
-                  <a:schemeClr val="tx1"/>
-                </a:solidFill>
-              </a:rPr>
-              <a:t>webview</a:t>
-            </a:r>
-            <a:r>
-              <a:rPr kumimoji="1" lang="en-US" altLang="zh-CN" sz="1400" dirty="0" smtClean="0">
-                <a:solidFill>
-                  <a:schemeClr val="tx1"/>
-                </a:solidFill>
-              </a:rPr>
-              <a:t>-*</a:t>
-            </a:r>
-            <a:endParaRPr kumimoji="1" lang="zh-CN" altLang="en-US" sz="1400" dirty="0">
-              <a:solidFill>
-                <a:schemeClr val="tx1"/>
-              </a:solidFill>
-            </a:endParaRPr>
-          </a:p>
-        </p:txBody>
-      </p:sp>
-      <p:sp>
-        <p:nvSpPr>
-          <p:cNvPr id="33" name="矩形 32"/>
-          <p:cNvSpPr/>
-          <p:nvPr/>
-        </p:nvSpPr>
-        <p:spPr>
-          <a:xfrm>
-            <a:off x="3941017" y="2438751"/>
-            <a:ext cx="1522005" cy="226358"/>
-          </a:xfrm>
-          <a:prstGeom prst="rect">
-            <a:avLst/>
-          </a:prstGeom>
-          <a:solidFill>
-            <a:srgbClr val="0070C0"/>
-          </a:solidFill>
-        </p:spPr>
-        <p:style>
-          <a:lnRef idx="2">
-            <a:schemeClr val="accent1">
-              <a:shade val="50000"/>
-            </a:schemeClr>
-          </a:lnRef>
-          <a:fillRef idx="1">
-            <a:schemeClr val="accent1"/>
-          </a:fillRef>
-          <a:effectRef idx="0">
-            <a:schemeClr val="accent1"/>
-          </a:effectRef>
-          <a:fontRef idx="minor">
-            <a:schemeClr val="lt1"/>
-          </a:fontRef>
-        </p:style>
-        <p:txBody>
-          <a:bodyPr rtlCol="0" anchor="ctr"/>
-          <a:lstStyle/>
-          <a:p>
-            <a:pPr algn="ctr"/>
-            <a:r>
-              <a:rPr kumimoji="1" lang="en-US" altLang="zh-CN" sz="1400" dirty="0" smtClean="0">
-                <a:solidFill>
-                  <a:schemeClr val="bg1"/>
-                </a:solidFill>
-              </a:rPr>
-              <a:t>tools-core-service</a:t>
-            </a:r>
-            <a:endParaRPr kumimoji="1" lang="zh-CN" altLang="en-US" sz="1400" dirty="0">
-              <a:solidFill>
-                <a:schemeClr val="bg1"/>
-              </a:solidFill>
-            </a:endParaRPr>
-          </a:p>
-        </p:txBody>
-      </p:sp>
-      <p:sp>
-        <p:nvSpPr>
-          <p:cNvPr id="34" name="矩形 33"/>
-          <p:cNvSpPr/>
-          <p:nvPr/>
-        </p:nvSpPr>
-        <p:spPr>
-          <a:xfrm>
-            <a:off x="5463023" y="4087027"/>
-            <a:ext cx="1522005" cy="226358"/>
-          </a:xfrm>
-          <a:prstGeom prst="rect">
-            <a:avLst/>
-          </a:prstGeom>
-          <a:solidFill>
-            <a:schemeClr val="bg1">
-              <a:lumMod val="95000"/>
-            </a:schemeClr>
-          </a:solidFill>
-        </p:spPr>
-        <p:style>
-          <a:lnRef idx="2">
-            <a:schemeClr val="accent1">
-              <a:shade val="50000"/>
-            </a:schemeClr>
-          </a:lnRef>
-          <a:fillRef idx="1">
-            <a:schemeClr val="accent1"/>
-          </a:fillRef>
-          <a:effectRef idx="0">
-            <a:schemeClr val="accent1"/>
-          </a:effectRef>
-          <a:fontRef idx="minor">
-            <a:schemeClr val="lt1"/>
-          </a:fontRef>
-        </p:style>
-        <p:txBody>
-          <a:bodyPr rtlCol="0" anchor="ctr"/>
-          <a:lstStyle/>
-          <a:p>
-            <a:pPr algn="ctr"/>
-            <a:r>
-              <a:rPr kumimoji="1" lang="en-US" altLang="zh-CN" sz="1400" dirty="0" smtClean="0">
-                <a:solidFill>
-                  <a:schemeClr val="tx1"/>
-                </a:solidFill>
-              </a:rPr>
-              <a:t>tools-facade-*</a:t>
-            </a:r>
-            <a:endParaRPr kumimoji="1" lang="zh-CN" altLang="en-US" sz="1400" dirty="0">
-              <a:solidFill>
-                <a:schemeClr val="tx1"/>
-              </a:solidFill>
-            </a:endParaRPr>
-          </a:p>
-        </p:txBody>
-      </p:sp>
-      <p:sp>
-        <p:nvSpPr>
-          <p:cNvPr id="35" name="矩形 34"/>
-          <p:cNvSpPr/>
-          <p:nvPr/>
-        </p:nvSpPr>
-        <p:spPr>
-          <a:xfrm>
-            <a:off x="5463022" y="4396339"/>
-            <a:ext cx="1522005" cy="226358"/>
-          </a:xfrm>
-          <a:prstGeom prst="rect">
-            <a:avLst/>
-          </a:prstGeom>
-          <a:solidFill>
-            <a:schemeClr val="bg1">
-              <a:lumMod val="95000"/>
-            </a:schemeClr>
-          </a:solidFill>
-        </p:spPr>
-        <p:style>
-          <a:lnRef idx="2">
-            <a:schemeClr val="accent1">
-              <a:shade val="50000"/>
-            </a:schemeClr>
-          </a:lnRef>
-          <a:fillRef idx="1">
-            <a:schemeClr val="accent1"/>
-          </a:fillRef>
-          <a:effectRef idx="0">
-            <a:schemeClr val="accent1"/>
-          </a:effectRef>
-          <a:fontRef idx="minor">
-            <a:schemeClr val="lt1"/>
-          </a:fontRef>
-        </p:style>
-        <p:txBody>
-          <a:bodyPr rtlCol="0" anchor="ctr"/>
-          <a:lstStyle/>
-          <a:p>
-            <a:pPr algn="ctr"/>
-            <a:r>
-              <a:rPr kumimoji="1" lang="en-US" altLang="zh-CN" sz="1400" dirty="0" smtClean="0">
-                <a:solidFill>
-                  <a:schemeClr val="tx1"/>
-                </a:solidFill>
-              </a:rPr>
-              <a:t>tools-service-*</a:t>
-            </a:r>
-            <a:endParaRPr kumimoji="1" lang="zh-CN" altLang="en-US" sz="1400" dirty="0">
-              <a:solidFill>
-                <a:schemeClr val="tx1"/>
-              </a:solidFill>
-            </a:endParaRPr>
-          </a:p>
-        </p:txBody>
-      </p:sp>
-      <p:cxnSp>
-        <p:nvCxnSpPr>
-          <p:cNvPr id="7" name="曲线连接符 6"/>
-          <p:cNvCxnSpPr>
-            <a:stCxn id="29" idx="3"/>
-            <a:endCxn id="34" idx="1"/>
-          </p:cNvCxnSpPr>
-          <p:nvPr/>
-        </p:nvCxnSpPr>
-        <p:spPr>
-          <a:xfrm flipV="1">
-            <a:off x="2483765" y="4200206"/>
-            <a:ext cx="2979258" cy="37285"/>
-          </a:xfrm>
-          <a:prstGeom prst="curvedConnector3">
-            <a:avLst>
-              <a:gd name="adj1" fmla="val 50000"/>
-            </a:avLst>
-          </a:prstGeom>
-          <a:ln w="12700">
-            <a:solidFill>
-              <a:schemeClr val="tx1"/>
-            </a:solidFill>
-            <a:prstDash val="dash"/>
-            <a:tailEnd type="triangle"/>
-          </a:ln>
-        </p:spPr>
-        <p:style>
-          <a:lnRef idx="1">
-            <a:schemeClr val="accent1"/>
-          </a:lnRef>
-          <a:fillRef idx="0">
-            <a:schemeClr val="accent1"/>
-          </a:fillRef>
-          <a:effectRef idx="0">
-            <a:schemeClr val="accent1"/>
-          </a:effectRef>
-          <a:fontRef idx="minor">
-            <a:schemeClr val="tx1"/>
-          </a:fontRef>
-        </p:style>
-      </p:cxnSp>
-      <p:cxnSp>
-        <p:nvCxnSpPr>
-          <p:cNvPr id="39" name="曲线连接符 38"/>
-          <p:cNvCxnSpPr>
-            <a:stCxn id="30" idx="3"/>
-            <a:endCxn id="34" idx="1"/>
-          </p:cNvCxnSpPr>
-          <p:nvPr/>
-        </p:nvCxnSpPr>
-        <p:spPr>
-          <a:xfrm flipV="1">
-            <a:off x="2483764" y="4200206"/>
-            <a:ext cx="2979259" cy="346597"/>
-          </a:xfrm>
-          <a:prstGeom prst="curvedConnector3">
-            <a:avLst>
-              <a:gd name="adj1" fmla="val 50000"/>
-            </a:avLst>
-          </a:prstGeom>
-          <a:ln w="12700">
-            <a:solidFill>
-              <a:schemeClr val="tx1"/>
-            </a:solidFill>
-            <a:prstDash val="dash"/>
-            <a:tailEnd type="triangle"/>
-          </a:ln>
-        </p:spPr>
-        <p:style>
-          <a:lnRef idx="1">
-            <a:schemeClr val="accent1"/>
-          </a:lnRef>
-          <a:fillRef idx="0">
-            <a:schemeClr val="accent1"/>
-          </a:fillRef>
-          <a:effectRef idx="0">
-            <a:schemeClr val="accent1"/>
-          </a:effectRef>
-          <a:fontRef idx="minor">
-            <a:schemeClr val="tx1"/>
-          </a:fontRef>
-        </p:style>
-      </p:cxnSp>
-      <p:sp>
-        <p:nvSpPr>
-          <p:cNvPr id="12" name="文本框 11"/>
-          <p:cNvSpPr txBox="1"/>
-          <p:nvPr/>
-        </p:nvSpPr>
-        <p:spPr>
-          <a:xfrm flipH="1">
-            <a:off x="3701595" y="4307751"/>
-            <a:ext cx="1224132" cy="276999"/>
-          </a:xfrm>
-          <a:prstGeom prst="rect">
-            <a:avLst/>
-          </a:prstGeom>
-          <a:noFill/>
-        </p:spPr>
-        <p:txBody>
-          <a:bodyPr wrap="square" rtlCol="0">
-            <a:spAutoFit/>
-          </a:bodyPr>
-          <a:lstStyle/>
-          <a:p>
-            <a:r>
-              <a:rPr kumimoji="1" lang="en-US" altLang="zh-CN" sz="1200" dirty="0" smtClean="0"/>
-              <a:t>POM</a:t>
-            </a:r>
-            <a:r>
-              <a:rPr kumimoji="1" lang="zh-CN" altLang="en-US" sz="1200" dirty="0" smtClean="0"/>
-              <a:t>依赖</a:t>
-            </a:r>
-            <a:endParaRPr kumimoji="1" lang="zh-CN" altLang="en-US" sz="1200" dirty="0"/>
-          </a:p>
-        </p:txBody>
-      </p:sp>
-      <p:sp>
-        <p:nvSpPr>
-          <p:cNvPr id="44" name="三角形 43"/>
-          <p:cNvSpPr/>
-          <p:nvPr/>
-        </p:nvSpPr>
-        <p:spPr>
-          <a:xfrm>
-            <a:off x="4991123" y="602269"/>
-            <a:ext cx="1443902" cy="1143915"/>
-          </a:xfrm>
-          <a:prstGeom prst="triangle">
-            <a:avLst/>
-          </a:prstGeom>
-          <a:solidFill>
-            <a:schemeClr val="tx1"/>
-          </a:solidFill>
-        </p:spPr>
-        <p:style>
-          <a:lnRef idx="2">
-            <a:schemeClr val="accent1">
-              <a:shade val="50000"/>
-            </a:schemeClr>
-          </a:lnRef>
-          <a:fillRef idx="1">
-            <a:schemeClr val="accent1"/>
-          </a:fillRef>
-          <a:effectRef idx="0">
-            <a:schemeClr val="accent1"/>
-          </a:effectRef>
-          <a:fontRef idx="minor">
-            <a:schemeClr val="lt1"/>
-          </a:fontRef>
-        </p:style>
-        <p:txBody>
-          <a:bodyPr rtlCol="0" anchor="t"/>
-          <a:lstStyle/>
-          <a:p>
-            <a:pPr algn="ctr"/>
-            <a:r>
-              <a:rPr kumimoji="1" lang="zh-CN" altLang="en-US" sz="1400" smtClean="0"/>
-              <a:t>架构开发成员</a:t>
-            </a:r>
-            <a:endParaRPr kumimoji="1" lang="zh-CN" altLang="en-US" sz="1400" dirty="0"/>
-          </a:p>
-        </p:txBody>
-      </p:sp>
-      <p:cxnSp>
-        <p:nvCxnSpPr>
-          <p:cNvPr id="14" name="曲线连接符 13"/>
-          <p:cNvCxnSpPr>
-            <a:stCxn id="80" idx="0"/>
-            <a:endCxn id="43" idx="2"/>
-          </p:cNvCxnSpPr>
-          <p:nvPr/>
-        </p:nvCxnSpPr>
-        <p:spPr>
-          <a:xfrm rot="5400000" flipH="1" flipV="1">
-            <a:off x="2984152" y="1927349"/>
-            <a:ext cx="504055" cy="2224906"/>
-          </a:xfrm>
-          <a:prstGeom prst="curvedConnector3">
-            <a:avLst>
-              <a:gd name="adj1" fmla="val 50000"/>
-            </a:avLst>
-          </a:prstGeom>
-          <a:ln w="12700">
-            <a:solidFill>
-              <a:schemeClr val="tx1"/>
-            </a:solidFill>
-            <a:prstDash val="dash"/>
-            <a:tailEnd type="triangle"/>
-          </a:ln>
-        </p:spPr>
-        <p:style>
-          <a:lnRef idx="1">
-            <a:schemeClr val="accent1"/>
-          </a:lnRef>
-          <a:fillRef idx="0">
-            <a:schemeClr val="accent1"/>
-          </a:fillRef>
-          <a:effectRef idx="0">
-            <a:schemeClr val="accent1"/>
-          </a:effectRef>
-          <a:fontRef idx="minor">
-            <a:schemeClr val="tx1"/>
-          </a:fontRef>
-        </p:style>
-      </p:cxnSp>
-      <p:cxnSp>
-        <p:nvCxnSpPr>
-          <p:cNvPr id="16" name="曲线连接符 15"/>
-          <p:cNvCxnSpPr>
-            <a:stCxn id="81" idx="0"/>
-            <a:endCxn id="43" idx="2"/>
-          </p:cNvCxnSpPr>
-          <p:nvPr/>
-        </p:nvCxnSpPr>
-        <p:spPr>
-          <a:xfrm rot="16200000" flipV="1">
-            <a:off x="5139856" y="1996551"/>
-            <a:ext cx="504055" cy="2086502"/>
-          </a:xfrm>
-          <a:prstGeom prst="curvedConnector3">
-            <a:avLst/>
-          </a:prstGeom>
-          <a:ln w="12700">
-            <a:solidFill>
-              <a:schemeClr val="tx1"/>
-            </a:solidFill>
-            <a:prstDash val="dash"/>
-            <a:tailEnd type="triangle"/>
-          </a:ln>
-        </p:spPr>
-        <p:style>
-          <a:lnRef idx="1">
-            <a:schemeClr val="accent1"/>
-          </a:lnRef>
-          <a:fillRef idx="0">
-            <a:schemeClr val="accent1"/>
-          </a:fillRef>
-          <a:effectRef idx="0">
-            <a:schemeClr val="accent1"/>
-          </a:effectRef>
-          <a:fontRef idx="minor">
-            <a:schemeClr val="tx1"/>
-          </a:fontRef>
-        </p:style>
-      </p:cxnSp>
-      <p:sp>
-        <p:nvSpPr>
-          <p:cNvPr id="54" name="文本框 53"/>
-          <p:cNvSpPr txBox="1"/>
-          <p:nvPr/>
-        </p:nvSpPr>
-        <p:spPr>
-          <a:xfrm flipH="1">
-            <a:off x="2512436" y="2876332"/>
-            <a:ext cx="1224132" cy="276999"/>
-          </a:xfrm>
-          <a:prstGeom prst="rect">
-            <a:avLst/>
-          </a:prstGeom>
-          <a:noFill/>
-        </p:spPr>
-        <p:txBody>
-          <a:bodyPr wrap="square" rtlCol="0">
-            <a:spAutoFit/>
-          </a:bodyPr>
-          <a:lstStyle/>
-          <a:p>
-            <a:r>
-              <a:rPr kumimoji="1" lang="en-US" altLang="zh-CN" sz="1200" dirty="0" smtClean="0"/>
-              <a:t>POM</a:t>
-            </a:r>
-            <a:r>
-              <a:rPr kumimoji="1" lang="zh-CN" altLang="en-US" sz="1200" dirty="0" smtClean="0"/>
-              <a:t>依赖</a:t>
-            </a:r>
-            <a:endParaRPr kumimoji="1" lang="zh-CN" altLang="en-US" sz="1200" dirty="0"/>
-          </a:p>
-        </p:txBody>
-      </p:sp>
-      <p:sp>
-        <p:nvSpPr>
-          <p:cNvPr id="55" name="文本框 54"/>
-          <p:cNvSpPr txBox="1"/>
-          <p:nvPr/>
-        </p:nvSpPr>
-        <p:spPr>
-          <a:xfrm flipH="1">
-            <a:off x="4958970" y="2828541"/>
-            <a:ext cx="1224132" cy="276999"/>
-          </a:xfrm>
-          <a:prstGeom prst="rect">
-            <a:avLst/>
-          </a:prstGeom>
-          <a:noFill/>
-        </p:spPr>
-        <p:txBody>
-          <a:bodyPr wrap="square" rtlCol="0">
-            <a:spAutoFit/>
-          </a:bodyPr>
-          <a:lstStyle/>
-          <a:p>
-            <a:r>
-              <a:rPr kumimoji="1" lang="en-US" altLang="zh-CN" sz="1200" dirty="0" smtClean="0"/>
-              <a:t>POM</a:t>
-            </a:r>
-            <a:r>
-              <a:rPr kumimoji="1" lang="zh-CN" altLang="en-US" sz="1200" dirty="0" smtClean="0"/>
-              <a:t>依赖</a:t>
-            </a:r>
-            <a:endParaRPr kumimoji="1" lang="zh-CN" altLang="en-US" sz="1200" dirty="0"/>
-          </a:p>
-        </p:txBody>
-      </p:sp>
-      <p:sp>
-        <p:nvSpPr>
-          <p:cNvPr id="56" name="矩形 55"/>
-          <p:cNvSpPr/>
-          <p:nvPr/>
-        </p:nvSpPr>
-        <p:spPr>
-          <a:xfrm>
-            <a:off x="3379454" y="1842113"/>
-            <a:ext cx="1522005" cy="226358"/>
-          </a:xfrm>
-          <a:prstGeom prst="rect">
-            <a:avLst/>
-          </a:prstGeom>
-          <a:solidFill>
-            <a:schemeClr val="bg1">
-              <a:lumMod val="95000"/>
-            </a:schemeClr>
-          </a:solidFill>
-        </p:spPr>
-        <p:style>
-          <a:lnRef idx="2">
-            <a:schemeClr val="accent1">
-              <a:shade val="50000"/>
-            </a:schemeClr>
-          </a:lnRef>
-          <a:fillRef idx="1">
-            <a:schemeClr val="accent1"/>
-          </a:fillRef>
-          <a:effectRef idx="0">
-            <a:schemeClr val="accent1"/>
-          </a:effectRef>
-          <a:fontRef idx="minor">
-            <a:schemeClr val="lt1"/>
-          </a:fontRef>
-        </p:style>
-        <p:txBody>
-          <a:bodyPr rtlCol="0" anchor="ctr"/>
-          <a:lstStyle/>
-          <a:p>
-            <a:pPr algn="ctr"/>
-            <a:r>
-              <a:rPr kumimoji="1" lang="en-US" altLang="zh-CN" sz="1200" smtClean="0">
-                <a:solidFill>
-                  <a:schemeClr val="tx1"/>
-                </a:solidFill>
-              </a:rPr>
-              <a:t>tools-maven-plugin</a:t>
-            </a:r>
-            <a:endParaRPr kumimoji="1" lang="zh-CN" altLang="en-US" sz="1200" dirty="0">
-              <a:solidFill>
-                <a:schemeClr val="tx1"/>
-              </a:solidFill>
-            </a:endParaRPr>
+            <a:pPr>
+              <a:lnSpc>
+                <a:spcPct val="150000"/>
+              </a:lnSpc>
+            </a:pPr>
+            <a:r>
+              <a:rPr kumimoji="1" lang="zh-CN" altLang="en-US" dirty="0" smtClean="0"/>
+              <a:t>‘</a:t>
+            </a:r>
+            <a:r>
+              <a:rPr kumimoji="1" lang="zh-CN" altLang="en-US" dirty="0"/>
+              <a:t>前后分离</a:t>
+            </a:r>
+            <a:r>
+              <a:rPr kumimoji="1" lang="zh-CN" altLang="en-US" dirty="0" smtClean="0"/>
+              <a:t>’是一个架构思想，我们</a:t>
+            </a:r>
+            <a:r>
+              <a:rPr kumimoji="1" lang="zh-CN" altLang="en-US" smtClean="0"/>
+              <a:t>的实现手段如下：</a:t>
+            </a:r>
+            <a:endParaRPr kumimoji="1" lang="en-US" altLang="zh-CN" dirty="0" smtClean="0"/>
+          </a:p>
+          <a:p>
+            <a:pPr marL="285750" indent="-285750">
+              <a:lnSpc>
+                <a:spcPct val="150000"/>
+              </a:lnSpc>
+              <a:buFont typeface="Arial" charset="0"/>
+              <a:buChar char="•"/>
+            </a:pPr>
+            <a:r>
+              <a:rPr kumimoji="1" lang="zh-CN" altLang="en-US" dirty="0" smtClean="0"/>
+              <a:t>团队的职责分离；</a:t>
+            </a:r>
+            <a:endParaRPr kumimoji="1" lang="en-US" altLang="zh-CN" dirty="0" smtClean="0"/>
+          </a:p>
+          <a:p>
+            <a:pPr marL="285750" indent="-285750">
+              <a:lnSpc>
+                <a:spcPct val="150000"/>
+              </a:lnSpc>
+              <a:buFont typeface="Arial" charset="0"/>
+              <a:buChar char="•"/>
+            </a:pPr>
+            <a:r>
+              <a:rPr kumimoji="1" lang="zh-CN" altLang="en-US" dirty="0" smtClean="0"/>
+              <a:t>满足要求的技术体系；</a:t>
+            </a:r>
+            <a:endParaRPr kumimoji="1" lang="en-US" altLang="zh-CN" dirty="0" smtClean="0"/>
+          </a:p>
+          <a:p>
+            <a:pPr marL="285750" indent="-285750">
+              <a:lnSpc>
+                <a:spcPct val="150000"/>
+              </a:lnSpc>
+              <a:buFont typeface="Arial" charset="0"/>
+              <a:buChar char="•"/>
+            </a:pPr>
+            <a:r>
+              <a:rPr kumimoji="1" lang="zh-CN" altLang="en-US" dirty="0" smtClean="0"/>
+              <a:t>相互隔离的开发协作方式；</a:t>
+            </a:r>
+            <a:endParaRPr kumimoji="1" lang="zh-CN" altLang="en-US" dirty="0"/>
           </a:p>
         </p:txBody>
       </p:sp>
     </p:spTree>
     <p:extLst>
       <p:ext uri="{BB962C8B-B14F-4D97-AF65-F5344CB8AC3E}">
-        <p14:creationId xmlns:p14="http://schemas.microsoft.com/office/powerpoint/2010/main" val="1693976754"/>
+        <p14:creationId xmlns:p14="http://schemas.microsoft.com/office/powerpoint/2010/main" val="190099156"/>
       </p:ext>
     </p:extLst>
   </p:cSld>
@@ -4704,6 +3914,53 @@
       </p:grpSpPr>
       <p:sp>
         <p:nvSpPr>
+          <p:cNvPr id="43" name="矩形 42"/>
+          <p:cNvSpPr/>
+          <p:nvPr/>
+        </p:nvSpPr>
+        <p:spPr>
+          <a:xfrm>
+            <a:off x="3059832" y="969773"/>
+            <a:ext cx="2577599" cy="1818001"/>
+          </a:xfrm>
+          <a:prstGeom prst="rect">
+            <a:avLst/>
+          </a:prstGeom>
+          <a:solidFill>
+            <a:schemeClr val="tx1"/>
+          </a:solidFill>
+        </p:spPr>
+        <p:style>
+          <a:lnRef idx="2">
+            <a:schemeClr val="accent1">
+              <a:shade val="50000"/>
+            </a:schemeClr>
+          </a:lnRef>
+          <a:fillRef idx="1">
+            <a:schemeClr val="accent1"/>
+          </a:fillRef>
+          <a:effectRef idx="0">
+            <a:schemeClr val="accent1"/>
+          </a:effectRef>
+          <a:fontRef idx="minor">
+            <a:schemeClr val="lt1"/>
+          </a:fontRef>
+        </p:style>
+        <p:txBody>
+          <a:bodyPr rtlCol="0" anchor="t"/>
+          <a:lstStyle/>
+          <a:p>
+            <a:pPr algn="ctr"/>
+            <a:r>
+              <a:rPr kumimoji="1" lang="zh-CN" altLang="en-US" sz="1400" dirty="0" smtClean="0"/>
+              <a:t>公共工程</a:t>
+            </a:r>
+            <a:endParaRPr kumimoji="1" lang="zh-CN" altLang="en-US" sz="1400" dirty="0"/>
+          </a:p>
+        </p:txBody>
+      </p:sp>
+      <p:sp>
+        <p:nvSpPr>
           <p:cNvPr id="2" name="标题 1"/>
           <p:cNvSpPr>
             <a:spLocks noGrp="1"/>
@@ -4718,20 +3975,16 @@
           <a:lstStyle/>
           <a:p>
             <a:r>
-              <a:rPr kumimoji="1" lang="zh-CN" altLang="en-US" dirty="0"/>
+              <a:rPr kumimoji="1" lang="zh-CN" altLang="en-US" dirty="0" smtClean="0"/>
               <a:t>前</a:t>
             </a:r>
             <a:r>
-              <a:rPr kumimoji="1" lang="en-US" altLang="zh-CN" dirty="0"/>
+              <a:rPr kumimoji="1" lang="en-US" altLang="zh-CN" dirty="0" smtClean="0"/>
               <a:t>-</a:t>
             </a:r>
             <a:r>
-              <a:rPr kumimoji="1" lang="zh-CN" altLang="en-US" dirty="0"/>
-              <a:t>后分离</a:t>
-            </a:r>
-            <a:r>
               <a:rPr kumimoji="1" lang="zh-CN" altLang="en-US" dirty="0" smtClean="0"/>
-              <a:t>的开发协作</a:t>
+              <a:t>后分离的工程体系</a:t>
             </a:r>
             <a:endParaRPr kumimoji="1" lang="zh-CN" altLang="en-US" dirty="0"/>
           </a:p>
@@ -4739,14 +3992,60 @@
       </p:sp>
       <p:sp>
         <p:nvSpPr>
-          <p:cNvPr id="3" name="矩形 2"/>
+          <p:cNvPr id="3" name="文本框 2"/>
+          <p:cNvSpPr txBox="1"/>
+          <p:nvPr/>
+        </p:nvSpPr>
+        <p:spPr>
+          <a:xfrm flipH="1">
+            <a:off x="4601693" y="295944"/>
+            <a:ext cx="3066650" cy="369332"/>
+          </a:xfrm>
+          <a:prstGeom prst="rect">
+            <a:avLst/>
+          </a:prstGeom>
+          <a:noFill/>
+        </p:spPr>
+        <p:txBody>
+          <a:bodyPr wrap="square" rtlCol="0">
+            <a:spAutoFit/>
+          </a:bodyPr>
+          <a:lstStyle/>
+          <a:p>
+            <a:r>
+              <a:rPr kumimoji="1" lang="zh-CN" altLang="en-US" dirty="0" smtClean="0">
+                <a:solidFill>
+                  <a:srgbClr val="C00000"/>
+                </a:solidFill>
+              </a:rPr>
+              <a:t>团队及</a:t>
+            </a:r>
+            <a:r>
+              <a:rPr kumimoji="1" lang="zh-CN" altLang="en-US" smtClean="0">
+                <a:solidFill>
+                  <a:srgbClr val="C00000"/>
+                </a:solidFill>
+              </a:rPr>
+              <a:t>架构，架构及未来！</a:t>
+            </a:r>
+            <a:endParaRPr kumimoji="1" lang="zh-CN" altLang="en-US">
+              <a:solidFill>
+                <a:srgbClr val="C00000"/>
+              </a:solidFill>
+            </a:endParaRPr>
+          </a:p>
+        </p:txBody>
+      </p:sp>
+      <p:sp>
+        <p:nvSpPr>
+          <p:cNvPr id="80" name="矩形 79"/>
           <p:cNvSpPr/>
           <p:nvPr/>
         </p:nvSpPr>
         <p:spPr>
           <a:xfrm>
-            <a:off x="1845605" y="1271701"/>
-            <a:ext cx="1656184" cy="3384376"/>
+            <a:off x="755571" y="3291829"/>
+            <a:ext cx="2736309" cy="1636587"/>
           </a:xfrm>
           <a:prstGeom prst="rect">
             <a:avLst/>
@@ -4772,19 +4071,19 @@
           </a:fontRef>
         </p:style>
         <p:txBody>
-          <a:bodyPr rtlCol="0" anchor="ctr"/>
+          <a:bodyPr rtlCol="0" anchor="t"/>
           <a:lstStyle/>
           <a:p>
             <a:pPr algn="ctr"/>
             <a:r>
-              <a:rPr kumimoji="1" lang="zh-CN" altLang="en-US" smtClean="0">
+              <a:rPr kumimoji="1" lang="zh-CN" altLang="en-US" sz="1400" dirty="0" smtClean="0">
                 <a:solidFill>
                   <a:schemeClr val="tx1"/>
                 </a:solidFill>
               </a:rPr>
-              <a:t>前端</a:t>
-            </a:r>
-            <a:endParaRPr kumimoji="1" lang="zh-CN" altLang="en-US">
+              <a:t>前端工程</a:t>
+            </a:r>
+            <a:endParaRPr kumimoji="1" lang="zh-CN" altLang="en-US" sz="1400" dirty="0">
               <a:solidFill>
                 <a:schemeClr val="tx1"/>
               </a:solidFill>
@@ -4794,20 +4093,20 @@
       </p:sp>
       <p:sp>
         <p:nvSpPr>
-          <p:cNvPr id="4" name="矩形 3"/>
+          <p:cNvPr id="81" name="矩形 80"/>
           <p:cNvSpPr/>
           <p:nvPr/>
         </p:nvSpPr>
         <p:spPr>
           <a:xfrm>
-            <a:off x="4572000" y="1271701"/>
-            <a:ext cx="2088232" cy="861003"/>
+            <a:off x="4958970" y="3291829"/>
+            <a:ext cx="2952328" cy="1636588"/>
           </a:xfrm>
           <a:prstGeom prst="rect">
             <a:avLst/>
           </a:prstGeom>
           <a:solidFill>
-            <a:srgbClr val="C00000"/>
+            <a:srgbClr val="0070C0"/>
           </a:solidFill>
         </p:spPr>
         <p:style>
@@ -4827,42 +4126,34 @@
           </a:fontRef>
         </p:style>
         <p:txBody>
-          <a:bodyPr rtlCol="0" anchor="ctr"/>
+          <a:bodyPr rtlCol="0" anchor="t"/>
           <a:lstStyle/>
           <a:p>
             <a:pPr algn="ctr"/>
             <a:r>
-              <a:rPr kumimoji="1" lang="zh-CN" altLang="en-US" smtClean="0"/>
-              <a:t>服务（</a:t>
-            </a:r>
-            <a:r>
-              <a:rPr kumimoji="1" lang="en-US" altLang="zh-CN" dirty="0" smtClean="0"/>
-              <a:t>Mocker</a:t>
-            </a:r>
-            <a:r>
-              <a:rPr kumimoji="1" lang="zh-CN" altLang="en-US" dirty="0" smtClean="0"/>
-              <a:t>）</a:t>
-            </a:r>
-            <a:endParaRPr kumimoji="1" lang="zh-CN" altLang="en-US" dirty="0"/>
-          </a:p>
-        </p:txBody>
-      </p:sp>
-      <p:sp>
-        <p:nvSpPr>
-          <p:cNvPr id="27" name="矩形 26"/>
+              <a:rPr kumimoji="1" lang="zh-CN" altLang="en-US" sz="1400" dirty="0" smtClean="0"/>
+              <a:t>后端工程</a:t>
+            </a:r>
+            <a:endParaRPr kumimoji="1" lang="zh-CN" altLang="en-US" sz="1400" dirty="0"/>
+          </a:p>
+        </p:txBody>
+      </p:sp>
+      <p:sp>
+        <p:nvSpPr>
+          <p:cNvPr id="18" name="三角形 17"/>
           <p:cNvSpPr/>
           <p:nvPr/>
         </p:nvSpPr>
         <p:spPr>
           <a:xfrm>
-            <a:off x="4572000" y="3795074"/>
-            <a:ext cx="2088232" cy="861003"/>
-          </a:xfrm>
-          <a:prstGeom prst="rect">
+            <a:off x="230709" y="2564155"/>
+            <a:ext cx="1571300" cy="1143915"/>
+          </a:xfrm>
+          <a:prstGeom prst="triangle">
             <a:avLst/>
           </a:prstGeom>
           <a:solidFill>
-            <a:srgbClr val="0070C0"/>
+            <a:srgbClr val="FFC000"/>
           </a:solidFill>
         </p:spPr>
         <p:style>
@@ -4882,42 +4173,42 @@
           </a:fontRef>
         </p:style>
         <p:txBody>
-          <a:bodyPr rtlCol="0" anchor="ctr"/>
+          <a:bodyPr rtlCol="0" anchor="t"/>
           <a:lstStyle/>
           <a:p>
             <a:pPr algn="ctr"/>
             <a:r>
-              <a:rPr kumimoji="1" lang="zh-CN" altLang="en-US" dirty="0" smtClean="0"/>
-              <a:t>服务（</a:t>
-            </a:r>
-            <a:r>
-              <a:rPr kumimoji="1" lang="en-US" altLang="zh-CN" dirty="0" smtClean="0"/>
-              <a:t>Delivery</a:t>
-            </a:r>
-            <a:r>
-              <a:rPr kumimoji="1" lang="zh-CN" altLang="en-US" dirty="0" smtClean="0"/>
-              <a:t>）</a:t>
-            </a:r>
-            <a:endParaRPr kumimoji="1" lang="zh-CN" altLang="en-US" dirty="0"/>
-          </a:p>
-        </p:txBody>
-      </p:sp>
-      <p:sp>
-        <p:nvSpPr>
-          <p:cNvPr id="28" name="三角形 27"/>
+              <a:rPr kumimoji="1" lang="zh-CN" altLang="en-US" sz="1400" dirty="0" smtClean="0">
+                <a:solidFill>
+                  <a:schemeClr val="tx1"/>
+                </a:solidFill>
+              </a:rPr>
+              <a:t>前端开发成员</a:t>
+            </a:r>
+            <a:endParaRPr kumimoji="1" lang="zh-CN" altLang="en-US" sz="1400" dirty="0">
+              <a:solidFill>
+                <a:schemeClr val="tx1"/>
+              </a:solidFill>
+            </a:endParaRPr>
+          </a:p>
+        </p:txBody>
+      </p:sp>
+      <p:sp>
+        <p:nvSpPr>
+          <p:cNvPr id="105" name="三角形 104"/>
           <p:cNvSpPr/>
           <p:nvPr/>
         </p:nvSpPr>
         <p:spPr>
           <a:xfrm>
-            <a:off x="179512" y="2543701"/>
-            <a:ext cx="1211260" cy="848185"/>
+            <a:off x="7016530" y="2665109"/>
+            <a:ext cx="1443902" cy="1143915"/>
           </a:xfrm>
           <a:prstGeom prst="triangle">
             <a:avLst/>
           </a:prstGeom>
           <a:solidFill>
-            <a:srgbClr val="FFC000"/>
+            <a:srgbClr val="0070C0"/>
           </a:solidFill>
         </p:spPr>
         <p:style>
@@ -4937,42 +4228,36 @@
           </a:fontRef>
         </p:style>
         <p:txBody>
-          <a:bodyPr rtlCol="0" anchor="ctr"/>
+          <a:bodyPr rtlCol="0" anchor="t"/>
           <a:lstStyle/>
           <a:p>
             <a:pPr algn="ctr"/>
             <a:r>
-              <a:rPr kumimoji="1" lang="zh-CN" altLang="en-US" sz="1400" dirty="0" smtClean="0">
-                <a:solidFill>
-                  <a:schemeClr val="tx1"/>
-                </a:solidFill>
-              </a:rPr>
-              <a:t>前端成员</a:t>
-            </a:r>
-            <a:endParaRPr kumimoji="1" lang="zh-CN" altLang="en-US" sz="1400" dirty="0">
-              <a:solidFill>
-                <a:schemeClr val="tx1"/>
-              </a:solidFill>
-            </a:endParaRPr>
-          </a:p>
-        </p:txBody>
-      </p:sp>
-      <p:sp>
-        <p:nvSpPr>
-          <p:cNvPr id="29" name="三角形 28"/>
+              <a:rPr kumimoji="1" lang="zh-CN" altLang="en-US" sz="1400" dirty="0" smtClean="0"/>
+              <a:t>后端开发成员</a:t>
+            </a:r>
+            <a:endParaRPr kumimoji="1" lang="zh-CN" altLang="en-US" sz="1400" dirty="0"/>
+          </a:p>
+        </p:txBody>
+      </p:sp>
+      <p:sp>
+        <p:nvSpPr>
+          <p:cNvPr id="26" name="矩形 25"/>
           <p:cNvSpPr/>
           <p:nvPr/>
         </p:nvSpPr>
         <p:spPr>
           <a:xfrm>
-            <a:off x="7488905" y="2411656"/>
-            <a:ext cx="1211260" cy="848185"/>
-          </a:xfrm>
-          <a:prstGeom prst="triangle">
+            <a:off x="3379455" y="1275606"/>
+            <a:ext cx="1522005" cy="226358"/>
+          </a:xfrm>
+          <a:prstGeom prst="rect">
             <a:avLst/>
           </a:prstGeom>
           <a:solidFill>
-            <a:srgbClr val="0070C0"/>
+            <a:schemeClr val="bg1">
+              <a:lumMod val="95000"/>
+            </a:schemeClr>
           </a:solidFill>
         </p:spPr>
         <p:style>
@@ -4997,16 +4282,16 @@
           <a:p>
             <a:pPr algn="ctr"/>
             <a:r>
-              <a:rPr kumimoji="1" lang="zh-CN" altLang="en-US" sz="1400" dirty="0" smtClean="0">
-                <a:solidFill>
-                  <a:schemeClr val="bg1"/>
+              <a:rPr kumimoji="1" lang="en-US" altLang="zh-CN" sz="1200" dirty="0" smtClean="0">
+                <a:solidFill>
+                  <a:schemeClr val="tx1"/>
                 </a:solidFill>
               </a:rPr>
-              <a:t>后端成员</a:t>
-            </a:r>
-            <a:endParaRPr kumimoji="1" lang="zh-CN" altLang="en-US" sz="1400" dirty="0">
+              <a:t>tools-common-*</a:t>
+            </a:r>
+            <a:endParaRPr kumimoji="1" lang="zh-CN" altLang="en-US" sz="1200" dirty="0">
               <a:solidFill>
-                <a:schemeClr val="bg1"/>
+                <a:schemeClr val="tx1"/>
               </a:solidFill>
             </a:endParaRPr>
           </a:p>
@@ -5014,24 +4299,23 @@
       </p:sp>
       <p:sp>
         <p:nvSpPr>
-          <p:cNvPr id="7" name="矩形 6"/>
+          <p:cNvPr id="27" name="矩形 26"/>
           <p:cNvSpPr/>
           <p:nvPr/>
         </p:nvSpPr>
         <p:spPr>
           <a:xfrm>
-            <a:off x="3131840" y="2132704"/>
-            <a:ext cx="262440" cy="1662370"/>
+            <a:off x="3379454" y="1560025"/>
+            <a:ext cx="1522005" cy="226358"/>
           </a:xfrm>
           <a:prstGeom prst="rect">
             <a:avLst/>
           </a:prstGeom>
           <a:solidFill>
-            <a:srgbClr val="FFC000"/>
+            <a:schemeClr val="bg1">
+              <a:lumMod val="95000"/>
+            </a:schemeClr>
           </a:solidFill>
-          <a:ln>
-            <a:prstDash val="dash"/>
-          </a:ln>
         </p:spPr>
         <p:style>
           <a:lnRef idx="2">
@@ -5055,28 +4339,12 @@
           <a:p>
             <a:pPr algn="ctr"/>
             <a:r>
-              <a:rPr kumimoji="1" lang="zh-CN" altLang="en-US" sz="1200" dirty="0" smtClean="0">
+              <a:rPr kumimoji="1" lang="en-US" altLang="zh-CN" sz="1200" dirty="0" smtClean="0">
                 <a:solidFill>
                   <a:schemeClr val="tx1"/>
                 </a:solidFill>
               </a:rPr>
-              <a:t>挡板</a:t>
-            </a:r>
-            <a:endParaRPr kumimoji="1" lang="en-US" altLang="zh-CN" sz="1200" dirty="0" smtClean="0">
-              <a:solidFill>
-                <a:schemeClr val="tx1"/>
-              </a:solidFill>
-            </a:endParaRPr>
-          </a:p>
-          <a:p>
-            <a:pPr algn="ctr"/>
-            <a:r>
-              <a:rPr kumimoji="1" lang="zh-CN" altLang="en-US" sz="1200" dirty="0" smtClean="0">
-                <a:solidFill>
-                  <a:schemeClr val="tx1"/>
-                </a:solidFill>
-              </a:rPr>
-              <a:t>程序</a:t>
+              <a:t>tools-core-basic</a:t>
             </a:r>
             <a:endParaRPr kumimoji="1" lang="zh-CN" altLang="en-US" sz="1200" dirty="0">
               <a:solidFill>
@@ -5086,27 +4354,384 @@
           </a:p>
         </p:txBody>
       </p:sp>
+      <p:sp>
+        <p:nvSpPr>
+          <p:cNvPr id="28" name="矩形 27"/>
+          <p:cNvSpPr/>
+          <p:nvPr/>
+        </p:nvSpPr>
+        <p:spPr>
+          <a:xfrm>
+            <a:off x="3217741" y="2132411"/>
+            <a:ext cx="1522005" cy="226358"/>
+          </a:xfrm>
+          <a:prstGeom prst="rect">
+            <a:avLst/>
+          </a:prstGeom>
+          <a:solidFill>
+            <a:srgbClr val="FFC000"/>
+          </a:solidFill>
+        </p:spPr>
+        <p:style>
+          <a:lnRef idx="2">
+            <a:schemeClr val="accent1">
+              <a:shade val="50000"/>
+            </a:schemeClr>
+          </a:lnRef>
+          <a:fillRef idx="1">
+            <a:schemeClr val="accent1"/>
+          </a:fillRef>
+          <a:effectRef idx="0">
+            <a:schemeClr val="accent1"/>
+          </a:effectRef>
+          <a:fontRef idx="minor">
+            <a:schemeClr val="lt1"/>
+          </a:fontRef>
+        </p:style>
+        <p:txBody>
+          <a:bodyPr rtlCol="0" anchor="ctr"/>
+          <a:lstStyle/>
+          <a:p>
+            <a:pPr algn="ctr"/>
+            <a:r>
+              <a:rPr kumimoji="1" lang="en-US" altLang="zh-CN" sz="1400" dirty="0" smtClean="0">
+                <a:solidFill>
+                  <a:schemeClr val="tx1"/>
+                </a:solidFill>
+              </a:rPr>
+              <a:t>tools-core-web</a:t>
+            </a:r>
+            <a:endParaRPr kumimoji="1" lang="zh-CN" altLang="en-US" sz="1400" dirty="0">
+              <a:solidFill>
+                <a:schemeClr val="tx1"/>
+              </a:solidFill>
+            </a:endParaRPr>
+          </a:p>
+        </p:txBody>
+      </p:sp>
+      <p:sp>
+        <p:nvSpPr>
+          <p:cNvPr id="29" name="矩形 28"/>
+          <p:cNvSpPr/>
+          <p:nvPr/>
+        </p:nvSpPr>
+        <p:spPr>
+          <a:xfrm>
+            <a:off x="961760" y="4124312"/>
+            <a:ext cx="1522005" cy="226358"/>
+          </a:xfrm>
+          <a:prstGeom prst="rect">
+            <a:avLst/>
+          </a:prstGeom>
+          <a:solidFill>
+            <a:schemeClr val="bg1">
+              <a:lumMod val="95000"/>
+            </a:schemeClr>
+          </a:solidFill>
+        </p:spPr>
+        <p:style>
+          <a:lnRef idx="2">
+            <a:schemeClr val="accent1">
+              <a:shade val="50000"/>
+            </a:schemeClr>
+          </a:lnRef>
+          <a:fillRef idx="1">
+            <a:schemeClr val="accent1"/>
+          </a:fillRef>
+          <a:effectRef idx="0">
+            <a:schemeClr val="accent1"/>
+          </a:effectRef>
+          <a:fontRef idx="minor">
+            <a:schemeClr val="lt1"/>
+          </a:fontRef>
+        </p:style>
+        <p:txBody>
+          <a:bodyPr rtlCol="0" anchor="ctr"/>
+          <a:lstStyle/>
+          <a:p>
+            <a:pPr algn="ctr"/>
+            <a:r>
+              <a:rPr kumimoji="1" lang="en-US" altLang="zh-CN" sz="1400" smtClean="0">
+                <a:solidFill>
+                  <a:schemeClr val="tx1"/>
+                </a:solidFill>
+              </a:rPr>
+              <a:t>tools-web-*</a:t>
+            </a:r>
+            <a:endParaRPr kumimoji="1" lang="zh-CN" altLang="en-US" sz="1400" dirty="0">
+              <a:solidFill>
+                <a:schemeClr val="tx1"/>
+              </a:solidFill>
+            </a:endParaRPr>
+          </a:p>
+        </p:txBody>
+      </p:sp>
+      <p:sp>
+        <p:nvSpPr>
+          <p:cNvPr id="30" name="矩形 29"/>
+          <p:cNvSpPr/>
+          <p:nvPr/>
+        </p:nvSpPr>
+        <p:spPr>
+          <a:xfrm>
+            <a:off x="961759" y="4433624"/>
+            <a:ext cx="1522005" cy="226358"/>
+          </a:xfrm>
+          <a:prstGeom prst="rect">
+            <a:avLst/>
+          </a:prstGeom>
+          <a:solidFill>
+            <a:schemeClr val="bg1">
+              <a:lumMod val="95000"/>
+            </a:schemeClr>
+          </a:solidFill>
+        </p:spPr>
+        <p:style>
+          <a:lnRef idx="2">
+            <a:schemeClr val="accent1">
+              <a:shade val="50000"/>
+            </a:schemeClr>
+          </a:lnRef>
+          <a:fillRef idx="1">
+            <a:schemeClr val="accent1"/>
+          </a:fillRef>
+          <a:effectRef idx="0">
+            <a:schemeClr val="accent1"/>
+          </a:effectRef>
+          <a:fontRef idx="minor">
+            <a:schemeClr val="lt1"/>
+          </a:fontRef>
+        </p:style>
+        <p:txBody>
+          <a:bodyPr rtlCol="0" anchor="ctr"/>
+          <a:lstStyle/>
+          <a:p>
+            <a:pPr algn="ctr"/>
+            <a:r>
+              <a:rPr kumimoji="1" lang="en-US" altLang="zh-CN" sz="1400" dirty="0" smtClean="0">
+                <a:solidFill>
+                  <a:schemeClr val="tx1"/>
+                </a:solidFill>
+              </a:rPr>
+              <a:t>tools-</a:t>
+            </a:r>
+            <a:r>
+              <a:rPr kumimoji="1" lang="en-US" altLang="zh-CN" sz="1400" dirty="0" err="1" smtClean="0">
+                <a:solidFill>
+                  <a:schemeClr val="tx1"/>
+                </a:solidFill>
+              </a:rPr>
+              <a:t>webview</a:t>
+            </a:r>
+            <a:r>
+              <a:rPr kumimoji="1" lang="en-US" altLang="zh-CN" sz="1400" dirty="0" smtClean="0">
+                <a:solidFill>
+                  <a:schemeClr val="tx1"/>
+                </a:solidFill>
+              </a:rPr>
+              <a:t>-*</a:t>
+            </a:r>
+            <a:endParaRPr kumimoji="1" lang="zh-CN" altLang="en-US" sz="1400" dirty="0">
+              <a:solidFill>
+                <a:schemeClr val="tx1"/>
+              </a:solidFill>
+            </a:endParaRPr>
+          </a:p>
+        </p:txBody>
+      </p:sp>
+      <p:sp>
+        <p:nvSpPr>
+          <p:cNvPr id="33" name="矩形 32"/>
+          <p:cNvSpPr/>
+          <p:nvPr/>
+        </p:nvSpPr>
+        <p:spPr>
+          <a:xfrm>
+            <a:off x="3941017" y="2438751"/>
+            <a:ext cx="1522005" cy="226358"/>
+          </a:xfrm>
+          <a:prstGeom prst="rect">
+            <a:avLst/>
+          </a:prstGeom>
+          <a:solidFill>
+            <a:srgbClr val="0070C0"/>
+          </a:solidFill>
+        </p:spPr>
+        <p:style>
+          <a:lnRef idx="2">
+            <a:schemeClr val="accent1">
+              <a:shade val="50000"/>
+            </a:schemeClr>
+          </a:lnRef>
+          <a:fillRef idx="1">
+            <a:schemeClr val="accent1"/>
+          </a:fillRef>
+          <a:effectRef idx="0">
+            <a:schemeClr val="accent1"/>
+          </a:effectRef>
+          <a:fontRef idx="minor">
+            <a:schemeClr val="lt1"/>
+          </a:fontRef>
+        </p:style>
+        <p:txBody>
+          <a:bodyPr rtlCol="0" anchor="ctr"/>
+          <a:lstStyle/>
+          <a:p>
+            <a:pPr algn="ctr"/>
+            <a:r>
+              <a:rPr kumimoji="1" lang="en-US" altLang="zh-CN" sz="1400" dirty="0" smtClean="0">
+                <a:solidFill>
+                  <a:schemeClr val="bg1"/>
+                </a:solidFill>
+              </a:rPr>
+              <a:t>tools-core-service</a:t>
+            </a:r>
+            <a:endParaRPr kumimoji="1" lang="zh-CN" altLang="en-US" sz="1400" dirty="0">
+              <a:solidFill>
+                <a:schemeClr val="bg1"/>
+              </a:solidFill>
+            </a:endParaRPr>
+          </a:p>
+        </p:txBody>
+      </p:sp>
+      <p:sp>
+        <p:nvSpPr>
+          <p:cNvPr id="34" name="矩形 33"/>
+          <p:cNvSpPr/>
+          <p:nvPr/>
+        </p:nvSpPr>
+        <p:spPr>
+          <a:xfrm>
+            <a:off x="5463023" y="4087027"/>
+            <a:ext cx="1522005" cy="226358"/>
+          </a:xfrm>
+          <a:prstGeom prst="rect">
+            <a:avLst/>
+          </a:prstGeom>
+          <a:solidFill>
+            <a:schemeClr val="bg1">
+              <a:lumMod val="95000"/>
+            </a:schemeClr>
+          </a:solidFill>
+        </p:spPr>
+        <p:style>
+          <a:lnRef idx="2">
+            <a:schemeClr val="accent1">
+              <a:shade val="50000"/>
+            </a:schemeClr>
+          </a:lnRef>
+          <a:fillRef idx="1">
+            <a:schemeClr val="accent1"/>
+          </a:fillRef>
+          <a:effectRef idx="0">
+            <a:schemeClr val="accent1"/>
+          </a:effectRef>
+          <a:fontRef idx="minor">
+            <a:schemeClr val="lt1"/>
+          </a:fontRef>
+        </p:style>
+        <p:txBody>
+          <a:bodyPr rtlCol="0" anchor="ctr"/>
+          <a:lstStyle/>
+          <a:p>
+            <a:pPr algn="ctr"/>
+            <a:r>
+              <a:rPr kumimoji="1" lang="en-US" altLang="zh-CN" sz="1400" dirty="0" smtClean="0">
+                <a:solidFill>
+                  <a:schemeClr val="tx1"/>
+                </a:solidFill>
+              </a:rPr>
+              <a:t>tools-facade-*</a:t>
+            </a:r>
+            <a:endParaRPr kumimoji="1" lang="zh-CN" altLang="en-US" sz="1400" dirty="0">
+              <a:solidFill>
+                <a:schemeClr val="tx1"/>
+              </a:solidFill>
+            </a:endParaRPr>
+          </a:p>
+        </p:txBody>
+      </p:sp>
+      <p:sp>
+        <p:nvSpPr>
+          <p:cNvPr id="35" name="矩形 34"/>
+          <p:cNvSpPr/>
+          <p:nvPr/>
+        </p:nvSpPr>
+        <p:spPr>
+          <a:xfrm>
+            <a:off x="5463022" y="4396339"/>
+            <a:ext cx="1522005" cy="226358"/>
+          </a:xfrm>
+          <a:prstGeom prst="rect">
+            <a:avLst/>
+          </a:prstGeom>
+          <a:solidFill>
+            <a:schemeClr val="bg1">
+              <a:lumMod val="95000"/>
+            </a:schemeClr>
+          </a:solidFill>
+        </p:spPr>
+        <p:style>
+          <a:lnRef idx="2">
+            <a:schemeClr val="accent1">
+              <a:shade val="50000"/>
+            </a:schemeClr>
+          </a:lnRef>
+          <a:fillRef idx="1">
+            <a:schemeClr val="accent1"/>
+          </a:fillRef>
+          <a:effectRef idx="0">
+            <a:schemeClr val="accent1"/>
+          </a:effectRef>
+          <a:fontRef idx="minor">
+            <a:schemeClr val="lt1"/>
+          </a:fontRef>
+        </p:style>
+        <p:txBody>
+          <a:bodyPr rtlCol="0" anchor="ctr"/>
+          <a:lstStyle/>
+          <a:p>
+            <a:pPr algn="ctr"/>
+            <a:r>
+              <a:rPr kumimoji="1" lang="en-US" altLang="zh-CN" sz="1400" dirty="0" smtClean="0">
+                <a:solidFill>
+                  <a:schemeClr val="tx1"/>
+                </a:solidFill>
+              </a:rPr>
+              <a:t>tools-service-*</a:t>
+            </a:r>
+            <a:endParaRPr kumimoji="1" lang="zh-CN" altLang="en-US" sz="1400" dirty="0">
+              <a:solidFill>
+                <a:schemeClr val="tx1"/>
+              </a:solidFill>
+            </a:endParaRPr>
+          </a:p>
+        </p:txBody>
+      </p:sp>
       <p:cxnSp>
         <p:nvCxnSpPr>
-          <p:cNvPr id="11" name="直线箭头连接符 10"/>
+          <p:cNvPr id="7" name="曲线连接符 6"/>
           <p:cNvCxnSpPr>
-            <a:stCxn id="3" idx="3"/>
-            <a:endCxn id="4" idx="1"/>
+            <a:stCxn id="29" idx="3"/>
+            <a:endCxn id="34" idx="1"/>
           </p:cNvCxnSpPr>
           <p:nvPr/>
         </p:nvCxnSpPr>
         <p:spPr>
           <a:xfrm flipV="1">
-            <a:off x="3501789" y="1702203"/>
-            <a:ext cx="1070211" cy="1261686"/>
-          </a:xfrm>
-          <a:prstGeom prst="straightConnector1">
-            <a:avLst/>
-          </a:prstGeom>
-          <a:ln w="28575">
+            <a:off x="2483765" y="4200206"/>
+            <a:ext cx="2979258" cy="37285"/>
+          </a:xfrm>
+          <a:prstGeom prst="curvedConnector3">
+            <a:avLst>
+              <a:gd name="adj1" fmla="val 50000"/>
+            </a:avLst>
+          </a:prstGeom>
+          <a:ln w="12700">
             <a:solidFill>
-              <a:srgbClr val="C00000"/>
+              <a:schemeClr val="tx1"/>
             </a:solidFill>
+            <a:prstDash val="dash"/>
             <a:tailEnd type="triangle"/>
           </a:ln>
         </p:spPr>
@@ -5127,25 +4752,28 @@
       </p:cxnSp>
       <p:cxnSp>
         <p:nvCxnSpPr>
-          <p:cNvPr id="34" name="直线箭头连接符 33"/>
+          <p:cNvPr id="39" name="曲线连接符 38"/>
           <p:cNvCxnSpPr>
-            <a:stCxn id="3" idx="3"/>
-            <a:endCxn id="27" idx="1"/>
+            <a:stCxn id="30" idx="3"/>
+            <a:endCxn id="34" idx="1"/>
           </p:cNvCxnSpPr>
           <p:nvPr/>
         </p:nvCxnSpPr>
         <p:spPr>
-          <a:xfrm>
-            <a:off x="3501789" y="2963889"/>
-            <a:ext cx="1070211" cy="1261687"/>
-          </a:xfrm>
-          <a:prstGeom prst="straightConnector1">
-            <a:avLst/>
-          </a:prstGeom>
-          <a:ln w="28575">
+          <a:xfrm flipV="1">
+            <a:off x="2483764" y="4200206"/>
+            <a:ext cx="2979259" cy="346597"/>
+          </a:xfrm>
+          <a:prstGeom prst="curvedConnector3">
+            <a:avLst>
+              <a:gd name="adj1" fmla="val 50000"/>
+            </a:avLst>
+          </a:prstGeom>
+          <a:ln w="12700">
             <a:solidFill>
-              <a:srgbClr val="0070C0"/>
+              <a:schemeClr val="tx1"/>
             </a:solidFill>
+            <a:prstDash val="dash"/>
             <a:tailEnd type="triangle"/>
           </a:ln>
         </p:spPr>
@@ -5166,14 +4794,14 @@
       </p:cxnSp>
       <p:sp>
         <p:nvSpPr>
-          <p:cNvPr id="20" name="文本框 19"/>
+          <p:cNvPr id="12" name="文本框 11"/>
           <p:cNvSpPr txBox="1"/>
           <p:nvPr/>
         </p:nvSpPr>
         <p:spPr>
-          <a:xfrm>
-            <a:off x="3823594" y="2386761"/>
-            <a:ext cx="902811" cy="307777"/>
+          <a:xfrm flipH="1">
+            <a:off x="3573123" y="3988015"/>
+            <a:ext cx="1224132" cy="461665"/>
           </a:xfrm>
           <a:prstGeom prst="rect">
             <a:avLst/>
@@ -5181,155 +4809,51 @@
           <a:noFill/>
         </p:spPr>
         <p:txBody>
-          <a:bodyPr wrap="none" rtlCol="0">
+          <a:bodyPr wrap="square" rtlCol="0">
             <a:spAutoFit/>
           </a:bodyPr>
           <a:lstStyle/>
           <a:p>
             <a:r>
-              <a:rPr kumimoji="1" lang="zh-CN" altLang="en-US" sz="1400" dirty="0" smtClean="0">
-                <a:solidFill>
-                  <a:srgbClr val="C00000"/>
-                </a:solidFill>
-              </a:rPr>
-              <a:t>开发调用</a:t>
-            </a:r>
-            <a:endParaRPr kumimoji="1" lang="zh-CN" altLang="en-US" sz="1400" dirty="0">
-              <a:solidFill>
-                <a:srgbClr val="C00000"/>
-              </a:solidFill>
-            </a:endParaRPr>
-          </a:p>
-        </p:txBody>
-      </p:sp>
-      <p:sp>
-        <p:nvSpPr>
-          <p:cNvPr id="43" name="文本框 42"/>
-          <p:cNvSpPr txBox="1"/>
-          <p:nvPr/>
-        </p:nvSpPr>
-        <p:spPr>
-          <a:xfrm>
-            <a:off x="3823058" y="3206379"/>
-            <a:ext cx="902811" cy="307777"/>
-          </a:xfrm>
-          <a:prstGeom prst="rect">
-            <a:avLst/>
-          </a:prstGeom>
-          <a:noFill/>
-        </p:spPr>
-        <p:txBody>
-          <a:bodyPr wrap="none" rtlCol="0">
-            <a:spAutoFit/>
-          </a:bodyPr>
-          <a:lstStyle/>
-          <a:p>
-            <a:r>
-              <a:rPr kumimoji="1" lang="zh-CN" altLang="en-US" sz="1400" smtClean="0">
-                <a:solidFill>
-                  <a:srgbClr val="0070C0"/>
-                </a:solidFill>
-              </a:rPr>
-              <a:t>正式调用</a:t>
-            </a:r>
-            <a:endParaRPr kumimoji="1" lang="zh-CN" altLang="en-US" sz="1400">
-              <a:solidFill>
-                <a:srgbClr val="0070C0"/>
-              </a:solidFill>
-            </a:endParaRPr>
-          </a:p>
-        </p:txBody>
-      </p:sp>
-      <p:sp>
-        <p:nvSpPr>
-          <p:cNvPr id="44" name="文本框 43"/>
-          <p:cNvSpPr txBox="1"/>
-          <p:nvPr/>
-        </p:nvSpPr>
-        <p:spPr>
-          <a:xfrm>
-            <a:off x="7229814" y="2268079"/>
-            <a:ext cx="543739" cy="307777"/>
-          </a:xfrm>
-          <a:prstGeom prst="rect">
-            <a:avLst/>
-          </a:prstGeom>
-          <a:noFill/>
-        </p:spPr>
-        <p:txBody>
-          <a:bodyPr wrap="none" rtlCol="0">
-            <a:spAutoFit/>
-          </a:bodyPr>
-          <a:lstStyle/>
-          <a:p>
-            <a:r>
-              <a:rPr kumimoji="1" lang="zh-CN" altLang="en-US" sz="1400" dirty="0" smtClean="0">
-                <a:solidFill>
-                  <a:srgbClr val="C00000"/>
-                </a:solidFill>
-              </a:rPr>
-              <a:t>配合</a:t>
-            </a:r>
-            <a:endParaRPr kumimoji="1" lang="zh-CN" altLang="en-US" sz="1400" dirty="0">
-              <a:solidFill>
-                <a:srgbClr val="C00000"/>
-              </a:solidFill>
-            </a:endParaRPr>
-          </a:p>
-        </p:txBody>
-      </p:sp>
-      <p:sp>
-        <p:nvSpPr>
-          <p:cNvPr id="45" name="文本框 44"/>
-          <p:cNvSpPr txBox="1"/>
-          <p:nvPr/>
-        </p:nvSpPr>
-        <p:spPr>
-          <a:xfrm>
-            <a:off x="7380312" y="3791981"/>
-            <a:ext cx="543739" cy="307777"/>
-          </a:xfrm>
-          <a:prstGeom prst="rect">
-            <a:avLst/>
-          </a:prstGeom>
-          <a:noFill/>
-        </p:spPr>
-        <p:txBody>
-          <a:bodyPr wrap="none" rtlCol="0">
-            <a:spAutoFit/>
-          </a:bodyPr>
-          <a:lstStyle/>
-          <a:p>
-            <a:r>
-              <a:rPr kumimoji="1" lang="zh-CN" altLang="en-US" sz="1400" dirty="0" smtClean="0">
-                <a:solidFill>
-                  <a:srgbClr val="0070C0"/>
-                </a:solidFill>
-              </a:rPr>
-              <a:t>交付</a:t>
-            </a:r>
-            <a:endParaRPr kumimoji="1" lang="zh-CN" altLang="en-US" sz="1400" dirty="0">
-              <a:solidFill>
-                <a:srgbClr val="0070C0"/>
-              </a:solidFill>
-            </a:endParaRPr>
-          </a:p>
-        </p:txBody>
-      </p:sp>
-      <p:sp>
-        <p:nvSpPr>
-          <p:cNvPr id="21" name="右箭头 20"/>
+              <a:rPr kumimoji="1" lang="en-US" altLang="zh-CN" sz="1200" dirty="0" smtClean="0"/>
+              <a:t>POM</a:t>
+            </a:r>
+            <a:r>
+              <a:rPr kumimoji="1" lang="zh-CN" altLang="en-US" sz="1200" dirty="0" smtClean="0"/>
+              <a:t>依赖</a:t>
+            </a:r>
+            <a:endParaRPr kumimoji="1" lang="en-US" altLang="zh-CN" sz="1200" dirty="0" smtClean="0"/>
+          </a:p>
+          <a:p>
+            <a:r>
+              <a:rPr kumimoji="1" lang="en-US" altLang="zh-CN" sz="1200" dirty="0" smtClean="0"/>
+              <a:t>Maven</a:t>
+            </a:r>
+            <a:r>
+              <a:rPr kumimoji="1" lang="zh-CN" altLang="en-US" sz="1200" dirty="0" smtClean="0"/>
+              <a:t>私服</a:t>
+            </a:r>
+            <a:endParaRPr kumimoji="1" lang="zh-CN" altLang="en-US" sz="1200" dirty="0"/>
+          </a:p>
+        </p:txBody>
+      </p:sp>
+      <p:sp>
+        <p:nvSpPr>
+          <p:cNvPr id="44" name="三角形 43"/>
           <p:cNvSpPr/>
           <p:nvPr/>
         </p:nvSpPr>
         <p:spPr>
           <a:xfrm>
-            <a:off x="1187624" y="2791824"/>
-            <a:ext cx="504056" cy="172064"/>
-          </a:xfrm>
-          <a:prstGeom prst="rightArrow">
-            <a:avLst/>
-          </a:prstGeom>
+            <a:off x="4991123" y="602269"/>
+            <a:ext cx="1443902" cy="1143915"/>
+          </a:xfrm>
+          <a:prstGeom prst="triangle">
+            <a:avLst/>
+          </a:prstGeom>
+          <a:solidFill>
+            <a:schemeClr val="tx1"/>
+          </a:solidFill>
         </p:spPr>
         <p:style>
           <a:lnRef idx="2">
@@ -5348,30 +4872,208 @@
           </a:fontRef>
         </p:style>
         <p:txBody>
-          <a:bodyPr rtlCol="0" anchor="ctr"/>
+          <a:bodyPr rtlCol="0" anchor="t"/>
           <a:lstStyle/>
           <a:p>
             <a:pPr algn="ctr"/>
-            <a:endParaRPr kumimoji="1" lang="zh-CN" altLang="en-US"/>
-          </a:p>
-        </p:txBody>
-      </p:sp>
-      <p:sp>
-        <p:nvSpPr>
-          <p:cNvPr id="22" name="左箭头 21"/>
+            <a:r>
+              <a:rPr kumimoji="1" lang="zh-CN" altLang="en-US" sz="1400" smtClean="0"/>
+              <a:t>架构开发成员</a:t>
+            </a:r>
+            <a:endParaRPr kumimoji="1" lang="zh-CN" altLang="en-US" sz="1400" dirty="0"/>
+          </a:p>
+        </p:txBody>
+      </p:sp>
+      <p:cxnSp>
+        <p:nvCxnSpPr>
+          <p:cNvPr id="14" name="曲线连接符 13"/>
+          <p:cNvCxnSpPr>
+            <a:stCxn id="80" idx="0"/>
+            <a:endCxn id="43" idx="2"/>
+          </p:cNvCxnSpPr>
+          <p:nvPr/>
+        </p:nvCxnSpPr>
+        <p:spPr>
+          <a:xfrm rot="5400000" flipH="1" flipV="1">
+            <a:off x="2984152" y="1927349"/>
+            <a:ext cx="504055" cy="2224906"/>
+          </a:xfrm>
+          <a:prstGeom prst="curvedConnector3">
+            <a:avLst>
+              <a:gd name="adj1" fmla="val 50000"/>
+            </a:avLst>
+          </a:prstGeom>
+          <a:ln w="12700">
+            <a:solidFill>
+              <a:schemeClr val="tx1"/>
+            </a:solidFill>
+            <a:prstDash val="dash"/>
+            <a:tailEnd type="triangle"/>
+          </a:ln>
+        </p:spPr>
+        <p:style>
+          <a:lnRef idx="1">
+            <a:schemeClr val="accent1"/>
+          </a:lnRef>
+          <a:fillRef idx="0">
+            <a:schemeClr val="accent1"/>
+          </a:fillRef>
+          <a:effectRef idx="0">
+            <a:schemeClr val="accent1"/>
+          </a:effectRef>
+          <a:fontRef idx="minor">
+            <a:schemeClr val="tx1"/>
+          </a:fontRef>
+        </p:style>
+      </p:cxnSp>
+      <p:cxnSp>
+        <p:nvCxnSpPr>
+          <p:cNvPr id="16" name="曲线连接符 15"/>
+          <p:cNvCxnSpPr>
+            <a:stCxn id="81" idx="0"/>
+            <a:endCxn id="43" idx="2"/>
+          </p:cNvCxnSpPr>
+          <p:nvPr/>
+        </p:nvCxnSpPr>
+        <p:spPr>
+          <a:xfrm rot="16200000" flipV="1">
+            <a:off x="5139856" y="1996551"/>
+            <a:ext cx="504055" cy="2086502"/>
+          </a:xfrm>
+          <a:prstGeom prst="curvedConnector3">
+            <a:avLst/>
+          </a:prstGeom>
+          <a:ln w="12700">
+            <a:solidFill>
+              <a:schemeClr val="tx1"/>
+            </a:solidFill>
+            <a:prstDash val="dash"/>
+            <a:tailEnd type="triangle"/>
+          </a:ln>
+        </p:spPr>
+        <p:style>
+          <a:lnRef idx="1">
+            <a:schemeClr val="accent1"/>
+          </a:lnRef>
+          <a:fillRef idx="0">
+            <a:schemeClr val="accent1"/>
+          </a:fillRef>
+          <a:effectRef idx="0">
+            <a:schemeClr val="accent1"/>
+          </a:effectRef>
+          <a:fontRef idx="minor">
+            <a:schemeClr val="tx1"/>
+          </a:fontRef>
+        </p:style>
+      </p:cxnSp>
+      <p:sp>
+        <p:nvSpPr>
+          <p:cNvPr id="54" name="文本框 53"/>
+          <p:cNvSpPr txBox="1"/>
+          <p:nvPr/>
+        </p:nvSpPr>
+        <p:spPr>
+          <a:xfrm flipH="1">
+            <a:off x="2390955" y="2830163"/>
+            <a:ext cx="1224132" cy="461665"/>
+          </a:xfrm>
+          <a:prstGeom prst="rect">
+            <a:avLst/>
+          </a:prstGeom>
+          <a:noFill/>
+        </p:spPr>
+        <p:txBody>
+          <a:bodyPr wrap="square" rtlCol="0">
+            <a:spAutoFit/>
+          </a:bodyPr>
+          <a:lstStyle/>
+          <a:p>
+            <a:r>
+              <a:rPr kumimoji="1" lang="en-US" altLang="zh-CN" sz="1200" dirty="0" smtClean="0"/>
+              <a:t>POM</a:t>
+            </a:r>
+            <a:r>
+              <a:rPr kumimoji="1" lang="zh-CN" altLang="en-US" sz="1200" dirty="0" smtClean="0"/>
+              <a:t>依赖</a:t>
+            </a:r>
+            <a:endParaRPr kumimoji="1" lang="en-US" altLang="zh-CN" sz="1200" dirty="0" smtClean="0"/>
+          </a:p>
+          <a:p>
+            <a:r>
+              <a:rPr kumimoji="1" lang="en-US" altLang="zh-CN" sz="1200" dirty="0" smtClean="0"/>
+              <a:t>Maven</a:t>
+            </a:r>
+            <a:r>
+              <a:rPr kumimoji="1" lang="zh-CN" altLang="en-US" sz="1200" dirty="0" smtClean="0"/>
+              <a:t>私服</a:t>
+            </a:r>
+            <a:endParaRPr kumimoji="1" lang="zh-CN" altLang="en-US" sz="1200" dirty="0"/>
+          </a:p>
+        </p:txBody>
+      </p:sp>
+      <p:sp>
+        <p:nvSpPr>
+          <p:cNvPr id="55" name="文本框 54"/>
+          <p:cNvSpPr txBox="1"/>
+          <p:nvPr/>
+        </p:nvSpPr>
+        <p:spPr>
+          <a:xfrm flipH="1">
+            <a:off x="4958970" y="2828541"/>
+            <a:ext cx="1224132" cy="461665"/>
+          </a:xfrm>
+          <a:prstGeom prst="rect">
+            <a:avLst/>
+          </a:prstGeom>
+          <a:noFill/>
+        </p:spPr>
+        <p:txBody>
+          <a:bodyPr wrap="square" rtlCol="0">
+            <a:spAutoFit/>
+          </a:bodyPr>
+          <a:lstStyle/>
+          <a:p>
+            <a:r>
+              <a:rPr kumimoji="1" lang="en-US" altLang="zh-CN" sz="1200" dirty="0" smtClean="0"/>
+              <a:t>POM</a:t>
+            </a:r>
+            <a:r>
+              <a:rPr kumimoji="1" lang="zh-CN" altLang="en-US" sz="1200" dirty="0" smtClean="0"/>
+              <a:t>依赖</a:t>
+            </a:r>
+            <a:endParaRPr kumimoji="1" lang="en-US" altLang="zh-CN" sz="1200" dirty="0" smtClean="0"/>
+          </a:p>
+          <a:p>
+            <a:r>
+              <a:rPr kumimoji="1" lang="en-US" altLang="zh-CN" sz="1200" dirty="0" smtClean="0"/>
+              <a:t>Maven</a:t>
+            </a:r>
+            <a:r>
+              <a:rPr kumimoji="1" lang="zh-CN" altLang="en-US" sz="1200" dirty="0" smtClean="0"/>
+              <a:t>私服</a:t>
+            </a:r>
+            <a:endParaRPr kumimoji="1" lang="zh-CN" altLang="en-US" sz="1200" dirty="0"/>
+          </a:p>
+        </p:txBody>
+      </p:sp>
+      <p:sp>
+        <p:nvSpPr>
+          <p:cNvPr id="56" name="矩形 55"/>
           <p:cNvSpPr/>
           <p:nvPr/>
         </p:nvSpPr>
         <p:spPr>
-          <a:xfrm rot="1335225">
-            <a:off x="6934774" y="2517519"/>
-            <a:ext cx="676010" cy="274305"/>
-          </a:xfrm>
-          <a:prstGeom prst="leftArrow">
+          <a:xfrm>
+            <a:off x="3379454" y="1842113"/>
+            <a:ext cx="1522005" cy="226358"/>
+          </a:xfrm>
+          <a:prstGeom prst="rect">
             <a:avLst/>
           </a:prstGeom>
           <a:solidFill>
-            <a:srgbClr val="C00000"/>
+            <a:schemeClr val="bg1">
+              <a:lumMod val="95000"/>
+            </a:schemeClr>
           </a:solidFill>
         </p:spPr>
         <p:style>
@@ -5395,26 +5097,104 @@
           <a:lstStyle/>
           <a:p>
             <a:pPr algn="ctr"/>
-            <a:endParaRPr kumimoji="1" lang="zh-CN" altLang="en-US"/>
-          </a:p>
-        </p:txBody>
-      </p:sp>
-      <p:sp>
-        <p:nvSpPr>
-          <p:cNvPr id="48" name="左箭头 47"/>
+            <a:r>
+              <a:rPr kumimoji="1" lang="en-US" altLang="zh-CN" sz="1200" smtClean="0">
+                <a:solidFill>
+                  <a:schemeClr val="tx1"/>
+                </a:solidFill>
+              </a:rPr>
+              <a:t>tools-maven-plugin</a:t>
+            </a:r>
+            <a:endParaRPr kumimoji="1" lang="zh-CN" altLang="en-US" sz="1200" dirty="0">
+              <a:solidFill>
+                <a:schemeClr val="tx1"/>
+              </a:solidFill>
+            </a:endParaRPr>
+          </a:p>
+        </p:txBody>
+      </p:sp>
+      <p:sp>
+        <p:nvSpPr>
+          <p:cNvPr id="31" name="矩形 30"/>
           <p:cNvSpPr/>
           <p:nvPr/>
         </p:nvSpPr>
         <p:spPr>
-          <a:xfrm rot="19829412">
-            <a:off x="7005210" y="3522545"/>
-            <a:ext cx="676010" cy="274305"/>
-          </a:xfrm>
-          <a:prstGeom prst="leftArrow">
+          <a:xfrm>
+            <a:off x="230709" y="724262"/>
+            <a:ext cx="1800493" cy="369332"/>
+          </a:xfrm>
+          <a:prstGeom prst="rect">
+            <a:avLst/>
+          </a:prstGeom>
+        </p:spPr>
+        <p:txBody>
+          <a:bodyPr wrap="none">
+            <a:spAutoFit/>
+          </a:bodyPr>
+          <a:lstStyle/>
+          <a:p>
+            <a:r>
+              <a:rPr kumimoji="1" lang="zh-CN" altLang="en-US"/>
+              <a:t>团队的职责分离</a:t>
+            </a:r>
+            <a:endParaRPr lang="zh-CN" altLang="en-US"/>
+          </a:p>
+        </p:txBody>
+      </p:sp>
+    </p:spTree>
+    <p:extLst>
+      <p:ext uri="{BB962C8B-B14F-4D97-AF65-F5344CB8AC3E}">
+        <p14:creationId xmlns:p14="http://schemas.microsoft.com/office/powerpoint/2010/main" val="1693976754"/>
+      </p:ext>
+    </p:extLst>
+  </p:cSld>
+  <p:clrMapOvr>
+    <a:masterClrMapping/>
+  </p:clrMapOvr>
+  <p:timing>
+    <p:tnLst>
+      <p:par>
+        <p:cTn id="1" dur="indefinite" restart="never" nodeType="tmRoot"/>
+      </p:par>
+    </p:tnLst>
+  </p:timing>
+</p:sld>
+</file>
+
+<file path=ppt/slides/slide4.xml><?xml version="1.0" encoding="utf-8"?>
+<p:sld xmlns:a="http://schemas.openxmlformats.org/drawingml/2006/main" xmlns:r="http://schemas.openxmlformats.org/officeDocument/2006/relationships" xmlns:p="http://schemas.openxmlformats.org/presentationml/2006/main">
+  <p:cSld>
+    <p:spTree>
+      <p:nvGrpSpPr>
+        <p:cNvPr id="1" name=""/>
+        <p:cNvGrpSpPr/>
+        <p:nvPr/>
+      </p:nvGrpSpPr>
+      <p:grpSpPr>
+        <a:xfrm>
+          <a:off x="0" y="0"/>
+          <a:ext cx="0" cy="0"/>
+          <a:chOff x="0" y="0"/>
+          <a:chExt cx="0" cy="0"/>
+        </a:xfrm>
+      </p:grpSpPr>
+      <p:sp>
+        <p:nvSpPr>
+          <p:cNvPr id="80" name="矩形 79"/>
+          <p:cNvSpPr/>
+          <p:nvPr/>
+        </p:nvSpPr>
+        <p:spPr>
+          <a:xfrm>
+            <a:off x="539552" y="2406743"/>
+            <a:ext cx="3456384" cy="2521674"/>
+          </a:xfrm>
+          <a:prstGeom prst="rect">
             <a:avLst/>
           </a:prstGeom>
           <a:solidFill>
-            <a:srgbClr val="0070C0"/>
+            <a:srgbClr val="FFC000"/>
           </a:solidFill>
         </p:spPr>
         <p:style>
@@ -5434,17 +5214,117 @@
           </a:fontRef>
         </p:style>
         <p:txBody>
-          <a:bodyPr rtlCol="0" anchor="ctr"/>
+          <a:bodyPr rtlCol="0" anchor="t"/>
           <a:lstStyle/>
           <a:p>
             <a:pPr algn="ctr"/>
-            <a:endParaRPr kumimoji="1" lang="zh-CN" altLang="en-US"/>
-          </a:p>
-        </p:txBody>
-      </p:sp>
-      <p:sp>
-        <p:nvSpPr>
-          <p:cNvPr id="49" name="文本框 48"/>
+            <a:r>
+              <a:rPr kumimoji="1" lang="zh-CN" altLang="en-US" sz="1400" dirty="0" smtClean="0">
+                <a:solidFill>
+                  <a:schemeClr val="tx1"/>
+                </a:solidFill>
+              </a:rPr>
+              <a:t>前端架构</a:t>
+            </a:r>
+            <a:endParaRPr kumimoji="1" lang="zh-CN" altLang="en-US" sz="1400" dirty="0">
+              <a:solidFill>
+                <a:schemeClr val="tx1"/>
+              </a:solidFill>
+            </a:endParaRPr>
+          </a:p>
+        </p:txBody>
+      </p:sp>
+      <p:sp>
+        <p:nvSpPr>
+          <p:cNvPr id="27" name="矩形 26"/>
+          <p:cNvSpPr/>
+          <p:nvPr/>
+        </p:nvSpPr>
+        <p:spPr>
+          <a:xfrm>
+            <a:off x="745739" y="3119159"/>
+            <a:ext cx="3106181" cy="716664"/>
+          </a:xfrm>
+          <a:prstGeom prst="rect">
+            <a:avLst/>
+          </a:prstGeom>
+          <a:solidFill>
+            <a:schemeClr val="bg1">
+              <a:lumMod val="95000"/>
+            </a:schemeClr>
+          </a:solidFill>
+        </p:spPr>
+        <p:style>
+          <a:lnRef idx="2">
+            <a:schemeClr val="accent1">
+              <a:shade val="50000"/>
+            </a:schemeClr>
+          </a:lnRef>
+          <a:fillRef idx="1">
+            <a:schemeClr val="accent1"/>
+          </a:fillRef>
+          <a:effectRef idx="0">
+            <a:schemeClr val="accent1"/>
+          </a:effectRef>
+          <a:fontRef idx="minor">
+            <a:schemeClr val="lt1"/>
+          </a:fontRef>
+        </p:style>
+        <p:txBody>
+          <a:bodyPr rtlCol="0" anchor="b"/>
+          <a:lstStyle/>
+          <a:p>
+            <a:pPr algn="ctr"/>
+            <a:r>
+              <a:rPr kumimoji="1" lang="en-US" altLang="zh-CN" sz="1200" smtClean="0">
+                <a:solidFill>
+                  <a:schemeClr val="tx1"/>
+                </a:solidFill>
+              </a:rPr>
+              <a:t>MVVC</a:t>
+            </a:r>
+            <a:endParaRPr kumimoji="1" lang="zh-CN" altLang="en-US" sz="1200" dirty="0">
+              <a:solidFill>
+                <a:schemeClr val="tx1"/>
+              </a:solidFill>
+            </a:endParaRPr>
+          </a:p>
+        </p:txBody>
+      </p:sp>
+      <p:sp>
+        <p:nvSpPr>
+          <p:cNvPr id="2" name="标题 1"/>
+          <p:cNvSpPr>
+            <a:spLocks noGrp="1"/>
+          </p:cNvSpPr>
+          <p:nvPr>
+            <p:ph type="ctrTitle"/>
+          </p:nvPr>
+        </p:nvSpPr>
+        <p:spPr/>
+        <p:txBody>
+          <a:bodyPr/>
+          <a:lstStyle/>
+          <a:p>
+            <a:r>
+              <a:rPr kumimoji="1" lang="zh-CN" altLang="en-US" dirty="0" smtClean="0"/>
+              <a:t>前</a:t>
+            </a:r>
+            <a:r>
+              <a:rPr kumimoji="1" lang="en-US" altLang="zh-CN" dirty="0" smtClean="0"/>
+              <a:t>-</a:t>
+            </a:r>
+            <a:r>
+              <a:rPr kumimoji="1" lang="zh-CN" altLang="en-US" dirty="0" smtClean="0"/>
+              <a:t>后分离的技术体系</a:t>
+            </a:r>
+            <a:endParaRPr kumimoji="1" lang="zh-CN" altLang="en-US" dirty="0"/>
+          </a:p>
+        </p:txBody>
+      </p:sp>
+      <p:sp>
+        <p:nvSpPr>
+          <p:cNvPr id="3" name="文本框 2"/>
           <p:cNvSpPr txBox="1"/>
           <p:nvPr/>
         </p:nvSpPr>
@@ -5485,6 +5365,2546 @@
                 <a:srgbClr val="C00000"/>
               </a:solidFill>
             </a:endParaRPr>
+          </a:p>
+        </p:txBody>
+      </p:sp>
+      <p:sp>
+        <p:nvSpPr>
+          <p:cNvPr id="81" name="矩形 80"/>
+          <p:cNvSpPr/>
+          <p:nvPr/>
+        </p:nvSpPr>
+        <p:spPr>
+          <a:xfrm>
+            <a:off x="4860032" y="2406743"/>
+            <a:ext cx="3816424" cy="2521674"/>
+          </a:xfrm>
+          <a:prstGeom prst="rect">
+            <a:avLst/>
+          </a:prstGeom>
+          <a:solidFill>
+            <a:srgbClr val="0070C0"/>
+          </a:solidFill>
+        </p:spPr>
+        <p:style>
+          <a:lnRef idx="2">
+            <a:schemeClr val="accent1">
+              <a:shade val="50000"/>
+            </a:schemeClr>
+          </a:lnRef>
+          <a:fillRef idx="1">
+            <a:schemeClr val="accent1"/>
+          </a:fillRef>
+          <a:effectRef idx="0">
+            <a:schemeClr val="accent1"/>
+          </a:effectRef>
+          <a:fontRef idx="minor">
+            <a:schemeClr val="lt1"/>
+          </a:fontRef>
+        </p:style>
+        <p:txBody>
+          <a:bodyPr rtlCol="0" anchor="t"/>
+          <a:lstStyle/>
+          <a:p>
+            <a:pPr algn="ctr"/>
+            <a:r>
+              <a:rPr kumimoji="1" lang="zh-CN" altLang="en-US" sz="1400" dirty="0" smtClean="0"/>
+              <a:t>后端</a:t>
+            </a:r>
+            <a:r>
+              <a:rPr kumimoji="1" lang="zh-CN" altLang="en-US" sz="1400" dirty="0" smtClean="0"/>
+              <a:t>架构</a:t>
+            </a:r>
+            <a:endParaRPr kumimoji="1" lang="en-US" altLang="zh-CN" sz="1400" dirty="0" smtClean="0"/>
+          </a:p>
+        </p:txBody>
+      </p:sp>
+      <p:sp>
+        <p:nvSpPr>
+          <p:cNvPr id="82" name="矩形 81"/>
+          <p:cNvSpPr/>
+          <p:nvPr/>
+        </p:nvSpPr>
+        <p:spPr>
+          <a:xfrm>
+            <a:off x="2536996" y="3952436"/>
+            <a:ext cx="1305981" cy="490128"/>
+          </a:xfrm>
+          <a:prstGeom prst="rect">
+            <a:avLst/>
+          </a:prstGeom>
+          <a:solidFill>
+            <a:schemeClr val="bg1">
+              <a:lumMod val="95000"/>
+            </a:schemeClr>
+          </a:solidFill>
+        </p:spPr>
+        <p:style>
+          <a:lnRef idx="2">
+            <a:schemeClr val="accent1">
+              <a:shade val="50000"/>
+            </a:schemeClr>
+          </a:lnRef>
+          <a:fillRef idx="1">
+            <a:schemeClr val="accent1"/>
+          </a:fillRef>
+          <a:effectRef idx="0">
+            <a:schemeClr val="accent1"/>
+          </a:effectRef>
+          <a:fontRef idx="minor">
+            <a:schemeClr val="lt1"/>
+          </a:fontRef>
+        </p:style>
+        <p:txBody>
+          <a:bodyPr rtlCol="0" anchor="ctr"/>
+          <a:lstStyle/>
+          <a:p>
+            <a:pPr algn="ctr"/>
+            <a:r>
+              <a:rPr kumimoji="1" lang="en-US" altLang="zh-CN" sz="1400" dirty="0" smtClean="0">
+                <a:solidFill>
+                  <a:schemeClr val="tx1"/>
+                </a:solidFill>
+              </a:rPr>
+              <a:t>Spring</a:t>
+            </a:r>
+            <a:r>
+              <a:rPr kumimoji="1" lang="zh-CN" altLang="en-US" sz="1400" dirty="0" smtClean="0">
+                <a:solidFill>
+                  <a:schemeClr val="tx1"/>
+                </a:solidFill>
+              </a:rPr>
+              <a:t> </a:t>
+            </a:r>
+            <a:r>
+              <a:rPr kumimoji="1" lang="en-US" altLang="zh-CN" sz="1400" dirty="0" smtClean="0">
+                <a:solidFill>
+                  <a:schemeClr val="tx1"/>
+                </a:solidFill>
+              </a:rPr>
+              <a:t>MVC</a:t>
+            </a:r>
+            <a:endParaRPr kumimoji="1" lang="zh-CN" altLang="en-US" sz="1400" dirty="0">
+              <a:solidFill>
+                <a:schemeClr val="tx1"/>
+              </a:solidFill>
+            </a:endParaRPr>
+          </a:p>
+        </p:txBody>
+      </p:sp>
+      <p:sp>
+        <p:nvSpPr>
+          <p:cNvPr id="83" name="矩形 82"/>
+          <p:cNvSpPr/>
+          <p:nvPr/>
+        </p:nvSpPr>
+        <p:spPr>
+          <a:xfrm>
+            <a:off x="5089917" y="3070323"/>
+            <a:ext cx="864096" cy="432048"/>
+          </a:xfrm>
+          <a:prstGeom prst="rect">
+            <a:avLst/>
+          </a:prstGeom>
+          <a:solidFill>
+            <a:schemeClr val="bg1">
+              <a:lumMod val="95000"/>
+            </a:schemeClr>
+          </a:solidFill>
+        </p:spPr>
+        <p:style>
+          <a:lnRef idx="2">
+            <a:schemeClr val="accent1">
+              <a:shade val="50000"/>
+            </a:schemeClr>
+          </a:lnRef>
+          <a:fillRef idx="1">
+            <a:schemeClr val="accent1"/>
+          </a:fillRef>
+          <a:effectRef idx="0">
+            <a:schemeClr val="accent1"/>
+          </a:effectRef>
+          <a:fontRef idx="minor">
+            <a:schemeClr val="lt1"/>
+          </a:fontRef>
+        </p:style>
+        <p:txBody>
+          <a:bodyPr rtlCol="0" anchor="ctr"/>
+          <a:lstStyle/>
+          <a:p>
+            <a:pPr algn="ctr"/>
+            <a:r>
+              <a:rPr kumimoji="1" lang="en-US" altLang="zh-CN" dirty="0" err="1" smtClean="0">
+                <a:solidFill>
+                  <a:schemeClr val="tx1"/>
+                </a:solidFill>
+              </a:rPr>
+              <a:t>Dubbo</a:t>
+            </a:r>
+            <a:endParaRPr kumimoji="1" lang="zh-CN" altLang="en-US" dirty="0">
+              <a:solidFill>
+                <a:schemeClr val="tx1"/>
+              </a:solidFill>
+            </a:endParaRPr>
+          </a:p>
+        </p:txBody>
+      </p:sp>
+      <p:sp>
+        <p:nvSpPr>
+          <p:cNvPr id="84" name="矩形 83"/>
+          <p:cNvSpPr/>
+          <p:nvPr/>
+        </p:nvSpPr>
+        <p:spPr>
+          <a:xfrm>
+            <a:off x="745739" y="2715766"/>
+            <a:ext cx="2052532" cy="403392"/>
+          </a:xfrm>
+          <a:prstGeom prst="rect">
+            <a:avLst/>
+          </a:prstGeom>
+          <a:solidFill>
+            <a:schemeClr val="bg1">
+              <a:lumMod val="95000"/>
+            </a:schemeClr>
+          </a:solidFill>
+        </p:spPr>
+        <p:style>
+          <a:lnRef idx="2">
+            <a:schemeClr val="accent1">
+              <a:shade val="50000"/>
+            </a:schemeClr>
+          </a:lnRef>
+          <a:fillRef idx="1">
+            <a:schemeClr val="accent1"/>
+          </a:fillRef>
+          <a:effectRef idx="0">
+            <a:schemeClr val="accent1"/>
+          </a:effectRef>
+          <a:fontRef idx="minor">
+            <a:schemeClr val="lt1"/>
+          </a:fontRef>
+        </p:style>
+        <p:txBody>
+          <a:bodyPr rtlCol="0" anchor="ctr"/>
+          <a:lstStyle/>
+          <a:p>
+            <a:pPr algn="ctr"/>
+            <a:r>
+              <a:rPr kumimoji="1" lang="zh-CN" altLang="en-US" sz="1400" dirty="0" smtClean="0">
+                <a:solidFill>
+                  <a:schemeClr val="tx1"/>
+                </a:solidFill>
+              </a:rPr>
+              <a:t>浏览器</a:t>
+            </a:r>
+            <a:endParaRPr kumimoji="1" lang="zh-CN" altLang="en-US" sz="1400" dirty="0">
+              <a:solidFill>
+                <a:schemeClr val="tx1"/>
+              </a:solidFill>
+            </a:endParaRPr>
+          </a:p>
+        </p:txBody>
+      </p:sp>
+      <p:sp>
+        <p:nvSpPr>
+          <p:cNvPr id="85" name="矩形 84"/>
+          <p:cNvSpPr/>
+          <p:nvPr/>
+        </p:nvSpPr>
+        <p:spPr>
+          <a:xfrm>
+            <a:off x="2536996" y="4442564"/>
+            <a:ext cx="1305981" cy="361434"/>
+          </a:xfrm>
+          <a:prstGeom prst="rect">
+            <a:avLst/>
+          </a:prstGeom>
+          <a:solidFill>
+            <a:schemeClr val="bg1">
+              <a:lumMod val="95000"/>
+            </a:schemeClr>
+          </a:solidFill>
+        </p:spPr>
+        <p:style>
+          <a:lnRef idx="2">
+            <a:schemeClr val="accent1">
+              <a:shade val="50000"/>
+            </a:schemeClr>
+          </a:lnRef>
+          <a:fillRef idx="1">
+            <a:schemeClr val="accent1"/>
+          </a:fillRef>
+          <a:effectRef idx="0">
+            <a:schemeClr val="accent1"/>
+          </a:effectRef>
+          <a:fontRef idx="minor">
+            <a:schemeClr val="lt1"/>
+          </a:fontRef>
+        </p:style>
+        <p:txBody>
+          <a:bodyPr rtlCol="0" anchor="ctr"/>
+          <a:lstStyle/>
+          <a:p>
+            <a:pPr algn="ctr"/>
+            <a:r>
+              <a:rPr kumimoji="1" lang="en-US" altLang="zh-CN" sz="1400" dirty="0" smtClean="0">
+                <a:solidFill>
+                  <a:schemeClr val="tx1"/>
+                </a:solidFill>
+              </a:rPr>
+              <a:t>Tomcat</a:t>
+            </a:r>
+            <a:endParaRPr kumimoji="1" lang="zh-CN" altLang="en-US" sz="1400" dirty="0">
+              <a:solidFill>
+                <a:schemeClr val="tx1"/>
+              </a:solidFill>
+            </a:endParaRPr>
+          </a:p>
+        </p:txBody>
+      </p:sp>
+      <p:sp>
+        <p:nvSpPr>
+          <p:cNvPr id="87" name="矩形 86"/>
+          <p:cNvSpPr/>
+          <p:nvPr/>
+        </p:nvSpPr>
+        <p:spPr>
+          <a:xfrm>
+            <a:off x="5089917" y="4299942"/>
+            <a:ext cx="980390" cy="432048"/>
+          </a:xfrm>
+          <a:prstGeom prst="rect">
+            <a:avLst/>
+          </a:prstGeom>
+          <a:solidFill>
+            <a:schemeClr val="bg1">
+              <a:lumMod val="95000"/>
+            </a:schemeClr>
+          </a:solidFill>
+        </p:spPr>
+        <p:style>
+          <a:lnRef idx="2">
+            <a:schemeClr val="accent1">
+              <a:shade val="50000"/>
+            </a:schemeClr>
+          </a:lnRef>
+          <a:fillRef idx="1">
+            <a:schemeClr val="accent1"/>
+          </a:fillRef>
+          <a:effectRef idx="0">
+            <a:schemeClr val="accent1"/>
+          </a:effectRef>
+          <a:fontRef idx="minor">
+            <a:schemeClr val="lt1"/>
+          </a:fontRef>
+        </p:style>
+        <p:txBody>
+          <a:bodyPr rtlCol="0" anchor="ctr"/>
+          <a:lstStyle/>
+          <a:p>
+            <a:pPr algn="ctr"/>
+            <a:r>
+              <a:rPr kumimoji="1" lang="en-US" altLang="zh-CN" dirty="0" err="1" smtClean="0">
+                <a:solidFill>
+                  <a:schemeClr val="tx1"/>
+                </a:solidFill>
+              </a:rPr>
+              <a:t>Disconf</a:t>
+            </a:r>
+            <a:endParaRPr kumimoji="1" lang="zh-CN" altLang="en-US" dirty="0">
+              <a:solidFill>
+                <a:schemeClr val="tx1"/>
+              </a:solidFill>
+            </a:endParaRPr>
+          </a:p>
+        </p:txBody>
+      </p:sp>
+      <p:sp>
+        <p:nvSpPr>
+          <p:cNvPr id="88" name="矩形 87"/>
+          <p:cNvSpPr/>
+          <p:nvPr/>
+        </p:nvSpPr>
+        <p:spPr>
+          <a:xfrm>
+            <a:off x="6294986" y="3673946"/>
+            <a:ext cx="1237997" cy="432048"/>
+          </a:xfrm>
+          <a:prstGeom prst="rect">
+            <a:avLst/>
+          </a:prstGeom>
+          <a:solidFill>
+            <a:schemeClr val="bg1">
+              <a:lumMod val="95000"/>
+            </a:schemeClr>
+          </a:solidFill>
+        </p:spPr>
+        <p:style>
+          <a:lnRef idx="2">
+            <a:schemeClr val="accent1">
+              <a:shade val="50000"/>
+            </a:schemeClr>
+          </a:lnRef>
+          <a:fillRef idx="1">
+            <a:schemeClr val="accent1"/>
+          </a:fillRef>
+          <a:effectRef idx="0">
+            <a:schemeClr val="accent1"/>
+          </a:effectRef>
+          <a:fontRef idx="minor">
+            <a:schemeClr val="lt1"/>
+          </a:fontRef>
+        </p:style>
+        <p:txBody>
+          <a:bodyPr rtlCol="0" anchor="ctr"/>
+          <a:lstStyle/>
+          <a:p>
+            <a:pPr algn="ctr"/>
+            <a:r>
+              <a:rPr kumimoji="1" lang="en-US" altLang="zh-CN" smtClean="0">
+                <a:solidFill>
+                  <a:schemeClr val="tx1"/>
+                </a:solidFill>
+              </a:rPr>
+              <a:t>Zookeeper</a:t>
+            </a:r>
+            <a:endParaRPr kumimoji="1" lang="zh-CN" altLang="en-US" dirty="0">
+              <a:solidFill>
+                <a:schemeClr val="tx1"/>
+              </a:solidFill>
+            </a:endParaRPr>
+          </a:p>
+        </p:txBody>
+      </p:sp>
+      <p:sp>
+        <p:nvSpPr>
+          <p:cNvPr id="5" name="罐形 4"/>
+          <p:cNvSpPr/>
+          <p:nvPr/>
+        </p:nvSpPr>
+        <p:spPr>
+          <a:xfrm>
+            <a:off x="7740352" y="4105994"/>
+            <a:ext cx="720080" cy="625996"/>
+          </a:xfrm>
+          <a:prstGeom prst="can">
+            <a:avLst/>
+          </a:prstGeom>
+          <a:solidFill>
+            <a:schemeClr val="bg1">
+              <a:lumMod val="95000"/>
+            </a:schemeClr>
+          </a:solidFill>
+        </p:spPr>
+        <p:style>
+          <a:lnRef idx="2">
+            <a:schemeClr val="accent1">
+              <a:shade val="50000"/>
+            </a:schemeClr>
+          </a:lnRef>
+          <a:fillRef idx="1">
+            <a:schemeClr val="accent1"/>
+          </a:fillRef>
+          <a:effectRef idx="0">
+            <a:schemeClr val="accent1"/>
+          </a:effectRef>
+          <a:fontRef idx="minor">
+            <a:schemeClr val="lt1"/>
+          </a:fontRef>
+        </p:style>
+        <p:txBody>
+          <a:bodyPr rtlCol="0" anchor="ctr"/>
+          <a:lstStyle/>
+          <a:p>
+            <a:pPr algn="ctr"/>
+            <a:r>
+              <a:rPr kumimoji="1" lang="en-US" altLang="zh-CN" dirty="0" smtClean="0">
+                <a:solidFill>
+                  <a:schemeClr val="tx1"/>
+                </a:solidFill>
+              </a:rPr>
+              <a:t>DB</a:t>
+            </a:r>
+            <a:endParaRPr kumimoji="1" lang="zh-CN" altLang="en-US" dirty="0">
+              <a:solidFill>
+                <a:schemeClr val="tx1"/>
+              </a:solidFill>
+            </a:endParaRPr>
+          </a:p>
+        </p:txBody>
+      </p:sp>
+      <p:sp>
+        <p:nvSpPr>
+          <p:cNvPr id="6" name="立方体 5"/>
+          <p:cNvSpPr/>
+          <p:nvPr/>
+        </p:nvSpPr>
+        <p:spPr>
+          <a:xfrm>
+            <a:off x="7532983" y="2904925"/>
+            <a:ext cx="864096" cy="648072"/>
+          </a:xfrm>
+          <a:prstGeom prst="cube">
+            <a:avLst/>
+          </a:prstGeom>
+          <a:solidFill>
+            <a:schemeClr val="bg1">
+              <a:lumMod val="95000"/>
+            </a:schemeClr>
+          </a:solidFill>
+        </p:spPr>
+        <p:style>
+          <a:lnRef idx="2">
+            <a:schemeClr val="accent1">
+              <a:shade val="50000"/>
+            </a:schemeClr>
+          </a:lnRef>
+          <a:fillRef idx="1">
+            <a:schemeClr val="accent1"/>
+          </a:fillRef>
+          <a:effectRef idx="0">
+            <a:schemeClr val="accent1"/>
+          </a:effectRef>
+          <a:fontRef idx="minor">
+            <a:schemeClr val="lt1"/>
+          </a:fontRef>
+        </p:style>
+        <p:txBody>
+          <a:bodyPr rtlCol="0" anchor="ctr"/>
+          <a:lstStyle/>
+          <a:p>
+            <a:pPr algn="ctr"/>
+            <a:r>
+              <a:rPr kumimoji="1" lang="en-US" altLang="zh-CN" dirty="0" err="1" smtClean="0">
+                <a:solidFill>
+                  <a:schemeClr val="tx1"/>
+                </a:solidFill>
+              </a:rPr>
+              <a:t>Redis</a:t>
+            </a:r>
+            <a:endParaRPr kumimoji="1" lang="zh-CN" altLang="en-US" dirty="0">
+              <a:solidFill>
+                <a:schemeClr val="tx1"/>
+              </a:solidFill>
+            </a:endParaRPr>
+          </a:p>
+        </p:txBody>
+      </p:sp>
+      <p:sp>
+        <p:nvSpPr>
+          <p:cNvPr id="91" name="矩形 90"/>
+          <p:cNvSpPr/>
+          <p:nvPr/>
+        </p:nvSpPr>
+        <p:spPr>
+          <a:xfrm>
+            <a:off x="827584" y="3219822"/>
+            <a:ext cx="865854" cy="304439"/>
+          </a:xfrm>
+          <a:prstGeom prst="rect">
+            <a:avLst/>
+          </a:prstGeom>
+          <a:solidFill>
+            <a:schemeClr val="bg1">
+              <a:lumMod val="95000"/>
+            </a:schemeClr>
+          </a:solidFill>
+        </p:spPr>
+        <p:style>
+          <a:lnRef idx="2">
+            <a:schemeClr val="accent1">
+              <a:shade val="50000"/>
+            </a:schemeClr>
+          </a:lnRef>
+          <a:fillRef idx="1">
+            <a:schemeClr val="accent1"/>
+          </a:fillRef>
+          <a:effectRef idx="0">
+            <a:schemeClr val="accent1"/>
+          </a:effectRef>
+          <a:fontRef idx="minor">
+            <a:schemeClr val="lt1"/>
+          </a:fontRef>
+        </p:style>
+        <p:txBody>
+          <a:bodyPr rtlCol="0" anchor="ctr"/>
+          <a:lstStyle/>
+          <a:p>
+            <a:pPr algn="ctr"/>
+            <a:r>
+              <a:rPr kumimoji="1" lang="en-US" altLang="zh-CN" sz="1200" smtClean="0">
+                <a:solidFill>
+                  <a:schemeClr val="tx1"/>
+                </a:solidFill>
+              </a:rPr>
+              <a:t>Angular</a:t>
+            </a:r>
+            <a:endParaRPr kumimoji="1" lang="zh-CN" altLang="en-US" sz="1200" dirty="0">
+              <a:solidFill>
+                <a:schemeClr val="tx1"/>
+              </a:solidFill>
+            </a:endParaRPr>
+          </a:p>
+        </p:txBody>
+      </p:sp>
+      <p:sp>
+        <p:nvSpPr>
+          <p:cNvPr id="92" name="矩形 91"/>
+          <p:cNvSpPr/>
+          <p:nvPr/>
+        </p:nvSpPr>
+        <p:spPr>
+          <a:xfrm>
+            <a:off x="1691680" y="3219822"/>
+            <a:ext cx="1046517" cy="304439"/>
+          </a:xfrm>
+          <a:prstGeom prst="rect">
+            <a:avLst/>
+          </a:prstGeom>
+          <a:solidFill>
+            <a:schemeClr val="bg1">
+              <a:lumMod val="95000"/>
+            </a:schemeClr>
+          </a:solidFill>
+        </p:spPr>
+        <p:style>
+          <a:lnRef idx="2">
+            <a:schemeClr val="accent1">
+              <a:shade val="50000"/>
+            </a:schemeClr>
+          </a:lnRef>
+          <a:fillRef idx="1">
+            <a:schemeClr val="accent1"/>
+          </a:fillRef>
+          <a:effectRef idx="0">
+            <a:schemeClr val="accent1"/>
+          </a:effectRef>
+          <a:fontRef idx="minor">
+            <a:schemeClr val="lt1"/>
+          </a:fontRef>
+        </p:style>
+        <p:txBody>
+          <a:bodyPr rtlCol="0" anchor="ctr"/>
+          <a:lstStyle/>
+          <a:p>
+            <a:pPr algn="ctr"/>
+            <a:r>
+              <a:rPr kumimoji="1" lang="en-US" altLang="zh-CN" sz="1200" dirty="0" smtClean="0">
+                <a:solidFill>
+                  <a:schemeClr val="tx1"/>
+                </a:solidFill>
+              </a:rPr>
+              <a:t>React</a:t>
+            </a:r>
+            <a:r>
+              <a:rPr kumimoji="1" lang="zh-CN" altLang="en-US" sz="1200" dirty="0" smtClean="0">
+                <a:solidFill>
+                  <a:schemeClr val="tx1"/>
+                </a:solidFill>
+              </a:rPr>
+              <a:t> </a:t>
+            </a:r>
+            <a:r>
+              <a:rPr kumimoji="1" lang="en-US" altLang="zh-CN" sz="1200" dirty="0" smtClean="0">
+                <a:solidFill>
+                  <a:schemeClr val="tx1"/>
+                </a:solidFill>
+              </a:rPr>
+              <a:t>Native</a:t>
+            </a:r>
+            <a:endParaRPr kumimoji="1" lang="zh-CN" altLang="en-US" sz="1200" dirty="0">
+              <a:solidFill>
+                <a:schemeClr val="tx1"/>
+              </a:solidFill>
+            </a:endParaRPr>
+          </a:p>
+        </p:txBody>
+      </p:sp>
+      <p:sp>
+        <p:nvSpPr>
+          <p:cNvPr id="95" name="矩形 94"/>
+          <p:cNvSpPr/>
+          <p:nvPr/>
+        </p:nvSpPr>
+        <p:spPr>
+          <a:xfrm>
+            <a:off x="2745329" y="3219822"/>
+            <a:ext cx="1046517" cy="304439"/>
+          </a:xfrm>
+          <a:prstGeom prst="rect">
+            <a:avLst/>
+          </a:prstGeom>
+          <a:solidFill>
+            <a:schemeClr val="bg1">
+              <a:lumMod val="95000"/>
+            </a:schemeClr>
+          </a:solidFill>
+        </p:spPr>
+        <p:style>
+          <a:lnRef idx="2">
+            <a:schemeClr val="accent1">
+              <a:shade val="50000"/>
+            </a:schemeClr>
+          </a:lnRef>
+          <a:fillRef idx="1">
+            <a:schemeClr val="accent1"/>
+          </a:fillRef>
+          <a:effectRef idx="0">
+            <a:schemeClr val="accent1"/>
+          </a:effectRef>
+          <a:fontRef idx="minor">
+            <a:schemeClr val="lt1"/>
+          </a:fontRef>
+        </p:style>
+        <p:txBody>
+          <a:bodyPr rtlCol="0" anchor="ctr"/>
+          <a:lstStyle/>
+          <a:p>
+            <a:pPr algn="ctr"/>
+            <a:r>
+              <a:rPr kumimoji="1" lang="en-US" altLang="zh-CN" sz="1200" dirty="0" smtClean="0">
+                <a:solidFill>
+                  <a:schemeClr val="tx1"/>
+                </a:solidFill>
+              </a:rPr>
+              <a:t>Android/IOS</a:t>
+            </a:r>
+            <a:endParaRPr kumimoji="1" lang="zh-CN" altLang="en-US" sz="1200" dirty="0">
+              <a:solidFill>
+                <a:schemeClr val="tx1"/>
+              </a:solidFill>
+            </a:endParaRPr>
+          </a:p>
+        </p:txBody>
+      </p:sp>
+      <p:sp>
+        <p:nvSpPr>
+          <p:cNvPr id="10" name="右箭头 9"/>
+          <p:cNvSpPr/>
+          <p:nvPr/>
+        </p:nvSpPr>
+        <p:spPr>
+          <a:xfrm>
+            <a:off x="4139952" y="2859782"/>
+            <a:ext cx="576064" cy="403392"/>
+          </a:xfrm>
+          <a:prstGeom prst="rightArrow">
+            <a:avLst/>
+          </a:prstGeom>
+        </p:spPr>
+        <p:style>
+          <a:lnRef idx="2">
+            <a:schemeClr val="accent1">
+              <a:shade val="50000"/>
+            </a:schemeClr>
+          </a:lnRef>
+          <a:fillRef idx="1">
+            <a:schemeClr val="accent1"/>
+          </a:fillRef>
+          <a:effectRef idx="0">
+            <a:schemeClr val="accent1"/>
+          </a:effectRef>
+          <a:fontRef idx="minor">
+            <a:schemeClr val="lt1"/>
+          </a:fontRef>
+        </p:style>
+        <p:txBody>
+          <a:bodyPr rtlCol="0" anchor="ctr"/>
+          <a:lstStyle/>
+          <a:p>
+            <a:pPr algn="ctr"/>
+            <a:endParaRPr kumimoji="1" lang="zh-CN" altLang="en-US"/>
+          </a:p>
+        </p:txBody>
+      </p:sp>
+      <p:sp>
+        <p:nvSpPr>
+          <p:cNvPr id="97" name="右箭头 96"/>
+          <p:cNvSpPr/>
+          <p:nvPr/>
+        </p:nvSpPr>
+        <p:spPr>
+          <a:xfrm>
+            <a:off x="4139952" y="3966437"/>
+            <a:ext cx="576064" cy="403392"/>
+          </a:xfrm>
+          <a:prstGeom prst="rightArrow">
+            <a:avLst/>
+          </a:prstGeom>
+        </p:spPr>
+        <p:style>
+          <a:lnRef idx="2">
+            <a:schemeClr val="accent1">
+              <a:shade val="50000"/>
+            </a:schemeClr>
+          </a:lnRef>
+          <a:fillRef idx="1">
+            <a:schemeClr val="accent1"/>
+          </a:fillRef>
+          <a:effectRef idx="0">
+            <a:schemeClr val="accent1"/>
+          </a:effectRef>
+          <a:fontRef idx="minor">
+            <a:schemeClr val="lt1"/>
+          </a:fontRef>
+        </p:style>
+        <p:txBody>
+          <a:bodyPr rtlCol="0" anchor="ctr"/>
+          <a:lstStyle/>
+          <a:p>
+            <a:pPr algn="ctr"/>
+            <a:endParaRPr kumimoji="1" lang="zh-CN" altLang="en-US"/>
+          </a:p>
+        </p:txBody>
+      </p:sp>
+      <p:sp>
+        <p:nvSpPr>
+          <p:cNvPr id="17" name="文本框 16"/>
+          <p:cNvSpPr txBox="1"/>
+          <p:nvPr/>
+        </p:nvSpPr>
+        <p:spPr>
+          <a:xfrm>
+            <a:off x="4139952" y="2571750"/>
+            <a:ext cx="510011" cy="338554"/>
+          </a:xfrm>
+          <a:prstGeom prst="rect">
+            <a:avLst/>
+          </a:prstGeom>
+          <a:noFill/>
+        </p:spPr>
+        <p:txBody>
+          <a:bodyPr wrap="none" rtlCol="0">
+            <a:spAutoFit/>
+          </a:bodyPr>
+          <a:lstStyle/>
+          <a:p>
+            <a:r>
+              <a:rPr kumimoji="1" lang="en-US" altLang="zh-CN" sz="1600" smtClean="0"/>
+              <a:t>RCP</a:t>
+            </a:r>
+            <a:endParaRPr kumimoji="1" lang="zh-CN" altLang="en-US" sz="1600" dirty="0"/>
+          </a:p>
+        </p:txBody>
+      </p:sp>
+      <p:sp>
+        <p:nvSpPr>
+          <p:cNvPr id="99" name="文本框 98"/>
+          <p:cNvSpPr txBox="1"/>
+          <p:nvPr/>
+        </p:nvSpPr>
+        <p:spPr>
+          <a:xfrm>
+            <a:off x="4083499" y="3669113"/>
+            <a:ext cx="588751" cy="338554"/>
+          </a:xfrm>
+          <a:prstGeom prst="rect">
+            <a:avLst/>
+          </a:prstGeom>
+          <a:noFill/>
+        </p:spPr>
+        <p:txBody>
+          <a:bodyPr wrap="none" rtlCol="0">
+            <a:spAutoFit/>
+          </a:bodyPr>
+          <a:lstStyle/>
+          <a:p>
+            <a:r>
+              <a:rPr kumimoji="1" lang="en-US" altLang="zh-CN" sz="1600" smtClean="0"/>
+              <a:t>REST</a:t>
+            </a:r>
+            <a:endParaRPr kumimoji="1" lang="zh-CN" altLang="en-US" sz="1600" dirty="0"/>
+          </a:p>
+        </p:txBody>
+      </p:sp>
+      <p:sp>
+        <p:nvSpPr>
+          <p:cNvPr id="100" name="矩形 99"/>
+          <p:cNvSpPr/>
+          <p:nvPr/>
+        </p:nvSpPr>
+        <p:spPr>
+          <a:xfrm>
+            <a:off x="762912" y="3943630"/>
+            <a:ext cx="1305981" cy="490128"/>
+          </a:xfrm>
+          <a:prstGeom prst="rect">
+            <a:avLst/>
+          </a:prstGeom>
+          <a:solidFill>
+            <a:schemeClr val="bg1">
+              <a:lumMod val="95000"/>
+            </a:schemeClr>
+          </a:solidFill>
+        </p:spPr>
+        <p:style>
+          <a:lnRef idx="2">
+            <a:schemeClr val="accent1">
+              <a:shade val="50000"/>
+            </a:schemeClr>
+          </a:lnRef>
+          <a:fillRef idx="1">
+            <a:schemeClr val="accent1"/>
+          </a:fillRef>
+          <a:effectRef idx="0">
+            <a:schemeClr val="accent1"/>
+          </a:effectRef>
+          <a:fontRef idx="minor">
+            <a:schemeClr val="lt1"/>
+          </a:fontRef>
+        </p:style>
+        <p:txBody>
+          <a:bodyPr rtlCol="0" anchor="ctr"/>
+          <a:lstStyle/>
+          <a:p>
+            <a:pPr algn="ctr"/>
+            <a:r>
+              <a:rPr kumimoji="1" lang="en-US" altLang="zh-CN" sz="1400" dirty="0" err="1" smtClean="0">
+                <a:solidFill>
+                  <a:schemeClr val="tx1"/>
+                </a:solidFill>
+              </a:rPr>
+              <a:t>WebView</a:t>
+            </a:r>
+            <a:endParaRPr kumimoji="1" lang="zh-CN" altLang="en-US" sz="1400" dirty="0">
+              <a:solidFill>
+                <a:schemeClr val="tx1"/>
+              </a:solidFill>
+            </a:endParaRPr>
+          </a:p>
+        </p:txBody>
+      </p:sp>
+      <p:sp>
+        <p:nvSpPr>
+          <p:cNvPr id="102" name="矩形 101"/>
+          <p:cNvSpPr/>
+          <p:nvPr/>
+        </p:nvSpPr>
+        <p:spPr>
+          <a:xfrm>
+            <a:off x="762911" y="4442564"/>
+            <a:ext cx="1305981" cy="361434"/>
+          </a:xfrm>
+          <a:prstGeom prst="rect">
+            <a:avLst/>
+          </a:prstGeom>
+          <a:solidFill>
+            <a:schemeClr val="bg1">
+              <a:lumMod val="95000"/>
+            </a:schemeClr>
+          </a:solidFill>
+        </p:spPr>
+        <p:style>
+          <a:lnRef idx="2">
+            <a:schemeClr val="accent1">
+              <a:shade val="50000"/>
+            </a:schemeClr>
+          </a:lnRef>
+          <a:fillRef idx="1">
+            <a:schemeClr val="accent1"/>
+          </a:fillRef>
+          <a:effectRef idx="0">
+            <a:schemeClr val="accent1"/>
+          </a:effectRef>
+          <a:fontRef idx="minor">
+            <a:schemeClr val="lt1"/>
+          </a:fontRef>
+        </p:style>
+        <p:txBody>
+          <a:bodyPr rtlCol="0" anchor="ctr"/>
+          <a:lstStyle/>
+          <a:p>
+            <a:pPr algn="ctr"/>
+            <a:r>
+              <a:rPr kumimoji="1" lang="en-US" altLang="zh-CN" sz="1400" dirty="0" smtClean="0">
+                <a:solidFill>
+                  <a:schemeClr val="tx1"/>
+                </a:solidFill>
+              </a:rPr>
+              <a:t>Native</a:t>
+            </a:r>
+            <a:endParaRPr kumimoji="1" lang="zh-CN" altLang="en-US" sz="1400" dirty="0">
+              <a:solidFill>
+                <a:schemeClr val="tx1"/>
+              </a:solidFill>
+            </a:endParaRPr>
+          </a:p>
+        </p:txBody>
+      </p:sp>
+      <p:sp>
+        <p:nvSpPr>
+          <p:cNvPr id="103" name="矩形 102"/>
+          <p:cNvSpPr/>
+          <p:nvPr/>
+        </p:nvSpPr>
+        <p:spPr>
+          <a:xfrm>
+            <a:off x="2795142" y="2722627"/>
+            <a:ext cx="1056778" cy="403392"/>
+          </a:xfrm>
+          <a:prstGeom prst="rect">
+            <a:avLst/>
+          </a:prstGeom>
+          <a:solidFill>
+            <a:schemeClr val="bg1">
+              <a:lumMod val="95000"/>
+            </a:schemeClr>
+          </a:solidFill>
+        </p:spPr>
+        <p:style>
+          <a:lnRef idx="2">
+            <a:schemeClr val="accent1">
+              <a:shade val="50000"/>
+            </a:schemeClr>
+          </a:lnRef>
+          <a:fillRef idx="1">
+            <a:schemeClr val="accent1"/>
+          </a:fillRef>
+          <a:effectRef idx="0">
+            <a:schemeClr val="accent1"/>
+          </a:effectRef>
+          <a:fontRef idx="minor">
+            <a:schemeClr val="lt1"/>
+          </a:fontRef>
+        </p:style>
+        <p:txBody>
+          <a:bodyPr rtlCol="0" anchor="ctr"/>
+          <a:lstStyle/>
+          <a:p>
+            <a:pPr algn="ctr"/>
+            <a:r>
+              <a:rPr kumimoji="1" lang="zh-CN" altLang="en-US" sz="1400" dirty="0" smtClean="0">
+                <a:solidFill>
+                  <a:schemeClr val="tx1"/>
+                </a:solidFill>
+              </a:rPr>
+              <a:t>原生设备</a:t>
+            </a:r>
+            <a:endParaRPr kumimoji="1" lang="zh-CN" altLang="en-US" sz="1400" dirty="0">
+              <a:solidFill>
+                <a:schemeClr val="tx1"/>
+              </a:solidFill>
+            </a:endParaRPr>
+          </a:p>
+        </p:txBody>
+      </p:sp>
+      <p:sp>
+        <p:nvSpPr>
+          <p:cNvPr id="18" name="三角形 17"/>
+          <p:cNvSpPr/>
+          <p:nvPr/>
+        </p:nvSpPr>
+        <p:spPr>
+          <a:xfrm>
+            <a:off x="984476" y="1003485"/>
+            <a:ext cx="2581071" cy="1143915"/>
+          </a:xfrm>
+          <a:prstGeom prst="triangle">
+            <a:avLst/>
+          </a:prstGeom>
+          <a:solidFill>
+            <a:srgbClr val="FFC000"/>
+          </a:solidFill>
+        </p:spPr>
+        <p:style>
+          <a:lnRef idx="2">
+            <a:schemeClr val="accent1">
+              <a:shade val="50000"/>
+            </a:schemeClr>
+          </a:lnRef>
+          <a:fillRef idx="1">
+            <a:schemeClr val="accent1"/>
+          </a:fillRef>
+          <a:effectRef idx="0">
+            <a:schemeClr val="accent1"/>
+          </a:effectRef>
+          <a:fontRef idx="minor">
+            <a:schemeClr val="lt1"/>
+          </a:fontRef>
+        </p:style>
+        <p:txBody>
+          <a:bodyPr rtlCol="0" anchor="ctr"/>
+          <a:lstStyle/>
+          <a:p>
+            <a:pPr algn="ctr"/>
+            <a:r>
+              <a:rPr kumimoji="1" lang="zh-CN" altLang="en-US" sz="1400" dirty="0" smtClean="0">
+                <a:solidFill>
+                  <a:schemeClr val="tx1"/>
+                </a:solidFill>
+              </a:rPr>
+              <a:t>前端开发成员</a:t>
+            </a:r>
+            <a:endParaRPr kumimoji="1" lang="zh-CN" altLang="en-US" sz="1400" dirty="0">
+              <a:solidFill>
+                <a:schemeClr val="tx1"/>
+              </a:solidFill>
+            </a:endParaRPr>
+          </a:p>
+        </p:txBody>
+      </p:sp>
+      <p:sp>
+        <p:nvSpPr>
+          <p:cNvPr id="105" name="三角形 104"/>
+          <p:cNvSpPr/>
+          <p:nvPr/>
+        </p:nvSpPr>
+        <p:spPr>
+          <a:xfrm>
+            <a:off x="5477708" y="994932"/>
+            <a:ext cx="2581071" cy="1143915"/>
+          </a:xfrm>
+          <a:prstGeom prst="triangle">
+            <a:avLst/>
+          </a:prstGeom>
+          <a:solidFill>
+            <a:srgbClr val="0070C0"/>
+          </a:solidFill>
+        </p:spPr>
+        <p:style>
+          <a:lnRef idx="2">
+            <a:schemeClr val="accent1">
+              <a:shade val="50000"/>
+            </a:schemeClr>
+          </a:lnRef>
+          <a:fillRef idx="1">
+            <a:schemeClr val="accent1"/>
+          </a:fillRef>
+          <a:effectRef idx="0">
+            <a:schemeClr val="accent1"/>
+          </a:effectRef>
+          <a:fontRef idx="minor">
+            <a:schemeClr val="lt1"/>
+          </a:fontRef>
+        </p:style>
+        <p:txBody>
+          <a:bodyPr rtlCol="0" anchor="ctr"/>
+          <a:lstStyle/>
+          <a:p>
+            <a:pPr algn="ctr"/>
+            <a:r>
+              <a:rPr kumimoji="1" lang="zh-CN" altLang="en-US" sz="1400" dirty="0" smtClean="0"/>
+              <a:t>后端开发成员</a:t>
+            </a:r>
+            <a:endParaRPr kumimoji="1" lang="zh-CN" altLang="en-US" sz="1400" dirty="0"/>
+          </a:p>
+        </p:txBody>
+      </p:sp>
+      <p:sp>
+        <p:nvSpPr>
+          <p:cNvPr id="4" name="矩形 3"/>
+          <p:cNvSpPr/>
+          <p:nvPr/>
+        </p:nvSpPr>
+        <p:spPr>
+          <a:xfrm>
+            <a:off x="118546" y="701971"/>
+            <a:ext cx="2262158" cy="369332"/>
+          </a:xfrm>
+          <a:prstGeom prst="rect">
+            <a:avLst/>
+          </a:prstGeom>
+        </p:spPr>
+        <p:txBody>
+          <a:bodyPr wrap="none">
+            <a:spAutoFit/>
+          </a:bodyPr>
+          <a:lstStyle/>
+          <a:p>
+            <a:r>
+              <a:rPr kumimoji="1" lang="zh-CN" altLang="en-US"/>
+              <a:t>满足要求的技术体系</a:t>
+            </a:r>
+            <a:endParaRPr lang="zh-CN" altLang="en-US"/>
+          </a:p>
+        </p:txBody>
+      </p:sp>
+    </p:spTree>
+    <p:extLst>
+      <p:ext uri="{BB962C8B-B14F-4D97-AF65-F5344CB8AC3E}">
+        <p14:creationId xmlns:p14="http://schemas.microsoft.com/office/powerpoint/2010/main" val="1834086018"/>
+      </p:ext>
+    </p:extLst>
+  </p:cSld>
+  <p:clrMapOvr>
+    <a:masterClrMapping/>
+  </p:clrMapOvr>
+  <p:timing>
+    <p:tnLst>
+      <p:par>
+        <p:cTn id="1" dur="indefinite" restart="never" nodeType="tmRoot"/>
+      </p:par>
+    </p:tnLst>
+  </p:timing>
+</p:sld>
+</file>
+
+<file path=ppt/slides/slide5.xml><?xml version="1.0" encoding="utf-8"?>
+<p:sld xmlns:a="http://schemas.openxmlformats.org/drawingml/2006/main" xmlns:r="http://schemas.openxmlformats.org/officeDocument/2006/relationships" xmlns:p="http://schemas.openxmlformats.org/presentationml/2006/main">
+  <p:cSld>
+    <p:spTree>
+      <p:nvGrpSpPr>
+        <p:cNvPr id="1" name=""/>
+        <p:cNvGrpSpPr/>
+        <p:nvPr/>
+      </p:nvGrpSpPr>
+      <p:grpSpPr>
+        <a:xfrm>
+          <a:off x="0" y="0"/>
+          <a:ext cx="0" cy="0"/>
+          <a:chOff x="0" y="0"/>
+          <a:chExt cx="0" cy="0"/>
+        </a:xfrm>
+      </p:grpSpPr>
+      <p:sp>
+        <p:nvSpPr>
+          <p:cNvPr id="2" name="标题 1"/>
+          <p:cNvSpPr>
+            <a:spLocks noGrp="1"/>
+          </p:cNvSpPr>
+          <p:nvPr>
+            <p:ph type="ctrTitle"/>
+          </p:nvPr>
+        </p:nvSpPr>
+        <p:spPr/>
+        <p:txBody>
+          <a:bodyPr/>
+          <a:lstStyle/>
+          <a:p>
+            <a:r>
+              <a:rPr kumimoji="1" lang="zh-CN" altLang="en-US" dirty="0"/>
+              <a:t>前</a:t>
+            </a:r>
+            <a:r>
+              <a:rPr kumimoji="1" lang="en-US" altLang="zh-CN" dirty="0"/>
+              <a:t>-</a:t>
+            </a:r>
+            <a:r>
+              <a:rPr kumimoji="1" lang="zh-CN" altLang="en-US" dirty="0"/>
+              <a:t>后分离</a:t>
+            </a:r>
+            <a:r>
+              <a:rPr kumimoji="1" lang="zh-CN" altLang="en-US" dirty="0" smtClean="0"/>
+              <a:t>的开发协作</a:t>
+            </a:r>
+            <a:endParaRPr kumimoji="1" lang="zh-CN" altLang="en-US" dirty="0"/>
+          </a:p>
+        </p:txBody>
+      </p:sp>
+      <p:grpSp>
+        <p:nvGrpSpPr>
+          <p:cNvPr id="9" name="组 8"/>
+          <p:cNvGrpSpPr/>
+          <p:nvPr/>
+        </p:nvGrpSpPr>
+        <p:grpSpPr>
+          <a:xfrm>
+            <a:off x="179512" y="1419622"/>
+            <a:ext cx="3322277" cy="3024336"/>
+            <a:chOff x="179512" y="1559733"/>
+            <a:chExt cx="3322277" cy="3024336"/>
+          </a:xfrm>
+        </p:grpSpPr>
+        <p:sp>
+          <p:nvSpPr>
+            <p:cNvPr id="3" name="矩形 2"/>
+            <p:cNvSpPr/>
+            <p:nvPr/>
+          </p:nvSpPr>
+          <p:spPr>
+            <a:xfrm>
+              <a:off x="1845605" y="1559733"/>
+              <a:ext cx="1656184" cy="3024336"/>
+            </a:xfrm>
+            <a:prstGeom prst="rect">
+              <a:avLst/>
+            </a:prstGeom>
+            <a:solidFill>
+              <a:srgbClr val="FFC000"/>
+            </a:solidFill>
+          </p:spPr>
+          <p:style>
+            <a:lnRef idx="2">
+              <a:schemeClr val="accent1">
+                <a:shade val="50000"/>
+              </a:schemeClr>
+            </a:lnRef>
+            <a:fillRef idx="1">
+              <a:schemeClr val="accent1"/>
+            </a:fillRef>
+            <a:effectRef idx="0">
+              <a:schemeClr val="accent1"/>
+            </a:effectRef>
+            <a:fontRef idx="minor">
+              <a:schemeClr val="lt1"/>
+            </a:fontRef>
+          </p:style>
+          <p:txBody>
+            <a:bodyPr rtlCol="0" anchor="ctr"/>
+            <a:lstStyle/>
+            <a:p>
+              <a:pPr algn="ctr"/>
+              <a:endParaRPr kumimoji="1" lang="zh-CN" altLang="en-US" dirty="0">
+                <a:solidFill>
+                  <a:schemeClr val="tx1"/>
+                </a:solidFill>
+              </a:endParaRPr>
+            </a:p>
+          </p:txBody>
+        </p:sp>
+        <p:sp>
+          <p:nvSpPr>
+            <p:cNvPr id="28" name="三角形 27"/>
+            <p:cNvSpPr/>
+            <p:nvPr/>
+          </p:nvSpPr>
+          <p:spPr>
+            <a:xfrm>
+              <a:off x="179512" y="2543701"/>
+              <a:ext cx="1211260" cy="848185"/>
+            </a:xfrm>
+            <a:prstGeom prst="triangle">
+              <a:avLst/>
+            </a:prstGeom>
+            <a:solidFill>
+              <a:srgbClr val="FFC000"/>
+            </a:solidFill>
+          </p:spPr>
+          <p:style>
+            <a:lnRef idx="2">
+              <a:schemeClr val="accent1">
+                <a:shade val="50000"/>
+              </a:schemeClr>
+            </a:lnRef>
+            <a:fillRef idx="1">
+              <a:schemeClr val="accent1"/>
+            </a:fillRef>
+            <a:effectRef idx="0">
+              <a:schemeClr val="accent1"/>
+            </a:effectRef>
+            <a:fontRef idx="minor">
+              <a:schemeClr val="lt1"/>
+            </a:fontRef>
+          </p:style>
+          <p:txBody>
+            <a:bodyPr rtlCol="0" anchor="ctr"/>
+            <a:lstStyle/>
+            <a:p>
+              <a:pPr algn="ctr"/>
+              <a:r>
+                <a:rPr kumimoji="1" lang="zh-CN" altLang="en-US" sz="1400" dirty="0" smtClean="0">
+                  <a:solidFill>
+                    <a:schemeClr val="tx1"/>
+                  </a:solidFill>
+                </a:rPr>
+                <a:t>前端</a:t>
+              </a:r>
+              <a:r>
+                <a:rPr kumimoji="1" lang="zh-CN" altLang="en-US" sz="1400" dirty="0" smtClean="0">
+                  <a:solidFill>
+                    <a:schemeClr val="tx1"/>
+                  </a:solidFill>
+                </a:rPr>
+                <a:t>开发</a:t>
+              </a:r>
+              <a:endParaRPr kumimoji="1" lang="zh-CN" altLang="en-US" sz="1400" dirty="0">
+                <a:solidFill>
+                  <a:schemeClr val="tx1"/>
+                </a:solidFill>
+              </a:endParaRPr>
+            </a:p>
+          </p:txBody>
+        </p:sp>
+        <p:sp>
+          <p:nvSpPr>
+            <p:cNvPr id="7" name="矩形 6"/>
+            <p:cNvSpPr/>
+            <p:nvPr/>
+          </p:nvSpPr>
+          <p:spPr>
+            <a:xfrm>
+              <a:off x="3131840" y="2132704"/>
+              <a:ext cx="262440" cy="1662370"/>
+            </a:xfrm>
+            <a:prstGeom prst="rect">
+              <a:avLst/>
+            </a:prstGeom>
+            <a:solidFill>
+              <a:srgbClr val="FFC000"/>
+            </a:solidFill>
+            <a:ln>
+              <a:prstDash val="dash"/>
+            </a:ln>
+          </p:spPr>
+          <p:style>
+            <a:lnRef idx="2">
+              <a:schemeClr val="accent1">
+                <a:shade val="50000"/>
+              </a:schemeClr>
+            </a:lnRef>
+            <a:fillRef idx="1">
+              <a:schemeClr val="accent1"/>
+            </a:fillRef>
+            <a:effectRef idx="0">
+              <a:schemeClr val="accent1"/>
+            </a:effectRef>
+            <a:fontRef idx="minor">
+              <a:schemeClr val="lt1"/>
+            </a:fontRef>
+          </p:style>
+          <p:txBody>
+            <a:bodyPr rtlCol="0" anchor="ctr"/>
+            <a:lstStyle/>
+            <a:p>
+              <a:pPr algn="ctr"/>
+              <a:r>
+                <a:rPr kumimoji="1" lang="zh-CN" altLang="en-US" sz="1200" dirty="0" smtClean="0">
+                  <a:solidFill>
+                    <a:schemeClr val="tx1"/>
+                  </a:solidFill>
+                </a:rPr>
+                <a:t>挡板</a:t>
+              </a:r>
+              <a:endParaRPr kumimoji="1" lang="en-US" altLang="zh-CN" sz="1200" dirty="0" smtClean="0">
+                <a:solidFill>
+                  <a:schemeClr val="tx1"/>
+                </a:solidFill>
+              </a:endParaRPr>
+            </a:p>
+            <a:p>
+              <a:pPr algn="ctr"/>
+              <a:r>
+                <a:rPr kumimoji="1" lang="zh-CN" altLang="en-US" sz="1200" dirty="0" smtClean="0">
+                  <a:solidFill>
+                    <a:schemeClr val="tx1"/>
+                  </a:solidFill>
+                </a:rPr>
+                <a:t>程序</a:t>
+              </a:r>
+              <a:endParaRPr kumimoji="1" lang="zh-CN" altLang="en-US" sz="1200" dirty="0">
+                <a:solidFill>
+                  <a:schemeClr val="tx1"/>
+                </a:solidFill>
+              </a:endParaRPr>
+            </a:p>
+          </p:txBody>
+        </p:sp>
+        <p:sp>
+          <p:nvSpPr>
+            <p:cNvPr id="21" name="右箭头 20"/>
+            <p:cNvSpPr/>
+            <p:nvPr/>
+          </p:nvSpPr>
+          <p:spPr>
+            <a:xfrm>
+              <a:off x="1187624" y="2791824"/>
+              <a:ext cx="504056" cy="172064"/>
+            </a:xfrm>
+            <a:prstGeom prst="rightArrow">
+              <a:avLst/>
+            </a:prstGeom>
+          </p:spPr>
+          <p:style>
+            <a:lnRef idx="2">
+              <a:schemeClr val="accent1">
+                <a:shade val="50000"/>
+              </a:schemeClr>
+            </a:lnRef>
+            <a:fillRef idx="1">
+              <a:schemeClr val="accent1"/>
+            </a:fillRef>
+            <a:effectRef idx="0">
+              <a:schemeClr val="accent1"/>
+            </a:effectRef>
+            <a:fontRef idx="minor">
+              <a:schemeClr val="lt1"/>
+            </a:fontRef>
+          </p:style>
+          <p:txBody>
+            <a:bodyPr rtlCol="0" anchor="ctr"/>
+            <a:lstStyle/>
+            <a:p>
+              <a:pPr algn="ctr"/>
+              <a:endParaRPr kumimoji="1" lang="zh-CN" altLang="en-US"/>
+            </a:p>
+          </p:txBody>
+        </p:sp>
+      </p:grpSp>
+      <p:sp>
+        <p:nvSpPr>
+          <p:cNvPr id="49" name="文本框 48"/>
+          <p:cNvSpPr txBox="1"/>
+          <p:nvPr/>
+        </p:nvSpPr>
+        <p:spPr>
+          <a:xfrm flipH="1">
+            <a:off x="4601693" y="295944"/>
+            <a:ext cx="3066650" cy="369332"/>
+          </a:xfrm>
+          <a:prstGeom prst="rect">
+            <a:avLst/>
+          </a:prstGeom>
+          <a:noFill/>
+        </p:spPr>
+        <p:txBody>
+          <a:bodyPr wrap="square" rtlCol="0">
+            <a:spAutoFit/>
+          </a:bodyPr>
+          <a:lstStyle/>
+          <a:p>
+            <a:r>
+              <a:rPr kumimoji="1" lang="zh-CN" altLang="en-US" dirty="0" smtClean="0">
+                <a:solidFill>
+                  <a:srgbClr val="C00000"/>
+                </a:solidFill>
+              </a:rPr>
+              <a:t>团队及</a:t>
+            </a:r>
+            <a:r>
+              <a:rPr kumimoji="1" lang="zh-CN" altLang="en-US" smtClean="0">
+                <a:solidFill>
+                  <a:srgbClr val="C00000"/>
+                </a:solidFill>
+              </a:rPr>
+              <a:t>架构，架构及未来！</a:t>
+            </a:r>
+            <a:endParaRPr kumimoji="1" lang="zh-CN" altLang="en-US">
+              <a:solidFill>
+                <a:srgbClr val="C00000"/>
+              </a:solidFill>
+            </a:endParaRPr>
+          </a:p>
+        </p:txBody>
+      </p:sp>
+      <p:grpSp>
+        <p:nvGrpSpPr>
+          <p:cNvPr id="8" name="组 7"/>
+          <p:cNvGrpSpPr/>
+          <p:nvPr/>
+        </p:nvGrpSpPr>
+        <p:grpSpPr>
+          <a:xfrm>
+            <a:off x="3501789" y="843558"/>
+            <a:ext cx="5198376" cy="4002584"/>
+            <a:chOff x="3501789" y="961270"/>
+            <a:chExt cx="5198376" cy="4002584"/>
+          </a:xfrm>
+        </p:grpSpPr>
+        <p:sp>
+          <p:nvSpPr>
+            <p:cNvPr id="4" name="矩形 3"/>
+            <p:cNvSpPr/>
+            <p:nvPr/>
+          </p:nvSpPr>
+          <p:spPr>
+            <a:xfrm>
+              <a:off x="4572000" y="1271701"/>
+              <a:ext cx="2088232" cy="861003"/>
+            </a:xfrm>
+            <a:prstGeom prst="rect">
+              <a:avLst/>
+            </a:prstGeom>
+            <a:solidFill>
+              <a:srgbClr val="C00000"/>
+            </a:solidFill>
+          </p:spPr>
+          <p:style>
+            <a:lnRef idx="2">
+              <a:schemeClr val="accent1">
+                <a:shade val="50000"/>
+              </a:schemeClr>
+            </a:lnRef>
+            <a:fillRef idx="1">
+              <a:schemeClr val="accent1"/>
+            </a:fillRef>
+            <a:effectRef idx="0">
+              <a:schemeClr val="accent1"/>
+            </a:effectRef>
+            <a:fontRef idx="minor">
+              <a:schemeClr val="lt1"/>
+            </a:fontRef>
+          </p:style>
+          <p:txBody>
+            <a:bodyPr rtlCol="0" anchor="ctr"/>
+            <a:lstStyle/>
+            <a:p>
+              <a:pPr algn="ctr"/>
+              <a:r>
+                <a:rPr kumimoji="1" lang="zh-CN" altLang="en-US" smtClean="0"/>
+                <a:t>服务（</a:t>
+              </a:r>
+              <a:r>
+                <a:rPr kumimoji="1" lang="en-US" altLang="zh-CN" dirty="0" smtClean="0"/>
+                <a:t>Mocker</a:t>
+              </a:r>
+              <a:r>
+                <a:rPr kumimoji="1" lang="zh-CN" altLang="en-US" dirty="0" smtClean="0"/>
+                <a:t>）</a:t>
+              </a:r>
+              <a:endParaRPr kumimoji="1" lang="zh-CN" altLang="en-US" dirty="0"/>
+            </a:p>
+          </p:txBody>
+        </p:sp>
+        <p:sp>
+          <p:nvSpPr>
+            <p:cNvPr id="27" name="矩形 26"/>
+            <p:cNvSpPr/>
+            <p:nvPr/>
+          </p:nvSpPr>
+          <p:spPr>
+            <a:xfrm>
+              <a:off x="4572000" y="3795074"/>
+              <a:ext cx="2088232" cy="861003"/>
+            </a:xfrm>
+            <a:prstGeom prst="rect">
+              <a:avLst/>
+            </a:prstGeom>
+            <a:solidFill>
+              <a:srgbClr val="0070C0"/>
+            </a:solidFill>
+          </p:spPr>
+          <p:style>
+            <a:lnRef idx="2">
+              <a:schemeClr val="accent1">
+                <a:shade val="50000"/>
+              </a:schemeClr>
+            </a:lnRef>
+            <a:fillRef idx="1">
+              <a:schemeClr val="accent1"/>
+            </a:fillRef>
+            <a:effectRef idx="0">
+              <a:schemeClr val="accent1"/>
+            </a:effectRef>
+            <a:fontRef idx="minor">
+              <a:schemeClr val="lt1"/>
+            </a:fontRef>
+          </p:style>
+          <p:txBody>
+            <a:bodyPr rtlCol="0" anchor="ctr"/>
+            <a:lstStyle/>
+            <a:p>
+              <a:pPr algn="ctr"/>
+              <a:r>
+                <a:rPr kumimoji="1" lang="zh-CN" altLang="en-US" dirty="0" smtClean="0"/>
+                <a:t>服务（</a:t>
+              </a:r>
+              <a:r>
+                <a:rPr kumimoji="1" lang="en-US" altLang="zh-CN" dirty="0" smtClean="0"/>
+                <a:t>Delivery</a:t>
+              </a:r>
+              <a:r>
+                <a:rPr kumimoji="1" lang="zh-CN" altLang="en-US" dirty="0" smtClean="0"/>
+                <a:t>）</a:t>
+              </a:r>
+              <a:endParaRPr kumimoji="1" lang="zh-CN" altLang="en-US" dirty="0"/>
+            </a:p>
+          </p:txBody>
+        </p:sp>
+        <p:sp>
+          <p:nvSpPr>
+            <p:cNvPr id="29" name="三角形 28"/>
+            <p:cNvSpPr/>
+            <p:nvPr/>
+          </p:nvSpPr>
+          <p:spPr>
+            <a:xfrm>
+              <a:off x="7488905" y="2411656"/>
+              <a:ext cx="1211260" cy="848185"/>
+            </a:xfrm>
+            <a:prstGeom prst="triangle">
+              <a:avLst/>
+            </a:prstGeom>
+            <a:solidFill>
+              <a:srgbClr val="0070C0"/>
+            </a:solidFill>
+          </p:spPr>
+          <p:style>
+            <a:lnRef idx="2">
+              <a:schemeClr val="accent1">
+                <a:shade val="50000"/>
+              </a:schemeClr>
+            </a:lnRef>
+            <a:fillRef idx="1">
+              <a:schemeClr val="accent1"/>
+            </a:fillRef>
+            <a:effectRef idx="0">
+              <a:schemeClr val="accent1"/>
+            </a:effectRef>
+            <a:fontRef idx="minor">
+              <a:schemeClr val="lt1"/>
+            </a:fontRef>
+          </p:style>
+          <p:txBody>
+            <a:bodyPr rtlCol="0" anchor="ctr"/>
+            <a:lstStyle/>
+            <a:p>
+              <a:pPr algn="ctr"/>
+              <a:r>
+                <a:rPr kumimoji="1" lang="zh-CN" altLang="en-US" sz="1400" dirty="0" smtClean="0">
+                  <a:solidFill>
+                    <a:schemeClr val="bg1"/>
+                  </a:solidFill>
+                </a:rPr>
+                <a:t>后端</a:t>
+              </a:r>
+              <a:r>
+                <a:rPr kumimoji="1" lang="zh-CN" altLang="en-US" sz="1400" dirty="0" smtClean="0">
+                  <a:solidFill>
+                    <a:schemeClr val="bg1"/>
+                  </a:solidFill>
+                </a:rPr>
+                <a:t>开发</a:t>
+              </a:r>
+              <a:endParaRPr kumimoji="1" lang="zh-CN" altLang="en-US" sz="1400" dirty="0">
+                <a:solidFill>
+                  <a:schemeClr val="bg1"/>
+                </a:solidFill>
+              </a:endParaRPr>
+            </a:p>
+          </p:txBody>
+        </p:sp>
+        <p:cxnSp>
+          <p:nvCxnSpPr>
+            <p:cNvPr id="11" name="直线箭头连接符 10"/>
+            <p:cNvCxnSpPr>
+              <a:stCxn id="3" idx="3"/>
+              <a:endCxn id="4" idx="1"/>
+            </p:cNvCxnSpPr>
+            <p:nvPr/>
+          </p:nvCxnSpPr>
+          <p:spPr>
+            <a:xfrm flipV="1">
+              <a:off x="3501789" y="1702203"/>
+              <a:ext cx="1070211" cy="1347299"/>
+            </a:xfrm>
+            <a:prstGeom prst="straightConnector1">
+              <a:avLst/>
+            </a:prstGeom>
+            <a:ln w="28575">
+              <a:solidFill>
+                <a:srgbClr val="C00000"/>
+              </a:solidFill>
+              <a:tailEnd type="triangle"/>
+            </a:ln>
+          </p:spPr>
+          <p:style>
+            <a:lnRef idx="1">
+              <a:schemeClr val="accent1"/>
+            </a:lnRef>
+            <a:fillRef idx="0">
+              <a:schemeClr val="accent1"/>
+            </a:fillRef>
+            <a:effectRef idx="0">
+              <a:schemeClr val="accent1"/>
+            </a:effectRef>
+            <a:fontRef idx="minor">
+              <a:schemeClr val="tx1"/>
+            </a:fontRef>
+          </p:style>
+        </p:cxnSp>
+        <p:cxnSp>
+          <p:nvCxnSpPr>
+            <p:cNvPr id="34" name="直线箭头连接符 33"/>
+            <p:cNvCxnSpPr>
+              <a:stCxn id="3" idx="3"/>
+              <a:endCxn id="27" idx="1"/>
+            </p:cNvCxnSpPr>
+            <p:nvPr/>
+          </p:nvCxnSpPr>
+          <p:spPr>
+            <a:xfrm>
+              <a:off x="3501789" y="3049502"/>
+              <a:ext cx="1070211" cy="1176074"/>
+            </a:xfrm>
+            <a:prstGeom prst="straightConnector1">
+              <a:avLst/>
+            </a:prstGeom>
+            <a:ln w="28575">
+              <a:solidFill>
+                <a:srgbClr val="0070C0"/>
+              </a:solidFill>
+              <a:tailEnd type="triangle"/>
+            </a:ln>
+          </p:spPr>
+          <p:style>
+            <a:lnRef idx="1">
+              <a:schemeClr val="accent1"/>
+            </a:lnRef>
+            <a:fillRef idx="0">
+              <a:schemeClr val="accent1"/>
+            </a:fillRef>
+            <a:effectRef idx="0">
+              <a:schemeClr val="accent1"/>
+            </a:effectRef>
+            <a:fontRef idx="minor">
+              <a:schemeClr val="tx1"/>
+            </a:fontRef>
+          </p:style>
+        </p:cxnSp>
+        <p:sp>
+          <p:nvSpPr>
+            <p:cNvPr id="20" name="文本框 19"/>
+            <p:cNvSpPr txBox="1"/>
+            <p:nvPr/>
+          </p:nvSpPr>
+          <p:spPr>
+            <a:xfrm>
+              <a:off x="3823594" y="2386761"/>
+              <a:ext cx="902811" cy="307777"/>
+            </a:xfrm>
+            <a:prstGeom prst="rect">
+              <a:avLst/>
+            </a:prstGeom>
+            <a:noFill/>
+          </p:spPr>
+          <p:txBody>
+            <a:bodyPr wrap="none" rtlCol="0">
+              <a:spAutoFit/>
+            </a:bodyPr>
+            <a:lstStyle/>
+            <a:p>
+              <a:r>
+                <a:rPr kumimoji="1" lang="zh-CN" altLang="en-US" sz="1400" dirty="0" smtClean="0">
+                  <a:solidFill>
+                    <a:srgbClr val="C00000"/>
+                  </a:solidFill>
+                </a:rPr>
+                <a:t>开发调用</a:t>
+              </a:r>
+              <a:endParaRPr kumimoji="1" lang="zh-CN" altLang="en-US" sz="1400" dirty="0">
+                <a:solidFill>
+                  <a:srgbClr val="C00000"/>
+                </a:solidFill>
+              </a:endParaRPr>
+            </a:p>
+          </p:txBody>
+        </p:sp>
+        <p:sp>
+          <p:nvSpPr>
+            <p:cNvPr id="43" name="文本框 42"/>
+            <p:cNvSpPr txBox="1"/>
+            <p:nvPr/>
+          </p:nvSpPr>
+          <p:spPr>
+            <a:xfrm>
+              <a:off x="3823058" y="3206379"/>
+              <a:ext cx="902811" cy="307777"/>
+            </a:xfrm>
+            <a:prstGeom prst="rect">
+              <a:avLst/>
+            </a:prstGeom>
+            <a:noFill/>
+          </p:spPr>
+          <p:txBody>
+            <a:bodyPr wrap="none" rtlCol="0">
+              <a:spAutoFit/>
+            </a:bodyPr>
+            <a:lstStyle/>
+            <a:p>
+              <a:r>
+                <a:rPr kumimoji="1" lang="zh-CN" altLang="en-US" sz="1400" smtClean="0">
+                  <a:solidFill>
+                    <a:srgbClr val="0070C0"/>
+                  </a:solidFill>
+                </a:rPr>
+                <a:t>正式调用</a:t>
+              </a:r>
+              <a:endParaRPr kumimoji="1" lang="zh-CN" altLang="en-US" sz="1400">
+                <a:solidFill>
+                  <a:srgbClr val="0070C0"/>
+                </a:solidFill>
+              </a:endParaRPr>
+            </a:p>
+          </p:txBody>
+        </p:sp>
+        <p:sp>
+          <p:nvSpPr>
+            <p:cNvPr id="44" name="文本框 43"/>
+            <p:cNvSpPr txBox="1"/>
+            <p:nvPr/>
+          </p:nvSpPr>
+          <p:spPr>
+            <a:xfrm>
+              <a:off x="7229814" y="2268079"/>
+              <a:ext cx="543739" cy="307777"/>
+            </a:xfrm>
+            <a:prstGeom prst="rect">
+              <a:avLst/>
+            </a:prstGeom>
+            <a:noFill/>
+          </p:spPr>
+          <p:txBody>
+            <a:bodyPr wrap="none" rtlCol="0">
+              <a:spAutoFit/>
+            </a:bodyPr>
+            <a:lstStyle/>
+            <a:p>
+              <a:r>
+                <a:rPr kumimoji="1" lang="zh-CN" altLang="en-US" sz="1400" dirty="0" smtClean="0">
+                  <a:solidFill>
+                    <a:srgbClr val="C00000"/>
+                  </a:solidFill>
+                </a:rPr>
+                <a:t>配合</a:t>
+              </a:r>
+              <a:endParaRPr kumimoji="1" lang="zh-CN" altLang="en-US" sz="1400" dirty="0">
+                <a:solidFill>
+                  <a:srgbClr val="C00000"/>
+                </a:solidFill>
+              </a:endParaRPr>
+            </a:p>
+          </p:txBody>
+        </p:sp>
+        <p:sp>
+          <p:nvSpPr>
+            <p:cNvPr id="45" name="文本框 44"/>
+            <p:cNvSpPr txBox="1"/>
+            <p:nvPr/>
+          </p:nvSpPr>
+          <p:spPr>
+            <a:xfrm>
+              <a:off x="7380312" y="3791981"/>
+              <a:ext cx="543739" cy="307777"/>
+            </a:xfrm>
+            <a:prstGeom prst="rect">
+              <a:avLst/>
+            </a:prstGeom>
+            <a:noFill/>
+          </p:spPr>
+          <p:txBody>
+            <a:bodyPr wrap="none" rtlCol="0">
+              <a:spAutoFit/>
+            </a:bodyPr>
+            <a:lstStyle/>
+            <a:p>
+              <a:r>
+                <a:rPr kumimoji="1" lang="zh-CN" altLang="en-US" sz="1400" dirty="0" smtClean="0">
+                  <a:solidFill>
+                    <a:srgbClr val="0070C0"/>
+                  </a:solidFill>
+                </a:rPr>
+                <a:t>交付</a:t>
+              </a:r>
+              <a:endParaRPr kumimoji="1" lang="zh-CN" altLang="en-US" sz="1400" dirty="0">
+                <a:solidFill>
+                  <a:srgbClr val="0070C0"/>
+                </a:solidFill>
+              </a:endParaRPr>
+            </a:p>
+          </p:txBody>
+        </p:sp>
+        <p:sp>
+          <p:nvSpPr>
+            <p:cNvPr id="22" name="左箭头 21"/>
+            <p:cNvSpPr/>
+            <p:nvPr/>
+          </p:nvSpPr>
+          <p:spPr>
+            <a:xfrm rot="1335225">
+              <a:off x="6934774" y="2517519"/>
+              <a:ext cx="676010" cy="274305"/>
+            </a:xfrm>
+            <a:prstGeom prst="leftArrow">
+              <a:avLst/>
+            </a:prstGeom>
+            <a:solidFill>
+              <a:srgbClr val="C00000"/>
+            </a:solidFill>
+          </p:spPr>
+          <p:style>
+            <a:lnRef idx="2">
+              <a:schemeClr val="accent1">
+                <a:shade val="50000"/>
+              </a:schemeClr>
+            </a:lnRef>
+            <a:fillRef idx="1">
+              <a:schemeClr val="accent1"/>
+            </a:fillRef>
+            <a:effectRef idx="0">
+              <a:schemeClr val="accent1"/>
+            </a:effectRef>
+            <a:fontRef idx="minor">
+              <a:schemeClr val="lt1"/>
+            </a:fontRef>
+          </p:style>
+          <p:txBody>
+            <a:bodyPr rtlCol="0" anchor="ctr"/>
+            <a:lstStyle/>
+            <a:p>
+              <a:pPr algn="ctr"/>
+              <a:endParaRPr kumimoji="1" lang="zh-CN" altLang="en-US"/>
+            </a:p>
+          </p:txBody>
+        </p:sp>
+        <p:sp>
+          <p:nvSpPr>
+            <p:cNvPr id="48" name="左箭头 47"/>
+            <p:cNvSpPr/>
+            <p:nvPr/>
+          </p:nvSpPr>
+          <p:spPr>
+            <a:xfrm rot="19829412">
+              <a:off x="7005210" y="3522545"/>
+              <a:ext cx="676010" cy="274305"/>
+            </a:xfrm>
+            <a:prstGeom prst="leftArrow">
+              <a:avLst/>
+            </a:prstGeom>
+            <a:solidFill>
+              <a:srgbClr val="0070C0"/>
+            </a:solidFill>
+          </p:spPr>
+          <p:style>
+            <a:lnRef idx="2">
+              <a:schemeClr val="accent1">
+                <a:shade val="50000"/>
+              </a:schemeClr>
+            </a:lnRef>
+            <a:fillRef idx="1">
+              <a:schemeClr val="accent1"/>
+            </a:fillRef>
+            <a:effectRef idx="0">
+              <a:schemeClr val="accent1"/>
+            </a:effectRef>
+            <a:fontRef idx="minor">
+              <a:schemeClr val="lt1"/>
+            </a:fontRef>
+          </p:style>
+          <p:txBody>
+            <a:bodyPr rtlCol="0" anchor="ctr"/>
+            <a:lstStyle/>
+            <a:p>
+              <a:pPr algn="ctr"/>
+              <a:endParaRPr kumimoji="1" lang="zh-CN" altLang="en-US"/>
+            </a:p>
+          </p:txBody>
+        </p:sp>
+        <p:sp>
+          <p:nvSpPr>
+            <p:cNvPr id="5" name="文本框 4"/>
+            <p:cNvSpPr txBox="1"/>
+            <p:nvPr/>
+          </p:nvSpPr>
+          <p:spPr>
+            <a:xfrm>
+              <a:off x="4495232" y="961270"/>
+              <a:ext cx="3684727" cy="307777"/>
+            </a:xfrm>
+            <a:prstGeom prst="rect">
+              <a:avLst/>
+            </a:prstGeom>
+            <a:noFill/>
+          </p:spPr>
+          <p:txBody>
+            <a:bodyPr wrap="none" rtlCol="0">
+              <a:spAutoFit/>
+            </a:bodyPr>
+            <a:lstStyle/>
+            <a:p>
+              <a:r>
+                <a:rPr kumimoji="1" lang="en-US" altLang="zh-CN" sz="1200" dirty="0"/>
+                <a:t>g</a:t>
+              </a:r>
+              <a:r>
+                <a:rPr kumimoji="1" lang="en-US" altLang="zh-CN" sz="1200" dirty="0" smtClean="0"/>
+                <a:t>roup=“om” </a:t>
+              </a:r>
+              <a:r>
+                <a:rPr kumimoji="1" lang="en-US" altLang="zh-CN" sz="1400" b="1" dirty="0" smtClean="0"/>
+                <a:t>version=“</a:t>
+              </a:r>
+              <a:r>
+                <a:rPr kumimoji="1" lang="en-US" altLang="zh-CN" sz="1400" b="1" dirty="0" smtClean="0">
+                  <a:solidFill>
+                    <a:srgbClr val="C00000"/>
+                  </a:solidFill>
+                </a:rPr>
+                <a:t>0.9</a:t>
+              </a:r>
+              <a:r>
+                <a:rPr kumimoji="1" lang="en-US" altLang="zh-CN" sz="1400" b="1" dirty="0" smtClean="0"/>
+                <a:t>” </a:t>
+              </a:r>
+              <a:r>
+                <a:rPr kumimoji="1" lang="en-US" altLang="zh-CN" sz="1200" dirty="0" smtClean="0"/>
+                <a:t>interface=“</a:t>
+              </a:r>
+              <a:r>
+                <a:rPr kumimoji="1" lang="en-US" altLang="zh-CN" sz="1200" dirty="0" err="1" smtClean="0"/>
+                <a:t>org.brons.Ixxx</a:t>
+              </a:r>
+              <a:r>
+                <a:rPr kumimoji="1" lang="en-US" altLang="zh-CN" sz="1200" dirty="0" smtClean="0"/>
+                <a:t>”</a:t>
+              </a:r>
+              <a:endParaRPr kumimoji="1" lang="zh-CN" altLang="en-US" sz="1200" dirty="0"/>
+            </a:p>
+          </p:txBody>
+        </p:sp>
+        <p:sp>
+          <p:nvSpPr>
+            <p:cNvPr id="23" name="文本框 22"/>
+            <p:cNvSpPr txBox="1"/>
+            <p:nvPr/>
+          </p:nvSpPr>
+          <p:spPr>
+            <a:xfrm>
+              <a:off x="4485850" y="4656077"/>
+              <a:ext cx="3684727" cy="307777"/>
+            </a:xfrm>
+            <a:prstGeom prst="rect">
+              <a:avLst/>
+            </a:prstGeom>
+            <a:noFill/>
+          </p:spPr>
+          <p:txBody>
+            <a:bodyPr wrap="none" rtlCol="0">
+              <a:spAutoFit/>
+            </a:bodyPr>
+            <a:lstStyle/>
+            <a:p>
+              <a:r>
+                <a:rPr kumimoji="1" lang="en-US" altLang="zh-CN" sz="1200" dirty="0"/>
+                <a:t>g</a:t>
+              </a:r>
+              <a:r>
+                <a:rPr kumimoji="1" lang="en-US" altLang="zh-CN" sz="1200" dirty="0" smtClean="0"/>
+                <a:t>roup=“om” </a:t>
+              </a:r>
+              <a:r>
+                <a:rPr kumimoji="1" lang="en-US" altLang="zh-CN" sz="1400" b="1" dirty="0" smtClean="0"/>
+                <a:t>version=“</a:t>
+              </a:r>
+              <a:r>
+                <a:rPr kumimoji="1" lang="en-US" altLang="zh-CN" sz="1400" b="1" dirty="0" smtClean="0">
+                  <a:solidFill>
+                    <a:srgbClr val="0070C0"/>
+                  </a:solidFill>
+                </a:rPr>
+                <a:t>1.0</a:t>
+              </a:r>
+              <a:r>
+                <a:rPr kumimoji="1" lang="en-US" altLang="zh-CN" sz="1400" b="1" dirty="0" smtClean="0"/>
+                <a:t>” </a:t>
+              </a:r>
+              <a:r>
+                <a:rPr kumimoji="1" lang="en-US" altLang="zh-CN" sz="1200" dirty="0" smtClean="0"/>
+                <a:t>interface=“</a:t>
+              </a:r>
+              <a:r>
+                <a:rPr kumimoji="1" lang="en-US" altLang="zh-CN" sz="1200" dirty="0" err="1" smtClean="0"/>
+                <a:t>org.brons.Ixxx</a:t>
+              </a:r>
+              <a:r>
+                <a:rPr kumimoji="1" lang="en-US" altLang="zh-CN" sz="1200" dirty="0" smtClean="0"/>
+                <a:t>”</a:t>
+              </a:r>
+              <a:endParaRPr kumimoji="1" lang="zh-CN" altLang="en-US" sz="1200" dirty="0"/>
+            </a:p>
+          </p:txBody>
+        </p:sp>
+      </p:grpSp>
+      <p:sp>
+        <p:nvSpPr>
+          <p:cNvPr id="6" name="矩形 5"/>
+          <p:cNvSpPr/>
+          <p:nvPr/>
+        </p:nvSpPr>
+        <p:spPr>
+          <a:xfrm>
+            <a:off x="179512" y="727014"/>
+            <a:ext cx="2723823" cy="369332"/>
+          </a:xfrm>
+          <a:prstGeom prst="rect">
+            <a:avLst/>
+          </a:prstGeom>
+        </p:spPr>
+        <p:txBody>
+          <a:bodyPr wrap="none">
+            <a:spAutoFit/>
+          </a:bodyPr>
+          <a:lstStyle/>
+          <a:p>
+            <a:r>
+              <a:rPr kumimoji="1" lang="zh-CN" altLang="en-US" dirty="0" smtClean="0"/>
+              <a:t>相互隔离的</a:t>
+            </a:r>
+            <a:r>
+              <a:rPr kumimoji="1" lang="zh-CN" altLang="en-US" dirty="0"/>
+              <a:t>开发协作方式</a:t>
+            </a:r>
+            <a:endParaRPr lang="zh-CN" altLang="en-US" dirty="0"/>
+          </a:p>
+        </p:txBody>
+      </p:sp>
+      <p:sp>
+        <p:nvSpPr>
+          <p:cNvPr id="12" name="圆角矩形 11"/>
+          <p:cNvSpPr/>
+          <p:nvPr/>
+        </p:nvSpPr>
+        <p:spPr>
+          <a:xfrm>
+            <a:off x="2051720" y="1563638"/>
+            <a:ext cx="936104" cy="576064"/>
+          </a:xfrm>
+          <a:prstGeom prst="roundRect">
+            <a:avLst/>
+          </a:prstGeom>
+          <a:solidFill>
+            <a:schemeClr val="bg1">
+              <a:lumMod val="95000"/>
+            </a:schemeClr>
+          </a:solidFill>
+        </p:spPr>
+        <p:style>
+          <a:lnRef idx="2">
+            <a:schemeClr val="accent1">
+              <a:shade val="50000"/>
+            </a:schemeClr>
+          </a:lnRef>
+          <a:fillRef idx="1">
+            <a:schemeClr val="accent1"/>
+          </a:fillRef>
+          <a:effectRef idx="0">
+            <a:schemeClr val="accent1"/>
+          </a:effectRef>
+          <a:fontRef idx="minor">
+            <a:schemeClr val="lt1"/>
+          </a:fontRef>
+        </p:style>
+        <p:txBody>
+          <a:bodyPr rtlCol="0" anchor="ctr"/>
+          <a:lstStyle/>
+          <a:p>
+            <a:pPr algn="ctr"/>
+            <a:r>
+              <a:rPr kumimoji="1" lang="zh-CN" altLang="en-US" sz="1400" dirty="0" smtClean="0">
+                <a:solidFill>
+                  <a:schemeClr val="tx1"/>
+                </a:solidFill>
+              </a:rPr>
+              <a:t>界面</a:t>
+            </a:r>
+            <a:endParaRPr kumimoji="1" lang="zh-CN" altLang="en-US" sz="1400" dirty="0">
+              <a:solidFill>
+                <a:schemeClr val="tx1"/>
+              </a:solidFill>
+            </a:endParaRPr>
+          </a:p>
+        </p:txBody>
+      </p:sp>
+      <p:sp>
+        <p:nvSpPr>
+          <p:cNvPr id="26" name="圆角矩形 25"/>
+          <p:cNvSpPr/>
+          <p:nvPr/>
+        </p:nvSpPr>
+        <p:spPr>
+          <a:xfrm>
+            <a:off x="2051720" y="2287623"/>
+            <a:ext cx="936104" cy="576064"/>
+          </a:xfrm>
+          <a:prstGeom prst="roundRect">
+            <a:avLst/>
+          </a:prstGeom>
+          <a:solidFill>
+            <a:schemeClr val="bg1">
+              <a:lumMod val="95000"/>
+            </a:schemeClr>
+          </a:solidFill>
+        </p:spPr>
+        <p:style>
+          <a:lnRef idx="2">
+            <a:schemeClr val="accent1">
+              <a:shade val="50000"/>
+            </a:schemeClr>
+          </a:lnRef>
+          <a:fillRef idx="1">
+            <a:schemeClr val="accent1"/>
+          </a:fillRef>
+          <a:effectRef idx="0">
+            <a:schemeClr val="accent1"/>
+          </a:effectRef>
+          <a:fontRef idx="minor">
+            <a:schemeClr val="lt1"/>
+          </a:fontRef>
+        </p:style>
+        <p:txBody>
+          <a:bodyPr rtlCol="0" anchor="ctr"/>
+          <a:lstStyle/>
+          <a:p>
+            <a:pPr algn="ctr"/>
+            <a:r>
+              <a:rPr kumimoji="1" lang="zh-CN" altLang="en-US" sz="1400" dirty="0" smtClean="0">
+                <a:solidFill>
+                  <a:schemeClr val="tx1"/>
+                </a:solidFill>
+              </a:rPr>
+              <a:t>业务</a:t>
+            </a:r>
+            <a:endParaRPr kumimoji="1" lang="en-US" altLang="zh-CN" sz="1400" dirty="0" smtClean="0">
+              <a:solidFill>
+                <a:schemeClr val="tx1"/>
+              </a:solidFill>
+            </a:endParaRPr>
+          </a:p>
+          <a:p>
+            <a:pPr algn="ctr"/>
+            <a:r>
+              <a:rPr kumimoji="1" lang="zh-CN" altLang="en-US" sz="1400" dirty="0" smtClean="0">
+                <a:solidFill>
+                  <a:schemeClr val="tx1"/>
+                </a:solidFill>
+              </a:rPr>
+              <a:t>逻辑</a:t>
+            </a:r>
+            <a:endParaRPr kumimoji="1" lang="zh-CN" altLang="en-US" sz="1400" dirty="0">
+              <a:solidFill>
+                <a:schemeClr val="tx1"/>
+              </a:solidFill>
+            </a:endParaRPr>
+          </a:p>
+        </p:txBody>
+      </p:sp>
+      <p:sp>
+        <p:nvSpPr>
+          <p:cNvPr id="30" name="圆角矩形 29"/>
+          <p:cNvSpPr/>
+          <p:nvPr/>
+        </p:nvSpPr>
+        <p:spPr>
+          <a:xfrm>
+            <a:off x="2063952" y="3021872"/>
+            <a:ext cx="936104" cy="576064"/>
+          </a:xfrm>
+          <a:prstGeom prst="roundRect">
+            <a:avLst/>
+          </a:prstGeom>
+          <a:solidFill>
+            <a:schemeClr val="bg1">
+              <a:lumMod val="95000"/>
+            </a:schemeClr>
+          </a:solidFill>
+        </p:spPr>
+        <p:style>
+          <a:lnRef idx="2">
+            <a:schemeClr val="accent1">
+              <a:shade val="50000"/>
+            </a:schemeClr>
+          </a:lnRef>
+          <a:fillRef idx="1">
+            <a:schemeClr val="accent1"/>
+          </a:fillRef>
+          <a:effectRef idx="0">
+            <a:schemeClr val="accent1"/>
+          </a:effectRef>
+          <a:fontRef idx="minor">
+            <a:schemeClr val="lt1"/>
+          </a:fontRef>
+        </p:style>
+        <p:txBody>
+          <a:bodyPr rtlCol="0" anchor="ctr"/>
+          <a:lstStyle/>
+          <a:p>
+            <a:pPr algn="ctr"/>
+            <a:r>
+              <a:rPr kumimoji="1" lang="zh-CN" altLang="en-US" sz="1400" dirty="0" smtClean="0">
+                <a:solidFill>
+                  <a:schemeClr val="tx1"/>
+                </a:solidFill>
+              </a:rPr>
+              <a:t>交互</a:t>
+            </a:r>
+            <a:endParaRPr kumimoji="1" lang="en-US" altLang="zh-CN" sz="1400" dirty="0" smtClean="0">
+              <a:solidFill>
+                <a:schemeClr val="tx1"/>
+              </a:solidFill>
+            </a:endParaRPr>
+          </a:p>
+          <a:p>
+            <a:pPr algn="ctr"/>
+            <a:r>
+              <a:rPr kumimoji="1" lang="en-US" altLang="zh-CN" sz="1000" dirty="0" smtClean="0">
+                <a:solidFill>
+                  <a:schemeClr val="tx1"/>
+                </a:solidFill>
+              </a:rPr>
+              <a:t>(</a:t>
+            </a:r>
+            <a:r>
+              <a:rPr kumimoji="1" lang="zh-CN" altLang="en-US" sz="1000" dirty="0" smtClean="0">
+                <a:solidFill>
+                  <a:schemeClr val="tx1"/>
+                </a:solidFill>
+              </a:rPr>
+              <a:t>操作</a:t>
+            </a:r>
+            <a:r>
+              <a:rPr kumimoji="1" lang="en-US" altLang="zh-CN" sz="1000" dirty="0" smtClean="0">
+                <a:solidFill>
+                  <a:schemeClr val="tx1"/>
+                </a:solidFill>
+              </a:rPr>
+              <a:t>-</a:t>
+            </a:r>
+            <a:r>
+              <a:rPr kumimoji="1" lang="zh-CN" altLang="en-US" sz="1000" dirty="0" smtClean="0">
+                <a:solidFill>
+                  <a:schemeClr val="tx1"/>
+                </a:solidFill>
+              </a:rPr>
+              <a:t>响应</a:t>
+            </a:r>
+            <a:r>
+              <a:rPr kumimoji="1" lang="en-US" altLang="zh-CN" sz="1000" dirty="0" smtClean="0">
+                <a:solidFill>
+                  <a:schemeClr val="tx1"/>
+                </a:solidFill>
+              </a:rPr>
+              <a:t>)</a:t>
+            </a:r>
+            <a:endParaRPr kumimoji="1" lang="zh-CN" altLang="en-US" sz="1000" dirty="0">
+              <a:solidFill>
+                <a:schemeClr val="tx1"/>
+              </a:solidFill>
+            </a:endParaRPr>
+          </a:p>
+        </p:txBody>
+      </p:sp>
+      <p:sp>
+        <p:nvSpPr>
+          <p:cNvPr id="31" name="圆角矩形 30"/>
+          <p:cNvSpPr/>
+          <p:nvPr/>
+        </p:nvSpPr>
+        <p:spPr>
+          <a:xfrm>
+            <a:off x="2051720" y="3756121"/>
+            <a:ext cx="936104" cy="576064"/>
+          </a:xfrm>
+          <a:prstGeom prst="roundRect">
+            <a:avLst/>
+          </a:prstGeom>
+          <a:solidFill>
+            <a:schemeClr val="bg1">
+              <a:lumMod val="95000"/>
+            </a:schemeClr>
+          </a:solidFill>
+        </p:spPr>
+        <p:style>
+          <a:lnRef idx="2">
+            <a:schemeClr val="accent1">
+              <a:shade val="50000"/>
+            </a:schemeClr>
+          </a:lnRef>
+          <a:fillRef idx="1">
+            <a:schemeClr val="accent1"/>
+          </a:fillRef>
+          <a:effectRef idx="0">
+            <a:schemeClr val="accent1"/>
+          </a:effectRef>
+          <a:fontRef idx="minor">
+            <a:schemeClr val="lt1"/>
+          </a:fontRef>
+        </p:style>
+        <p:txBody>
+          <a:bodyPr rtlCol="0" anchor="ctr"/>
+          <a:lstStyle/>
+          <a:p>
+            <a:pPr algn="ctr"/>
+            <a:r>
+              <a:rPr kumimoji="1" lang="zh-CN" altLang="en-US" sz="1400" dirty="0" smtClean="0">
+                <a:solidFill>
+                  <a:schemeClr val="tx1"/>
+                </a:solidFill>
+              </a:rPr>
+              <a:t>外设</a:t>
+            </a:r>
+            <a:endParaRPr kumimoji="1" lang="en-US" altLang="zh-CN" sz="1400" dirty="0" smtClean="0">
+              <a:solidFill>
+                <a:schemeClr val="tx1"/>
+              </a:solidFill>
+            </a:endParaRPr>
+          </a:p>
+          <a:p>
+            <a:pPr algn="ctr"/>
+            <a:r>
+              <a:rPr kumimoji="1" lang="en-US" altLang="zh-CN" sz="1200" dirty="0" smtClean="0">
+                <a:solidFill>
+                  <a:schemeClr val="tx1"/>
+                </a:solidFill>
+              </a:rPr>
+              <a:t>(MCR/KPD)</a:t>
+            </a:r>
+            <a:endParaRPr kumimoji="1" lang="zh-CN" altLang="en-US" sz="1200" dirty="0">
+              <a:solidFill>
+                <a:schemeClr val="tx1"/>
+              </a:solidFill>
+            </a:endParaRPr>
+          </a:p>
+        </p:txBody>
+      </p:sp>
+      <p:sp>
+        <p:nvSpPr>
+          <p:cNvPr id="13" name="矩形 12"/>
+          <p:cNvSpPr/>
+          <p:nvPr/>
+        </p:nvSpPr>
+        <p:spPr>
+          <a:xfrm>
+            <a:off x="323528" y="4517707"/>
+            <a:ext cx="4572000" cy="646331"/>
+          </a:xfrm>
+          <a:prstGeom prst="rect">
+            <a:avLst/>
+          </a:prstGeom>
+        </p:spPr>
+        <p:txBody>
+          <a:bodyPr>
+            <a:spAutoFit/>
+          </a:bodyPr>
+          <a:lstStyle/>
+          <a:p>
+            <a:r>
+              <a:rPr kumimoji="1" lang="en-US" altLang="zh-CN" sz="1200" dirty="0"/>
+              <a:t>1</a:t>
+            </a:r>
+            <a:r>
+              <a:rPr kumimoji="1" lang="zh-CN" altLang="en-US" sz="1200" dirty="0"/>
+              <a:t>、没有服务前，前端自己 挡板；</a:t>
+            </a:r>
+            <a:endParaRPr kumimoji="1" lang="en-US" altLang="zh-CN" sz="1200" dirty="0"/>
+          </a:p>
+          <a:p>
+            <a:r>
+              <a:rPr kumimoji="1" lang="en-US" altLang="zh-CN" sz="1200" dirty="0"/>
+              <a:t>2</a:t>
+            </a:r>
+            <a:r>
+              <a:rPr kumimoji="1" lang="zh-CN" altLang="en-US" sz="1200" dirty="0"/>
+              <a:t>、服务开发好前，先提供一个测试版本；</a:t>
+            </a:r>
+            <a:r>
+              <a:rPr kumimoji="1" lang="en-US" altLang="zh-CN" sz="1200" dirty="0"/>
+              <a:t>0.9</a:t>
+            </a:r>
+          </a:p>
+          <a:p>
+            <a:r>
+              <a:rPr kumimoji="1" lang="en-US" altLang="zh-CN" sz="1200" dirty="0"/>
+              <a:t>3</a:t>
+            </a:r>
+            <a:r>
+              <a:rPr kumimoji="1" lang="zh-CN" altLang="en-US" sz="1200" dirty="0"/>
+              <a:t>、服务交付后，前端调用正式版本；</a:t>
+            </a:r>
+            <a:r>
+              <a:rPr kumimoji="1" lang="en-US" altLang="zh-CN" sz="1200" dirty="0"/>
+              <a:t>1.0</a:t>
+            </a:r>
+            <a:endParaRPr kumimoji="1" lang="zh-CN" altLang="en-US" sz="1200" dirty="0"/>
           </a:p>
         </p:txBody>
       </p:sp>
@@ -5501,7 +7921,120 @@
   <p:timing>
     <p:tnLst>
       <p:par>
-        <p:cTn id="1" dur="indefinite" restart="never" nodeType="tmRoot"/>
+        <p:cTn id="1" dur="indefinite" restart="never" nodeType="tmRoot">
+          <p:childTnLst>
+            <p:seq concurrent="1" nextAc="seek">
+              <p:cTn id="2" dur="indefinite" nodeType="mainSeq">
+                <p:childTnLst>
+                  <p:par>
+                    <p:cTn id="3" fill="hold">
+                      <p:stCondLst>
+                        <p:cond delay="indefinite"/>
+                      </p:stCondLst>
+                      <p:childTnLst>
+                        <p:par>
+                          <p:cTn id="4" fill="hold">
+                            <p:stCondLst>
+                              <p:cond delay="0"/>
+                            </p:stCondLst>
+                            <p:childTnLst>
+                              <p:par>
+                                <p:cTn id="5" presetID="1" presetClass="entr" presetSubtype="0" fill="hold" nodeType="clickEffect">
+                                  <p:stCondLst>
+                                    <p:cond delay="0"/>
+                                  </p:stCondLst>
+                                  <p:childTnLst>
+                                    <p:set>
+                                      <p:cBhvr>
+                                        <p:cTn id="6" dur="1" fill="hold">
+                                          <p:stCondLst>
+                                            <p:cond delay="0"/>
+                                          </p:stCondLst>
+                                        </p:cTn>
+                                        <p:tgtEl>
+                                          <p:spTgt spid="9"/>
+                                        </p:tgtEl>
+                                        <p:attrNameLst>
+                                          <p:attrName>style.visibility</p:attrName>
+                                        </p:attrNameLst>
+                                      </p:cBhvr>
+                                      <p:to>
+                                        <p:strVal val="visible"/>
+                                      </p:to>
+                                    </p:set>
+                                  </p:childTnLst>
+                                </p:cTn>
+                              </p:par>
+                            </p:childTnLst>
+                          </p:cTn>
+                        </p:par>
+                      </p:childTnLst>
+                    </p:cTn>
+                  </p:par>
+                  <p:par>
+                    <p:cTn id="7" fill="hold">
+                      <p:stCondLst>
+                        <p:cond delay="indefinite"/>
+                      </p:stCondLst>
+                      <p:childTnLst>
+                        <p:par>
+                          <p:cTn id="8" fill="hold">
+                            <p:stCondLst>
+                              <p:cond delay="0"/>
+                            </p:stCondLst>
+                            <p:childTnLst>
+                              <p:par>
+                                <p:cTn id="9" presetID="1" presetClass="entr" presetSubtype="0" fill="hold" nodeType="clickEffect">
+                                  <p:stCondLst>
+                                    <p:cond delay="0"/>
+                                  </p:stCondLst>
+                                  <p:childTnLst>
+                                    <p:set>
+                                      <p:cBhvr>
+                                        <p:cTn id="10" dur="1" fill="hold">
+                                          <p:stCondLst>
+                                            <p:cond delay="0"/>
+                                          </p:stCondLst>
+                                        </p:cTn>
+                                        <p:tgtEl>
+                                          <p:spTgt spid="8"/>
+                                        </p:tgtEl>
+                                        <p:attrNameLst>
+                                          <p:attrName>style.visibility</p:attrName>
+                                        </p:attrNameLst>
+                                      </p:cBhvr>
+                                      <p:to>
+                                        <p:strVal val="visible"/>
+                                      </p:to>
+                                    </p:set>
+                                  </p:childTnLst>
+                                </p:cTn>
+                              </p:par>
+                            </p:childTnLst>
+                          </p:cTn>
+                        </p:par>
+                      </p:childTnLst>
+                    </p:cTn>
+                  </p:par>
+                </p:childTnLst>
+              </p:cTn>
+              <p:prevCondLst>
+                <p:cond evt="onPrev" delay="0">
+                  <p:tgtEl>
+                    <p:sldTgt/>
+                  </p:tgtEl>
+                </p:cond>
+              </p:prevCondLst>
+              <p:nextCondLst>
+                <p:cond evt="onNext" delay="0">
+                  <p:tgtEl>
+                    <p:sldTgt/>
+                  </p:tgtEl>
+                </p:cond>
+              </p:nextCondLst>
+            </p:seq>
+          </p:childTnLst>
+        </p:cTn>
       </p:par>
     </p:tnLst>
   </p:timing>

--- a/readme/前后分离开发协作.pptx
+++ b/readme/前后分离开发协作.pptx
@@ -5,10 +5,10 @@
     <p:sldMasterId id="2147483648" r:id="rId1"/>
   </p:sldMasterIdLst>
   <p:notesMasterIdLst>
-    <p:notesMasterId r:id="rId7"/>
+    <p:notesMasterId r:id="rId8"/>
   </p:notesMasterIdLst>
   <p:handoutMasterIdLst>
-    <p:handoutMasterId r:id="rId8"/>
+    <p:handoutMasterId r:id="rId9"/>
   </p:handoutMasterIdLst>
   <p:sldIdLst>
     <p:sldId id="385" r:id="rId2"/>
@@ -16,6 +16,7 @@
     <p:sldId id="388" r:id="rId4"/>
     <p:sldId id="389" r:id="rId5"/>
     <p:sldId id="387" r:id="rId6"/>
+    <p:sldId id="391" r:id="rId7"/>
   </p:sldIdLst>
   <p:sldSz cx="9144000" cy="5143500" type="screen16x9"/>
   <p:notesSz cx="6858000" cy="9144000"/>
@@ -230,7 +231,7 @@
             <a:fld id="{5C979E5A-5764-4AAB-A962-3E8F18291B4D}" type="datetimeFigureOut">
               <a:rPr lang="zh-CN" altLang="en-US" smtClean="0"/>
               <a:pPr/>
-              <a:t>17/6/3</a:t>
+              <a:t>17/6/5</a:t>
             </a:fld>
             <a:endParaRPr lang="zh-CN" altLang="en-US"/>
           </a:p>
@@ -397,7 +398,7 @@
             <a:fld id="{01776D96-E550-42A4-AAC9-143101C0E129}" type="datetimeFigureOut">
               <a:rPr lang="zh-CN" altLang="en-US" smtClean="0"/>
               <a:pPr/>
-              <a:t>17/6/3</a:t>
+              <a:t>17/6/5</a:t>
             </a:fld>
             <a:endParaRPr lang="zh-CN" altLang="en-US"/>
           </a:p>
@@ -1960,7 +1961,7 @@
             <a:fld id="{530820CF-B880-4189-942D-D702A7CBA730}" type="datetimeFigureOut">
               <a:rPr lang="zh-CN" altLang="en-US" smtClean="0"/>
               <a:pPr/>
-              <a:t>17/6/3</a:t>
+              <a:t>17/6/5</a:t>
             </a:fld>
             <a:endParaRPr lang="zh-CN" altLang="en-US"/>
           </a:p>
@@ -5409,11 +5410,7 @@
             <a:pPr algn="ctr"/>
             <a:r>
               <a:rPr kumimoji="1" lang="zh-CN" altLang="en-US" sz="1400" dirty="0" smtClean="0"/>
-              <a:t>后端</a:t>
-            </a:r>
-            <a:r>
-              <a:rPr kumimoji="1" lang="zh-CN" altLang="en-US" sz="1400" dirty="0" smtClean="0"/>
-              <a:t>架构</a:t>
+              <a:t>后端架构</a:t>
             </a:r>
             <a:endParaRPr kumimoji="1" lang="en-US" altLang="zh-CN" sz="1400" dirty="0" smtClean="0"/>
           </a:p>
@@ -6698,15 +6695,7 @@
                     <a:schemeClr val="tx1"/>
                   </a:solidFill>
                 </a:rPr>
-                <a:t>前端</a:t>
-              </a:r>
-              <a:r>
-                <a:rPr kumimoji="1" lang="zh-CN" altLang="en-US" sz="1400" dirty="0" smtClean="0">
-                  <a:solidFill>
-                    <a:schemeClr val="tx1"/>
-                  </a:solidFill>
-                </a:rPr>
-                <a:t>开发</a:t>
+                <a:t>前端开发</a:t>
               </a:r>
               <a:endParaRPr kumimoji="1" lang="zh-CN" altLang="en-US" sz="1400" dirty="0">
                 <a:solidFill>
@@ -7046,15 +7035,7 @@
                     <a:schemeClr val="bg1"/>
                   </a:solidFill>
                 </a:rPr>
-                <a:t>后端</a:t>
-              </a:r>
-              <a:r>
-                <a:rPr kumimoji="1" lang="zh-CN" altLang="en-US" sz="1400" dirty="0" smtClean="0">
-                  <a:solidFill>
-                    <a:schemeClr val="bg1"/>
-                  </a:solidFill>
-                </a:rPr>
-                <a:t>开发</a:t>
+                <a:t>后端开发</a:t>
               </a:r>
               <a:endParaRPr kumimoji="1" lang="zh-CN" altLang="en-US" sz="1400" dirty="0">
                 <a:solidFill>
@@ -8035,6 +8016,336 @@
             </p:seq>
           </p:childTnLst>
         </p:cTn>
+      </p:par>
+    </p:tnLst>
+  </p:timing>
+</p:sld>
+</file>
+
+<file path=ppt/slides/slide6.xml><?xml version="1.0" encoding="utf-8"?>
+<p:sld xmlns:a="http://schemas.openxmlformats.org/drawingml/2006/main" xmlns:r="http://schemas.openxmlformats.org/officeDocument/2006/relationships" xmlns:p="http://schemas.openxmlformats.org/presentationml/2006/main">
+  <p:cSld>
+    <p:spTree>
+      <p:nvGrpSpPr>
+        <p:cNvPr id="1" name=""/>
+        <p:cNvGrpSpPr/>
+        <p:nvPr/>
+      </p:nvGrpSpPr>
+      <p:grpSpPr>
+        <a:xfrm>
+          <a:off x="0" y="0"/>
+          <a:ext cx="0" cy="0"/>
+          <a:chOff x="0" y="0"/>
+          <a:chExt cx="0" cy="0"/>
+        </a:xfrm>
+      </p:grpSpPr>
+      <p:sp>
+        <p:nvSpPr>
+          <p:cNvPr id="3" name="副标题 2"/>
+          <p:cNvSpPr>
+            <a:spLocks noGrp="1"/>
+          </p:cNvSpPr>
+          <p:nvPr>
+            <p:ph type="subTitle" idx="1"/>
+          </p:nvPr>
+        </p:nvSpPr>
+        <p:spPr/>
+        <p:txBody>
+          <a:bodyPr/>
+          <a:lstStyle/>
+          <a:p>
+            <a:endParaRPr kumimoji="1" lang="zh-CN" altLang="en-US"/>
+          </a:p>
+        </p:txBody>
+      </p:sp>
+      <p:sp>
+        <p:nvSpPr>
+          <p:cNvPr id="4" name="矩形 3"/>
+          <p:cNvSpPr/>
+          <p:nvPr/>
+        </p:nvSpPr>
+        <p:spPr>
+          <a:xfrm>
+            <a:off x="179512" y="1151335"/>
+            <a:ext cx="3322277" cy="3387030"/>
+          </a:xfrm>
+          <a:prstGeom prst="rect">
+            <a:avLst/>
+          </a:prstGeom>
+        </p:spPr>
+        <p:style>
+          <a:lnRef idx="2">
+            <a:schemeClr val="accent1">
+              <a:shade val="50000"/>
+            </a:schemeClr>
+          </a:lnRef>
+          <a:fillRef idx="1">
+            <a:schemeClr val="accent1"/>
+          </a:fillRef>
+          <a:effectRef idx="0">
+            <a:schemeClr val="accent1"/>
+          </a:effectRef>
+          <a:fontRef idx="minor">
+            <a:schemeClr val="lt1"/>
+          </a:fontRef>
+        </p:style>
+        <p:txBody>
+          <a:bodyPr rtlCol="0" anchor="ctr"/>
+          <a:lstStyle/>
+          <a:p>
+            <a:pPr marL="342900" indent="-342900">
+              <a:lnSpc>
+                <a:spcPct val="150000"/>
+              </a:lnSpc>
+              <a:buFont typeface="+mj-lt"/>
+              <a:buAutoNum type="arabicPeriod"/>
+            </a:pPr>
+            <a:r>
+              <a:rPr kumimoji="1" lang="zh-CN" altLang="en-US" dirty="0" smtClean="0"/>
+              <a:t>前端只关注前端工程；</a:t>
+            </a:r>
+            <a:endParaRPr kumimoji="1" lang="en-US" altLang="zh-CN" dirty="0" smtClean="0"/>
+          </a:p>
+          <a:p>
+            <a:pPr marL="342900" indent="-342900">
+              <a:lnSpc>
+                <a:spcPct val="150000"/>
+              </a:lnSpc>
+              <a:buFont typeface="+mj-lt"/>
+              <a:buAutoNum type="arabicPeriod"/>
+            </a:pPr>
+            <a:r>
+              <a:rPr kumimoji="1" lang="zh-CN" altLang="en-US" dirty="0" smtClean="0"/>
+              <a:t>只关注前端逻辑实现；</a:t>
+            </a:r>
+            <a:endParaRPr kumimoji="1" lang="en-US" altLang="zh-CN" dirty="0" smtClean="0"/>
+          </a:p>
+          <a:p>
+            <a:pPr marL="342900" indent="-342900">
+              <a:lnSpc>
+                <a:spcPct val="150000"/>
+              </a:lnSpc>
+              <a:buFont typeface="+mj-lt"/>
+              <a:buAutoNum type="arabicPeriod"/>
+            </a:pPr>
+            <a:r>
+              <a:rPr kumimoji="1" lang="zh-CN" altLang="en-US" dirty="0" smtClean="0"/>
+              <a:t>提出服务功能需求；</a:t>
+            </a:r>
+            <a:endParaRPr kumimoji="1" lang="en-US" altLang="zh-CN" dirty="0" smtClean="0"/>
+          </a:p>
+          <a:p>
+            <a:pPr marL="342900" indent="-342900">
+              <a:lnSpc>
+                <a:spcPct val="150000"/>
+              </a:lnSpc>
+              <a:buFont typeface="+mj-lt"/>
+              <a:buAutoNum type="arabicPeriod"/>
+            </a:pPr>
+            <a:r>
+              <a:rPr kumimoji="1" lang="zh-CN" altLang="en-US" dirty="0" smtClean="0"/>
+              <a:t>本地可以不启动服务提供者；</a:t>
+            </a:r>
+            <a:endParaRPr kumimoji="1" lang="zh-CN" altLang="en-US" dirty="0"/>
+          </a:p>
+        </p:txBody>
+      </p:sp>
+      <p:sp>
+        <p:nvSpPr>
+          <p:cNvPr id="5" name="矩形 4"/>
+          <p:cNvSpPr/>
+          <p:nvPr/>
+        </p:nvSpPr>
+        <p:spPr>
+          <a:xfrm>
+            <a:off x="3529678" y="1151335"/>
+            <a:ext cx="5434810" cy="3387030"/>
+          </a:xfrm>
+          <a:prstGeom prst="rect">
+            <a:avLst/>
+          </a:prstGeom>
+        </p:spPr>
+        <p:style>
+          <a:lnRef idx="2">
+            <a:schemeClr val="accent1">
+              <a:shade val="50000"/>
+            </a:schemeClr>
+          </a:lnRef>
+          <a:fillRef idx="1">
+            <a:schemeClr val="accent1"/>
+          </a:fillRef>
+          <a:effectRef idx="0">
+            <a:schemeClr val="accent1"/>
+          </a:effectRef>
+          <a:fontRef idx="minor">
+            <a:schemeClr val="lt1"/>
+          </a:fontRef>
+        </p:style>
+        <p:txBody>
+          <a:bodyPr rtlCol="0" anchor="ctr"/>
+          <a:lstStyle/>
+          <a:p>
+            <a:pPr marL="342900" indent="-342900">
+              <a:lnSpc>
+                <a:spcPct val="150000"/>
+              </a:lnSpc>
+              <a:buFont typeface="+mj-lt"/>
+              <a:buAutoNum type="arabicPeriod"/>
+            </a:pPr>
+            <a:r>
+              <a:rPr kumimoji="1" lang="zh-CN" altLang="en-US" dirty="0" smtClean="0"/>
+              <a:t>后端只关注后端工程；</a:t>
+            </a:r>
+            <a:endParaRPr kumimoji="1" lang="en-US" altLang="zh-CN" dirty="0" smtClean="0"/>
+          </a:p>
+          <a:p>
+            <a:pPr marL="342900" indent="-342900">
+              <a:lnSpc>
+                <a:spcPct val="150000"/>
+              </a:lnSpc>
+              <a:buFont typeface="+mj-lt"/>
+              <a:buAutoNum type="arabicPeriod"/>
+            </a:pPr>
+            <a:r>
+              <a:rPr kumimoji="1" lang="zh-CN" altLang="en-US" dirty="0" smtClean="0"/>
+              <a:t>负责业务模型设计，实现（</a:t>
+            </a:r>
+            <a:r>
+              <a:rPr kumimoji="1" lang="en-US" altLang="zh-CN" dirty="0" err="1" smtClean="0"/>
+              <a:t>mvn</a:t>
+            </a:r>
+            <a:r>
+              <a:rPr kumimoji="1" lang="en-US" altLang="zh-CN" dirty="0" smtClean="0"/>
+              <a:t> </a:t>
+            </a:r>
+            <a:r>
+              <a:rPr kumimoji="1" lang="en-US" altLang="zh-CN" dirty="0" err="1" smtClean="0"/>
+              <a:t>tools:gen-dao</a:t>
+            </a:r>
+            <a:r>
+              <a:rPr kumimoji="1" lang="zh-CN" altLang="en-US" dirty="0" smtClean="0"/>
+              <a:t>）；</a:t>
+            </a:r>
+            <a:endParaRPr kumimoji="1" lang="en-US" altLang="zh-CN" dirty="0" smtClean="0"/>
+          </a:p>
+          <a:p>
+            <a:pPr marL="342900" indent="-342900">
+              <a:lnSpc>
+                <a:spcPct val="150000"/>
+              </a:lnSpc>
+              <a:buFont typeface="+mj-lt"/>
+              <a:buAutoNum type="arabicPeriod"/>
+            </a:pPr>
+            <a:r>
+              <a:rPr kumimoji="1" lang="zh-CN" altLang="en-US" dirty="0" smtClean="0"/>
+              <a:t>实现前端提出的服务功能；</a:t>
+            </a:r>
+            <a:endParaRPr kumimoji="1" lang="en-US" altLang="zh-CN" dirty="0" smtClean="0"/>
+          </a:p>
+          <a:p>
+            <a:pPr marL="342900" indent="-342900">
+              <a:lnSpc>
+                <a:spcPct val="150000"/>
+              </a:lnSpc>
+              <a:buFont typeface="+mj-lt"/>
+              <a:buAutoNum type="arabicPeriod"/>
+            </a:pPr>
+            <a:r>
+              <a:rPr kumimoji="1" lang="zh-CN" altLang="en-US" dirty="0" smtClean="0"/>
+              <a:t>发布多个版本支持：自己开发、前端联调；</a:t>
+            </a:r>
+            <a:endParaRPr kumimoji="1" lang="en-US" altLang="zh-CN" dirty="0" smtClean="0"/>
+          </a:p>
+        </p:txBody>
+      </p:sp>
+      <p:sp>
+        <p:nvSpPr>
+          <p:cNvPr id="6" name="标题 1"/>
+          <p:cNvSpPr>
+            <a:spLocks noGrp="1"/>
+          </p:cNvSpPr>
+          <p:nvPr>
+            <p:ph type="ctrTitle"/>
+          </p:nvPr>
+        </p:nvSpPr>
+        <p:spPr>
+          <a:xfrm>
+            <a:off x="1115616" y="215982"/>
+            <a:ext cx="6624736" cy="504056"/>
+          </a:xfrm>
+        </p:spPr>
+        <p:txBody>
+          <a:bodyPr/>
+          <a:lstStyle/>
+          <a:p>
+            <a:r>
+              <a:rPr kumimoji="1" lang="zh-CN" altLang="en-US" dirty="0" smtClean="0"/>
+              <a:t>总结：最终效果</a:t>
+            </a:r>
+            <a:endParaRPr kumimoji="1" lang="zh-CN" altLang="en-US" dirty="0"/>
+          </a:p>
+        </p:txBody>
+      </p:sp>
+      <p:sp>
+        <p:nvSpPr>
+          <p:cNvPr id="7" name="文本框 6"/>
+          <p:cNvSpPr txBox="1"/>
+          <p:nvPr/>
+        </p:nvSpPr>
+        <p:spPr>
+          <a:xfrm flipH="1">
+            <a:off x="4601693" y="295944"/>
+            <a:ext cx="3066650" cy="369332"/>
+          </a:xfrm>
+          <a:prstGeom prst="rect">
+            <a:avLst/>
+          </a:prstGeom>
+          <a:noFill/>
+        </p:spPr>
+        <p:txBody>
+          <a:bodyPr wrap="square" rtlCol="0">
+            <a:spAutoFit/>
+          </a:bodyPr>
+          <a:lstStyle/>
+          <a:p>
+            <a:r>
+              <a:rPr kumimoji="1" lang="zh-CN" altLang="en-US" dirty="0" smtClean="0">
+                <a:solidFill>
+                  <a:srgbClr val="C00000"/>
+                </a:solidFill>
+              </a:rPr>
+              <a:t>团队及</a:t>
+            </a:r>
+            <a:r>
+              <a:rPr kumimoji="1" lang="zh-CN" altLang="en-US" smtClean="0">
+                <a:solidFill>
+                  <a:srgbClr val="C00000"/>
+                </a:solidFill>
+              </a:rPr>
+              <a:t>架构，架构及未来！</a:t>
+            </a:r>
+            <a:endParaRPr kumimoji="1" lang="zh-CN" altLang="en-US">
+              <a:solidFill>
+                <a:srgbClr val="C00000"/>
+              </a:solidFill>
+            </a:endParaRPr>
+          </a:p>
+        </p:txBody>
+      </p:sp>
+    </p:spTree>
+    <p:extLst>
+      <p:ext uri="{BB962C8B-B14F-4D97-AF65-F5344CB8AC3E}">
+        <p14:creationId xmlns:p14="http://schemas.microsoft.com/office/powerpoint/2010/main" val="1508020743"/>
+      </p:ext>
+    </p:extLst>
+  </p:cSld>
+  <p:clrMapOvr>
+    <a:masterClrMapping/>
+  </p:clrMapOvr>
+  <p:timing>
+    <p:tnLst>
+      <p:par>
+        <p:cTn id="1" dur="indefinite" restart="never" nodeType="tmRoot"/>
       </p:par>
     </p:tnLst>
   </p:timing>

--- a/readme/前后分离开发协作.pptx
+++ b/readme/前后分离开发协作.pptx
@@ -12,10 +12,10 @@
   </p:handoutMasterIdLst>
   <p:sldIdLst>
     <p:sldId id="385" r:id="rId2"/>
-    <p:sldId id="390" r:id="rId3"/>
-    <p:sldId id="388" r:id="rId4"/>
-    <p:sldId id="389" r:id="rId5"/>
-    <p:sldId id="387" r:id="rId6"/>
+    <p:sldId id="388" r:id="rId3"/>
+    <p:sldId id="389" r:id="rId4"/>
+    <p:sldId id="387" r:id="rId5"/>
+    <p:sldId id="390" r:id="rId6"/>
   </p:sldIdLst>
   <p:sldSz cx="9144000" cy="5143500" type="screen16x9"/>
   <p:notesSz cx="6858000" cy="9144000"/>
@@ -230,7 +230,7 @@
             <a:fld id="{5C979E5A-5764-4AAB-A962-3E8F18291B4D}" type="datetimeFigureOut">
               <a:rPr lang="zh-CN" altLang="en-US" smtClean="0"/>
               <a:pPr/>
-              <a:t>17/6/3</a:t>
+              <a:t>17/6/6</a:t>
             </a:fld>
             <a:endParaRPr lang="zh-CN" altLang="en-US"/>
           </a:p>
@@ -397,7 +397,7 @@
             <a:fld id="{01776D96-E550-42A4-AAC9-143101C0E129}" type="datetimeFigureOut">
               <a:rPr lang="zh-CN" altLang="en-US" smtClean="0"/>
               <a:pPr/>
-              <a:t>17/6/3</a:t>
+              <a:t>17/6/6</a:t>
             </a:fld>
             <a:endParaRPr lang="zh-CN" altLang="en-US"/>
           </a:p>
@@ -771,7 +771,7 @@
             <a:fld id="{1537D9F3-22A8-4B09-B716-F97D62E56ADC}" type="slidenum">
               <a:rPr lang="zh-CN" altLang="en-US" smtClean="0"/>
               <a:pPr/>
-              <a:t>5</a:t>
+              <a:t>4</a:t>
             </a:fld>
             <a:endParaRPr lang="zh-CN" altLang="en-US"/>
           </a:p>
@@ -1960,7 +1960,7 @@
             <a:fld id="{530820CF-B880-4189-942D-D702A7CBA730}" type="datetimeFigureOut">
               <a:rPr lang="zh-CN" altLang="en-US" smtClean="0"/>
               <a:pPr/>
-              <a:t>17/6/3</a:t>
+              <a:t>17/6/6</a:t>
             </a:fld>
             <a:endParaRPr lang="zh-CN" altLang="en-US"/>
           </a:p>
@@ -2349,8 +2349,12 @@
           <a:lstStyle/>
           <a:p>
             <a:r>
+              <a:rPr kumimoji="1" lang="en-US" altLang="zh-CN" dirty="0" smtClean="0"/>
+              <a:t>Tools</a:t>
+            </a:r>
+            <a:r>
               <a:rPr kumimoji="1" lang="zh-CN" altLang="en-US" dirty="0" smtClean="0"/>
-              <a:t>在此之前</a:t>
+              <a:t>整体架构</a:t>
             </a:r>
             <a:endParaRPr kumimoji="1" lang="zh-CN" altLang="en-US" dirty="0"/>
           </a:p>
@@ -2455,10 +2459,30 @@
           <a:p>
             <a:pPr algn="ctr"/>
             <a:r>
-              <a:rPr kumimoji="1" lang="zh-CN" altLang="en-US" smtClean="0"/>
-              <a:t>注册中心 </a:t>
-            </a:r>
-            <a:endParaRPr kumimoji="1" lang="zh-CN" altLang="en-US" dirty="0"/>
+              <a:rPr kumimoji="1" lang="zh-CN" altLang="en-US" sz="1200" dirty="0" smtClean="0"/>
+              <a:t>注册</a:t>
+            </a:r>
+            <a:r>
+              <a:rPr kumimoji="1" lang="zh-CN" altLang="en-US" sz="1200" dirty="0" smtClean="0"/>
+              <a:t>中心</a:t>
+            </a:r>
+            <a:endParaRPr kumimoji="1" lang="en-US" altLang="zh-CN" sz="1200" dirty="0" smtClean="0"/>
+          </a:p>
+          <a:p>
+            <a:pPr algn="ctr"/>
+            <a:r>
+              <a:rPr kumimoji="1" lang="en-US" altLang="zh-CN" sz="1200" dirty="0" err="1" smtClean="0"/>
+              <a:t>Dubbo</a:t>
+            </a:r>
+            <a:r>
+              <a:rPr kumimoji="1" lang="en-US" altLang="zh-CN" sz="1200" dirty="0" smtClean="0"/>
+              <a:t> admin</a:t>
+            </a:r>
+            <a:r>
+              <a:rPr kumimoji="1" lang="zh-CN" altLang="en-US" sz="1200" dirty="0" smtClean="0"/>
+              <a:t> </a:t>
+            </a:r>
+            <a:endParaRPr kumimoji="1" lang="zh-CN" altLang="en-US" sz="1200" dirty="0"/>
           </a:p>
         </p:txBody>
       </p:sp>
@@ -2478,6 +2502,11 @@
               <a:gd name="adj" fmla="val 5505"/>
             </a:avLst>
           </a:prstGeom>
+          <a:ln>
+            <a:solidFill>
+              <a:srgbClr val="00B050"/>
+            </a:solidFill>
+          </a:ln>
         </p:spPr>
         <p:style>
           <a:lnRef idx="2">
@@ -2502,8 +2531,25 @@
             <a:pPr algn="ctr"/>
             <a:r>
               <a:rPr kumimoji="1" lang="zh-CN" altLang="en-US" dirty="0" smtClean="0"/>
-              <a:t>服务消费者</a:t>
-            </a:r>
+              <a:t>服务</a:t>
+            </a:r>
+            <a:r>
+              <a:rPr kumimoji="1" lang="zh-CN" altLang="en-US" dirty="0" smtClean="0"/>
+              <a:t>消费者</a:t>
+            </a:r>
+            <a:endParaRPr kumimoji="1" lang="en-US" altLang="zh-CN" dirty="0" smtClean="0"/>
+          </a:p>
+          <a:p>
+            <a:pPr algn="ctr"/>
+            <a:r>
+              <a:rPr kumimoji="1" lang="en-US" altLang="zh-CN" sz="1200" dirty="0"/>
+              <a:t>t</a:t>
+            </a:r>
+            <a:r>
+              <a:rPr kumimoji="1" lang="en-US" altLang="zh-CN" sz="1200" dirty="0" smtClean="0"/>
+              <a:t>ools-web-*</a:t>
+            </a:r>
+            <a:endParaRPr kumimoji="1" lang="zh-CN" altLang="en-US" sz="1200" dirty="0" smtClean="0"/>
           </a:p>
         </p:txBody>
       </p:sp>
@@ -2523,6 +2569,11 @@
               <a:gd name="adj" fmla="val 5505"/>
             </a:avLst>
           </a:prstGeom>
+          <a:ln>
+            <a:solidFill>
+              <a:srgbClr val="00B050"/>
+            </a:solidFill>
+          </a:ln>
         </p:spPr>
         <p:style>
           <a:lnRef idx="2">
@@ -2547,8 +2598,25 @@
             <a:pPr algn="ctr"/>
             <a:r>
               <a:rPr kumimoji="1" lang="zh-CN" altLang="en-US" dirty="0" smtClean="0"/>
-              <a:t>服务提供者</a:t>
-            </a:r>
+              <a:t>服务</a:t>
+            </a:r>
+            <a:r>
+              <a:rPr kumimoji="1" lang="zh-CN" altLang="en-US" dirty="0" smtClean="0"/>
+              <a:t>提供者</a:t>
+            </a:r>
+            <a:endParaRPr kumimoji="1" lang="en-US" altLang="zh-CN" dirty="0" smtClean="0"/>
+          </a:p>
+          <a:p>
+            <a:pPr algn="ctr"/>
+            <a:r>
+              <a:rPr kumimoji="1" lang="en-US" altLang="zh-CN" sz="1200" dirty="0"/>
+              <a:t>t</a:t>
+            </a:r>
+            <a:r>
+              <a:rPr kumimoji="1" lang="en-US" altLang="zh-CN" sz="1200" dirty="0" smtClean="0"/>
+              <a:t>ools-service-*</a:t>
+            </a:r>
+            <a:endParaRPr kumimoji="1" lang="zh-CN" altLang="en-US" sz="1200" dirty="0" smtClean="0"/>
           </a:p>
         </p:txBody>
       </p:sp>
@@ -2744,14 +2812,46 @@
           <a:p>
             <a:pPr algn="ctr"/>
             <a:r>
-              <a:rPr kumimoji="1" lang="zh-CN" altLang="en-US" dirty="0" smtClean="0">
+              <a:rPr kumimoji="1" lang="zh-CN" altLang="en-US" sz="1200" dirty="0" smtClean="0">
                 <a:solidFill>
                   <a:schemeClr val="tx1"/>
                 </a:solidFill>
               </a:rPr>
-              <a:t>监控中心</a:t>
-            </a:r>
-            <a:endParaRPr kumimoji="1" lang="zh-CN" altLang="en-US" dirty="0">
+              <a:t>监控</a:t>
+            </a:r>
+            <a:r>
+              <a:rPr kumimoji="1" lang="zh-CN" altLang="en-US" sz="1200" dirty="0" smtClean="0">
+                <a:solidFill>
+                  <a:schemeClr val="tx1"/>
+                </a:solidFill>
+              </a:rPr>
+              <a:t>中心</a:t>
+            </a:r>
+            <a:endParaRPr kumimoji="1" lang="en-US" altLang="zh-CN" sz="1200" dirty="0" smtClean="0">
+              <a:solidFill>
+                <a:schemeClr val="tx1"/>
+              </a:solidFill>
+            </a:endParaRPr>
+          </a:p>
+          <a:p>
+            <a:pPr algn="ctr"/>
+            <a:r>
+              <a:rPr kumimoji="1" lang="en-US" altLang="zh-CN" sz="1200" dirty="0" err="1" smtClean="0">
+                <a:solidFill>
+                  <a:schemeClr val="tx1"/>
+                </a:solidFill>
+              </a:rPr>
+              <a:t>Dubbo</a:t>
+            </a:r>
+            <a:r>
+              <a:rPr kumimoji="1" lang="en-US" altLang="zh-CN" sz="1200" dirty="0" smtClean="0">
+                <a:solidFill>
+                  <a:schemeClr val="tx1"/>
+                </a:solidFill>
+              </a:rPr>
+              <a:t> monitor</a:t>
+            </a:r>
+            <a:endParaRPr kumimoji="1" lang="zh-CN" altLang="en-US" sz="1200" dirty="0">
               <a:solidFill>
                 <a:schemeClr val="tx1"/>
               </a:solidFill>
@@ -3224,10 +3324,26 @@
           <a:p>
             <a:pPr algn="ctr"/>
             <a:r>
-              <a:rPr kumimoji="1" lang="zh-CN" altLang="en-US" dirty="0" smtClean="0"/>
-              <a:t>配置中心 </a:t>
-            </a:r>
-            <a:endParaRPr kumimoji="1" lang="zh-CN" altLang="en-US" dirty="0"/>
+              <a:rPr kumimoji="1" lang="zh-CN" altLang="en-US" sz="1200" dirty="0" smtClean="0"/>
+              <a:t>配置</a:t>
+            </a:r>
+            <a:r>
+              <a:rPr kumimoji="1" lang="zh-CN" altLang="en-US" sz="1200" dirty="0" smtClean="0"/>
+              <a:t>中心</a:t>
+            </a:r>
+            <a:endParaRPr kumimoji="1" lang="en-US" altLang="zh-CN" sz="1200" dirty="0" smtClean="0"/>
+          </a:p>
+          <a:p>
+            <a:pPr algn="ctr"/>
+            <a:r>
+              <a:rPr kumimoji="1" lang="en-US" altLang="zh-CN" sz="1200" dirty="0" err="1" smtClean="0"/>
+              <a:t>disconf</a:t>
+            </a:r>
+            <a:r>
+              <a:rPr kumimoji="1" lang="zh-CN" altLang="en-US" sz="1200" dirty="0" smtClean="0"/>
+              <a:t> </a:t>
+            </a:r>
+            <a:endParaRPr kumimoji="1" lang="zh-CN" altLang="en-US" sz="1200" dirty="0"/>
           </a:p>
         </p:txBody>
       </p:sp>
@@ -3348,7 +3464,7 @@
         <p:spPr>
           <a:xfrm>
             <a:off x="3397302" y="3816215"/>
-            <a:ext cx="891093" cy="720080"/>
+            <a:ext cx="1007780" cy="720080"/>
           </a:xfrm>
           <a:prstGeom prst="roundRect">
             <a:avLst>
@@ -3360,7 +3476,9 @@
           </a:solidFill>
           <a:ln>
             <a:solidFill>
-              <a:schemeClr val="tx1"/>
+              <a:schemeClr val="bg1">
+                <a:lumMod val="85000"/>
+              </a:schemeClr>
             </a:solidFill>
           </a:ln>
         </p:spPr>
@@ -3386,14 +3504,26 @@
           <a:p>
             <a:pPr algn="ctr"/>
             <a:r>
-              <a:rPr kumimoji="1" lang="en-US" altLang="zh-CN" dirty="0" smtClean="0"/>
+              <a:rPr kumimoji="1" lang="en-US" altLang="zh-CN" sz="1200" dirty="0" smtClean="0"/>
               <a:t>Maven</a:t>
             </a:r>
             <a:r>
-              <a:rPr kumimoji="1" lang="zh-CN" altLang="en-US" dirty="0" smtClean="0"/>
-              <a:t>私服 </a:t>
-            </a:r>
-            <a:endParaRPr kumimoji="1" lang="zh-CN" altLang="en-US" dirty="0"/>
+              <a:rPr kumimoji="1" lang="zh-CN" altLang="en-US" sz="1200" dirty="0" smtClean="0"/>
+              <a:t>私服</a:t>
+            </a:r>
+            <a:endParaRPr kumimoji="1" lang="en-US" altLang="zh-CN" sz="1200" dirty="0" smtClean="0"/>
+          </a:p>
+          <a:p>
+            <a:pPr algn="ctr"/>
+            <a:r>
+              <a:rPr kumimoji="1" lang="en-US" altLang="zh-CN" sz="1200" dirty="0" smtClean="0"/>
+              <a:t>nexus</a:t>
+            </a:r>
+            <a:r>
+              <a:rPr kumimoji="1" lang="zh-CN" altLang="en-US" sz="1200" dirty="0" smtClean="0"/>
+              <a:t> </a:t>
+            </a:r>
+            <a:endParaRPr kumimoji="1" lang="zh-CN" altLang="en-US" sz="1200" dirty="0"/>
           </a:p>
         </p:txBody>
       </p:sp>
@@ -3538,6 +3668,69 @@
               <a:t> 发布介质</a:t>
             </a:r>
             <a:endParaRPr kumimoji="1" lang="zh-CN" altLang="en-US" sz="1400" dirty="0"/>
+          </a:p>
+        </p:txBody>
+      </p:sp>
+      <p:sp>
+        <p:nvSpPr>
+          <p:cNvPr id="45" name="圆角矩形 44"/>
+          <p:cNvSpPr/>
+          <p:nvPr/>
+        </p:nvSpPr>
+        <p:spPr>
+          <a:xfrm>
+            <a:off x="3392428" y="4546824"/>
+            <a:ext cx="1012654" cy="524616"/>
+          </a:xfrm>
+          <a:prstGeom prst="roundRect">
+            <a:avLst>
+              <a:gd name="adj" fmla="val 5505"/>
+            </a:avLst>
+          </a:prstGeom>
+          <a:solidFill>
+            <a:schemeClr val="tx1"/>
+          </a:solidFill>
+          <a:ln>
+            <a:solidFill>
+              <a:schemeClr val="bg1">
+                <a:lumMod val="85000"/>
+              </a:schemeClr>
+            </a:solidFill>
+          </a:ln>
+        </p:spPr>
+        <p:style>
+          <a:lnRef idx="2">
+            <a:schemeClr val="accent1">
+              <a:shade val="50000"/>
+            </a:schemeClr>
+          </a:lnRef>
+          <a:fillRef idx="1">
+            <a:schemeClr val="accent1"/>
+          </a:fillRef>
+          <a:effectRef idx="0">
+            <a:schemeClr val="accent1"/>
+          </a:effectRef>
+          <a:fontRef idx="minor">
+            <a:schemeClr val="lt1"/>
+          </a:fontRef>
+        </p:style>
+        <p:txBody>
+          <a:bodyPr rtlCol="0" anchor="ctr"/>
+          <a:lstStyle/>
+          <a:p>
+            <a:pPr algn="ctr"/>
+            <a:r>
+              <a:rPr kumimoji="1" lang="zh-CN" altLang="en-US" sz="1200" dirty="0" smtClean="0"/>
+              <a:t>工程管理</a:t>
+            </a:r>
+            <a:endParaRPr kumimoji="1" lang="en-US" altLang="zh-CN" sz="1200" dirty="0" smtClean="0"/>
+          </a:p>
+          <a:p>
+            <a:pPr algn="ctr"/>
+            <a:r>
+              <a:rPr kumimoji="1" lang="en-US" altLang="zh-CN" sz="1200" dirty="0" smtClean="0"/>
+              <a:t>Maven</a:t>
+            </a:r>
           </a:p>
         </p:txBody>
       </p:sp>
@@ -3765,6 +3958,53 @@
       </p:grpSpPr>
       <p:sp>
         <p:nvSpPr>
+          <p:cNvPr id="43" name="矩形 42"/>
+          <p:cNvSpPr/>
+          <p:nvPr/>
+        </p:nvSpPr>
+        <p:spPr>
+          <a:xfrm>
+            <a:off x="3059832" y="969773"/>
+            <a:ext cx="2577599" cy="1818001"/>
+          </a:xfrm>
+          <a:prstGeom prst="rect">
+            <a:avLst/>
+          </a:prstGeom>
+          <a:solidFill>
+            <a:schemeClr val="tx1"/>
+          </a:solidFill>
+        </p:spPr>
+        <p:style>
+          <a:lnRef idx="2">
+            <a:schemeClr val="accent1">
+              <a:shade val="50000"/>
+            </a:schemeClr>
+          </a:lnRef>
+          <a:fillRef idx="1">
+            <a:schemeClr val="accent1"/>
+          </a:fillRef>
+          <a:effectRef idx="0">
+            <a:schemeClr val="accent1"/>
+          </a:effectRef>
+          <a:fontRef idx="minor">
+            <a:schemeClr val="lt1"/>
+          </a:fontRef>
+        </p:style>
+        <p:txBody>
+          <a:bodyPr rtlCol="0" anchor="t"/>
+          <a:lstStyle/>
+          <a:p>
+            <a:pPr algn="ctr"/>
+            <a:r>
+              <a:rPr kumimoji="1" lang="zh-CN" altLang="en-US" sz="1400" dirty="0" smtClean="0"/>
+              <a:t>公共工程</a:t>
+            </a:r>
+            <a:endParaRPr kumimoji="1" lang="zh-CN" altLang="en-US" sz="1400" dirty="0"/>
+          </a:p>
+        </p:txBody>
+      </p:sp>
+      <p:sp>
+        <p:nvSpPr>
           <p:cNvPr id="2" name="标题 1"/>
           <p:cNvSpPr>
             <a:spLocks noGrp="1"/>
@@ -3780,7 +4020,15 @@
           <a:p>
             <a:r>
               <a:rPr kumimoji="1" lang="zh-CN" altLang="en-US" dirty="0" smtClean="0"/>
-              <a:t>前－后分离</a:t>
+              <a:t>前</a:t>
+            </a:r>
+            <a:r>
+              <a:rPr kumimoji="1" lang="en-US" altLang="zh-CN" dirty="0" smtClean="0"/>
+              <a:t>-</a:t>
+            </a:r>
+            <a:r>
+              <a:rPr kumimoji="1" lang="zh-CN" altLang="en-US" dirty="0" smtClean="0"/>
+              <a:t>后分离的工程体系</a:t>
             </a:r>
             <a:endParaRPr kumimoji="1" lang="zh-CN" altLang="en-US" dirty="0"/>
           </a:p>
@@ -3793,9 +4041,9 @@
           <p:nvPr/>
         </p:nvSpPr>
         <p:spPr>
-          <a:xfrm>
-            <a:off x="1115616" y="1275606"/>
-            <a:ext cx="5780750" cy="1754326"/>
+          <a:xfrm flipH="1">
+            <a:off x="4601693" y="295944"/>
+            <a:ext cx="3066650" cy="369332"/>
           </a:xfrm>
           <a:prstGeom prst="rect">
             <a:avLst/>
@@ -3803,82 +4051,1145 @@
           <a:noFill/>
         </p:spPr>
         <p:txBody>
-          <a:bodyPr wrap="none" rtlCol="0">
+          <a:bodyPr wrap="square" rtlCol="0">
             <a:spAutoFit/>
           </a:bodyPr>
           <a:lstStyle/>
           <a:p>
-            <a:pPr>
-              <a:lnSpc>
-                <a:spcPct val="150000"/>
-              </a:lnSpc>
-            </a:pPr>
-            <a:r>
-              <a:rPr kumimoji="1" lang="zh-CN" altLang="en-US" dirty="0" smtClean="0"/>
-              <a:t>‘</a:t>
-            </a:r>
-            <a:r>
-              <a:rPr kumimoji="1" lang="zh-CN" altLang="en-US" dirty="0"/>
-              <a:t>前后分离</a:t>
-            </a:r>
-            <a:r>
-              <a:rPr kumimoji="1" lang="zh-CN" altLang="en-US" dirty="0" smtClean="0"/>
-              <a:t>’是一个架构思想，我们</a:t>
-            </a:r>
-            <a:r>
-              <a:rPr kumimoji="1" lang="zh-CN" altLang="en-US" smtClean="0"/>
-              <a:t>的实现手段如下：</a:t>
-            </a:r>
-            <a:endParaRPr kumimoji="1" lang="en-US" altLang="zh-CN" dirty="0" smtClean="0"/>
-          </a:p>
-          <a:p>
-            <a:pPr marL="285750" indent="-285750">
-              <a:lnSpc>
-                <a:spcPct val="150000"/>
-              </a:lnSpc>
-              <a:buFont typeface="Arial" charset="0"/>
-              <a:buChar char="•"/>
-            </a:pPr>
-            <a:r>
-              <a:rPr kumimoji="1" lang="zh-CN" altLang="en-US" dirty="0" smtClean="0"/>
-              <a:t>团队的职责分离；</a:t>
-            </a:r>
-            <a:endParaRPr kumimoji="1" lang="en-US" altLang="zh-CN" dirty="0" smtClean="0"/>
-          </a:p>
-          <a:p>
-            <a:pPr marL="285750" indent="-285750">
-              <a:lnSpc>
-                <a:spcPct val="150000"/>
-              </a:lnSpc>
-              <a:buFont typeface="Arial" charset="0"/>
-              <a:buChar char="•"/>
-            </a:pPr>
-            <a:r>
-              <a:rPr kumimoji="1" lang="zh-CN" altLang="en-US" dirty="0" smtClean="0"/>
-              <a:t>满足要求的技术体系；</a:t>
-            </a:r>
-            <a:endParaRPr kumimoji="1" lang="en-US" altLang="zh-CN" dirty="0" smtClean="0"/>
-          </a:p>
-          <a:p>
-            <a:pPr marL="285750" indent="-285750">
-              <a:lnSpc>
-                <a:spcPct val="150000"/>
-              </a:lnSpc>
-              <a:buFont typeface="Arial" charset="0"/>
-              <a:buChar char="•"/>
-            </a:pPr>
-            <a:r>
-              <a:rPr kumimoji="1" lang="zh-CN" altLang="en-US" dirty="0" smtClean="0"/>
-              <a:t>相互隔离的开发协作方式；</a:t>
-            </a:r>
-            <a:endParaRPr kumimoji="1" lang="zh-CN" altLang="en-US" dirty="0"/>
+            <a:r>
+              <a:rPr kumimoji="1" lang="zh-CN" altLang="en-US" dirty="0" smtClean="0">
+                <a:solidFill>
+                  <a:srgbClr val="C00000"/>
+                </a:solidFill>
+              </a:rPr>
+              <a:t>团队及</a:t>
+            </a:r>
+            <a:r>
+              <a:rPr kumimoji="1" lang="zh-CN" altLang="en-US" smtClean="0">
+                <a:solidFill>
+                  <a:srgbClr val="C00000"/>
+                </a:solidFill>
+              </a:rPr>
+              <a:t>架构，架构及未来！</a:t>
+            </a:r>
+            <a:endParaRPr kumimoji="1" lang="zh-CN" altLang="en-US">
+              <a:solidFill>
+                <a:srgbClr val="C00000"/>
+              </a:solidFill>
+            </a:endParaRPr>
+          </a:p>
+        </p:txBody>
+      </p:sp>
+      <p:sp>
+        <p:nvSpPr>
+          <p:cNvPr id="80" name="矩形 79"/>
+          <p:cNvSpPr/>
+          <p:nvPr/>
+        </p:nvSpPr>
+        <p:spPr>
+          <a:xfrm>
+            <a:off x="755571" y="3291829"/>
+            <a:ext cx="2736309" cy="1636587"/>
+          </a:xfrm>
+          <a:prstGeom prst="rect">
+            <a:avLst/>
+          </a:prstGeom>
+          <a:solidFill>
+            <a:srgbClr val="FFC000"/>
+          </a:solidFill>
+        </p:spPr>
+        <p:style>
+          <a:lnRef idx="2">
+            <a:schemeClr val="accent1">
+              <a:shade val="50000"/>
+            </a:schemeClr>
+          </a:lnRef>
+          <a:fillRef idx="1">
+            <a:schemeClr val="accent1"/>
+          </a:fillRef>
+          <a:effectRef idx="0">
+            <a:schemeClr val="accent1"/>
+          </a:effectRef>
+          <a:fontRef idx="minor">
+            <a:schemeClr val="lt1"/>
+          </a:fontRef>
+        </p:style>
+        <p:txBody>
+          <a:bodyPr rtlCol="0" anchor="t"/>
+          <a:lstStyle/>
+          <a:p>
+            <a:pPr algn="ctr"/>
+            <a:r>
+              <a:rPr kumimoji="1" lang="zh-CN" altLang="en-US" sz="1400" dirty="0" smtClean="0">
+                <a:solidFill>
+                  <a:schemeClr val="tx1"/>
+                </a:solidFill>
+              </a:rPr>
+              <a:t>前端工程</a:t>
+            </a:r>
+            <a:endParaRPr kumimoji="1" lang="zh-CN" altLang="en-US" sz="1400" dirty="0">
+              <a:solidFill>
+                <a:schemeClr val="tx1"/>
+              </a:solidFill>
+            </a:endParaRPr>
+          </a:p>
+        </p:txBody>
+      </p:sp>
+      <p:sp>
+        <p:nvSpPr>
+          <p:cNvPr id="81" name="矩形 80"/>
+          <p:cNvSpPr/>
+          <p:nvPr/>
+        </p:nvSpPr>
+        <p:spPr>
+          <a:xfrm>
+            <a:off x="4958970" y="3291829"/>
+            <a:ext cx="2952328" cy="1636588"/>
+          </a:xfrm>
+          <a:prstGeom prst="rect">
+            <a:avLst/>
+          </a:prstGeom>
+          <a:solidFill>
+            <a:srgbClr val="0070C0"/>
+          </a:solidFill>
+        </p:spPr>
+        <p:style>
+          <a:lnRef idx="2">
+            <a:schemeClr val="accent1">
+              <a:shade val="50000"/>
+            </a:schemeClr>
+          </a:lnRef>
+          <a:fillRef idx="1">
+            <a:schemeClr val="accent1"/>
+          </a:fillRef>
+          <a:effectRef idx="0">
+            <a:schemeClr val="accent1"/>
+          </a:effectRef>
+          <a:fontRef idx="minor">
+            <a:schemeClr val="lt1"/>
+          </a:fontRef>
+        </p:style>
+        <p:txBody>
+          <a:bodyPr rtlCol="0" anchor="t"/>
+          <a:lstStyle/>
+          <a:p>
+            <a:pPr algn="ctr"/>
+            <a:r>
+              <a:rPr kumimoji="1" lang="zh-CN" altLang="en-US" sz="1400" dirty="0" smtClean="0"/>
+              <a:t>后端工程</a:t>
+            </a:r>
+            <a:endParaRPr kumimoji="1" lang="zh-CN" altLang="en-US" sz="1400" dirty="0"/>
+          </a:p>
+        </p:txBody>
+      </p:sp>
+      <p:sp>
+        <p:nvSpPr>
+          <p:cNvPr id="18" name="三角形 17"/>
+          <p:cNvSpPr/>
+          <p:nvPr/>
+        </p:nvSpPr>
+        <p:spPr>
+          <a:xfrm>
+            <a:off x="230709" y="2564155"/>
+            <a:ext cx="1571300" cy="1143915"/>
+          </a:xfrm>
+          <a:prstGeom prst="triangle">
+            <a:avLst/>
+          </a:prstGeom>
+          <a:solidFill>
+            <a:srgbClr val="FFC000"/>
+          </a:solidFill>
+        </p:spPr>
+        <p:style>
+          <a:lnRef idx="2">
+            <a:schemeClr val="accent1">
+              <a:shade val="50000"/>
+            </a:schemeClr>
+          </a:lnRef>
+          <a:fillRef idx="1">
+            <a:schemeClr val="accent1"/>
+          </a:fillRef>
+          <a:effectRef idx="0">
+            <a:schemeClr val="accent1"/>
+          </a:effectRef>
+          <a:fontRef idx="minor">
+            <a:schemeClr val="lt1"/>
+          </a:fontRef>
+        </p:style>
+        <p:txBody>
+          <a:bodyPr rtlCol="0" anchor="t"/>
+          <a:lstStyle/>
+          <a:p>
+            <a:pPr algn="ctr"/>
+            <a:r>
+              <a:rPr kumimoji="1" lang="zh-CN" altLang="en-US" sz="1400" dirty="0" smtClean="0">
+                <a:solidFill>
+                  <a:schemeClr val="tx1"/>
+                </a:solidFill>
+              </a:rPr>
+              <a:t>前端开发成员</a:t>
+            </a:r>
+            <a:endParaRPr kumimoji="1" lang="zh-CN" altLang="en-US" sz="1400" dirty="0">
+              <a:solidFill>
+                <a:schemeClr val="tx1"/>
+              </a:solidFill>
+            </a:endParaRPr>
+          </a:p>
+        </p:txBody>
+      </p:sp>
+      <p:sp>
+        <p:nvSpPr>
+          <p:cNvPr id="105" name="三角形 104"/>
+          <p:cNvSpPr/>
+          <p:nvPr/>
+        </p:nvSpPr>
+        <p:spPr>
+          <a:xfrm>
+            <a:off x="7016530" y="2665109"/>
+            <a:ext cx="1443902" cy="1143915"/>
+          </a:xfrm>
+          <a:prstGeom prst="triangle">
+            <a:avLst/>
+          </a:prstGeom>
+          <a:solidFill>
+            <a:srgbClr val="0070C0"/>
+          </a:solidFill>
+        </p:spPr>
+        <p:style>
+          <a:lnRef idx="2">
+            <a:schemeClr val="accent1">
+              <a:shade val="50000"/>
+            </a:schemeClr>
+          </a:lnRef>
+          <a:fillRef idx="1">
+            <a:schemeClr val="accent1"/>
+          </a:fillRef>
+          <a:effectRef idx="0">
+            <a:schemeClr val="accent1"/>
+          </a:effectRef>
+          <a:fontRef idx="minor">
+            <a:schemeClr val="lt1"/>
+          </a:fontRef>
+        </p:style>
+        <p:txBody>
+          <a:bodyPr rtlCol="0" anchor="t"/>
+          <a:lstStyle/>
+          <a:p>
+            <a:pPr algn="ctr"/>
+            <a:r>
+              <a:rPr kumimoji="1" lang="zh-CN" altLang="en-US" sz="1400" dirty="0" smtClean="0"/>
+              <a:t>后端开发成员</a:t>
+            </a:r>
+            <a:endParaRPr kumimoji="1" lang="zh-CN" altLang="en-US" sz="1400" dirty="0"/>
+          </a:p>
+        </p:txBody>
+      </p:sp>
+      <p:sp>
+        <p:nvSpPr>
+          <p:cNvPr id="26" name="矩形 25"/>
+          <p:cNvSpPr/>
+          <p:nvPr/>
+        </p:nvSpPr>
+        <p:spPr>
+          <a:xfrm>
+            <a:off x="3379455" y="1275606"/>
+            <a:ext cx="1522005" cy="226358"/>
+          </a:xfrm>
+          <a:prstGeom prst="rect">
+            <a:avLst/>
+          </a:prstGeom>
+          <a:solidFill>
+            <a:schemeClr val="bg1">
+              <a:lumMod val="95000"/>
+            </a:schemeClr>
+          </a:solidFill>
+        </p:spPr>
+        <p:style>
+          <a:lnRef idx="2">
+            <a:schemeClr val="accent1">
+              <a:shade val="50000"/>
+            </a:schemeClr>
+          </a:lnRef>
+          <a:fillRef idx="1">
+            <a:schemeClr val="accent1"/>
+          </a:fillRef>
+          <a:effectRef idx="0">
+            <a:schemeClr val="accent1"/>
+          </a:effectRef>
+          <a:fontRef idx="minor">
+            <a:schemeClr val="lt1"/>
+          </a:fontRef>
+        </p:style>
+        <p:txBody>
+          <a:bodyPr rtlCol="0" anchor="ctr"/>
+          <a:lstStyle/>
+          <a:p>
+            <a:pPr algn="ctr"/>
+            <a:r>
+              <a:rPr kumimoji="1" lang="en-US" altLang="zh-CN" sz="1200" dirty="0" smtClean="0">
+                <a:solidFill>
+                  <a:schemeClr val="tx1"/>
+                </a:solidFill>
+              </a:rPr>
+              <a:t>tools-common-*</a:t>
+            </a:r>
+            <a:endParaRPr kumimoji="1" lang="zh-CN" altLang="en-US" sz="1200" dirty="0">
+              <a:solidFill>
+                <a:schemeClr val="tx1"/>
+              </a:solidFill>
+            </a:endParaRPr>
+          </a:p>
+        </p:txBody>
+      </p:sp>
+      <p:sp>
+        <p:nvSpPr>
+          <p:cNvPr id="27" name="矩形 26"/>
+          <p:cNvSpPr/>
+          <p:nvPr/>
+        </p:nvSpPr>
+        <p:spPr>
+          <a:xfrm>
+            <a:off x="3379454" y="1560025"/>
+            <a:ext cx="1522005" cy="226358"/>
+          </a:xfrm>
+          <a:prstGeom prst="rect">
+            <a:avLst/>
+          </a:prstGeom>
+          <a:solidFill>
+            <a:schemeClr val="bg1">
+              <a:lumMod val="95000"/>
+            </a:schemeClr>
+          </a:solidFill>
+        </p:spPr>
+        <p:style>
+          <a:lnRef idx="2">
+            <a:schemeClr val="accent1">
+              <a:shade val="50000"/>
+            </a:schemeClr>
+          </a:lnRef>
+          <a:fillRef idx="1">
+            <a:schemeClr val="accent1"/>
+          </a:fillRef>
+          <a:effectRef idx="0">
+            <a:schemeClr val="accent1"/>
+          </a:effectRef>
+          <a:fontRef idx="minor">
+            <a:schemeClr val="lt1"/>
+          </a:fontRef>
+        </p:style>
+        <p:txBody>
+          <a:bodyPr rtlCol="0" anchor="ctr"/>
+          <a:lstStyle/>
+          <a:p>
+            <a:pPr algn="ctr"/>
+            <a:r>
+              <a:rPr kumimoji="1" lang="en-US" altLang="zh-CN" sz="1200" dirty="0" smtClean="0">
+                <a:solidFill>
+                  <a:schemeClr val="tx1"/>
+                </a:solidFill>
+              </a:rPr>
+              <a:t>tools-core-basic</a:t>
+            </a:r>
+            <a:endParaRPr kumimoji="1" lang="zh-CN" altLang="en-US" sz="1200" dirty="0">
+              <a:solidFill>
+                <a:schemeClr val="tx1"/>
+              </a:solidFill>
+            </a:endParaRPr>
+          </a:p>
+        </p:txBody>
+      </p:sp>
+      <p:sp>
+        <p:nvSpPr>
+          <p:cNvPr id="28" name="矩形 27"/>
+          <p:cNvSpPr/>
+          <p:nvPr/>
+        </p:nvSpPr>
+        <p:spPr>
+          <a:xfrm>
+            <a:off x="3217741" y="2132411"/>
+            <a:ext cx="1522005" cy="226358"/>
+          </a:xfrm>
+          <a:prstGeom prst="rect">
+            <a:avLst/>
+          </a:prstGeom>
+          <a:solidFill>
+            <a:srgbClr val="FFC000"/>
+          </a:solidFill>
+        </p:spPr>
+        <p:style>
+          <a:lnRef idx="2">
+            <a:schemeClr val="accent1">
+              <a:shade val="50000"/>
+            </a:schemeClr>
+          </a:lnRef>
+          <a:fillRef idx="1">
+            <a:schemeClr val="accent1"/>
+          </a:fillRef>
+          <a:effectRef idx="0">
+            <a:schemeClr val="accent1"/>
+          </a:effectRef>
+          <a:fontRef idx="minor">
+            <a:schemeClr val="lt1"/>
+          </a:fontRef>
+        </p:style>
+        <p:txBody>
+          <a:bodyPr rtlCol="0" anchor="ctr"/>
+          <a:lstStyle/>
+          <a:p>
+            <a:pPr algn="ctr"/>
+            <a:r>
+              <a:rPr kumimoji="1" lang="en-US" altLang="zh-CN" sz="1400" dirty="0" smtClean="0">
+                <a:solidFill>
+                  <a:schemeClr val="tx1"/>
+                </a:solidFill>
+              </a:rPr>
+              <a:t>tools-core-web</a:t>
+            </a:r>
+            <a:endParaRPr kumimoji="1" lang="zh-CN" altLang="en-US" sz="1400" dirty="0">
+              <a:solidFill>
+                <a:schemeClr val="tx1"/>
+              </a:solidFill>
+            </a:endParaRPr>
+          </a:p>
+        </p:txBody>
+      </p:sp>
+      <p:sp>
+        <p:nvSpPr>
+          <p:cNvPr id="29" name="矩形 28"/>
+          <p:cNvSpPr/>
+          <p:nvPr/>
+        </p:nvSpPr>
+        <p:spPr>
+          <a:xfrm>
+            <a:off x="961760" y="4124312"/>
+            <a:ext cx="1522005" cy="226358"/>
+          </a:xfrm>
+          <a:prstGeom prst="rect">
+            <a:avLst/>
+          </a:prstGeom>
+          <a:solidFill>
+            <a:schemeClr val="bg1">
+              <a:lumMod val="95000"/>
+            </a:schemeClr>
+          </a:solidFill>
+        </p:spPr>
+        <p:style>
+          <a:lnRef idx="2">
+            <a:schemeClr val="accent1">
+              <a:shade val="50000"/>
+            </a:schemeClr>
+          </a:lnRef>
+          <a:fillRef idx="1">
+            <a:schemeClr val="accent1"/>
+          </a:fillRef>
+          <a:effectRef idx="0">
+            <a:schemeClr val="accent1"/>
+          </a:effectRef>
+          <a:fontRef idx="minor">
+            <a:schemeClr val="lt1"/>
+          </a:fontRef>
+        </p:style>
+        <p:txBody>
+          <a:bodyPr rtlCol="0" anchor="ctr"/>
+          <a:lstStyle/>
+          <a:p>
+            <a:pPr algn="ctr"/>
+            <a:r>
+              <a:rPr kumimoji="1" lang="en-US" altLang="zh-CN" sz="1400" smtClean="0">
+                <a:solidFill>
+                  <a:schemeClr val="tx1"/>
+                </a:solidFill>
+              </a:rPr>
+              <a:t>tools-web-*</a:t>
+            </a:r>
+            <a:endParaRPr kumimoji="1" lang="zh-CN" altLang="en-US" sz="1400" dirty="0">
+              <a:solidFill>
+                <a:schemeClr val="tx1"/>
+              </a:solidFill>
+            </a:endParaRPr>
+          </a:p>
+        </p:txBody>
+      </p:sp>
+      <p:sp>
+        <p:nvSpPr>
+          <p:cNvPr id="30" name="矩形 29"/>
+          <p:cNvSpPr/>
+          <p:nvPr/>
+        </p:nvSpPr>
+        <p:spPr>
+          <a:xfrm>
+            <a:off x="961759" y="4433624"/>
+            <a:ext cx="1522005" cy="226358"/>
+          </a:xfrm>
+          <a:prstGeom prst="rect">
+            <a:avLst/>
+          </a:prstGeom>
+          <a:solidFill>
+            <a:schemeClr val="bg1">
+              <a:lumMod val="95000"/>
+            </a:schemeClr>
+          </a:solidFill>
+        </p:spPr>
+        <p:style>
+          <a:lnRef idx="2">
+            <a:schemeClr val="accent1">
+              <a:shade val="50000"/>
+            </a:schemeClr>
+          </a:lnRef>
+          <a:fillRef idx="1">
+            <a:schemeClr val="accent1"/>
+          </a:fillRef>
+          <a:effectRef idx="0">
+            <a:schemeClr val="accent1"/>
+          </a:effectRef>
+          <a:fontRef idx="minor">
+            <a:schemeClr val="lt1"/>
+          </a:fontRef>
+        </p:style>
+        <p:txBody>
+          <a:bodyPr rtlCol="0" anchor="ctr"/>
+          <a:lstStyle/>
+          <a:p>
+            <a:pPr algn="ctr"/>
+            <a:r>
+              <a:rPr kumimoji="1" lang="en-US" altLang="zh-CN" sz="1400" dirty="0" smtClean="0">
+                <a:solidFill>
+                  <a:schemeClr val="tx1"/>
+                </a:solidFill>
+              </a:rPr>
+              <a:t>tools-</a:t>
+            </a:r>
+            <a:r>
+              <a:rPr kumimoji="1" lang="en-US" altLang="zh-CN" sz="1400" dirty="0" err="1" smtClean="0">
+                <a:solidFill>
+                  <a:schemeClr val="tx1"/>
+                </a:solidFill>
+              </a:rPr>
+              <a:t>webview</a:t>
+            </a:r>
+            <a:r>
+              <a:rPr kumimoji="1" lang="en-US" altLang="zh-CN" sz="1400" dirty="0" smtClean="0">
+                <a:solidFill>
+                  <a:schemeClr val="tx1"/>
+                </a:solidFill>
+              </a:rPr>
+              <a:t>-*</a:t>
+            </a:r>
+            <a:endParaRPr kumimoji="1" lang="zh-CN" altLang="en-US" sz="1400" dirty="0">
+              <a:solidFill>
+                <a:schemeClr val="tx1"/>
+              </a:solidFill>
+            </a:endParaRPr>
+          </a:p>
+        </p:txBody>
+      </p:sp>
+      <p:sp>
+        <p:nvSpPr>
+          <p:cNvPr id="33" name="矩形 32"/>
+          <p:cNvSpPr/>
+          <p:nvPr/>
+        </p:nvSpPr>
+        <p:spPr>
+          <a:xfrm>
+            <a:off x="3941017" y="2438751"/>
+            <a:ext cx="1522005" cy="226358"/>
+          </a:xfrm>
+          <a:prstGeom prst="rect">
+            <a:avLst/>
+          </a:prstGeom>
+          <a:solidFill>
+            <a:srgbClr val="0070C0"/>
+          </a:solidFill>
+        </p:spPr>
+        <p:style>
+          <a:lnRef idx="2">
+            <a:schemeClr val="accent1">
+              <a:shade val="50000"/>
+            </a:schemeClr>
+          </a:lnRef>
+          <a:fillRef idx="1">
+            <a:schemeClr val="accent1"/>
+          </a:fillRef>
+          <a:effectRef idx="0">
+            <a:schemeClr val="accent1"/>
+          </a:effectRef>
+          <a:fontRef idx="minor">
+            <a:schemeClr val="lt1"/>
+          </a:fontRef>
+        </p:style>
+        <p:txBody>
+          <a:bodyPr rtlCol="0" anchor="ctr"/>
+          <a:lstStyle/>
+          <a:p>
+            <a:pPr algn="ctr"/>
+            <a:r>
+              <a:rPr kumimoji="1" lang="en-US" altLang="zh-CN" sz="1400" dirty="0" smtClean="0">
+                <a:solidFill>
+                  <a:schemeClr val="bg1"/>
+                </a:solidFill>
+              </a:rPr>
+              <a:t>tools-core-service</a:t>
+            </a:r>
+            <a:endParaRPr kumimoji="1" lang="zh-CN" altLang="en-US" sz="1400" dirty="0">
+              <a:solidFill>
+                <a:schemeClr val="bg1"/>
+              </a:solidFill>
+            </a:endParaRPr>
+          </a:p>
+        </p:txBody>
+      </p:sp>
+      <p:sp>
+        <p:nvSpPr>
+          <p:cNvPr id="34" name="矩形 33"/>
+          <p:cNvSpPr/>
+          <p:nvPr/>
+        </p:nvSpPr>
+        <p:spPr>
+          <a:xfrm>
+            <a:off x="5463023" y="4087027"/>
+            <a:ext cx="1522005" cy="226358"/>
+          </a:xfrm>
+          <a:prstGeom prst="rect">
+            <a:avLst/>
+          </a:prstGeom>
+          <a:solidFill>
+            <a:schemeClr val="bg1">
+              <a:lumMod val="95000"/>
+            </a:schemeClr>
+          </a:solidFill>
+        </p:spPr>
+        <p:style>
+          <a:lnRef idx="2">
+            <a:schemeClr val="accent1">
+              <a:shade val="50000"/>
+            </a:schemeClr>
+          </a:lnRef>
+          <a:fillRef idx="1">
+            <a:schemeClr val="accent1"/>
+          </a:fillRef>
+          <a:effectRef idx="0">
+            <a:schemeClr val="accent1"/>
+          </a:effectRef>
+          <a:fontRef idx="minor">
+            <a:schemeClr val="lt1"/>
+          </a:fontRef>
+        </p:style>
+        <p:txBody>
+          <a:bodyPr rtlCol="0" anchor="ctr"/>
+          <a:lstStyle/>
+          <a:p>
+            <a:pPr algn="ctr"/>
+            <a:r>
+              <a:rPr kumimoji="1" lang="en-US" altLang="zh-CN" sz="1400" dirty="0" smtClean="0">
+                <a:solidFill>
+                  <a:schemeClr val="tx1"/>
+                </a:solidFill>
+              </a:rPr>
+              <a:t>tools-facade-*</a:t>
+            </a:r>
+            <a:endParaRPr kumimoji="1" lang="zh-CN" altLang="en-US" sz="1400" dirty="0">
+              <a:solidFill>
+                <a:schemeClr val="tx1"/>
+              </a:solidFill>
+            </a:endParaRPr>
+          </a:p>
+        </p:txBody>
+      </p:sp>
+      <p:sp>
+        <p:nvSpPr>
+          <p:cNvPr id="35" name="矩形 34"/>
+          <p:cNvSpPr/>
+          <p:nvPr/>
+        </p:nvSpPr>
+        <p:spPr>
+          <a:xfrm>
+            <a:off x="5463022" y="4396339"/>
+            <a:ext cx="1522005" cy="226358"/>
+          </a:xfrm>
+          <a:prstGeom prst="rect">
+            <a:avLst/>
+          </a:prstGeom>
+          <a:solidFill>
+            <a:schemeClr val="bg1">
+              <a:lumMod val="95000"/>
+            </a:schemeClr>
+          </a:solidFill>
+        </p:spPr>
+        <p:style>
+          <a:lnRef idx="2">
+            <a:schemeClr val="accent1">
+              <a:shade val="50000"/>
+            </a:schemeClr>
+          </a:lnRef>
+          <a:fillRef idx="1">
+            <a:schemeClr val="accent1"/>
+          </a:fillRef>
+          <a:effectRef idx="0">
+            <a:schemeClr val="accent1"/>
+          </a:effectRef>
+          <a:fontRef idx="minor">
+            <a:schemeClr val="lt1"/>
+          </a:fontRef>
+        </p:style>
+        <p:txBody>
+          <a:bodyPr rtlCol="0" anchor="ctr"/>
+          <a:lstStyle/>
+          <a:p>
+            <a:pPr algn="ctr"/>
+            <a:r>
+              <a:rPr kumimoji="1" lang="en-US" altLang="zh-CN" sz="1400" dirty="0" smtClean="0">
+                <a:solidFill>
+                  <a:schemeClr val="tx1"/>
+                </a:solidFill>
+              </a:rPr>
+              <a:t>tools-service-*</a:t>
+            </a:r>
+            <a:endParaRPr kumimoji="1" lang="zh-CN" altLang="en-US" sz="1400" dirty="0">
+              <a:solidFill>
+                <a:schemeClr val="tx1"/>
+              </a:solidFill>
+            </a:endParaRPr>
+          </a:p>
+        </p:txBody>
+      </p:sp>
+      <p:cxnSp>
+        <p:nvCxnSpPr>
+          <p:cNvPr id="7" name="曲线连接符 6"/>
+          <p:cNvCxnSpPr>
+            <a:stCxn id="29" idx="3"/>
+            <a:endCxn id="34" idx="1"/>
+          </p:cNvCxnSpPr>
+          <p:nvPr/>
+        </p:nvCxnSpPr>
+        <p:spPr>
+          <a:xfrm flipV="1">
+            <a:off x="2483765" y="4200206"/>
+            <a:ext cx="2979258" cy="37285"/>
+          </a:xfrm>
+          <a:prstGeom prst="curvedConnector3">
+            <a:avLst>
+              <a:gd name="adj1" fmla="val 50000"/>
+            </a:avLst>
+          </a:prstGeom>
+          <a:ln w="12700">
+            <a:solidFill>
+              <a:schemeClr val="tx1"/>
+            </a:solidFill>
+            <a:prstDash val="dash"/>
+            <a:tailEnd type="triangle"/>
+          </a:ln>
+        </p:spPr>
+        <p:style>
+          <a:lnRef idx="1">
+            <a:schemeClr val="accent1"/>
+          </a:lnRef>
+          <a:fillRef idx="0">
+            <a:schemeClr val="accent1"/>
+          </a:fillRef>
+          <a:effectRef idx="0">
+            <a:schemeClr val="accent1"/>
+          </a:effectRef>
+          <a:fontRef idx="minor">
+            <a:schemeClr val="tx1"/>
+          </a:fontRef>
+        </p:style>
+      </p:cxnSp>
+      <p:cxnSp>
+        <p:nvCxnSpPr>
+          <p:cNvPr id="39" name="曲线连接符 38"/>
+          <p:cNvCxnSpPr>
+            <a:stCxn id="30" idx="3"/>
+            <a:endCxn id="34" idx="1"/>
+          </p:cNvCxnSpPr>
+          <p:nvPr/>
+        </p:nvCxnSpPr>
+        <p:spPr>
+          <a:xfrm flipV="1">
+            <a:off x="2483764" y="4200206"/>
+            <a:ext cx="2979259" cy="346597"/>
+          </a:xfrm>
+          <a:prstGeom prst="curvedConnector3">
+            <a:avLst>
+              <a:gd name="adj1" fmla="val 50000"/>
+            </a:avLst>
+          </a:prstGeom>
+          <a:ln w="12700">
+            <a:solidFill>
+              <a:schemeClr val="tx1"/>
+            </a:solidFill>
+            <a:prstDash val="dash"/>
+            <a:tailEnd type="triangle"/>
+          </a:ln>
+        </p:spPr>
+        <p:style>
+          <a:lnRef idx="1">
+            <a:schemeClr val="accent1"/>
+          </a:lnRef>
+          <a:fillRef idx="0">
+            <a:schemeClr val="accent1"/>
+          </a:fillRef>
+          <a:effectRef idx="0">
+            <a:schemeClr val="accent1"/>
+          </a:effectRef>
+          <a:fontRef idx="minor">
+            <a:schemeClr val="tx1"/>
+          </a:fontRef>
+        </p:style>
+      </p:cxnSp>
+      <p:sp>
+        <p:nvSpPr>
+          <p:cNvPr id="12" name="文本框 11"/>
+          <p:cNvSpPr txBox="1"/>
+          <p:nvPr/>
+        </p:nvSpPr>
+        <p:spPr>
+          <a:xfrm flipH="1">
+            <a:off x="3573123" y="3988015"/>
+            <a:ext cx="1224132" cy="461665"/>
+          </a:xfrm>
+          <a:prstGeom prst="rect">
+            <a:avLst/>
+          </a:prstGeom>
+          <a:noFill/>
+        </p:spPr>
+        <p:txBody>
+          <a:bodyPr wrap="square" rtlCol="0">
+            <a:spAutoFit/>
+          </a:bodyPr>
+          <a:lstStyle/>
+          <a:p>
+            <a:r>
+              <a:rPr kumimoji="1" lang="en-US" altLang="zh-CN" sz="1200" dirty="0" smtClean="0"/>
+              <a:t>POM</a:t>
+            </a:r>
+            <a:r>
+              <a:rPr kumimoji="1" lang="zh-CN" altLang="en-US" sz="1200" dirty="0" smtClean="0"/>
+              <a:t>依赖</a:t>
+            </a:r>
+            <a:endParaRPr kumimoji="1" lang="en-US" altLang="zh-CN" sz="1200" dirty="0" smtClean="0"/>
+          </a:p>
+          <a:p>
+            <a:r>
+              <a:rPr kumimoji="1" lang="en-US" altLang="zh-CN" sz="1200" dirty="0" smtClean="0"/>
+              <a:t>Maven</a:t>
+            </a:r>
+            <a:r>
+              <a:rPr kumimoji="1" lang="zh-CN" altLang="en-US" sz="1200" dirty="0" smtClean="0"/>
+              <a:t>私服</a:t>
+            </a:r>
+            <a:endParaRPr kumimoji="1" lang="zh-CN" altLang="en-US" sz="1200" dirty="0"/>
+          </a:p>
+        </p:txBody>
+      </p:sp>
+      <p:sp>
+        <p:nvSpPr>
+          <p:cNvPr id="44" name="三角形 43"/>
+          <p:cNvSpPr/>
+          <p:nvPr/>
+        </p:nvSpPr>
+        <p:spPr>
+          <a:xfrm>
+            <a:off x="4991123" y="602269"/>
+            <a:ext cx="1443902" cy="1143915"/>
+          </a:xfrm>
+          <a:prstGeom prst="triangle">
+            <a:avLst/>
+          </a:prstGeom>
+          <a:solidFill>
+            <a:schemeClr val="tx1"/>
+          </a:solidFill>
+        </p:spPr>
+        <p:style>
+          <a:lnRef idx="2">
+            <a:schemeClr val="accent1">
+              <a:shade val="50000"/>
+            </a:schemeClr>
+          </a:lnRef>
+          <a:fillRef idx="1">
+            <a:schemeClr val="accent1"/>
+          </a:fillRef>
+          <a:effectRef idx="0">
+            <a:schemeClr val="accent1"/>
+          </a:effectRef>
+          <a:fontRef idx="minor">
+            <a:schemeClr val="lt1"/>
+          </a:fontRef>
+        </p:style>
+        <p:txBody>
+          <a:bodyPr rtlCol="0" anchor="t"/>
+          <a:lstStyle/>
+          <a:p>
+            <a:pPr algn="ctr"/>
+            <a:r>
+              <a:rPr kumimoji="1" lang="zh-CN" altLang="en-US" sz="1400" smtClean="0"/>
+              <a:t>架构开发成员</a:t>
+            </a:r>
+            <a:endParaRPr kumimoji="1" lang="zh-CN" altLang="en-US" sz="1400" dirty="0"/>
+          </a:p>
+        </p:txBody>
+      </p:sp>
+      <p:cxnSp>
+        <p:nvCxnSpPr>
+          <p:cNvPr id="14" name="曲线连接符 13"/>
+          <p:cNvCxnSpPr>
+            <a:stCxn id="80" idx="0"/>
+            <a:endCxn id="43" idx="2"/>
+          </p:cNvCxnSpPr>
+          <p:nvPr/>
+        </p:nvCxnSpPr>
+        <p:spPr>
+          <a:xfrm rot="5400000" flipH="1" flipV="1">
+            <a:off x="2984152" y="1927349"/>
+            <a:ext cx="504055" cy="2224906"/>
+          </a:xfrm>
+          <a:prstGeom prst="curvedConnector3">
+            <a:avLst>
+              <a:gd name="adj1" fmla="val 50000"/>
+            </a:avLst>
+          </a:prstGeom>
+          <a:ln w="12700">
+            <a:solidFill>
+              <a:schemeClr val="tx1"/>
+            </a:solidFill>
+            <a:prstDash val="dash"/>
+            <a:tailEnd type="triangle"/>
+          </a:ln>
+        </p:spPr>
+        <p:style>
+          <a:lnRef idx="1">
+            <a:schemeClr val="accent1"/>
+          </a:lnRef>
+          <a:fillRef idx="0">
+            <a:schemeClr val="accent1"/>
+          </a:fillRef>
+          <a:effectRef idx="0">
+            <a:schemeClr val="accent1"/>
+          </a:effectRef>
+          <a:fontRef idx="minor">
+            <a:schemeClr val="tx1"/>
+          </a:fontRef>
+        </p:style>
+      </p:cxnSp>
+      <p:cxnSp>
+        <p:nvCxnSpPr>
+          <p:cNvPr id="16" name="曲线连接符 15"/>
+          <p:cNvCxnSpPr>
+            <a:stCxn id="81" idx="0"/>
+            <a:endCxn id="43" idx="2"/>
+          </p:cNvCxnSpPr>
+          <p:nvPr/>
+        </p:nvCxnSpPr>
+        <p:spPr>
+          <a:xfrm rot="16200000" flipV="1">
+            <a:off x="5139856" y="1996551"/>
+            <a:ext cx="504055" cy="2086502"/>
+          </a:xfrm>
+          <a:prstGeom prst="curvedConnector3">
+            <a:avLst/>
+          </a:prstGeom>
+          <a:ln w="12700">
+            <a:solidFill>
+              <a:schemeClr val="tx1"/>
+            </a:solidFill>
+            <a:prstDash val="dash"/>
+            <a:tailEnd type="triangle"/>
+          </a:ln>
+        </p:spPr>
+        <p:style>
+          <a:lnRef idx="1">
+            <a:schemeClr val="accent1"/>
+          </a:lnRef>
+          <a:fillRef idx="0">
+            <a:schemeClr val="accent1"/>
+          </a:fillRef>
+          <a:effectRef idx="0">
+            <a:schemeClr val="accent1"/>
+          </a:effectRef>
+          <a:fontRef idx="minor">
+            <a:schemeClr val="tx1"/>
+          </a:fontRef>
+        </p:style>
+      </p:cxnSp>
+      <p:sp>
+        <p:nvSpPr>
+          <p:cNvPr id="54" name="文本框 53"/>
+          <p:cNvSpPr txBox="1"/>
+          <p:nvPr/>
+        </p:nvSpPr>
+        <p:spPr>
+          <a:xfrm flipH="1">
+            <a:off x="2390955" y="2830163"/>
+            <a:ext cx="1224132" cy="461665"/>
+          </a:xfrm>
+          <a:prstGeom prst="rect">
+            <a:avLst/>
+          </a:prstGeom>
+          <a:noFill/>
+        </p:spPr>
+        <p:txBody>
+          <a:bodyPr wrap="square" rtlCol="0">
+            <a:spAutoFit/>
+          </a:bodyPr>
+          <a:lstStyle/>
+          <a:p>
+            <a:r>
+              <a:rPr kumimoji="1" lang="en-US" altLang="zh-CN" sz="1200" dirty="0" smtClean="0"/>
+              <a:t>POM</a:t>
+            </a:r>
+            <a:r>
+              <a:rPr kumimoji="1" lang="zh-CN" altLang="en-US" sz="1200" dirty="0" smtClean="0"/>
+              <a:t>依赖</a:t>
+            </a:r>
+            <a:endParaRPr kumimoji="1" lang="en-US" altLang="zh-CN" sz="1200" dirty="0" smtClean="0"/>
+          </a:p>
+          <a:p>
+            <a:r>
+              <a:rPr kumimoji="1" lang="en-US" altLang="zh-CN" sz="1200" dirty="0" smtClean="0"/>
+              <a:t>Maven</a:t>
+            </a:r>
+            <a:r>
+              <a:rPr kumimoji="1" lang="zh-CN" altLang="en-US" sz="1200" dirty="0" smtClean="0"/>
+              <a:t>私服</a:t>
+            </a:r>
+            <a:endParaRPr kumimoji="1" lang="zh-CN" altLang="en-US" sz="1200" dirty="0"/>
+          </a:p>
+        </p:txBody>
+      </p:sp>
+      <p:sp>
+        <p:nvSpPr>
+          <p:cNvPr id="55" name="文本框 54"/>
+          <p:cNvSpPr txBox="1"/>
+          <p:nvPr/>
+        </p:nvSpPr>
+        <p:spPr>
+          <a:xfrm flipH="1">
+            <a:off x="4958970" y="2828541"/>
+            <a:ext cx="1224132" cy="461665"/>
+          </a:xfrm>
+          <a:prstGeom prst="rect">
+            <a:avLst/>
+          </a:prstGeom>
+          <a:noFill/>
+        </p:spPr>
+        <p:txBody>
+          <a:bodyPr wrap="square" rtlCol="0">
+            <a:spAutoFit/>
+          </a:bodyPr>
+          <a:lstStyle/>
+          <a:p>
+            <a:r>
+              <a:rPr kumimoji="1" lang="en-US" altLang="zh-CN" sz="1200" dirty="0" smtClean="0"/>
+              <a:t>POM</a:t>
+            </a:r>
+            <a:r>
+              <a:rPr kumimoji="1" lang="zh-CN" altLang="en-US" sz="1200" dirty="0" smtClean="0"/>
+              <a:t>依赖</a:t>
+            </a:r>
+            <a:endParaRPr kumimoji="1" lang="en-US" altLang="zh-CN" sz="1200" dirty="0" smtClean="0"/>
+          </a:p>
+          <a:p>
+            <a:r>
+              <a:rPr kumimoji="1" lang="en-US" altLang="zh-CN" sz="1200" dirty="0" smtClean="0"/>
+              <a:t>Maven</a:t>
+            </a:r>
+            <a:r>
+              <a:rPr kumimoji="1" lang="zh-CN" altLang="en-US" sz="1200" dirty="0" smtClean="0"/>
+              <a:t>私服</a:t>
+            </a:r>
+            <a:endParaRPr kumimoji="1" lang="zh-CN" altLang="en-US" sz="1200" dirty="0"/>
+          </a:p>
+        </p:txBody>
+      </p:sp>
+      <p:sp>
+        <p:nvSpPr>
+          <p:cNvPr id="56" name="矩形 55"/>
+          <p:cNvSpPr/>
+          <p:nvPr/>
+        </p:nvSpPr>
+        <p:spPr>
+          <a:xfrm>
+            <a:off x="3379454" y="1842113"/>
+            <a:ext cx="1522005" cy="226358"/>
+          </a:xfrm>
+          <a:prstGeom prst="rect">
+            <a:avLst/>
+          </a:prstGeom>
+          <a:solidFill>
+            <a:schemeClr val="bg1">
+              <a:lumMod val="95000"/>
+            </a:schemeClr>
+          </a:solidFill>
+        </p:spPr>
+        <p:style>
+          <a:lnRef idx="2">
+            <a:schemeClr val="accent1">
+              <a:shade val="50000"/>
+            </a:schemeClr>
+          </a:lnRef>
+          <a:fillRef idx="1">
+            <a:schemeClr val="accent1"/>
+          </a:fillRef>
+          <a:effectRef idx="0">
+            <a:schemeClr val="accent1"/>
+          </a:effectRef>
+          <a:fontRef idx="minor">
+            <a:schemeClr val="lt1"/>
+          </a:fontRef>
+        </p:style>
+        <p:txBody>
+          <a:bodyPr rtlCol="0" anchor="ctr"/>
+          <a:lstStyle/>
+          <a:p>
+            <a:pPr algn="ctr"/>
+            <a:r>
+              <a:rPr kumimoji="1" lang="en-US" altLang="zh-CN" sz="1200" smtClean="0">
+                <a:solidFill>
+                  <a:schemeClr val="tx1"/>
+                </a:solidFill>
+              </a:rPr>
+              <a:t>tools-maven-plugin</a:t>
+            </a:r>
+            <a:endParaRPr kumimoji="1" lang="zh-CN" altLang="en-US" sz="1200" dirty="0">
+              <a:solidFill>
+                <a:schemeClr val="tx1"/>
+              </a:solidFill>
+            </a:endParaRPr>
+          </a:p>
+        </p:txBody>
+      </p:sp>
+      <p:sp>
+        <p:nvSpPr>
+          <p:cNvPr id="31" name="矩形 30"/>
+          <p:cNvSpPr/>
+          <p:nvPr/>
+        </p:nvSpPr>
+        <p:spPr>
+          <a:xfrm>
+            <a:off x="230709" y="724262"/>
+            <a:ext cx="1800493" cy="369332"/>
+          </a:xfrm>
+          <a:prstGeom prst="rect">
+            <a:avLst/>
+          </a:prstGeom>
+        </p:spPr>
+        <p:txBody>
+          <a:bodyPr wrap="none">
+            <a:spAutoFit/>
+          </a:bodyPr>
+          <a:lstStyle/>
+          <a:p>
+            <a:r>
+              <a:rPr kumimoji="1" lang="zh-CN" altLang="en-US"/>
+              <a:t>团队的职责分离</a:t>
+            </a:r>
+            <a:endParaRPr lang="zh-CN" altLang="en-US"/>
           </a:p>
         </p:txBody>
       </p:sp>
     </p:spTree>
     <p:extLst>
       <p:ext uri="{BB962C8B-B14F-4D97-AF65-F5344CB8AC3E}">
-        <p14:creationId xmlns:p14="http://schemas.microsoft.com/office/powerpoint/2010/main" val="190099156"/>
+        <p14:creationId xmlns:p14="http://schemas.microsoft.com/office/powerpoint/2010/main" val="1693976754"/>
       </p:ext>
     </p:extLst>
   </p:cSld>
@@ -3914,20 +5225,20 @@
       </p:grpSpPr>
       <p:sp>
         <p:nvSpPr>
-          <p:cNvPr id="43" name="矩形 42"/>
+          <p:cNvPr id="80" name="矩形 79"/>
           <p:cNvSpPr/>
           <p:nvPr/>
         </p:nvSpPr>
         <p:spPr>
           <a:xfrm>
-            <a:off x="3059832" y="969773"/>
-            <a:ext cx="2577599" cy="1818001"/>
+            <a:off x="539552" y="2406743"/>
+            <a:ext cx="3456384" cy="2521674"/>
           </a:xfrm>
           <a:prstGeom prst="rect">
             <a:avLst/>
           </a:prstGeom>
           <a:solidFill>
-            <a:schemeClr val="tx1"/>
+            <a:srgbClr val="FFC000"/>
           </a:solidFill>
         </p:spPr>
         <p:style>
@@ -3952,10 +5263,75 @@
           <a:p>
             <a:pPr algn="ctr"/>
             <a:r>
-              <a:rPr kumimoji="1" lang="zh-CN" altLang="en-US" sz="1400" dirty="0" smtClean="0"/>
-              <a:t>公共工程</a:t>
-            </a:r>
-            <a:endParaRPr kumimoji="1" lang="zh-CN" altLang="en-US" sz="1400" dirty="0"/>
+              <a:rPr kumimoji="1" lang="zh-CN" altLang="en-US" sz="1400" dirty="0" smtClean="0">
+                <a:solidFill>
+                  <a:schemeClr val="tx1"/>
+                </a:solidFill>
+              </a:rPr>
+              <a:t>前端架构</a:t>
+            </a:r>
+            <a:endParaRPr kumimoji="1" lang="zh-CN" altLang="en-US" sz="1400" dirty="0">
+              <a:solidFill>
+                <a:schemeClr val="tx1"/>
+              </a:solidFill>
+            </a:endParaRPr>
+          </a:p>
+        </p:txBody>
+      </p:sp>
+      <p:sp>
+        <p:nvSpPr>
+          <p:cNvPr id="27" name="矩形 26"/>
+          <p:cNvSpPr/>
+          <p:nvPr/>
+        </p:nvSpPr>
+        <p:spPr>
+          <a:xfrm>
+            <a:off x="745739" y="3119159"/>
+            <a:ext cx="3106181" cy="716664"/>
+          </a:xfrm>
+          <a:prstGeom prst="rect">
+            <a:avLst/>
+          </a:prstGeom>
+          <a:solidFill>
+            <a:schemeClr val="bg1">
+              <a:lumMod val="95000"/>
+            </a:schemeClr>
+          </a:solidFill>
+        </p:spPr>
+        <p:style>
+          <a:lnRef idx="2">
+            <a:schemeClr val="accent1">
+              <a:shade val="50000"/>
+            </a:schemeClr>
+          </a:lnRef>
+          <a:fillRef idx="1">
+            <a:schemeClr val="accent1"/>
+          </a:fillRef>
+          <a:effectRef idx="0">
+            <a:schemeClr val="accent1"/>
+          </a:effectRef>
+          <a:fontRef idx="minor">
+            <a:schemeClr val="lt1"/>
+          </a:fontRef>
+        </p:style>
+        <p:txBody>
+          <a:bodyPr rtlCol="0" anchor="b"/>
+          <a:lstStyle/>
+          <a:p>
+            <a:pPr algn="ctr"/>
+            <a:r>
+              <a:rPr kumimoji="1" lang="en-US" altLang="zh-CN" sz="1200" smtClean="0">
+                <a:solidFill>
+                  <a:schemeClr val="tx1"/>
+                </a:solidFill>
+              </a:rPr>
+              <a:t>MVVC</a:t>
+            </a:r>
+            <a:endParaRPr kumimoji="1" lang="zh-CN" altLang="en-US" sz="1200" dirty="0">
+              <a:solidFill>
+                <a:schemeClr val="tx1"/>
+              </a:solidFill>
+            </a:endParaRPr>
           </a:p>
         </p:txBody>
       </p:sp>
@@ -3984,7 +5360,7 @@
             </a:r>
             <a:r>
               <a:rPr kumimoji="1" lang="zh-CN" altLang="en-US" dirty="0" smtClean="0"/>
-              <a:t>后分离的工程体系</a:t>
+              <a:t>后分离的技术体系</a:t>
             </a:r>
             <a:endParaRPr kumimoji="1" lang="zh-CN" altLang="en-US" dirty="0"/>
           </a:p>
@@ -4038,20 +5414,20 @@
       </p:sp>
       <p:sp>
         <p:nvSpPr>
-          <p:cNvPr id="80" name="矩形 79"/>
+          <p:cNvPr id="81" name="矩形 80"/>
           <p:cNvSpPr/>
           <p:nvPr/>
         </p:nvSpPr>
         <p:spPr>
           <a:xfrm>
-            <a:off x="755571" y="3291829"/>
-            <a:ext cx="2736309" cy="1636587"/>
+            <a:off x="4860032" y="2406743"/>
+            <a:ext cx="3816424" cy="2521674"/>
           </a:xfrm>
           <a:prstGeom prst="rect">
             <a:avLst/>
           </a:prstGeom>
           <a:solidFill>
-            <a:srgbClr val="FFC000"/>
+            <a:srgbClr val="0070C0"/>
           </a:solidFill>
         </p:spPr>
         <p:style>
@@ -4076,1344 +5452,8 @@
           <a:p>
             <a:pPr algn="ctr"/>
             <a:r>
-              <a:rPr kumimoji="1" lang="zh-CN" altLang="en-US" sz="1400" dirty="0" smtClean="0">
-                <a:solidFill>
-                  <a:schemeClr val="tx1"/>
-                </a:solidFill>
-              </a:rPr>
-              <a:t>前端工程</a:t>
-            </a:r>
-            <a:endParaRPr kumimoji="1" lang="zh-CN" altLang="en-US" sz="1400" dirty="0">
-              <a:solidFill>
-                <a:schemeClr val="tx1"/>
-              </a:solidFill>
-            </a:endParaRPr>
-          </a:p>
-        </p:txBody>
-      </p:sp>
-      <p:sp>
-        <p:nvSpPr>
-          <p:cNvPr id="81" name="矩形 80"/>
-          <p:cNvSpPr/>
-          <p:nvPr/>
-        </p:nvSpPr>
-        <p:spPr>
-          <a:xfrm>
-            <a:off x="4958970" y="3291829"/>
-            <a:ext cx="2952328" cy="1636588"/>
-          </a:xfrm>
-          <a:prstGeom prst="rect">
-            <a:avLst/>
-          </a:prstGeom>
-          <a:solidFill>
-            <a:srgbClr val="0070C0"/>
-          </a:solidFill>
-        </p:spPr>
-        <p:style>
-          <a:lnRef idx="2">
-            <a:schemeClr val="accent1">
-              <a:shade val="50000"/>
-            </a:schemeClr>
-          </a:lnRef>
-          <a:fillRef idx="1">
-            <a:schemeClr val="accent1"/>
-          </a:fillRef>
-          <a:effectRef idx="0">
-            <a:schemeClr val="accent1"/>
-          </a:effectRef>
-          <a:fontRef idx="minor">
-            <a:schemeClr val="lt1"/>
-          </a:fontRef>
-        </p:style>
-        <p:txBody>
-          <a:bodyPr rtlCol="0" anchor="t"/>
-          <a:lstStyle/>
-          <a:p>
-            <a:pPr algn="ctr"/>
-            <a:r>
               <a:rPr kumimoji="1" lang="zh-CN" altLang="en-US" sz="1400" dirty="0" smtClean="0"/>
-              <a:t>后端工程</a:t>
-            </a:r>
-            <a:endParaRPr kumimoji="1" lang="zh-CN" altLang="en-US" sz="1400" dirty="0"/>
-          </a:p>
-        </p:txBody>
-      </p:sp>
-      <p:sp>
-        <p:nvSpPr>
-          <p:cNvPr id="18" name="三角形 17"/>
-          <p:cNvSpPr/>
-          <p:nvPr/>
-        </p:nvSpPr>
-        <p:spPr>
-          <a:xfrm>
-            <a:off x="230709" y="2564155"/>
-            <a:ext cx="1571300" cy="1143915"/>
-          </a:xfrm>
-          <a:prstGeom prst="triangle">
-            <a:avLst/>
-          </a:prstGeom>
-          <a:solidFill>
-            <a:srgbClr val="FFC000"/>
-          </a:solidFill>
-        </p:spPr>
-        <p:style>
-          <a:lnRef idx="2">
-            <a:schemeClr val="accent1">
-              <a:shade val="50000"/>
-            </a:schemeClr>
-          </a:lnRef>
-          <a:fillRef idx="1">
-            <a:schemeClr val="accent1"/>
-          </a:fillRef>
-          <a:effectRef idx="0">
-            <a:schemeClr val="accent1"/>
-          </a:effectRef>
-          <a:fontRef idx="minor">
-            <a:schemeClr val="lt1"/>
-          </a:fontRef>
-        </p:style>
-        <p:txBody>
-          <a:bodyPr rtlCol="0" anchor="t"/>
-          <a:lstStyle/>
-          <a:p>
-            <a:pPr algn="ctr"/>
-            <a:r>
-              <a:rPr kumimoji="1" lang="zh-CN" altLang="en-US" sz="1400" dirty="0" smtClean="0">
-                <a:solidFill>
-                  <a:schemeClr val="tx1"/>
-                </a:solidFill>
-              </a:rPr>
-              <a:t>前端开发成员</a:t>
-            </a:r>
-            <a:endParaRPr kumimoji="1" lang="zh-CN" altLang="en-US" sz="1400" dirty="0">
-              <a:solidFill>
-                <a:schemeClr val="tx1"/>
-              </a:solidFill>
-            </a:endParaRPr>
-          </a:p>
-        </p:txBody>
-      </p:sp>
-      <p:sp>
-        <p:nvSpPr>
-          <p:cNvPr id="105" name="三角形 104"/>
-          <p:cNvSpPr/>
-          <p:nvPr/>
-        </p:nvSpPr>
-        <p:spPr>
-          <a:xfrm>
-            <a:off x="7016530" y="2665109"/>
-            <a:ext cx="1443902" cy="1143915"/>
-          </a:xfrm>
-          <a:prstGeom prst="triangle">
-            <a:avLst/>
-          </a:prstGeom>
-          <a:solidFill>
-            <a:srgbClr val="0070C0"/>
-          </a:solidFill>
-        </p:spPr>
-        <p:style>
-          <a:lnRef idx="2">
-            <a:schemeClr val="accent1">
-              <a:shade val="50000"/>
-            </a:schemeClr>
-          </a:lnRef>
-          <a:fillRef idx="1">
-            <a:schemeClr val="accent1"/>
-          </a:fillRef>
-          <a:effectRef idx="0">
-            <a:schemeClr val="accent1"/>
-          </a:effectRef>
-          <a:fontRef idx="minor">
-            <a:schemeClr val="lt1"/>
-          </a:fontRef>
-        </p:style>
-        <p:txBody>
-          <a:bodyPr rtlCol="0" anchor="t"/>
-          <a:lstStyle/>
-          <a:p>
-            <a:pPr algn="ctr"/>
-            <a:r>
-              <a:rPr kumimoji="1" lang="zh-CN" altLang="en-US" sz="1400" dirty="0" smtClean="0"/>
-              <a:t>后端开发成员</a:t>
-            </a:r>
-            <a:endParaRPr kumimoji="1" lang="zh-CN" altLang="en-US" sz="1400" dirty="0"/>
-          </a:p>
-        </p:txBody>
-      </p:sp>
-      <p:sp>
-        <p:nvSpPr>
-          <p:cNvPr id="26" name="矩形 25"/>
-          <p:cNvSpPr/>
-          <p:nvPr/>
-        </p:nvSpPr>
-        <p:spPr>
-          <a:xfrm>
-            <a:off x="3379455" y="1275606"/>
-            <a:ext cx="1522005" cy="226358"/>
-          </a:xfrm>
-          <a:prstGeom prst="rect">
-            <a:avLst/>
-          </a:prstGeom>
-          <a:solidFill>
-            <a:schemeClr val="bg1">
-              <a:lumMod val="95000"/>
-            </a:schemeClr>
-          </a:solidFill>
-        </p:spPr>
-        <p:style>
-          <a:lnRef idx="2">
-            <a:schemeClr val="accent1">
-              <a:shade val="50000"/>
-            </a:schemeClr>
-          </a:lnRef>
-          <a:fillRef idx="1">
-            <a:schemeClr val="accent1"/>
-          </a:fillRef>
-          <a:effectRef idx="0">
-            <a:schemeClr val="accent1"/>
-          </a:effectRef>
-          <a:fontRef idx="minor">
-            <a:schemeClr val="lt1"/>
-          </a:fontRef>
-        </p:style>
-        <p:txBody>
-          <a:bodyPr rtlCol="0" anchor="ctr"/>
-          <a:lstStyle/>
-          <a:p>
-            <a:pPr algn="ctr"/>
-            <a:r>
-              <a:rPr kumimoji="1" lang="en-US" altLang="zh-CN" sz="1200" dirty="0" smtClean="0">
-                <a:solidFill>
-                  <a:schemeClr val="tx1"/>
-                </a:solidFill>
-              </a:rPr>
-              <a:t>tools-common-*</a:t>
-            </a:r>
-            <a:endParaRPr kumimoji="1" lang="zh-CN" altLang="en-US" sz="1200" dirty="0">
-              <a:solidFill>
-                <a:schemeClr val="tx1"/>
-              </a:solidFill>
-            </a:endParaRPr>
-          </a:p>
-        </p:txBody>
-      </p:sp>
-      <p:sp>
-        <p:nvSpPr>
-          <p:cNvPr id="27" name="矩形 26"/>
-          <p:cNvSpPr/>
-          <p:nvPr/>
-        </p:nvSpPr>
-        <p:spPr>
-          <a:xfrm>
-            <a:off x="3379454" y="1560025"/>
-            <a:ext cx="1522005" cy="226358"/>
-          </a:xfrm>
-          <a:prstGeom prst="rect">
-            <a:avLst/>
-          </a:prstGeom>
-          <a:solidFill>
-            <a:schemeClr val="bg1">
-              <a:lumMod val="95000"/>
-            </a:schemeClr>
-          </a:solidFill>
-        </p:spPr>
-        <p:style>
-          <a:lnRef idx="2">
-            <a:schemeClr val="accent1">
-              <a:shade val="50000"/>
-            </a:schemeClr>
-          </a:lnRef>
-          <a:fillRef idx="1">
-            <a:schemeClr val="accent1"/>
-          </a:fillRef>
-          <a:effectRef idx="0">
-            <a:schemeClr val="accent1"/>
-          </a:effectRef>
-          <a:fontRef idx="minor">
-            <a:schemeClr val="lt1"/>
-          </a:fontRef>
-        </p:style>
-        <p:txBody>
-          <a:bodyPr rtlCol="0" anchor="ctr"/>
-          <a:lstStyle/>
-          <a:p>
-            <a:pPr algn="ctr"/>
-            <a:r>
-              <a:rPr kumimoji="1" lang="en-US" altLang="zh-CN" sz="1200" dirty="0" smtClean="0">
-                <a:solidFill>
-                  <a:schemeClr val="tx1"/>
-                </a:solidFill>
-              </a:rPr>
-              <a:t>tools-core-basic</a:t>
-            </a:r>
-            <a:endParaRPr kumimoji="1" lang="zh-CN" altLang="en-US" sz="1200" dirty="0">
-              <a:solidFill>
-                <a:schemeClr val="tx1"/>
-              </a:solidFill>
-            </a:endParaRPr>
-          </a:p>
-        </p:txBody>
-      </p:sp>
-      <p:sp>
-        <p:nvSpPr>
-          <p:cNvPr id="28" name="矩形 27"/>
-          <p:cNvSpPr/>
-          <p:nvPr/>
-        </p:nvSpPr>
-        <p:spPr>
-          <a:xfrm>
-            <a:off x="3217741" y="2132411"/>
-            <a:ext cx="1522005" cy="226358"/>
-          </a:xfrm>
-          <a:prstGeom prst="rect">
-            <a:avLst/>
-          </a:prstGeom>
-          <a:solidFill>
-            <a:srgbClr val="FFC000"/>
-          </a:solidFill>
-        </p:spPr>
-        <p:style>
-          <a:lnRef idx="2">
-            <a:schemeClr val="accent1">
-              <a:shade val="50000"/>
-            </a:schemeClr>
-          </a:lnRef>
-          <a:fillRef idx="1">
-            <a:schemeClr val="accent1"/>
-          </a:fillRef>
-          <a:effectRef idx="0">
-            <a:schemeClr val="accent1"/>
-          </a:effectRef>
-          <a:fontRef idx="minor">
-            <a:schemeClr val="lt1"/>
-          </a:fontRef>
-        </p:style>
-        <p:txBody>
-          <a:bodyPr rtlCol="0" anchor="ctr"/>
-          <a:lstStyle/>
-          <a:p>
-            <a:pPr algn="ctr"/>
-            <a:r>
-              <a:rPr kumimoji="1" lang="en-US" altLang="zh-CN" sz="1400" dirty="0" smtClean="0">
-                <a:solidFill>
-                  <a:schemeClr val="tx1"/>
-                </a:solidFill>
-              </a:rPr>
-              <a:t>tools-core-web</a:t>
-            </a:r>
-            <a:endParaRPr kumimoji="1" lang="zh-CN" altLang="en-US" sz="1400" dirty="0">
-              <a:solidFill>
-                <a:schemeClr val="tx1"/>
-              </a:solidFill>
-            </a:endParaRPr>
-          </a:p>
-        </p:txBody>
-      </p:sp>
-      <p:sp>
-        <p:nvSpPr>
-          <p:cNvPr id="29" name="矩形 28"/>
-          <p:cNvSpPr/>
-          <p:nvPr/>
-        </p:nvSpPr>
-        <p:spPr>
-          <a:xfrm>
-            <a:off x="961760" y="4124312"/>
-            <a:ext cx="1522005" cy="226358"/>
-          </a:xfrm>
-          <a:prstGeom prst="rect">
-            <a:avLst/>
-          </a:prstGeom>
-          <a:solidFill>
-            <a:schemeClr val="bg1">
-              <a:lumMod val="95000"/>
-            </a:schemeClr>
-          </a:solidFill>
-        </p:spPr>
-        <p:style>
-          <a:lnRef idx="2">
-            <a:schemeClr val="accent1">
-              <a:shade val="50000"/>
-            </a:schemeClr>
-          </a:lnRef>
-          <a:fillRef idx="1">
-            <a:schemeClr val="accent1"/>
-          </a:fillRef>
-          <a:effectRef idx="0">
-            <a:schemeClr val="accent1"/>
-          </a:effectRef>
-          <a:fontRef idx="minor">
-            <a:schemeClr val="lt1"/>
-          </a:fontRef>
-        </p:style>
-        <p:txBody>
-          <a:bodyPr rtlCol="0" anchor="ctr"/>
-          <a:lstStyle/>
-          <a:p>
-            <a:pPr algn="ctr"/>
-            <a:r>
-              <a:rPr kumimoji="1" lang="en-US" altLang="zh-CN" sz="1400" smtClean="0">
-                <a:solidFill>
-                  <a:schemeClr val="tx1"/>
-                </a:solidFill>
-              </a:rPr>
-              <a:t>tools-web-*</a:t>
-            </a:r>
-            <a:endParaRPr kumimoji="1" lang="zh-CN" altLang="en-US" sz="1400" dirty="0">
-              <a:solidFill>
-                <a:schemeClr val="tx1"/>
-              </a:solidFill>
-            </a:endParaRPr>
-          </a:p>
-        </p:txBody>
-      </p:sp>
-      <p:sp>
-        <p:nvSpPr>
-          <p:cNvPr id="30" name="矩形 29"/>
-          <p:cNvSpPr/>
-          <p:nvPr/>
-        </p:nvSpPr>
-        <p:spPr>
-          <a:xfrm>
-            <a:off x="961759" y="4433624"/>
-            <a:ext cx="1522005" cy="226358"/>
-          </a:xfrm>
-          <a:prstGeom prst="rect">
-            <a:avLst/>
-          </a:prstGeom>
-          <a:solidFill>
-            <a:schemeClr val="bg1">
-              <a:lumMod val="95000"/>
-            </a:schemeClr>
-          </a:solidFill>
-        </p:spPr>
-        <p:style>
-          <a:lnRef idx="2">
-            <a:schemeClr val="accent1">
-              <a:shade val="50000"/>
-            </a:schemeClr>
-          </a:lnRef>
-          <a:fillRef idx="1">
-            <a:schemeClr val="accent1"/>
-          </a:fillRef>
-          <a:effectRef idx="0">
-            <a:schemeClr val="accent1"/>
-          </a:effectRef>
-          <a:fontRef idx="minor">
-            <a:schemeClr val="lt1"/>
-          </a:fontRef>
-        </p:style>
-        <p:txBody>
-          <a:bodyPr rtlCol="0" anchor="ctr"/>
-          <a:lstStyle/>
-          <a:p>
-            <a:pPr algn="ctr"/>
-            <a:r>
-              <a:rPr kumimoji="1" lang="en-US" altLang="zh-CN" sz="1400" dirty="0" smtClean="0">
-                <a:solidFill>
-                  <a:schemeClr val="tx1"/>
-                </a:solidFill>
-              </a:rPr>
-              <a:t>tools-</a:t>
-            </a:r>
-            <a:r>
-              <a:rPr kumimoji="1" lang="en-US" altLang="zh-CN" sz="1400" dirty="0" err="1" smtClean="0">
-                <a:solidFill>
-                  <a:schemeClr val="tx1"/>
-                </a:solidFill>
-              </a:rPr>
-              <a:t>webview</a:t>
-            </a:r>
-            <a:r>
-              <a:rPr kumimoji="1" lang="en-US" altLang="zh-CN" sz="1400" dirty="0" smtClean="0">
-                <a:solidFill>
-                  <a:schemeClr val="tx1"/>
-                </a:solidFill>
-              </a:rPr>
-              <a:t>-*</a:t>
-            </a:r>
-            <a:endParaRPr kumimoji="1" lang="zh-CN" altLang="en-US" sz="1400" dirty="0">
-              <a:solidFill>
-                <a:schemeClr val="tx1"/>
-              </a:solidFill>
-            </a:endParaRPr>
-          </a:p>
-        </p:txBody>
-      </p:sp>
-      <p:sp>
-        <p:nvSpPr>
-          <p:cNvPr id="33" name="矩形 32"/>
-          <p:cNvSpPr/>
-          <p:nvPr/>
-        </p:nvSpPr>
-        <p:spPr>
-          <a:xfrm>
-            <a:off x="3941017" y="2438751"/>
-            <a:ext cx="1522005" cy="226358"/>
-          </a:xfrm>
-          <a:prstGeom prst="rect">
-            <a:avLst/>
-          </a:prstGeom>
-          <a:solidFill>
-            <a:srgbClr val="0070C0"/>
-          </a:solidFill>
-        </p:spPr>
-        <p:style>
-          <a:lnRef idx="2">
-            <a:schemeClr val="accent1">
-              <a:shade val="50000"/>
-            </a:schemeClr>
-          </a:lnRef>
-          <a:fillRef idx="1">
-            <a:schemeClr val="accent1"/>
-          </a:fillRef>
-          <a:effectRef idx="0">
-            <a:schemeClr val="accent1"/>
-          </a:effectRef>
-          <a:fontRef idx="minor">
-            <a:schemeClr val="lt1"/>
-          </a:fontRef>
-        </p:style>
-        <p:txBody>
-          <a:bodyPr rtlCol="0" anchor="ctr"/>
-          <a:lstStyle/>
-          <a:p>
-            <a:pPr algn="ctr"/>
-            <a:r>
-              <a:rPr kumimoji="1" lang="en-US" altLang="zh-CN" sz="1400" dirty="0" smtClean="0">
-                <a:solidFill>
-                  <a:schemeClr val="bg1"/>
-                </a:solidFill>
-              </a:rPr>
-              <a:t>tools-core-service</a:t>
-            </a:r>
-            <a:endParaRPr kumimoji="1" lang="zh-CN" altLang="en-US" sz="1400" dirty="0">
-              <a:solidFill>
-                <a:schemeClr val="bg1"/>
-              </a:solidFill>
-            </a:endParaRPr>
-          </a:p>
-        </p:txBody>
-      </p:sp>
-      <p:sp>
-        <p:nvSpPr>
-          <p:cNvPr id="34" name="矩形 33"/>
-          <p:cNvSpPr/>
-          <p:nvPr/>
-        </p:nvSpPr>
-        <p:spPr>
-          <a:xfrm>
-            <a:off x="5463023" y="4087027"/>
-            <a:ext cx="1522005" cy="226358"/>
-          </a:xfrm>
-          <a:prstGeom prst="rect">
-            <a:avLst/>
-          </a:prstGeom>
-          <a:solidFill>
-            <a:schemeClr val="bg1">
-              <a:lumMod val="95000"/>
-            </a:schemeClr>
-          </a:solidFill>
-        </p:spPr>
-        <p:style>
-          <a:lnRef idx="2">
-            <a:schemeClr val="accent1">
-              <a:shade val="50000"/>
-            </a:schemeClr>
-          </a:lnRef>
-          <a:fillRef idx="1">
-            <a:schemeClr val="accent1"/>
-          </a:fillRef>
-          <a:effectRef idx="0">
-            <a:schemeClr val="accent1"/>
-          </a:effectRef>
-          <a:fontRef idx="minor">
-            <a:schemeClr val="lt1"/>
-          </a:fontRef>
-        </p:style>
-        <p:txBody>
-          <a:bodyPr rtlCol="0" anchor="ctr"/>
-          <a:lstStyle/>
-          <a:p>
-            <a:pPr algn="ctr"/>
-            <a:r>
-              <a:rPr kumimoji="1" lang="en-US" altLang="zh-CN" sz="1400" dirty="0" smtClean="0">
-                <a:solidFill>
-                  <a:schemeClr val="tx1"/>
-                </a:solidFill>
-              </a:rPr>
-              <a:t>tools-facade-*</a:t>
-            </a:r>
-            <a:endParaRPr kumimoji="1" lang="zh-CN" altLang="en-US" sz="1400" dirty="0">
-              <a:solidFill>
-                <a:schemeClr val="tx1"/>
-              </a:solidFill>
-            </a:endParaRPr>
-          </a:p>
-        </p:txBody>
-      </p:sp>
-      <p:sp>
-        <p:nvSpPr>
-          <p:cNvPr id="35" name="矩形 34"/>
-          <p:cNvSpPr/>
-          <p:nvPr/>
-        </p:nvSpPr>
-        <p:spPr>
-          <a:xfrm>
-            <a:off x="5463022" y="4396339"/>
-            <a:ext cx="1522005" cy="226358"/>
-          </a:xfrm>
-          <a:prstGeom prst="rect">
-            <a:avLst/>
-          </a:prstGeom>
-          <a:solidFill>
-            <a:schemeClr val="bg1">
-              <a:lumMod val="95000"/>
-            </a:schemeClr>
-          </a:solidFill>
-        </p:spPr>
-        <p:style>
-          <a:lnRef idx="2">
-            <a:schemeClr val="accent1">
-              <a:shade val="50000"/>
-            </a:schemeClr>
-          </a:lnRef>
-          <a:fillRef idx="1">
-            <a:schemeClr val="accent1"/>
-          </a:fillRef>
-          <a:effectRef idx="0">
-            <a:schemeClr val="accent1"/>
-          </a:effectRef>
-          <a:fontRef idx="minor">
-            <a:schemeClr val="lt1"/>
-          </a:fontRef>
-        </p:style>
-        <p:txBody>
-          <a:bodyPr rtlCol="0" anchor="ctr"/>
-          <a:lstStyle/>
-          <a:p>
-            <a:pPr algn="ctr"/>
-            <a:r>
-              <a:rPr kumimoji="1" lang="en-US" altLang="zh-CN" sz="1400" dirty="0" smtClean="0">
-                <a:solidFill>
-                  <a:schemeClr val="tx1"/>
-                </a:solidFill>
-              </a:rPr>
-              <a:t>tools-service-*</a:t>
-            </a:r>
-            <a:endParaRPr kumimoji="1" lang="zh-CN" altLang="en-US" sz="1400" dirty="0">
-              <a:solidFill>
-                <a:schemeClr val="tx1"/>
-              </a:solidFill>
-            </a:endParaRPr>
-          </a:p>
-        </p:txBody>
-      </p:sp>
-      <p:cxnSp>
-        <p:nvCxnSpPr>
-          <p:cNvPr id="7" name="曲线连接符 6"/>
-          <p:cNvCxnSpPr>
-            <a:stCxn id="29" idx="3"/>
-            <a:endCxn id="34" idx="1"/>
-          </p:cNvCxnSpPr>
-          <p:nvPr/>
-        </p:nvCxnSpPr>
-        <p:spPr>
-          <a:xfrm flipV="1">
-            <a:off x="2483765" y="4200206"/>
-            <a:ext cx="2979258" cy="37285"/>
-          </a:xfrm>
-          <a:prstGeom prst="curvedConnector3">
-            <a:avLst>
-              <a:gd name="adj1" fmla="val 50000"/>
-            </a:avLst>
-          </a:prstGeom>
-          <a:ln w="12700">
-            <a:solidFill>
-              <a:schemeClr val="tx1"/>
-            </a:solidFill>
-            <a:prstDash val="dash"/>
-            <a:tailEnd type="triangle"/>
-          </a:ln>
-        </p:spPr>
-        <p:style>
-          <a:lnRef idx="1">
-            <a:schemeClr val="accent1"/>
-          </a:lnRef>
-          <a:fillRef idx="0">
-            <a:schemeClr val="accent1"/>
-          </a:fillRef>
-          <a:effectRef idx="0">
-            <a:schemeClr val="accent1"/>
-          </a:effectRef>
-          <a:fontRef idx="minor">
-            <a:schemeClr val="tx1"/>
-          </a:fontRef>
-        </p:style>
-      </p:cxnSp>
-      <p:cxnSp>
-        <p:nvCxnSpPr>
-          <p:cNvPr id="39" name="曲线连接符 38"/>
-          <p:cNvCxnSpPr>
-            <a:stCxn id="30" idx="3"/>
-            <a:endCxn id="34" idx="1"/>
-          </p:cNvCxnSpPr>
-          <p:nvPr/>
-        </p:nvCxnSpPr>
-        <p:spPr>
-          <a:xfrm flipV="1">
-            <a:off x="2483764" y="4200206"/>
-            <a:ext cx="2979259" cy="346597"/>
-          </a:xfrm>
-          <a:prstGeom prst="curvedConnector3">
-            <a:avLst>
-              <a:gd name="adj1" fmla="val 50000"/>
-            </a:avLst>
-          </a:prstGeom>
-          <a:ln w="12700">
-            <a:solidFill>
-              <a:schemeClr val="tx1"/>
-            </a:solidFill>
-            <a:prstDash val="dash"/>
-            <a:tailEnd type="triangle"/>
-          </a:ln>
-        </p:spPr>
-        <p:style>
-          <a:lnRef idx="1">
-            <a:schemeClr val="accent1"/>
-          </a:lnRef>
-          <a:fillRef idx="0">
-            <a:schemeClr val="accent1"/>
-          </a:fillRef>
-          <a:effectRef idx="0">
-            <a:schemeClr val="accent1"/>
-          </a:effectRef>
-          <a:fontRef idx="minor">
-            <a:schemeClr val="tx1"/>
-          </a:fontRef>
-        </p:style>
-      </p:cxnSp>
-      <p:sp>
-        <p:nvSpPr>
-          <p:cNvPr id="12" name="文本框 11"/>
-          <p:cNvSpPr txBox="1"/>
-          <p:nvPr/>
-        </p:nvSpPr>
-        <p:spPr>
-          <a:xfrm flipH="1">
-            <a:off x="3573123" y="3988015"/>
-            <a:ext cx="1224132" cy="461665"/>
-          </a:xfrm>
-          <a:prstGeom prst="rect">
-            <a:avLst/>
-          </a:prstGeom>
-          <a:noFill/>
-        </p:spPr>
-        <p:txBody>
-          <a:bodyPr wrap="square" rtlCol="0">
-            <a:spAutoFit/>
-          </a:bodyPr>
-          <a:lstStyle/>
-          <a:p>
-            <a:r>
-              <a:rPr kumimoji="1" lang="en-US" altLang="zh-CN" sz="1200" dirty="0" smtClean="0"/>
-              <a:t>POM</a:t>
-            </a:r>
-            <a:r>
-              <a:rPr kumimoji="1" lang="zh-CN" altLang="en-US" sz="1200" dirty="0" smtClean="0"/>
-              <a:t>依赖</a:t>
-            </a:r>
-            <a:endParaRPr kumimoji="1" lang="en-US" altLang="zh-CN" sz="1200" dirty="0" smtClean="0"/>
-          </a:p>
-          <a:p>
-            <a:r>
-              <a:rPr kumimoji="1" lang="en-US" altLang="zh-CN" sz="1200" dirty="0" smtClean="0"/>
-              <a:t>Maven</a:t>
-            </a:r>
-            <a:r>
-              <a:rPr kumimoji="1" lang="zh-CN" altLang="en-US" sz="1200" dirty="0" smtClean="0"/>
-              <a:t>私服</a:t>
-            </a:r>
-            <a:endParaRPr kumimoji="1" lang="zh-CN" altLang="en-US" sz="1200" dirty="0"/>
-          </a:p>
-        </p:txBody>
-      </p:sp>
-      <p:sp>
-        <p:nvSpPr>
-          <p:cNvPr id="44" name="三角形 43"/>
-          <p:cNvSpPr/>
-          <p:nvPr/>
-        </p:nvSpPr>
-        <p:spPr>
-          <a:xfrm>
-            <a:off x="4991123" y="602269"/>
-            <a:ext cx="1443902" cy="1143915"/>
-          </a:xfrm>
-          <a:prstGeom prst="triangle">
-            <a:avLst/>
-          </a:prstGeom>
-          <a:solidFill>
-            <a:schemeClr val="tx1"/>
-          </a:solidFill>
-        </p:spPr>
-        <p:style>
-          <a:lnRef idx="2">
-            <a:schemeClr val="accent1">
-              <a:shade val="50000"/>
-            </a:schemeClr>
-          </a:lnRef>
-          <a:fillRef idx="1">
-            <a:schemeClr val="accent1"/>
-          </a:fillRef>
-          <a:effectRef idx="0">
-            <a:schemeClr val="accent1"/>
-          </a:effectRef>
-          <a:fontRef idx="minor">
-            <a:schemeClr val="lt1"/>
-          </a:fontRef>
-        </p:style>
-        <p:txBody>
-          <a:bodyPr rtlCol="0" anchor="t"/>
-          <a:lstStyle/>
-          <a:p>
-            <a:pPr algn="ctr"/>
-            <a:r>
-              <a:rPr kumimoji="1" lang="zh-CN" altLang="en-US" sz="1400" smtClean="0"/>
-              <a:t>架构开发成员</a:t>
-            </a:r>
-            <a:endParaRPr kumimoji="1" lang="zh-CN" altLang="en-US" sz="1400" dirty="0"/>
-          </a:p>
-        </p:txBody>
-      </p:sp>
-      <p:cxnSp>
-        <p:nvCxnSpPr>
-          <p:cNvPr id="14" name="曲线连接符 13"/>
-          <p:cNvCxnSpPr>
-            <a:stCxn id="80" idx="0"/>
-            <a:endCxn id="43" idx="2"/>
-          </p:cNvCxnSpPr>
-          <p:nvPr/>
-        </p:nvCxnSpPr>
-        <p:spPr>
-          <a:xfrm rot="5400000" flipH="1" flipV="1">
-            <a:off x="2984152" y="1927349"/>
-            <a:ext cx="504055" cy="2224906"/>
-          </a:xfrm>
-          <a:prstGeom prst="curvedConnector3">
-            <a:avLst>
-              <a:gd name="adj1" fmla="val 50000"/>
-            </a:avLst>
-          </a:prstGeom>
-          <a:ln w="12700">
-            <a:solidFill>
-              <a:schemeClr val="tx1"/>
-            </a:solidFill>
-            <a:prstDash val="dash"/>
-            <a:tailEnd type="triangle"/>
-          </a:ln>
-        </p:spPr>
-        <p:style>
-          <a:lnRef idx="1">
-            <a:schemeClr val="accent1"/>
-          </a:lnRef>
-          <a:fillRef idx="0">
-            <a:schemeClr val="accent1"/>
-          </a:fillRef>
-          <a:effectRef idx="0">
-            <a:schemeClr val="accent1"/>
-          </a:effectRef>
-          <a:fontRef idx="minor">
-            <a:schemeClr val="tx1"/>
-          </a:fontRef>
-        </p:style>
-      </p:cxnSp>
-      <p:cxnSp>
-        <p:nvCxnSpPr>
-          <p:cNvPr id="16" name="曲线连接符 15"/>
-          <p:cNvCxnSpPr>
-            <a:stCxn id="81" idx="0"/>
-            <a:endCxn id="43" idx="2"/>
-          </p:cNvCxnSpPr>
-          <p:nvPr/>
-        </p:nvCxnSpPr>
-        <p:spPr>
-          <a:xfrm rot="16200000" flipV="1">
-            <a:off x="5139856" y="1996551"/>
-            <a:ext cx="504055" cy="2086502"/>
-          </a:xfrm>
-          <a:prstGeom prst="curvedConnector3">
-            <a:avLst/>
-          </a:prstGeom>
-          <a:ln w="12700">
-            <a:solidFill>
-              <a:schemeClr val="tx1"/>
-            </a:solidFill>
-            <a:prstDash val="dash"/>
-            <a:tailEnd type="triangle"/>
-          </a:ln>
-        </p:spPr>
-        <p:style>
-          <a:lnRef idx="1">
-            <a:schemeClr val="accent1"/>
-          </a:lnRef>
-          <a:fillRef idx="0">
-            <a:schemeClr val="accent1"/>
-          </a:fillRef>
-          <a:effectRef idx="0">
-            <a:schemeClr val="accent1"/>
-          </a:effectRef>
-          <a:fontRef idx="minor">
-            <a:schemeClr val="tx1"/>
-          </a:fontRef>
-        </p:style>
-      </p:cxnSp>
-      <p:sp>
-        <p:nvSpPr>
-          <p:cNvPr id="54" name="文本框 53"/>
-          <p:cNvSpPr txBox="1"/>
-          <p:nvPr/>
-        </p:nvSpPr>
-        <p:spPr>
-          <a:xfrm flipH="1">
-            <a:off x="2390955" y="2830163"/>
-            <a:ext cx="1224132" cy="461665"/>
-          </a:xfrm>
-          <a:prstGeom prst="rect">
-            <a:avLst/>
-          </a:prstGeom>
-          <a:noFill/>
-        </p:spPr>
-        <p:txBody>
-          <a:bodyPr wrap="square" rtlCol="0">
-            <a:spAutoFit/>
-          </a:bodyPr>
-          <a:lstStyle/>
-          <a:p>
-            <a:r>
-              <a:rPr kumimoji="1" lang="en-US" altLang="zh-CN" sz="1200" dirty="0" smtClean="0"/>
-              <a:t>POM</a:t>
-            </a:r>
-            <a:r>
-              <a:rPr kumimoji="1" lang="zh-CN" altLang="en-US" sz="1200" dirty="0" smtClean="0"/>
-              <a:t>依赖</a:t>
-            </a:r>
-            <a:endParaRPr kumimoji="1" lang="en-US" altLang="zh-CN" sz="1200" dirty="0" smtClean="0"/>
-          </a:p>
-          <a:p>
-            <a:r>
-              <a:rPr kumimoji="1" lang="en-US" altLang="zh-CN" sz="1200" dirty="0" smtClean="0"/>
-              <a:t>Maven</a:t>
-            </a:r>
-            <a:r>
-              <a:rPr kumimoji="1" lang="zh-CN" altLang="en-US" sz="1200" dirty="0" smtClean="0"/>
-              <a:t>私服</a:t>
-            </a:r>
-            <a:endParaRPr kumimoji="1" lang="zh-CN" altLang="en-US" sz="1200" dirty="0"/>
-          </a:p>
-        </p:txBody>
-      </p:sp>
-      <p:sp>
-        <p:nvSpPr>
-          <p:cNvPr id="55" name="文本框 54"/>
-          <p:cNvSpPr txBox="1"/>
-          <p:nvPr/>
-        </p:nvSpPr>
-        <p:spPr>
-          <a:xfrm flipH="1">
-            <a:off x="4958970" y="2828541"/>
-            <a:ext cx="1224132" cy="461665"/>
-          </a:xfrm>
-          <a:prstGeom prst="rect">
-            <a:avLst/>
-          </a:prstGeom>
-          <a:noFill/>
-        </p:spPr>
-        <p:txBody>
-          <a:bodyPr wrap="square" rtlCol="0">
-            <a:spAutoFit/>
-          </a:bodyPr>
-          <a:lstStyle/>
-          <a:p>
-            <a:r>
-              <a:rPr kumimoji="1" lang="en-US" altLang="zh-CN" sz="1200" dirty="0" smtClean="0"/>
-              <a:t>POM</a:t>
-            </a:r>
-            <a:r>
-              <a:rPr kumimoji="1" lang="zh-CN" altLang="en-US" sz="1200" dirty="0" smtClean="0"/>
-              <a:t>依赖</a:t>
-            </a:r>
-            <a:endParaRPr kumimoji="1" lang="en-US" altLang="zh-CN" sz="1200" dirty="0" smtClean="0"/>
-          </a:p>
-          <a:p>
-            <a:r>
-              <a:rPr kumimoji="1" lang="en-US" altLang="zh-CN" sz="1200" dirty="0" smtClean="0"/>
-              <a:t>Maven</a:t>
-            </a:r>
-            <a:r>
-              <a:rPr kumimoji="1" lang="zh-CN" altLang="en-US" sz="1200" dirty="0" smtClean="0"/>
-              <a:t>私服</a:t>
-            </a:r>
-            <a:endParaRPr kumimoji="1" lang="zh-CN" altLang="en-US" sz="1200" dirty="0"/>
-          </a:p>
-        </p:txBody>
-      </p:sp>
-      <p:sp>
-        <p:nvSpPr>
-          <p:cNvPr id="56" name="矩形 55"/>
-          <p:cNvSpPr/>
-          <p:nvPr/>
-        </p:nvSpPr>
-        <p:spPr>
-          <a:xfrm>
-            <a:off x="3379454" y="1842113"/>
-            <a:ext cx="1522005" cy="226358"/>
-          </a:xfrm>
-          <a:prstGeom prst="rect">
-            <a:avLst/>
-          </a:prstGeom>
-          <a:solidFill>
-            <a:schemeClr val="bg1">
-              <a:lumMod val="95000"/>
-            </a:schemeClr>
-          </a:solidFill>
-        </p:spPr>
-        <p:style>
-          <a:lnRef idx="2">
-            <a:schemeClr val="accent1">
-              <a:shade val="50000"/>
-            </a:schemeClr>
-          </a:lnRef>
-          <a:fillRef idx="1">
-            <a:schemeClr val="accent1"/>
-          </a:fillRef>
-          <a:effectRef idx="0">
-            <a:schemeClr val="accent1"/>
-          </a:effectRef>
-          <a:fontRef idx="minor">
-            <a:schemeClr val="lt1"/>
-          </a:fontRef>
-        </p:style>
-        <p:txBody>
-          <a:bodyPr rtlCol="0" anchor="ctr"/>
-          <a:lstStyle/>
-          <a:p>
-            <a:pPr algn="ctr"/>
-            <a:r>
-              <a:rPr kumimoji="1" lang="en-US" altLang="zh-CN" sz="1200" smtClean="0">
-                <a:solidFill>
-                  <a:schemeClr val="tx1"/>
-                </a:solidFill>
-              </a:rPr>
-              <a:t>tools-maven-plugin</a:t>
-            </a:r>
-            <a:endParaRPr kumimoji="1" lang="zh-CN" altLang="en-US" sz="1200" dirty="0">
-              <a:solidFill>
-                <a:schemeClr val="tx1"/>
-              </a:solidFill>
-            </a:endParaRPr>
-          </a:p>
-        </p:txBody>
-      </p:sp>
-      <p:sp>
-        <p:nvSpPr>
-          <p:cNvPr id="31" name="矩形 30"/>
-          <p:cNvSpPr/>
-          <p:nvPr/>
-        </p:nvSpPr>
-        <p:spPr>
-          <a:xfrm>
-            <a:off x="230709" y="724262"/>
-            <a:ext cx="1800493" cy="369332"/>
-          </a:xfrm>
-          <a:prstGeom prst="rect">
-            <a:avLst/>
-          </a:prstGeom>
-        </p:spPr>
-        <p:txBody>
-          <a:bodyPr wrap="none">
-            <a:spAutoFit/>
-          </a:bodyPr>
-          <a:lstStyle/>
-          <a:p>
-            <a:r>
-              <a:rPr kumimoji="1" lang="zh-CN" altLang="en-US"/>
-              <a:t>团队的职责分离</a:t>
-            </a:r>
-            <a:endParaRPr lang="zh-CN" altLang="en-US"/>
-          </a:p>
-        </p:txBody>
-      </p:sp>
-    </p:spTree>
-    <p:extLst>
-      <p:ext uri="{BB962C8B-B14F-4D97-AF65-F5344CB8AC3E}">
-        <p14:creationId xmlns:p14="http://schemas.microsoft.com/office/powerpoint/2010/main" val="1693976754"/>
-      </p:ext>
-    </p:extLst>
-  </p:cSld>
-  <p:clrMapOvr>
-    <a:masterClrMapping/>
-  </p:clrMapOvr>
-  <p:timing>
-    <p:tnLst>
-      <p:par>
-        <p:cTn id="1" dur="indefinite" restart="never" nodeType="tmRoot"/>
-      </p:par>
-    </p:tnLst>
-  </p:timing>
-</p:sld>
-</file>
-
-<file path=ppt/slides/slide4.xml><?xml version="1.0" encoding="utf-8"?>
-<p:sld xmlns:a="http://schemas.openxmlformats.org/drawingml/2006/main" xmlns:r="http://schemas.openxmlformats.org/officeDocument/2006/relationships" xmlns:p="http://schemas.openxmlformats.org/presentationml/2006/main">
-  <p:cSld>
-    <p:spTree>
-      <p:nvGrpSpPr>
-        <p:cNvPr id="1" name=""/>
-        <p:cNvGrpSpPr/>
-        <p:nvPr/>
-      </p:nvGrpSpPr>
-      <p:grpSpPr>
-        <a:xfrm>
-          <a:off x="0" y="0"/>
-          <a:ext cx="0" cy="0"/>
-          <a:chOff x="0" y="0"/>
-          <a:chExt cx="0" cy="0"/>
-        </a:xfrm>
-      </p:grpSpPr>
-      <p:sp>
-        <p:nvSpPr>
-          <p:cNvPr id="80" name="矩形 79"/>
-          <p:cNvSpPr/>
-          <p:nvPr/>
-        </p:nvSpPr>
-        <p:spPr>
-          <a:xfrm>
-            <a:off x="539552" y="2406743"/>
-            <a:ext cx="3456384" cy="2521674"/>
-          </a:xfrm>
-          <a:prstGeom prst="rect">
-            <a:avLst/>
-          </a:prstGeom>
-          <a:solidFill>
-            <a:srgbClr val="FFC000"/>
-          </a:solidFill>
-        </p:spPr>
-        <p:style>
-          <a:lnRef idx="2">
-            <a:schemeClr val="accent1">
-              <a:shade val="50000"/>
-            </a:schemeClr>
-          </a:lnRef>
-          <a:fillRef idx="1">
-            <a:schemeClr val="accent1"/>
-          </a:fillRef>
-          <a:effectRef idx="0">
-            <a:schemeClr val="accent1"/>
-          </a:effectRef>
-          <a:fontRef idx="minor">
-            <a:schemeClr val="lt1"/>
-          </a:fontRef>
-        </p:style>
-        <p:txBody>
-          <a:bodyPr rtlCol="0" anchor="t"/>
-          <a:lstStyle/>
-          <a:p>
-            <a:pPr algn="ctr"/>
-            <a:r>
-              <a:rPr kumimoji="1" lang="zh-CN" altLang="en-US" sz="1400" dirty="0" smtClean="0">
-                <a:solidFill>
-                  <a:schemeClr val="tx1"/>
-                </a:solidFill>
-              </a:rPr>
-              <a:t>前端架构</a:t>
-            </a:r>
-            <a:endParaRPr kumimoji="1" lang="zh-CN" altLang="en-US" sz="1400" dirty="0">
-              <a:solidFill>
-                <a:schemeClr val="tx1"/>
-              </a:solidFill>
-            </a:endParaRPr>
-          </a:p>
-        </p:txBody>
-      </p:sp>
-      <p:sp>
-        <p:nvSpPr>
-          <p:cNvPr id="27" name="矩形 26"/>
-          <p:cNvSpPr/>
-          <p:nvPr/>
-        </p:nvSpPr>
-        <p:spPr>
-          <a:xfrm>
-            <a:off x="745739" y="3119159"/>
-            <a:ext cx="3106181" cy="716664"/>
-          </a:xfrm>
-          <a:prstGeom prst="rect">
-            <a:avLst/>
-          </a:prstGeom>
-          <a:solidFill>
-            <a:schemeClr val="bg1">
-              <a:lumMod val="95000"/>
-            </a:schemeClr>
-          </a:solidFill>
-        </p:spPr>
-        <p:style>
-          <a:lnRef idx="2">
-            <a:schemeClr val="accent1">
-              <a:shade val="50000"/>
-            </a:schemeClr>
-          </a:lnRef>
-          <a:fillRef idx="1">
-            <a:schemeClr val="accent1"/>
-          </a:fillRef>
-          <a:effectRef idx="0">
-            <a:schemeClr val="accent1"/>
-          </a:effectRef>
-          <a:fontRef idx="minor">
-            <a:schemeClr val="lt1"/>
-          </a:fontRef>
-        </p:style>
-        <p:txBody>
-          <a:bodyPr rtlCol="0" anchor="b"/>
-          <a:lstStyle/>
-          <a:p>
-            <a:pPr algn="ctr"/>
-            <a:r>
-              <a:rPr kumimoji="1" lang="en-US" altLang="zh-CN" sz="1200" smtClean="0">
-                <a:solidFill>
-                  <a:schemeClr val="tx1"/>
-                </a:solidFill>
-              </a:rPr>
-              <a:t>MVVC</a:t>
-            </a:r>
-            <a:endParaRPr kumimoji="1" lang="zh-CN" altLang="en-US" sz="1200" dirty="0">
-              <a:solidFill>
-                <a:schemeClr val="tx1"/>
-              </a:solidFill>
-            </a:endParaRPr>
-          </a:p>
-        </p:txBody>
-      </p:sp>
-      <p:sp>
-        <p:nvSpPr>
-          <p:cNvPr id="2" name="标题 1"/>
-          <p:cNvSpPr>
-            <a:spLocks noGrp="1"/>
-          </p:cNvSpPr>
-          <p:nvPr>
-            <p:ph type="ctrTitle"/>
-          </p:nvPr>
-        </p:nvSpPr>
-        <p:spPr/>
-        <p:txBody>
-          <a:bodyPr/>
-          <a:lstStyle/>
-          <a:p>
-            <a:r>
-              <a:rPr kumimoji="1" lang="zh-CN" altLang="en-US" dirty="0" smtClean="0"/>
-              <a:t>前</a:t>
-            </a:r>
-            <a:r>
-              <a:rPr kumimoji="1" lang="en-US" altLang="zh-CN" dirty="0" smtClean="0"/>
-              <a:t>-</a:t>
-            </a:r>
-            <a:r>
-              <a:rPr kumimoji="1" lang="zh-CN" altLang="en-US" dirty="0" smtClean="0"/>
-              <a:t>后分离的技术体系</a:t>
-            </a:r>
-            <a:endParaRPr kumimoji="1" lang="zh-CN" altLang="en-US" dirty="0"/>
-          </a:p>
-        </p:txBody>
-      </p:sp>
-      <p:sp>
-        <p:nvSpPr>
-          <p:cNvPr id="3" name="文本框 2"/>
-          <p:cNvSpPr txBox="1"/>
-          <p:nvPr/>
-        </p:nvSpPr>
-        <p:spPr>
-          <a:xfrm flipH="1">
-            <a:off x="4601693" y="295944"/>
-            <a:ext cx="3066650" cy="369332"/>
-          </a:xfrm>
-          <a:prstGeom prst="rect">
-            <a:avLst/>
-          </a:prstGeom>
-          <a:noFill/>
-        </p:spPr>
-        <p:txBody>
-          <a:bodyPr wrap="square" rtlCol="0">
-            <a:spAutoFit/>
-          </a:bodyPr>
-          <a:lstStyle/>
-          <a:p>
-            <a:r>
-              <a:rPr kumimoji="1" lang="zh-CN" altLang="en-US" dirty="0" smtClean="0">
-                <a:solidFill>
-                  <a:srgbClr val="C00000"/>
-                </a:solidFill>
-              </a:rPr>
-              <a:t>团队及</a:t>
-            </a:r>
-            <a:r>
-              <a:rPr kumimoji="1" lang="zh-CN" altLang="en-US" smtClean="0">
-                <a:solidFill>
-                  <a:srgbClr val="C00000"/>
-                </a:solidFill>
-              </a:rPr>
-              <a:t>架构，架构及未来！</a:t>
-            </a:r>
-            <a:endParaRPr kumimoji="1" lang="zh-CN" altLang="en-US">
-              <a:solidFill>
-                <a:srgbClr val="C00000"/>
-              </a:solidFill>
-            </a:endParaRPr>
-          </a:p>
-        </p:txBody>
-      </p:sp>
-      <p:sp>
-        <p:nvSpPr>
-          <p:cNvPr id="81" name="矩形 80"/>
-          <p:cNvSpPr/>
-          <p:nvPr/>
-        </p:nvSpPr>
-        <p:spPr>
-          <a:xfrm>
-            <a:off x="4860032" y="2406743"/>
-            <a:ext cx="3816424" cy="2521674"/>
-          </a:xfrm>
-          <a:prstGeom prst="rect">
-            <a:avLst/>
-          </a:prstGeom>
-          <a:solidFill>
-            <a:srgbClr val="0070C0"/>
-          </a:solidFill>
-        </p:spPr>
-        <p:style>
-          <a:lnRef idx="2">
-            <a:schemeClr val="accent1">
-              <a:shade val="50000"/>
-            </a:schemeClr>
-          </a:lnRef>
-          <a:fillRef idx="1">
-            <a:schemeClr val="accent1"/>
-          </a:fillRef>
-          <a:effectRef idx="0">
-            <a:schemeClr val="accent1"/>
-          </a:effectRef>
-          <a:fontRef idx="minor">
-            <a:schemeClr val="lt1"/>
-          </a:fontRef>
-        </p:style>
-        <p:txBody>
-          <a:bodyPr rtlCol="0" anchor="t"/>
-          <a:lstStyle/>
-          <a:p>
-            <a:pPr algn="ctr"/>
-            <a:r>
-              <a:rPr kumimoji="1" lang="zh-CN" altLang="en-US" sz="1400" dirty="0" smtClean="0"/>
-              <a:t>后端</a:t>
-            </a:r>
-            <a:r>
-              <a:rPr kumimoji="1" lang="zh-CN" altLang="en-US" sz="1400" dirty="0" smtClean="0"/>
-              <a:t>架构</a:t>
+              <a:t>后端架构</a:t>
             </a:r>
             <a:endParaRPr kumimoji="1" lang="en-US" altLang="zh-CN" sz="1400" dirty="0" smtClean="0"/>
           </a:p>
@@ -6540,7 +6580,7 @@
 </p:sld>
 </file>
 
-<file path=ppt/slides/slide5.xml><?xml version="1.0" encoding="utf-8"?>
+<file path=ppt/slides/slide4.xml><?xml version="1.0" encoding="utf-8"?>
 <p:sld xmlns:a="http://schemas.openxmlformats.org/drawingml/2006/main" xmlns:r="http://schemas.openxmlformats.org/officeDocument/2006/relationships" xmlns:p="http://schemas.openxmlformats.org/presentationml/2006/main">
   <p:cSld>
     <p:spTree>
@@ -6698,15 +6738,7 @@
                     <a:schemeClr val="tx1"/>
                   </a:solidFill>
                 </a:rPr>
-                <a:t>前端</a:t>
-              </a:r>
-              <a:r>
-                <a:rPr kumimoji="1" lang="zh-CN" altLang="en-US" sz="1400" dirty="0" smtClean="0">
-                  <a:solidFill>
-                    <a:schemeClr val="tx1"/>
-                  </a:solidFill>
-                </a:rPr>
-                <a:t>开发</a:t>
+                <a:t>前端开发</a:t>
               </a:r>
               <a:endParaRPr kumimoji="1" lang="zh-CN" altLang="en-US" sz="1400" dirty="0">
                 <a:solidFill>
@@ -7046,15 +7078,7 @@
                     <a:schemeClr val="bg1"/>
                   </a:solidFill>
                 </a:rPr>
-                <a:t>后端</a:t>
-              </a:r>
-              <a:r>
-                <a:rPr kumimoji="1" lang="zh-CN" altLang="en-US" sz="1400" dirty="0" smtClean="0">
-                  <a:solidFill>
-                    <a:schemeClr val="bg1"/>
-                  </a:solidFill>
-                </a:rPr>
-                <a:t>开发</a:t>
+                <a:t>后端开发</a:t>
               </a:r>
               <a:endParaRPr kumimoji="1" lang="zh-CN" altLang="en-US" sz="1400" dirty="0">
                 <a:solidFill>
@@ -8035,6 +8059,167 @@
             </p:seq>
           </p:childTnLst>
         </p:cTn>
+      </p:par>
+    </p:tnLst>
+  </p:timing>
+</p:sld>
+</file>
+
+<file path=ppt/slides/slide5.xml><?xml version="1.0" encoding="utf-8"?>
+<p:sld xmlns:a="http://schemas.openxmlformats.org/drawingml/2006/main" xmlns:r="http://schemas.openxmlformats.org/officeDocument/2006/relationships" xmlns:p="http://schemas.openxmlformats.org/presentationml/2006/main">
+  <p:cSld>
+    <p:spTree>
+      <p:nvGrpSpPr>
+        <p:cNvPr id="1" name=""/>
+        <p:cNvGrpSpPr/>
+        <p:nvPr/>
+      </p:nvGrpSpPr>
+      <p:grpSpPr>
+        <a:xfrm>
+          <a:off x="0" y="0"/>
+          <a:ext cx="0" cy="0"/>
+          <a:chOff x="0" y="0"/>
+          <a:chExt cx="0" cy="0"/>
+        </a:xfrm>
+      </p:grpSpPr>
+      <p:sp>
+        <p:nvSpPr>
+          <p:cNvPr id="2" name="标题 1"/>
+          <p:cNvSpPr>
+            <a:spLocks noGrp="1"/>
+          </p:cNvSpPr>
+          <p:nvPr>
+            <p:ph type="ctrTitle"/>
+          </p:nvPr>
+        </p:nvSpPr>
+        <p:spPr/>
+        <p:txBody>
+          <a:bodyPr/>
+          <a:lstStyle/>
+          <a:p>
+            <a:r>
+              <a:rPr kumimoji="1" lang="zh-CN" altLang="en-US" dirty="0" smtClean="0"/>
+              <a:t>前－后分离</a:t>
+            </a:r>
+            <a:endParaRPr kumimoji="1" lang="zh-CN" altLang="en-US" dirty="0"/>
+          </a:p>
+        </p:txBody>
+      </p:sp>
+      <p:sp>
+        <p:nvSpPr>
+          <p:cNvPr id="3" name="文本框 2"/>
+          <p:cNvSpPr txBox="1"/>
+          <p:nvPr/>
+        </p:nvSpPr>
+        <p:spPr>
+          <a:xfrm>
+            <a:off x="1115616" y="1275606"/>
+            <a:ext cx="5724644" cy="1754326"/>
+          </a:xfrm>
+          <a:prstGeom prst="rect">
+            <a:avLst/>
+          </a:prstGeom>
+          <a:noFill/>
+        </p:spPr>
+        <p:txBody>
+          <a:bodyPr wrap="none" rtlCol="0">
+            <a:spAutoFit/>
+          </a:bodyPr>
+          <a:lstStyle/>
+          <a:p>
+            <a:pPr>
+              <a:lnSpc>
+                <a:spcPct val="150000"/>
+              </a:lnSpc>
+            </a:pPr>
+            <a:r>
+              <a:rPr kumimoji="1" lang="zh-CN" altLang="en-US" dirty="0" smtClean="0"/>
+              <a:t>‘</a:t>
+            </a:r>
+            <a:r>
+              <a:rPr kumimoji="1" lang="zh-CN" altLang="en-US" dirty="0"/>
+              <a:t>前后分离</a:t>
+            </a:r>
+            <a:r>
+              <a:rPr kumimoji="1" lang="zh-CN" altLang="en-US" dirty="0" smtClean="0"/>
+              <a:t>’是一个架构思想，我们的实现手段如下：</a:t>
+            </a:r>
+            <a:endParaRPr kumimoji="1" lang="en-US" altLang="zh-CN" dirty="0" smtClean="0"/>
+          </a:p>
+          <a:p>
+            <a:pPr marL="342900" indent="-342900">
+              <a:lnSpc>
+                <a:spcPct val="150000"/>
+              </a:lnSpc>
+              <a:buFont typeface="+mj-lt"/>
+              <a:buAutoNum type="arabicPeriod"/>
+            </a:pPr>
+            <a:r>
+              <a:rPr kumimoji="1" lang="zh-CN" altLang="en-US" dirty="0" smtClean="0"/>
+              <a:t>分离团队</a:t>
+            </a:r>
+            <a:r>
+              <a:rPr kumimoji="1" lang="zh-CN" altLang="en-US" dirty="0" smtClean="0"/>
+              <a:t>的</a:t>
+            </a:r>
+            <a:r>
+              <a:rPr kumimoji="1" lang="zh-CN" altLang="en-US" dirty="0" smtClean="0"/>
+              <a:t>职责；</a:t>
+            </a:r>
+            <a:endParaRPr kumimoji="1" lang="en-US" altLang="zh-CN" dirty="0" smtClean="0"/>
+          </a:p>
+          <a:p>
+            <a:pPr marL="342900" indent="-342900">
+              <a:lnSpc>
+                <a:spcPct val="150000"/>
+              </a:lnSpc>
+              <a:buFont typeface="+mj-lt"/>
+              <a:buAutoNum type="arabicPeriod"/>
+            </a:pPr>
+            <a:r>
+              <a:rPr kumimoji="1" lang="zh-CN" altLang="en-US" dirty="0" smtClean="0"/>
+              <a:t>隔离</a:t>
+            </a:r>
+            <a:r>
+              <a:rPr kumimoji="1" lang="zh-CN" altLang="en-US" dirty="0" smtClean="0"/>
+              <a:t>的开发协作方式</a:t>
+            </a:r>
+            <a:r>
+              <a:rPr kumimoji="1" lang="zh-CN" altLang="en-US" dirty="0" smtClean="0"/>
+              <a:t>；</a:t>
+            </a:r>
+            <a:endParaRPr kumimoji="1" lang="en-US" altLang="zh-CN" dirty="0" smtClean="0"/>
+          </a:p>
+          <a:p>
+            <a:pPr marL="342900" indent="-342900">
+              <a:lnSpc>
+                <a:spcPct val="150000"/>
+              </a:lnSpc>
+              <a:buFont typeface="+mj-lt"/>
+              <a:buAutoNum type="arabicPeriod"/>
+            </a:pPr>
+            <a:r>
+              <a:rPr kumimoji="1" lang="zh-CN" altLang="en-US" dirty="0" smtClean="0"/>
+              <a:t>合适的技术选型，清晰的系统分层；</a:t>
+            </a:r>
+            <a:endParaRPr kumimoji="1" lang="en-US" altLang="zh-CN" dirty="0"/>
+          </a:p>
+        </p:txBody>
+      </p:sp>
+    </p:spTree>
+    <p:extLst>
+      <p:ext uri="{BB962C8B-B14F-4D97-AF65-F5344CB8AC3E}">
+        <p14:creationId xmlns:p14="http://schemas.microsoft.com/office/powerpoint/2010/main" val="190099156"/>
+      </p:ext>
+    </p:extLst>
+  </p:cSld>
+  <p:clrMapOvr>
+    <a:masterClrMapping/>
+  </p:clrMapOvr>
+  <p:timing>
+    <p:tnLst>
+      <p:par>
+        <p:cTn id="1" dur="indefinite" restart="never" nodeType="tmRoot"/>
       </p:par>
     </p:tnLst>
   </p:timing>
